--- a/PPTs/04 Advanced Components.pptx
+++ b/PPTs/04 Advanced Components.pptx
@@ -5,7 +5,7 @@
     <p:sldMasterId id="2147483672" r:id="rId1"/>
   </p:sldMasterIdLst>
   <p:notesMasterIdLst>
-    <p:notesMasterId r:id="rId60"/>
+    <p:notesMasterId r:id="rId61"/>
   </p:notesMasterIdLst>
   <p:sldIdLst>
     <p:sldId id="256" r:id="rId2"/>
@@ -26,46 +26,47 @@
     <p:sldId id="271" r:id="rId17"/>
     <p:sldId id="272" r:id="rId18"/>
     <p:sldId id="277" r:id="rId19"/>
-    <p:sldId id="273" r:id="rId20"/>
-    <p:sldId id="274" r:id="rId21"/>
-    <p:sldId id="275" r:id="rId22"/>
-    <p:sldId id="276" r:id="rId23"/>
-    <p:sldId id="278" r:id="rId24"/>
-    <p:sldId id="279" r:id="rId25"/>
-    <p:sldId id="280" r:id="rId26"/>
-    <p:sldId id="281" r:id="rId27"/>
-    <p:sldId id="282" r:id="rId28"/>
-    <p:sldId id="283" r:id="rId29"/>
-    <p:sldId id="284" r:id="rId30"/>
-    <p:sldId id="285" r:id="rId31"/>
-    <p:sldId id="286" r:id="rId32"/>
-    <p:sldId id="287" r:id="rId33"/>
-    <p:sldId id="288" r:id="rId34"/>
-    <p:sldId id="289" r:id="rId35"/>
-    <p:sldId id="290" r:id="rId36"/>
-    <p:sldId id="291" r:id="rId37"/>
-    <p:sldId id="292" r:id="rId38"/>
-    <p:sldId id="293" r:id="rId39"/>
-    <p:sldId id="294" r:id="rId40"/>
-    <p:sldId id="295" r:id="rId41"/>
-    <p:sldId id="296" r:id="rId42"/>
-    <p:sldId id="297" r:id="rId43"/>
-    <p:sldId id="298" r:id="rId44"/>
-    <p:sldId id="299" r:id="rId45"/>
-    <p:sldId id="300" r:id="rId46"/>
-    <p:sldId id="301" r:id="rId47"/>
-    <p:sldId id="302" r:id="rId48"/>
-    <p:sldId id="303" r:id="rId49"/>
-    <p:sldId id="304" r:id="rId50"/>
-    <p:sldId id="307" r:id="rId51"/>
-    <p:sldId id="305" r:id="rId52"/>
-    <p:sldId id="306" r:id="rId53"/>
-    <p:sldId id="308" r:id="rId54"/>
-    <p:sldId id="309" r:id="rId55"/>
-    <p:sldId id="310" r:id="rId56"/>
-    <p:sldId id="311" r:id="rId57"/>
-    <p:sldId id="312" r:id="rId58"/>
-    <p:sldId id="313" r:id="rId59"/>
+    <p:sldId id="314" r:id="rId20"/>
+    <p:sldId id="273" r:id="rId21"/>
+    <p:sldId id="274" r:id="rId22"/>
+    <p:sldId id="275" r:id="rId23"/>
+    <p:sldId id="276" r:id="rId24"/>
+    <p:sldId id="278" r:id="rId25"/>
+    <p:sldId id="279" r:id="rId26"/>
+    <p:sldId id="280" r:id="rId27"/>
+    <p:sldId id="281" r:id="rId28"/>
+    <p:sldId id="282" r:id="rId29"/>
+    <p:sldId id="283" r:id="rId30"/>
+    <p:sldId id="284" r:id="rId31"/>
+    <p:sldId id="285" r:id="rId32"/>
+    <p:sldId id="286" r:id="rId33"/>
+    <p:sldId id="287" r:id="rId34"/>
+    <p:sldId id="288" r:id="rId35"/>
+    <p:sldId id="289" r:id="rId36"/>
+    <p:sldId id="290" r:id="rId37"/>
+    <p:sldId id="291" r:id="rId38"/>
+    <p:sldId id="292" r:id="rId39"/>
+    <p:sldId id="293" r:id="rId40"/>
+    <p:sldId id="294" r:id="rId41"/>
+    <p:sldId id="295" r:id="rId42"/>
+    <p:sldId id="296" r:id="rId43"/>
+    <p:sldId id="297" r:id="rId44"/>
+    <p:sldId id="298" r:id="rId45"/>
+    <p:sldId id="299" r:id="rId46"/>
+    <p:sldId id="300" r:id="rId47"/>
+    <p:sldId id="301" r:id="rId48"/>
+    <p:sldId id="302" r:id="rId49"/>
+    <p:sldId id="303" r:id="rId50"/>
+    <p:sldId id="304" r:id="rId51"/>
+    <p:sldId id="307" r:id="rId52"/>
+    <p:sldId id="305" r:id="rId53"/>
+    <p:sldId id="306" r:id="rId54"/>
+    <p:sldId id="308" r:id="rId55"/>
+    <p:sldId id="309" r:id="rId56"/>
+    <p:sldId id="310" r:id="rId57"/>
+    <p:sldId id="311" r:id="rId58"/>
+    <p:sldId id="312" r:id="rId59"/>
+    <p:sldId id="313" r:id="rId60"/>
   </p:sldIdLst>
   <p:sldSz cx="9144000" cy="6858000" type="screen4x3"/>
   <p:notesSz cx="6858000" cy="9144000"/>
@@ -181,10 +182,6 @@
     </p:ext>
   </p:extLst>
 </p:presentation>
-</file>
-
-<file path=ppt/revisionInfo.xml><?xml version="1.0" encoding="utf-8"?>
-<p1510:revInfo xmlns:a="http://schemas.openxmlformats.org/drawingml/2006/main" xmlns:r="http://schemas.openxmlformats.org/officeDocument/2006/relationships" xmlns:p1510="http://schemas.microsoft.com/office/powerpoint/2015/10/main"/>
 </file>
 
 <file path=ppt/diagrams/colors1.xml><?xml version="1.0" encoding="utf-8"?>
@@ -4255,7 +4252,7 @@
             <a:fld id="{4991502B-FFA8-47B9-B4E5-980CA415BAFF}" type="datetimeFigureOut">
               <a:rPr lang="en-US" smtClean="0"/>
               <a:pPr/>
-              <a:t>12/4/2017</a:t>
+              <a:t>2/15/2018</a:t>
             </a:fld>
             <a:endParaRPr lang="en-US"/>
           </a:p>
@@ -13475,7 +13472,13 @@
       </p:grpSpPr>
       <p:sp>
         <p:nvSpPr>
-          <p:cNvPr id="2" name="Title 1"/>
+          <p:cNvPr id="2" name="Title 1">
+            <a:extLst>
+              <a:ext uri="{FF2B5EF4-FFF2-40B4-BE49-F238E27FC236}">
+                <a16:creationId xmlns:a16="http://schemas.microsoft.com/office/drawing/2014/main" id="{8628DB86-31BC-4BEC-AAFE-5B23ACC90C32}"/>
+              </a:ext>
+            </a:extLst>
+          </p:cNvPr>
           <p:cNvSpPr>
             <a:spLocks noGrp="1"/>
           </p:cNvSpPr>
@@ -13490,14 +13493,20 @@
           <a:p>
             <a:r>
               <a:rPr lang="en-US" dirty="0"/>
-              <a:t>Content Projection</a:t>
+              <a:t>ng-container</a:t>
             </a:r>
           </a:p>
         </p:txBody>
       </p:sp>
       <p:sp>
         <p:nvSpPr>
-          <p:cNvPr id="3" name="Footer Placeholder 2"/>
+          <p:cNvPr id="3" name="Footer Placeholder 2">
+            <a:extLst>
+              <a:ext uri="{FF2B5EF4-FFF2-40B4-BE49-F238E27FC236}">
+                <a16:creationId xmlns:a16="http://schemas.microsoft.com/office/drawing/2014/main" id="{4D4587EA-8572-465F-96F5-C85319FB51FD}"/>
+              </a:ext>
+            </a:extLst>
+          </p:cNvPr>
           <p:cNvSpPr>
             <a:spLocks noGrp="1"/>
           </p:cNvSpPr>
@@ -13520,7 +13529,13 @@
       </p:sp>
       <p:sp>
         <p:nvSpPr>
-          <p:cNvPr id="4" name="Slide Number Placeholder 3"/>
+          <p:cNvPr id="4" name="Slide Number Placeholder 3">
+            <a:extLst>
+              <a:ext uri="{FF2B5EF4-FFF2-40B4-BE49-F238E27FC236}">
+                <a16:creationId xmlns:a16="http://schemas.microsoft.com/office/drawing/2014/main" id="{00EC5D9C-AFED-46D5-8F27-0F30FBCB01AD}"/>
+              </a:ext>
+            </a:extLst>
+          </p:cNvPr>
           <p:cNvSpPr>
             <a:spLocks noGrp="1"/>
           </p:cNvSpPr>
@@ -13546,7 +13561,13 @@
       </p:sp>
       <p:sp>
         <p:nvSpPr>
-          <p:cNvPr id="5" name="Content Placeholder 4"/>
+          <p:cNvPr id="5" name="Content Placeholder 4">
+            <a:extLst>
+              <a:ext uri="{FF2B5EF4-FFF2-40B4-BE49-F238E27FC236}">
+                <a16:creationId xmlns:a16="http://schemas.microsoft.com/office/drawing/2014/main" id="{A6266500-7E9B-47B2-B425-2A2BAE7A8E4E}"/>
+              </a:ext>
+            </a:extLst>
+          </p:cNvPr>
           <p:cNvSpPr>
             <a:spLocks noGrp="1"/>
           </p:cNvSpPr>
@@ -13561,44 +13582,27 @@
           <a:p>
             <a:r>
               <a:rPr lang="en-US" dirty="0"/>
-              <a:t>Previously known as transclusion (AngularJS)</a:t>
-            </a:r>
-          </a:p>
-          <a:p>
-            <a:r>
-              <a:rPr lang="en-US" dirty="0"/>
-              <a:t>Every component may have a content that is </a:t>
-            </a:r>
-            <a:r>
-              <a:rPr lang="en-US" u="sng" dirty="0"/>
-              <a:t>defined by the host</a:t>
-            </a:r>
-            <a:r>
-              <a:rPr lang="en-US" dirty="0"/>
-              <a:t> of the component</a:t>
-            </a:r>
-          </a:p>
-          <a:p>
-            <a:r>
-              <a:rPr lang="en-US" dirty="0"/>
-              <a:t>For example, a dialog component</a:t>
-            </a:r>
-          </a:p>
-          <a:p>
-            <a:endParaRPr lang="en-US" dirty="0"/>
+              <a:t>Allows for grouping of sibling elements without introducing additional HTML element</a:t>
+            </a:r>
           </a:p>
         </p:txBody>
       </p:sp>
       <p:sp>
         <p:nvSpPr>
-          <p:cNvPr id="6" name="Rectangle 5"/>
+          <p:cNvPr id="6" name="Rectangle 5">
+            <a:extLst>
+              <a:ext uri="{FF2B5EF4-FFF2-40B4-BE49-F238E27FC236}">
+                <a16:creationId xmlns:a16="http://schemas.microsoft.com/office/drawing/2014/main" id="{88FFD95E-BBC1-4BF9-A0BB-5BA9D3AACF40}"/>
+              </a:ext>
+            </a:extLst>
+          </p:cNvPr>
           <p:cNvSpPr/>
           <p:nvPr/>
         </p:nvSpPr>
         <p:spPr>
           <a:xfrm>
-            <a:off x="3923928" y="4149080"/>
-            <a:ext cx="3447048" cy="1323439"/>
+            <a:off x="1619672" y="3239051"/>
+            <a:ext cx="5904656" cy="2031325"/>
           </a:xfrm>
           <a:prstGeom prst="rect">
             <a:avLst/>
@@ -13609,6 +13613,16 @@
               <a:lumOff val="60000"/>
             </a:schemeClr>
           </a:solidFill>
+          <a:ln>
+            <a:noFill/>
+          </a:ln>
+          <a:effectLst>
+            <a:outerShdw blurRad="63500" sx="102000" sy="102000" algn="ctr" rotWithShape="0">
+              <a:prstClr val="black">
+                <a:alpha val="40000"/>
+              </a:prstClr>
+            </a:outerShdw>
+          </a:effectLst>
         </p:spPr>
         <p:txBody>
           <a:bodyPr wrap="square">
@@ -13617,331 +13631,257 @@
           <a:lstStyle/>
           <a:p>
             <a:r>
-              <a:rPr lang="en-US" sz="1600" dirty="0">
-                <a:solidFill>
-                  <a:srgbClr val="000000"/>
-                </a:solidFill>
-                <a:latin typeface="Calibri" panose="020F0502020204030204" pitchFamily="34" charset="0"/>
-                <a:ea typeface="Calibri" panose="020F0502020204030204" pitchFamily="34" charset="0"/>
-                <a:cs typeface="Arial" panose="020B0604020202020204" pitchFamily="34" charset="0"/>
+              <a:rPr lang="en-US" dirty="0">
+                <a:solidFill>
+                  <a:srgbClr val="000000"/>
+                </a:solidFill>
+                <a:latin typeface="Courier New" panose="02070309020205020404" pitchFamily="49" charset="0"/>
+                <a:ea typeface="Times New Roman" panose="02020603050405020304" pitchFamily="18" charset="0"/>
               </a:rPr>
               <a:t>&lt;</a:t>
             </a:r>
             <a:r>
-              <a:rPr lang="en-US" sz="1600" b="1" dirty="0">
+              <a:rPr lang="en-US" b="1" dirty="0">
                 <a:solidFill>
                   <a:srgbClr val="000080"/>
                 </a:solidFill>
-                <a:latin typeface="Calibri" panose="020F0502020204030204" pitchFamily="34" charset="0"/>
-                <a:ea typeface="Calibri" panose="020F0502020204030204" pitchFamily="34" charset="0"/>
-                <a:cs typeface="Arial" panose="020B0604020202020204" pitchFamily="34" charset="0"/>
-              </a:rPr>
-              <a:t>h1</a:t>
-            </a:r>
-            <a:r>
-              <a:rPr lang="en-US" sz="1600" dirty="0">
-                <a:solidFill>
-                  <a:srgbClr val="000000"/>
-                </a:solidFill>
-                <a:latin typeface="Calibri" panose="020F0502020204030204" pitchFamily="34" charset="0"/>
-                <a:ea typeface="Calibri" panose="020F0502020204030204" pitchFamily="34" charset="0"/>
-                <a:cs typeface="Arial" panose="020B0604020202020204" pitchFamily="34" charset="0"/>
-              </a:rPr>
-              <a:t>&gt;Hello Angular&lt;/</a:t>
-            </a:r>
-            <a:r>
-              <a:rPr lang="en-US" sz="1600" b="1" dirty="0">
+                <a:latin typeface="Courier New" panose="02070309020205020404" pitchFamily="49" charset="0"/>
+                <a:ea typeface="Times New Roman" panose="02020603050405020304" pitchFamily="18" charset="0"/>
+              </a:rPr>
+              <a:t>p</a:t>
+            </a:r>
+            <a:r>
+              <a:rPr lang="en-US" dirty="0">
+                <a:solidFill>
+                  <a:srgbClr val="000000"/>
+                </a:solidFill>
+                <a:latin typeface="Courier New" panose="02070309020205020404" pitchFamily="49" charset="0"/>
+                <a:ea typeface="Times New Roman" panose="02020603050405020304" pitchFamily="18" charset="0"/>
+              </a:rPr>
+              <a:t>&gt;</a:t>
+            </a:r>
+            <a:br>
+              <a:rPr lang="en-US" dirty="0">
+                <a:solidFill>
+                  <a:srgbClr val="000000"/>
+                </a:solidFill>
+                <a:latin typeface="Courier New" panose="02070309020205020404" pitchFamily="49" charset="0"/>
+                <a:ea typeface="Times New Roman" panose="02020603050405020304" pitchFamily="18" charset="0"/>
+              </a:rPr>
+            </a:br>
+            <a:r>
+              <a:rPr lang="en-US" dirty="0">
+                <a:solidFill>
+                  <a:srgbClr val="000000"/>
+                </a:solidFill>
+                <a:latin typeface="Courier New" panose="02070309020205020404" pitchFamily="49" charset="0"/>
+                <a:ea typeface="Times New Roman" panose="02020603050405020304" pitchFamily="18" charset="0"/>
+              </a:rPr>
+              <a:t>    I turned the corner</a:t>
+            </a:r>
+            <a:br>
+              <a:rPr lang="en-US" dirty="0">
+                <a:solidFill>
+                  <a:srgbClr val="000000"/>
+                </a:solidFill>
+                <a:latin typeface="Courier New" panose="02070309020205020404" pitchFamily="49" charset="0"/>
+                <a:ea typeface="Times New Roman" panose="02020603050405020304" pitchFamily="18" charset="0"/>
+              </a:rPr>
+            </a:br>
+            <a:r>
+              <a:rPr lang="en-US" dirty="0">
+                <a:solidFill>
+                  <a:srgbClr val="000000"/>
+                </a:solidFill>
+                <a:latin typeface="Courier New" panose="02070309020205020404" pitchFamily="49" charset="0"/>
+                <a:ea typeface="Times New Roman" panose="02020603050405020304" pitchFamily="18" charset="0"/>
+              </a:rPr>
+              <a:t>    &lt;</a:t>
+            </a:r>
+            <a:r>
+              <a:rPr lang="en-US" b="1" dirty="0">
                 <a:solidFill>
                   <a:srgbClr val="000080"/>
                 </a:solidFill>
-                <a:latin typeface="Calibri" panose="020F0502020204030204" pitchFamily="34" charset="0"/>
-                <a:ea typeface="Calibri" panose="020F0502020204030204" pitchFamily="34" charset="0"/>
-                <a:cs typeface="Arial" panose="020B0604020202020204" pitchFamily="34" charset="0"/>
-              </a:rPr>
-              <a:t>h1</a:t>
-            </a:r>
-            <a:r>
-              <a:rPr lang="en-US" sz="1600" dirty="0">
-                <a:solidFill>
-                  <a:srgbClr val="000000"/>
-                </a:solidFill>
-                <a:latin typeface="Calibri" panose="020F0502020204030204" pitchFamily="34" charset="0"/>
-                <a:ea typeface="Calibri" panose="020F0502020204030204" pitchFamily="34" charset="0"/>
-                <a:cs typeface="Arial" panose="020B0604020202020204" pitchFamily="34" charset="0"/>
+                <a:latin typeface="Courier New" panose="02070309020205020404" pitchFamily="49" charset="0"/>
+                <a:ea typeface="Times New Roman" panose="02020603050405020304" pitchFamily="18" charset="0"/>
+              </a:rPr>
+              <a:t>ng-container </a:t>
+            </a:r>
+            <a:r>
+              <a:rPr lang="en-US" b="1" dirty="0">
+                <a:solidFill>
+                  <a:srgbClr val="0000FF"/>
+                </a:solidFill>
+                <a:latin typeface="Courier New" panose="02070309020205020404" pitchFamily="49" charset="0"/>
+                <a:ea typeface="Times New Roman" panose="02020603050405020304" pitchFamily="18" charset="0"/>
+              </a:rPr>
+              <a:t>*</a:t>
+            </a:r>
+            <a:r>
+              <a:rPr lang="en-US" b="1" dirty="0" err="1">
+                <a:solidFill>
+                  <a:srgbClr val="0000FF"/>
+                </a:solidFill>
+                <a:latin typeface="Courier New" panose="02070309020205020404" pitchFamily="49" charset="0"/>
+                <a:ea typeface="Times New Roman" panose="02020603050405020304" pitchFamily="18" charset="0"/>
+              </a:rPr>
+              <a:t>ngIf</a:t>
+            </a:r>
+            <a:r>
+              <a:rPr lang="en-US" b="1" dirty="0">
+                <a:solidFill>
+                  <a:srgbClr val="0000FF"/>
+                </a:solidFill>
+                <a:latin typeface="Courier New" panose="02070309020205020404" pitchFamily="49" charset="0"/>
+                <a:ea typeface="Times New Roman" panose="02020603050405020304" pitchFamily="18" charset="0"/>
+              </a:rPr>
+              <a:t>=</a:t>
+            </a:r>
+            <a:r>
+              <a:rPr lang="en-US" b="1" dirty="0">
+                <a:solidFill>
+                  <a:srgbClr val="008000"/>
+                </a:solidFill>
+                <a:latin typeface="Courier New" panose="02070309020205020404" pitchFamily="49" charset="0"/>
+                <a:ea typeface="Times New Roman" panose="02020603050405020304" pitchFamily="18" charset="0"/>
+              </a:rPr>
+              <a:t>"hero"</a:t>
+            </a:r>
+            <a:r>
+              <a:rPr lang="en-US" dirty="0">
+                <a:solidFill>
+                  <a:srgbClr val="000000"/>
+                </a:solidFill>
+                <a:latin typeface="Courier New" panose="02070309020205020404" pitchFamily="49" charset="0"/>
+                <a:ea typeface="Times New Roman" panose="02020603050405020304" pitchFamily="18" charset="0"/>
               </a:rPr>
               <a:t>&gt;</a:t>
             </a:r>
             <a:br>
-              <a:rPr lang="en-US" sz="1600" dirty="0">
-                <a:solidFill>
-                  <a:srgbClr val="000000"/>
-                </a:solidFill>
-                <a:latin typeface="Calibri" panose="020F0502020204030204" pitchFamily="34" charset="0"/>
-                <a:ea typeface="Calibri" panose="020F0502020204030204" pitchFamily="34" charset="0"/>
-                <a:cs typeface="Arial" panose="020B0604020202020204" pitchFamily="34" charset="0"/>
+              <a:rPr lang="en-US" dirty="0">
+                <a:solidFill>
+                  <a:srgbClr val="000000"/>
+                </a:solidFill>
+                <a:latin typeface="Courier New" panose="02070309020205020404" pitchFamily="49" charset="0"/>
+                <a:ea typeface="Times New Roman" panose="02020603050405020304" pitchFamily="18" charset="0"/>
               </a:rPr>
             </a:br>
+            <a:r>
+              <a:rPr lang="en-US" dirty="0">
+                <a:solidFill>
+                  <a:srgbClr val="000000"/>
+                </a:solidFill>
+                <a:latin typeface="Courier New" panose="02070309020205020404" pitchFamily="49" charset="0"/>
+                <a:ea typeface="Times New Roman" panose="02020603050405020304" pitchFamily="18" charset="0"/>
+              </a:rPr>
+              <a:t>        and saw {{hero.name}}. I waved</a:t>
+            </a:r>
             <a:br>
-              <a:rPr lang="en-US" sz="1600" dirty="0">
-                <a:solidFill>
-                  <a:srgbClr val="000000"/>
-                </a:solidFill>
-                <a:latin typeface="Calibri" panose="020F0502020204030204" pitchFamily="34" charset="0"/>
-                <a:ea typeface="Calibri" panose="020F0502020204030204" pitchFamily="34" charset="0"/>
-                <a:cs typeface="Arial" panose="020B0604020202020204" pitchFamily="34" charset="0"/>
+              <a:rPr lang="en-US" dirty="0">
+                <a:solidFill>
+                  <a:srgbClr val="000000"/>
+                </a:solidFill>
+                <a:latin typeface="Courier New" panose="02070309020205020404" pitchFamily="49" charset="0"/>
+                <a:ea typeface="Times New Roman" panose="02020603050405020304" pitchFamily="18" charset="0"/>
               </a:rPr>
             </a:br>
             <a:r>
-              <a:rPr lang="en-US" sz="1600" dirty="0">
-                <a:solidFill>
-                  <a:srgbClr val="000000"/>
-                </a:solidFill>
-                <a:latin typeface="Calibri" panose="020F0502020204030204" pitchFamily="34" charset="0"/>
-                <a:ea typeface="Calibri" panose="020F0502020204030204" pitchFamily="34" charset="0"/>
-                <a:cs typeface="Arial" panose="020B0604020202020204" pitchFamily="34" charset="0"/>
-              </a:rPr>
-              <a:t>&lt;</a:t>
-            </a:r>
-            <a:r>
-              <a:rPr lang="en-US" sz="1600" b="1" dirty="0">
+              <a:rPr lang="en-US" dirty="0">
+                <a:solidFill>
+                  <a:srgbClr val="000000"/>
+                </a:solidFill>
+                <a:latin typeface="Courier New" panose="02070309020205020404" pitchFamily="49" charset="0"/>
+                <a:ea typeface="Times New Roman" panose="02020603050405020304" pitchFamily="18" charset="0"/>
+              </a:rPr>
+              <a:t>    &lt;/</a:t>
+            </a:r>
+            <a:r>
+              <a:rPr lang="en-US" b="1" dirty="0">
                 <a:solidFill>
                   <a:srgbClr val="000080"/>
                 </a:solidFill>
-                <a:latin typeface="Calibri" panose="020F0502020204030204" pitchFamily="34" charset="0"/>
-                <a:ea typeface="Calibri" panose="020F0502020204030204" pitchFamily="34" charset="0"/>
-                <a:cs typeface="Arial" panose="020B0604020202020204" pitchFamily="34" charset="0"/>
-              </a:rPr>
-              <a:t>my-dialog</a:t>
-            </a:r>
-            <a:r>
-              <a:rPr lang="en-US" sz="1600" dirty="0">
-                <a:solidFill>
-                  <a:srgbClr val="000000"/>
-                </a:solidFill>
-                <a:latin typeface="Calibri" panose="020F0502020204030204" pitchFamily="34" charset="0"/>
-                <a:ea typeface="Calibri" panose="020F0502020204030204" pitchFamily="34" charset="0"/>
-                <a:cs typeface="Arial" panose="020B0604020202020204" pitchFamily="34" charset="0"/>
+                <a:latin typeface="Courier New" panose="02070309020205020404" pitchFamily="49" charset="0"/>
+                <a:ea typeface="Times New Roman" panose="02020603050405020304" pitchFamily="18" charset="0"/>
+              </a:rPr>
+              <a:t>ng-container</a:t>
+            </a:r>
+            <a:r>
+              <a:rPr lang="en-US" dirty="0">
+                <a:solidFill>
+                  <a:srgbClr val="000000"/>
+                </a:solidFill>
+                <a:latin typeface="Courier New" panose="02070309020205020404" pitchFamily="49" charset="0"/>
+                <a:ea typeface="Times New Roman" panose="02020603050405020304" pitchFamily="18" charset="0"/>
               </a:rPr>
               <a:t>&gt;</a:t>
             </a:r>
             <a:br>
-              <a:rPr lang="en-US" sz="1600" dirty="0">
-                <a:solidFill>
-                  <a:srgbClr val="000000"/>
-                </a:solidFill>
-                <a:latin typeface="Calibri" panose="020F0502020204030204" pitchFamily="34" charset="0"/>
-                <a:ea typeface="Calibri" panose="020F0502020204030204" pitchFamily="34" charset="0"/>
-                <a:cs typeface="Arial" panose="020B0604020202020204" pitchFamily="34" charset="0"/>
+              <a:rPr lang="en-US" dirty="0">
+                <a:solidFill>
+                  <a:srgbClr val="000000"/>
+                </a:solidFill>
+                <a:latin typeface="Courier New" panose="02070309020205020404" pitchFamily="49" charset="0"/>
+                <a:ea typeface="Times New Roman" panose="02020603050405020304" pitchFamily="18" charset="0"/>
               </a:rPr>
             </a:br>
             <a:r>
-              <a:rPr lang="en-US" sz="1600" dirty="0">
-                <a:solidFill>
-                  <a:srgbClr val="000000"/>
-                </a:solidFill>
-                <a:latin typeface="Calibri" panose="020F0502020204030204" pitchFamily="34" charset="0"/>
-                <a:ea typeface="Calibri" panose="020F0502020204030204" pitchFamily="34" charset="0"/>
-                <a:cs typeface="Arial" panose="020B0604020202020204" pitchFamily="34" charset="0"/>
-              </a:rPr>
-              <a:t>    &lt;</a:t>
-            </a:r>
-            <a:r>
-              <a:rPr lang="en-US" sz="1600" b="1" dirty="0">
+              <a:rPr lang="en-US" dirty="0">
+                <a:solidFill>
+                  <a:srgbClr val="000000"/>
+                </a:solidFill>
+                <a:latin typeface="Courier New" panose="02070309020205020404" pitchFamily="49" charset="0"/>
+                <a:ea typeface="Times New Roman" panose="02020603050405020304" pitchFamily="18" charset="0"/>
+              </a:rPr>
+              <a:t>    and continued on my way.</a:t>
+            </a:r>
+            <a:br>
+              <a:rPr lang="en-US" dirty="0">
+                <a:solidFill>
+                  <a:srgbClr val="000000"/>
+                </a:solidFill>
+                <a:latin typeface="Courier New" panose="02070309020205020404" pitchFamily="49" charset="0"/>
+                <a:ea typeface="Times New Roman" panose="02020603050405020304" pitchFamily="18" charset="0"/>
+              </a:rPr>
+            </a:br>
+            <a:r>
+              <a:rPr lang="en-US" dirty="0">
+                <a:solidFill>
+                  <a:srgbClr val="000000"/>
+                </a:solidFill>
+                <a:latin typeface="Courier New" panose="02070309020205020404" pitchFamily="49" charset="0"/>
+                <a:ea typeface="Times New Roman" panose="02020603050405020304" pitchFamily="18" charset="0"/>
+              </a:rPr>
+              <a:t>&lt;/</a:t>
+            </a:r>
+            <a:r>
+              <a:rPr lang="en-US" b="1" dirty="0">
                 <a:solidFill>
                   <a:srgbClr val="000080"/>
                 </a:solidFill>
-                <a:latin typeface="Calibri" panose="020F0502020204030204" pitchFamily="34" charset="0"/>
-                <a:ea typeface="Calibri" panose="020F0502020204030204" pitchFamily="34" charset="0"/>
-                <a:cs typeface="Arial" panose="020B0604020202020204" pitchFamily="34" charset="0"/>
-              </a:rPr>
-              <a:t>my-contact-list</a:t>
-            </a:r>
-            <a:r>
-              <a:rPr lang="en-US" sz="1600" dirty="0">
-                <a:solidFill>
-                  <a:srgbClr val="000000"/>
-                </a:solidFill>
-                <a:latin typeface="Calibri" panose="020F0502020204030204" pitchFamily="34" charset="0"/>
-                <a:ea typeface="Calibri" panose="020F0502020204030204" pitchFamily="34" charset="0"/>
-                <a:cs typeface="Arial" panose="020B0604020202020204" pitchFamily="34" charset="0"/>
-              </a:rPr>
-              <a:t>&gt;&lt;/</a:t>
-            </a:r>
-            <a:r>
-              <a:rPr lang="en-US" sz="1600" b="1" dirty="0">
-                <a:solidFill>
-                  <a:srgbClr val="000080"/>
-                </a:solidFill>
-                <a:latin typeface="Calibri" panose="020F0502020204030204" pitchFamily="34" charset="0"/>
-                <a:ea typeface="Calibri" panose="020F0502020204030204" pitchFamily="34" charset="0"/>
-                <a:cs typeface="Arial" panose="020B0604020202020204" pitchFamily="34" charset="0"/>
-              </a:rPr>
-              <a:t>my-contact-list</a:t>
-            </a:r>
-            <a:r>
-              <a:rPr lang="en-US" sz="1600" dirty="0">
-                <a:solidFill>
-                  <a:srgbClr val="000000"/>
-                </a:solidFill>
-                <a:latin typeface="Calibri" panose="020F0502020204030204" pitchFamily="34" charset="0"/>
-                <a:ea typeface="Calibri" panose="020F0502020204030204" pitchFamily="34" charset="0"/>
-                <a:cs typeface="Arial" panose="020B0604020202020204" pitchFamily="34" charset="0"/>
+                <a:latin typeface="Courier New" panose="02070309020205020404" pitchFamily="49" charset="0"/>
+                <a:ea typeface="Times New Roman" panose="02020603050405020304" pitchFamily="18" charset="0"/>
+              </a:rPr>
+              <a:t>p</a:t>
+            </a:r>
+            <a:r>
+              <a:rPr lang="en-US" dirty="0">
+                <a:solidFill>
+                  <a:srgbClr val="000000"/>
+                </a:solidFill>
+                <a:latin typeface="Courier New" panose="02070309020205020404" pitchFamily="49" charset="0"/>
+                <a:ea typeface="Times New Roman" panose="02020603050405020304" pitchFamily="18" charset="0"/>
               </a:rPr>
               <a:t>&gt;</a:t>
             </a:r>
-            <a:br>
-              <a:rPr lang="en-US" sz="1600" dirty="0">
-                <a:solidFill>
-                  <a:srgbClr val="000000"/>
-                </a:solidFill>
-                <a:latin typeface="Calibri" panose="020F0502020204030204" pitchFamily="34" charset="0"/>
-                <a:ea typeface="Calibri" panose="020F0502020204030204" pitchFamily="34" charset="0"/>
-                <a:cs typeface="Arial" panose="020B0604020202020204" pitchFamily="34" charset="0"/>
-              </a:rPr>
-            </a:br>
-            <a:r>
-              <a:rPr lang="en-US" sz="1600" dirty="0">
-                <a:solidFill>
-                  <a:srgbClr val="000000"/>
-                </a:solidFill>
-                <a:latin typeface="Calibri" panose="020F0502020204030204" pitchFamily="34" charset="0"/>
-                <a:ea typeface="Calibri" panose="020F0502020204030204" pitchFamily="34" charset="0"/>
-                <a:cs typeface="Arial" panose="020B0604020202020204" pitchFamily="34" charset="0"/>
-              </a:rPr>
-              <a:t>&lt;/</a:t>
-            </a:r>
-            <a:r>
-              <a:rPr lang="en-US" sz="1600" b="1" dirty="0">
-                <a:solidFill>
-                  <a:srgbClr val="000080"/>
-                </a:solidFill>
-                <a:latin typeface="Calibri" panose="020F0502020204030204" pitchFamily="34" charset="0"/>
-                <a:ea typeface="Calibri" panose="020F0502020204030204" pitchFamily="34" charset="0"/>
-                <a:cs typeface="Arial" panose="020B0604020202020204" pitchFamily="34" charset="0"/>
-              </a:rPr>
-              <a:t>my-dialog</a:t>
-            </a:r>
-            <a:r>
-              <a:rPr lang="en-US" sz="1600" dirty="0">
-                <a:solidFill>
-                  <a:srgbClr val="000000"/>
-                </a:solidFill>
-                <a:latin typeface="Calibri" panose="020F0502020204030204" pitchFamily="34" charset="0"/>
-                <a:ea typeface="Calibri" panose="020F0502020204030204" pitchFamily="34" charset="0"/>
-                <a:cs typeface="Arial" panose="020B0604020202020204" pitchFamily="34" charset="0"/>
-              </a:rPr>
-              <a:t>&gt;</a:t>
-            </a:r>
-            <a:endParaRPr lang="en-US" sz="1600" dirty="0"/>
-          </a:p>
-        </p:txBody>
-      </p:sp>
-      <p:sp>
-        <p:nvSpPr>
-          <p:cNvPr id="7" name="Callout: Bent Line with No Border 12"/>
-          <p:cNvSpPr/>
-          <p:nvPr/>
-        </p:nvSpPr>
-        <p:spPr>
-          <a:xfrm>
-            <a:off x="1049452" y="4869160"/>
-            <a:ext cx="1785020" cy="1296144"/>
-          </a:xfrm>
-          <a:prstGeom prst="callout2">
-            <a:avLst>
-              <a:gd name="adj1" fmla="val 43670"/>
-              <a:gd name="adj2" fmla="val 108581"/>
-              <a:gd name="adj3" fmla="val 28677"/>
-              <a:gd name="adj4" fmla="val 107777"/>
-              <a:gd name="adj5" fmla="val 2783"/>
-              <a:gd name="adj6" fmla="val 155695"/>
-            </a:avLst>
-          </a:prstGeom>
-        </p:spPr>
-        <p:style>
-          <a:lnRef idx="2">
-            <a:schemeClr val="accent4">
-              <a:shade val="50000"/>
-            </a:schemeClr>
-          </a:lnRef>
-          <a:fillRef idx="1">
-            <a:schemeClr val="accent4"/>
-          </a:fillRef>
-          <a:effectRef idx="0">
-            <a:schemeClr val="accent4"/>
-          </a:effectRef>
-          <a:fontRef idx="minor">
-            <a:schemeClr val="lt1"/>
-          </a:fontRef>
-        </p:style>
-        <p:txBody>
-          <a:bodyPr rtlCol="1" anchor="ctr"/>
-          <a:lstStyle/>
-          <a:p>
-            <a:pPr algn="ctr"/>
-            <a:r>
-              <a:rPr lang="en-US" sz="1400" dirty="0"/>
-              <a:t>We expect that the dialog component reuses the content somewhere inside its template</a:t>
-            </a:r>
-            <a:endParaRPr lang="he-IL" sz="1400" dirty="0"/>
-          </a:p>
-        </p:txBody>
-      </p:sp>
-      <p:sp>
-        <p:nvSpPr>
-          <p:cNvPr id="8" name="Callout: Bent Line with No Border 12"/>
-          <p:cNvSpPr/>
-          <p:nvPr/>
-        </p:nvSpPr>
-        <p:spPr>
-          <a:xfrm>
-            <a:off x="7740352" y="3284984"/>
-            <a:ext cx="903340" cy="720080"/>
-          </a:xfrm>
-          <a:prstGeom prst="callout2">
-            <a:avLst>
-              <a:gd name="adj1" fmla="val 107368"/>
-              <a:gd name="adj2" fmla="val 53376"/>
-              <a:gd name="adj3" fmla="val 108129"/>
-              <a:gd name="adj4" fmla="val 44117"/>
-              <a:gd name="adj5" fmla="val 246892"/>
-              <a:gd name="adj6" fmla="val -54368"/>
-            </a:avLst>
-          </a:prstGeom>
-        </p:spPr>
-        <p:style>
-          <a:lnRef idx="2">
-            <a:schemeClr val="accent4">
-              <a:shade val="50000"/>
-            </a:schemeClr>
-          </a:lnRef>
-          <a:fillRef idx="1">
-            <a:schemeClr val="accent4"/>
-          </a:fillRef>
-          <a:effectRef idx="0">
-            <a:schemeClr val="accent4"/>
-          </a:effectRef>
-          <a:fontRef idx="minor">
-            <a:schemeClr val="lt1"/>
-          </a:fontRef>
-        </p:style>
-        <p:txBody>
-          <a:bodyPr rtlCol="1" anchor="ctr"/>
-          <a:lstStyle/>
-          <a:p>
-            <a:pPr algn="ctr"/>
-            <a:r>
-              <a:rPr lang="en-US" sz="1400" dirty="0"/>
-              <a:t>This is the content</a:t>
-            </a:r>
-            <a:endParaRPr lang="he-IL" sz="1400" dirty="0"/>
+            <a:endParaRPr lang="en-US" dirty="0"/>
           </a:p>
         </p:txBody>
       </p:sp>
     </p:spTree>
     <p:extLst>
       <p:ext uri="{BB962C8B-B14F-4D97-AF65-F5344CB8AC3E}">
-        <p14:creationId xmlns:p14="http://schemas.microsoft.com/office/powerpoint/2010/main" val="2484031787"/>
+        <p14:creationId xmlns:p14="http://schemas.microsoft.com/office/powerpoint/2010/main" val="620387294"/>
       </p:ext>
     </p:extLst>
   </p:cSld>
@@ -14209,6 +14149,501 @@
         </p:nvSpPr>
         <p:spPr/>
         <p:txBody>
+          <a:bodyPr/>
+          <a:lstStyle/>
+          <a:p>
+            <a:r>
+              <a:rPr lang="en-US" dirty="0"/>
+              <a:t>Previously known as transclusion (AngularJS)</a:t>
+            </a:r>
+          </a:p>
+          <a:p>
+            <a:r>
+              <a:rPr lang="en-US" dirty="0"/>
+              <a:t>Every component may have a content that is </a:t>
+            </a:r>
+            <a:r>
+              <a:rPr lang="en-US" u="sng" dirty="0"/>
+              <a:t>defined by the host</a:t>
+            </a:r>
+            <a:r>
+              <a:rPr lang="en-US" dirty="0"/>
+              <a:t> of the component</a:t>
+            </a:r>
+          </a:p>
+          <a:p>
+            <a:r>
+              <a:rPr lang="en-US" dirty="0"/>
+              <a:t>For example, a dialog component</a:t>
+            </a:r>
+          </a:p>
+          <a:p>
+            <a:endParaRPr lang="en-US" dirty="0"/>
+          </a:p>
+        </p:txBody>
+      </p:sp>
+      <p:sp>
+        <p:nvSpPr>
+          <p:cNvPr id="6" name="Rectangle 5"/>
+          <p:cNvSpPr/>
+          <p:nvPr/>
+        </p:nvSpPr>
+        <p:spPr>
+          <a:xfrm>
+            <a:off x="3923928" y="4149080"/>
+            <a:ext cx="3447048" cy="1323439"/>
+          </a:xfrm>
+          <a:prstGeom prst="rect">
+            <a:avLst/>
+          </a:prstGeom>
+          <a:solidFill>
+            <a:schemeClr val="accent1">
+              <a:lumMod val="40000"/>
+              <a:lumOff val="60000"/>
+            </a:schemeClr>
+          </a:solidFill>
+        </p:spPr>
+        <p:txBody>
+          <a:bodyPr wrap="square">
+            <a:spAutoFit/>
+          </a:bodyPr>
+          <a:lstStyle/>
+          <a:p>
+            <a:r>
+              <a:rPr lang="en-US" sz="1600" dirty="0">
+                <a:solidFill>
+                  <a:srgbClr val="000000"/>
+                </a:solidFill>
+                <a:latin typeface="Calibri" panose="020F0502020204030204" pitchFamily="34" charset="0"/>
+                <a:ea typeface="Calibri" panose="020F0502020204030204" pitchFamily="34" charset="0"/>
+                <a:cs typeface="Arial" panose="020B0604020202020204" pitchFamily="34" charset="0"/>
+              </a:rPr>
+              <a:t>&lt;</a:t>
+            </a:r>
+            <a:r>
+              <a:rPr lang="en-US" sz="1600" b="1" dirty="0">
+                <a:solidFill>
+                  <a:srgbClr val="000080"/>
+                </a:solidFill>
+                <a:latin typeface="Calibri" panose="020F0502020204030204" pitchFamily="34" charset="0"/>
+                <a:ea typeface="Calibri" panose="020F0502020204030204" pitchFamily="34" charset="0"/>
+                <a:cs typeface="Arial" panose="020B0604020202020204" pitchFamily="34" charset="0"/>
+              </a:rPr>
+              <a:t>h1</a:t>
+            </a:r>
+            <a:r>
+              <a:rPr lang="en-US" sz="1600" dirty="0">
+                <a:solidFill>
+                  <a:srgbClr val="000000"/>
+                </a:solidFill>
+                <a:latin typeface="Calibri" panose="020F0502020204030204" pitchFamily="34" charset="0"/>
+                <a:ea typeface="Calibri" panose="020F0502020204030204" pitchFamily="34" charset="0"/>
+                <a:cs typeface="Arial" panose="020B0604020202020204" pitchFamily="34" charset="0"/>
+              </a:rPr>
+              <a:t>&gt;Hello Angular&lt;/</a:t>
+            </a:r>
+            <a:r>
+              <a:rPr lang="en-US" sz="1600" b="1" dirty="0">
+                <a:solidFill>
+                  <a:srgbClr val="000080"/>
+                </a:solidFill>
+                <a:latin typeface="Calibri" panose="020F0502020204030204" pitchFamily="34" charset="0"/>
+                <a:ea typeface="Calibri" panose="020F0502020204030204" pitchFamily="34" charset="0"/>
+                <a:cs typeface="Arial" panose="020B0604020202020204" pitchFamily="34" charset="0"/>
+              </a:rPr>
+              <a:t>h1</a:t>
+            </a:r>
+            <a:r>
+              <a:rPr lang="en-US" sz="1600" dirty="0">
+                <a:solidFill>
+                  <a:srgbClr val="000000"/>
+                </a:solidFill>
+                <a:latin typeface="Calibri" panose="020F0502020204030204" pitchFamily="34" charset="0"/>
+                <a:ea typeface="Calibri" panose="020F0502020204030204" pitchFamily="34" charset="0"/>
+                <a:cs typeface="Arial" panose="020B0604020202020204" pitchFamily="34" charset="0"/>
+              </a:rPr>
+              <a:t>&gt;</a:t>
+            </a:r>
+            <a:br>
+              <a:rPr lang="en-US" sz="1600" dirty="0">
+                <a:solidFill>
+                  <a:srgbClr val="000000"/>
+                </a:solidFill>
+                <a:latin typeface="Calibri" panose="020F0502020204030204" pitchFamily="34" charset="0"/>
+                <a:ea typeface="Calibri" panose="020F0502020204030204" pitchFamily="34" charset="0"/>
+                <a:cs typeface="Arial" panose="020B0604020202020204" pitchFamily="34" charset="0"/>
+              </a:rPr>
+            </a:br>
+            <a:br>
+              <a:rPr lang="en-US" sz="1600" dirty="0">
+                <a:solidFill>
+                  <a:srgbClr val="000000"/>
+                </a:solidFill>
+                <a:latin typeface="Calibri" panose="020F0502020204030204" pitchFamily="34" charset="0"/>
+                <a:ea typeface="Calibri" panose="020F0502020204030204" pitchFamily="34" charset="0"/>
+                <a:cs typeface="Arial" panose="020B0604020202020204" pitchFamily="34" charset="0"/>
+              </a:rPr>
+            </a:br>
+            <a:r>
+              <a:rPr lang="en-US" sz="1600" dirty="0">
+                <a:solidFill>
+                  <a:srgbClr val="000000"/>
+                </a:solidFill>
+                <a:latin typeface="Calibri" panose="020F0502020204030204" pitchFamily="34" charset="0"/>
+                <a:ea typeface="Calibri" panose="020F0502020204030204" pitchFamily="34" charset="0"/>
+                <a:cs typeface="Arial" panose="020B0604020202020204" pitchFamily="34" charset="0"/>
+              </a:rPr>
+              <a:t>&lt;</a:t>
+            </a:r>
+            <a:r>
+              <a:rPr lang="en-US" sz="1600" b="1" dirty="0">
+                <a:solidFill>
+                  <a:srgbClr val="000080"/>
+                </a:solidFill>
+                <a:latin typeface="Calibri" panose="020F0502020204030204" pitchFamily="34" charset="0"/>
+                <a:ea typeface="Calibri" panose="020F0502020204030204" pitchFamily="34" charset="0"/>
+                <a:cs typeface="Arial" panose="020B0604020202020204" pitchFamily="34" charset="0"/>
+              </a:rPr>
+              <a:t>my-dialog</a:t>
+            </a:r>
+            <a:r>
+              <a:rPr lang="en-US" sz="1600" dirty="0">
+                <a:solidFill>
+                  <a:srgbClr val="000000"/>
+                </a:solidFill>
+                <a:latin typeface="Calibri" panose="020F0502020204030204" pitchFamily="34" charset="0"/>
+                <a:ea typeface="Calibri" panose="020F0502020204030204" pitchFamily="34" charset="0"/>
+                <a:cs typeface="Arial" panose="020B0604020202020204" pitchFamily="34" charset="0"/>
+              </a:rPr>
+              <a:t>&gt;</a:t>
+            </a:r>
+            <a:br>
+              <a:rPr lang="en-US" sz="1600" dirty="0">
+                <a:solidFill>
+                  <a:srgbClr val="000000"/>
+                </a:solidFill>
+                <a:latin typeface="Calibri" panose="020F0502020204030204" pitchFamily="34" charset="0"/>
+                <a:ea typeface="Calibri" panose="020F0502020204030204" pitchFamily="34" charset="0"/>
+                <a:cs typeface="Arial" panose="020B0604020202020204" pitchFamily="34" charset="0"/>
+              </a:rPr>
+            </a:br>
+            <a:r>
+              <a:rPr lang="en-US" sz="1600" dirty="0">
+                <a:solidFill>
+                  <a:srgbClr val="000000"/>
+                </a:solidFill>
+                <a:latin typeface="Calibri" panose="020F0502020204030204" pitchFamily="34" charset="0"/>
+                <a:ea typeface="Calibri" panose="020F0502020204030204" pitchFamily="34" charset="0"/>
+                <a:cs typeface="Arial" panose="020B0604020202020204" pitchFamily="34" charset="0"/>
+              </a:rPr>
+              <a:t>    &lt;</a:t>
+            </a:r>
+            <a:r>
+              <a:rPr lang="en-US" sz="1600" b="1" dirty="0">
+                <a:solidFill>
+                  <a:srgbClr val="000080"/>
+                </a:solidFill>
+                <a:latin typeface="Calibri" panose="020F0502020204030204" pitchFamily="34" charset="0"/>
+                <a:ea typeface="Calibri" panose="020F0502020204030204" pitchFamily="34" charset="0"/>
+                <a:cs typeface="Arial" panose="020B0604020202020204" pitchFamily="34" charset="0"/>
+              </a:rPr>
+              <a:t>my-contact-list</a:t>
+            </a:r>
+            <a:r>
+              <a:rPr lang="en-US" sz="1600" dirty="0">
+                <a:solidFill>
+                  <a:srgbClr val="000000"/>
+                </a:solidFill>
+                <a:latin typeface="Calibri" panose="020F0502020204030204" pitchFamily="34" charset="0"/>
+                <a:ea typeface="Calibri" panose="020F0502020204030204" pitchFamily="34" charset="0"/>
+                <a:cs typeface="Arial" panose="020B0604020202020204" pitchFamily="34" charset="0"/>
+              </a:rPr>
+              <a:t>&gt;&lt;/</a:t>
+            </a:r>
+            <a:r>
+              <a:rPr lang="en-US" sz="1600" b="1" dirty="0">
+                <a:solidFill>
+                  <a:srgbClr val="000080"/>
+                </a:solidFill>
+                <a:latin typeface="Calibri" panose="020F0502020204030204" pitchFamily="34" charset="0"/>
+                <a:ea typeface="Calibri" panose="020F0502020204030204" pitchFamily="34" charset="0"/>
+                <a:cs typeface="Arial" panose="020B0604020202020204" pitchFamily="34" charset="0"/>
+              </a:rPr>
+              <a:t>my-contact-list</a:t>
+            </a:r>
+            <a:r>
+              <a:rPr lang="en-US" sz="1600" dirty="0">
+                <a:solidFill>
+                  <a:srgbClr val="000000"/>
+                </a:solidFill>
+                <a:latin typeface="Calibri" panose="020F0502020204030204" pitchFamily="34" charset="0"/>
+                <a:ea typeface="Calibri" panose="020F0502020204030204" pitchFamily="34" charset="0"/>
+                <a:cs typeface="Arial" panose="020B0604020202020204" pitchFamily="34" charset="0"/>
+              </a:rPr>
+              <a:t>&gt;</a:t>
+            </a:r>
+            <a:br>
+              <a:rPr lang="en-US" sz="1600" dirty="0">
+                <a:solidFill>
+                  <a:srgbClr val="000000"/>
+                </a:solidFill>
+                <a:latin typeface="Calibri" panose="020F0502020204030204" pitchFamily="34" charset="0"/>
+                <a:ea typeface="Calibri" panose="020F0502020204030204" pitchFamily="34" charset="0"/>
+                <a:cs typeface="Arial" panose="020B0604020202020204" pitchFamily="34" charset="0"/>
+              </a:rPr>
+            </a:br>
+            <a:r>
+              <a:rPr lang="en-US" sz="1600" dirty="0">
+                <a:solidFill>
+                  <a:srgbClr val="000000"/>
+                </a:solidFill>
+                <a:latin typeface="Calibri" panose="020F0502020204030204" pitchFamily="34" charset="0"/>
+                <a:ea typeface="Calibri" panose="020F0502020204030204" pitchFamily="34" charset="0"/>
+                <a:cs typeface="Arial" panose="020B0604020202020204" pitchFamily="34" charset="0"/>
+              </a:rPr>
+              <a:t>&lt;/</a:t>
+            </a:r>
+            <a:r>
+              <a:rPr lang="en-US" sz="1600" b="1" dirty="0">
+                <a:solidFill>
+                  <a:srgbClr val="000080"/>
+                </a:solidFill>
+                <a:latin typeface="Calibri" panose="020F0502020204030204" pitchFamily="34" charset="0"/>
+                <a:ea typeface="Calibri" panose="020F0502020204030204" pitchFamily="34" charset="0"/>
+                <a:cs typeface="Arial" panose="020B0604020202020204" pitchFamily="34" charset="0"/>
+              </a:rPr>
+              <a:t>my-dialog</a:t>
+            </a:r>
+            <a:r>
+              <a:rPr lang="en-US" sz="1600" dirty="0">
+                <a:solidFill>
+                  <a:srgbClr val="000000"/>
+                </a:solidFill>
+                <a:latin typeface="Calibri" panose="020F0502020204030204" pitchFamily="34" charset="0"/>
+                <a:ea typeface="Calibri" panose="020F0502020204030204" pitchFamily="34" charset="0"/>
+                <a:cs typeface="Arial" panose="020B0604020202020204" pitchFamily="34" charset="0"/>
+              </a:rPr>
+              <a:t>&gt;</a:t>
+            </a:r>
+            <a:endParaRPr lang="en-US" sz="1600" dirty="0"/>
+          </a:p>
+        </p:txBody>
+      </p:sp>
+      <p:sp>
+        <p:nvSpPr>
+          <p:cNvPr id="7" name="Callout: Bent Line with No Border 12"/>
+          <p:cNvSpPr/>
+          <p:nvPr/>
+        </p:nvSpPr>
+        <p:spPr>
+          <a:xfrm>
+            <a:off x="1049452" y="4869160"/>
+            <a:ext cx="1785020" cy="1296144"/>
+          </a:xfrm>
+          <a:prstGeom prst="callout2">
+            <a:avLst>
+              <a:gd name="adj1" fmla="val 43670"/>
+              <a:gd name="adj2" fmla="val 108581"/>
+              <a:gd name="adj3" fmla="val 28677"/>
+              <a:gd name="adj4" fmla="val 107777"/>
+              <a:gd name="adj5" fmla="val 2783"/>
+              <a:gd name="adj6" fmla="val 155695"/>
+            </a:avLst>
+          </a:prstGeom>
+        </p:spPr>
+        <p:style>
+          <a:lnRef idx="2">
+            <a:schemeClr val="accent4">
+              <a:shade val="50000"/>
+            </a:schemeClr>
+          </a:lnRef>
+          <a:fillRef idx="1">
+            <a:schemeClr val="accent4"/>
+          </a:fillRef>
+          <a:effectRef idx="0">
+            <a:schemeClr val="accent4"/>
+          </a:effectRef>
+          <a:fontRef idx="minor">
+            <a:schemeClr val="lt1"/>
+          </a:fontRef>
+        </p:style>
+        <p:txBody>
+          <a:bodyPr rtlCol="1" anchor="ctr"/>
+          <a:lstStyle/>
+          <a:p>
+            <a:pPr algn="ctr"/>
+            <a:r>
+              <a:rPr lang="en-US" sz="1400" dirty="0"/>
+              <a:t>We expect that the dialog component reuses the content somewhere inside its template</a:t>
+            </a:r>
+            <a:endParaRPr lang="he-IL" sz="1400" dirty="0"/>
+          </a:p>
+        </p:txBody>
+      </p:sp>
+      <p:sp>
+        <p:nvSpPr>
+          <p:cNvPr id="8" name="Callout: Bent Line with No Border 12"/>
+          <p:cNvSpPr/>
+          <p:nvPr/>
+        </p:nvSpPr>
+        <p:spPr>
+          <a:xfrm>
+            <a:off x="7740352" y="3284984"/>
+            <a:ext cx="903340" cy="720080"/>
+          </a:xfrm>
+          <a:prstGeom prst="callout2">
+            <a:avLst>
+              <a:gd name="adj1" fmla="val 107368"/>
+              <a:gd name="adj2" fmla="val 53376"/>
+              <a:gd name="adj3" fmla="val 108129"/>
+              <a:gd name="adj4" fmla="val 44117"/>
+              <a:gd name="adj5" fmla="val 246892"/>
+              <a:gd name="adj6" fmla="val -54368"/>
+            </a:avLst>
+          </a:prstGeom>
+        </p:spPr>
+        <p:style>
+          <a:lnRef idx="2">
+            <a:schemeClr val="accent4">
+              <a:shade val="50000"/>
+            </a:schemeClr>
+          </a:lnRef>
+          <a:fillRef idx="1">
+            <a:schemeClr val="accent4"/>
+          </a:fillRef>
+          <a:effectRef idx="0">
+            <a:schemeClr val="accent4"/>
+          </a:effectRef>
+          <a:fontRef idx="minor">
+            <a:schemeClr val="lt1"/>
+          </a:fontRef>
+        </p:style>
+        <p:txBody>
+          <a:bodyPr rtlCol="1" anchor="ctr"/>
+          <a:lstStyle/>
+          <a:p>
+            <a:pPr algn="ctr"/>
+            <a:r>
+              <a:rPr lang="en-US" sz="1400" dirty="0"/>
+              <a:t>This is the content</a:t>
+            </a:r>
+            <a:endParaRPr lang="he-IL" sz="1400" dirty="0"/>
+          </a:p>
+        </p:txBody>
+      </p:sp>
+    </p:spTree>
+    <p:extLst>
+      <p:ext uri="{BB962C8B-B14F-4D97-AF65-F5344CB8AC3E}">
+        <p14:creationId xmlns:p14="http://schemas.microsoft.com/office/powerpoint/2010/main" val="2484031787"/>
+      </p:ext>
+    </p:extLst>
+  </p:cSld>
+  <p:clrMapOvr>
+    <a:masterClrMapping/>
+  </p:clrMapOvr>
+</p:sld>
+</file>
+
+<file path=ppt/slides/slide21.xml><?xml version="1.0" encoding="utf-8"?>
+<p:sld xmlns:a="http://schemas.openxmlformats.org/drawingml/2006/main" xmlns:r="http://schemas.openxmlformats.org/officeDocument/2006/relationships" xmlns:p="http://schemas.openxmlformats.org/presentationml/2006/main">
+  <p:cSld>
+    <p:spTree>
+      <p:nvGrpSpPr>
+        <p:cNvPr id="1" name=""/>
+        <p:cNvGrpSpPr/>
+        <p:nvPr/>
+      </p:nvGrpSpPr>
+      <p:grpSpPr>
+        <a:xfrm>
+          <a:off x="0" y="0"/>
+          <a:ext cx="0" cy="0"/>
+          <a:chOff x="0" y="0"/>
+          <a:chExt cx="0" cy="0"/>
+        </a:xfrm>
+      </p:grpSpPr>
+      <p:sp>
+        <p:nvSpPr>
+          <p:cNvPr id="2" name="Title 1"/>
+          <p:cNvSpPr>
+            <a:spLocks noGrp="1"/>
+          </p:cNvSpPr>
+          <p:nvPr>
+            <p:ph type="title"/>
+          </p:nvPr>
+        </p:nvSpPr>
+        <p:spPr/>
+        <p:txBody>
+          <a:bodyPr/>
+          <a:lstStyle/>
+          <a:p>
+            <a:r>
+              <a:rPr lang="en-US" dirty="0"/>
+              <a:t>Content Projection</a:t>
+            </a:r>
+          </a:p>
+        </p:txBody>
+      </p:sp>
+      <p:sp>
+        <p:nvSpPr>
+          <p:cNvPr id="3" name="Footer Placeholder 2"/>
+          <p:cNvSpPr>
+            <a:spLocks noGrp="1"/>
+          </p:cNvSpPr>
+          <p:nvPr>
+            <p:ph type="ftr" sz="quarter" idx="11"/>
+          </p:nvPr>
+        </p:nvSpPr>
+        <p:spPr/>
+        <p:txBody>
+          <a:bodyPr/>
+          <a:lstStyle/>
+          <a:p>
+            <a:r>
+              <a:rPr lang="en-US"/>
+              <a:t>© 2016 Ori Calvo</a:t>
+            </a:r>
+            <a:endParaRPr lang="en-US" dirty="0"/>
+          </a:p>
+        </p:txBody>
+      </p:sp>
+      <p:sp>
+        <p:nvSpPr>
+          <p:cNvPr id="4" name="Slide Number Placeholder 3"/>
+          <p:cNvSpPr>
+            <a:spLocks noGrp="1"/>
+          </p:cNvSpPr>
+          <p:nvPr>
+            <p:ph type="sldNum" sz="quarter" idx="12"/>
+          </p:nvPr>
+        </p:nvSpPr>
+        <p:spPr/>
+        <p:txBody>
+          <a:bodyPr>
+            <a:normAutofit fontScale="85000" lnSpcReduction="20000"/>
+          </a:bodyPr>
+          <a:lstStyle/>
+          <a:p>
+            <a:fld id="{6EDEC3BC-0694-4586-AE63-02B4D54ABF43}" type="slidenum">
+              <a:rPr lang="en-US" smtClean="0"/>
+              <a:pPr/>
+              <a:t>21</a:t>
+            </a:fld>
+            <a:endParaRPr lang="en-US"/>
+          </a:p>
+        </p:txBody>
+      </p:sp>
+      <p:sp>
+        <p:nvSpPr>
+          <p:cNvPr id="5" name="Content Placeholder 4"/>
+          <p:cNvSpPr>
+            <a:spLocks noGrp="1"/>
+          </p:cNvSpPr>
+          <p:nvPr>
+            <p:ph sz="quarter" idx="1"/>
+          </p:nvPr>
+        </p:nvSpPr>
+        <p:spPr/>
+        <p:txBody>
           <a:bodyPr>
             <a:normAutofit/>
           </a:bodyPr>
@@ -14556,7 +14991,7 @@
 </p:sld>
 </file>
 
-<file path=ppt/slides/slide21.xml><?xml version="1.0" encoding="utf-8"?>
+<file path=ppt/slides/slide22.xml><?xml version="1.0" encoding="utf-8"?>
 <p:sld xmlns:a="http://schemas.openxmlformats.org/drawingml/2006/main" xmlns:r="http://schemas.openxmlformats.org/officeDocument/2006/relationships" xmlns:p="http://schemas.openxmlformats.org/presentationml/2006/main">
   <p:cSld>
     <p:spTree>
@@ -14638,7 +15073,7 @@
             <a:fld id="{6EDEC3BC-0694-4586-AE63-02B4D54ABF43}" type="slidenum">
               <a:rPr lang="en-US" smtClean="0"/>
               <a:pPr/>
-              <a:t>21</a:t>
+              <a:t>22</a:t>
             </a:fld>
             <a:endParaRPr lang="en-US"/>
           </a:p>
@@ -15258,7 +15693,7 @@
 </p:sld>
 </file>
 
-<file path=ppt/slides/slide22.xml><?xml version="1.0" encoding="utf-8"?>
+<file path=ppt/slides/slide23.xml><?xml version="1.0" encoding="utf-8"?>
 <p:sld xmlns:a="http://schemas.openxmlformats.org/drawingml/2006/main" xmlns:r="http://schemas.openxmlformats.org/officeDocument/2006/relationships" xmlns:p="http://schemas.openxmlformats.org/presentationml/2006/main">
   <p:cSld>
     <p:spTree>
@@ -15340,7 +15775,7 @@
             <a:fld id="{6EDEC3BC-0694-4586-AE63-02B4D54ABF43}" type="slidenum">
               <a:rPr lang="en-US" smtClean="0"/>
               <a:pPr/>
-              <a:t>22</a:t>
+              <a:t>23</a:t>
             </a:fld>
             <a:endParaRPr lang="en-US"/>
           </a:p>
@@ -15882,7 +16317,7 @@
 </p:sld>
 </file>
 
-<file path=ppt/slides/slide23.xml><?xml version="1.0" encoding="utf-8"?>
+<file path=ppt/slides/slide24.xml><?xml version="1.0" encoding="utf-8"?>
 <p:sld xmlns:a="http://schemas.openxmlformats.org/drawingml/2006/main" xmlns:r="http://schemas.openxmlformats.org/officeDocument/2006/relationships" xmlns:p="http://schemas.openxmlformats.org/presentationml/2006/main">
   <p:cSld>
     <p:spTree>
@@ -15965,7 +16400,7 @@
             <a:fld id="{6EDEC3BC-0694-4586-AE63-02B4D54ABF43}" type="slidenum">
               <a:rPr lang="en-US" smtClean="0"/>
               <a:pPr/>
-              <a:t>23</a:t>
+              <a:t>24</a:t>
             </a:fld>
             <a:endParaRPr lang="en-US"/>
           </a:p>
@@ -16581,7 +17016,7 @@
 </p:sld>
 </file>
 
-<file path=ppt/slides/slide24.xml><?xml version="1.0" encoding="utf-8"?>
+<file path=ppt/slides/slide25.xml><?xml version="1.0" encoding="utf-8"?>
 <p:sld xmlns:a="http://schemas.openxmlformats.org/drawingml/2006/main" xmlns:r="http://schemas.openxmlformats.org/officeDocument/2006/relationships" xmlns:p="http://schemas.openxmlformats.org/presentationml/2006/main">
   <p:cSld>
     <p:spTree>
@@ -16664,7 +17099,7 @@
             <a:fld id="{6EDEC3BC-0694-4586-AE63-02B4D54ABF43}" type="slidenum">
               <a:rPr lang="en-US" smtClean="0"/>
               <a:pPr/>
-              <a:t>24</a:t>
+              <a:t>25</a:t>
             </a:fld>
             <a:endParaRPr lang="en-US"/>
           </a:p>
@@ -17692,143 +18127,6 @@
 </p:sld>
 </file>
 
-<file path=ppt/slides/slide25.xml><?xml version="1.0" encoding="utf-8"?>
-<p:sld xmlns:a="http://schemas.openxmlformats.org/drawingml/2006/main" xmlns:r="http://schemas.openxmlformats.org/officeDocument/2006/relationships" xmlns:p="http://schemas.openxmlformats.org/presentationml/2006/main">
-  <p:cSld>
-    <p:spTree>
-      <p:nvGrpSpPr>
-        <p:cNvPr id="1" name=""/>
-        <p:cNvGrpSpPr/>
-        <p:nvPr/>
-      </p:nvGrpSpPr>
-      <p:grpSpPr>
-        <a:xfrm>
-          <a:off x="0" y="0"/>
-          <a:ext cx="0" cy="0"/>
-          <a:chOff x="0" y="0"/>
-          <a:chExt cx="0" cy="0"/>
-        </a:xfrm>
-      </p:grpSpPr>
-      <p:sp>
-        <p:nvSpPr>
-          <p:cNvPr id="2" name="Title 1"/>
-          <p:cNvSpPr>
-            <a:spLocks noGrp="1"/>
-          </p:cNvSpPr>
-          <p:nvPr>
-            <p:ph type="title"/>
-          </p:nvPr>
-        </p:nvSpPr>
-        <p:spPr/>
-        <p:txBody>
-          <a:bodyPr/>
-          <a:lstStyle/>
-          <a:p>
-            <a:r>
-              <a:rPr lang="en-US" dirty="0"/>
-              <a:t>Lifecycle Hooks</a:t>
-            </a:r>
-            <a:endParaRPr lang="he-IL" dirty="0"/>
-          </a:p>
-        </p:txBody>
-      </p:sp>
-      <p:sp>
-        <p:nvSpPr>
-          <p:cNvPr id="3" name="Footer Placeholder 2"/>
-          <p:cNvSpPr>
-            <a:spLocks noGrp="1"/>
-          </p:cNvSpPr>
-          <p:nvPr>
-            <p:ph type="ftr" sz="quarter" idx="11"/>
-          </p:nvPr>
-        </p:nvSpPr>
-        <p:spPr/>
-        <p:txBody>
-          <a:bodyPr/>
-          <a:lstStyle/>
-          <a:p>
-            <a:r>
-              <a:rPr lang="en-US"/>
-              <a:t>© 2016 Ori Calvo</a:t>
-            </a:r>
-            <a:endParaRPr lang="en-US" dirty="0"/>
-          </a:p>
-        </p:txBody>
-      </p:sp>
-      <p:sp>
-        <p:nvSpPr>
-          <p:cNvPr id="4" name="Slide Number Placeholder 3"/>
-          <p:cNvSpPr>
-            <a:spLocks noGrp="1"/>
-          </p:cNvSpPr>
-          <p:nvPr>
-            <p:ph type="sldNum" sz="quarter" idx="12"/>
-          </p:nvPr>
-        </p:nvSpPr>
-        <p:spPr/>
-        <p:txBody>
-          <a:bodyPr>
-            <a:normAutofit fontScale="85000" lnSpcReduction="20000"/>
-          </a:bodyPr>
-          <a:lstStyle/>
-          <a:p>
-            <a:fld id="{6EDEC3BC-0694-4586-AE63-02B4D54ABF43}" type="slidenum">
-              <a:rPr lang="en-US" smtClean="0"/>
-              <a:pPr/>
-              <a:t>25</a:t>
-            </a:fld>
-            <a:endParaRPr lang="en-US"/>
-          </a:p>
-        </p:txBody>
-      </p:sp>
-      <p:sp>
-        <p:nvSpPr>
-          <p:cNvPr id="5" name="Content Placeholder 4"/>
-          <p:cNvSpPr>
-            <a:spLocks noGrp="1"/>
-          </p:cNvSpPr>
-          <p:nvPr>
-            <p:ph sz="quarter" idx="1"/>
-          </p:nvPr>
-        </p:nvSpPr>
-        <p:spPr/>
-        <p:txBody>
-          <a:bodyPr/>
-          <a:lstStyle/>
-          <a:p>
-            <a:r>
-              <a:rPr lang="en-US" dirty="0"/>
-              <a:t>Just like ASP.NET …</a:t>
-            </a:r>
-          </a:p>
-          <a:p>
-            <a:r>
-              <a:rPr lang="en-US" dirty="0"/>
-              <a:t>Each component is notified several times by Angular during its lifetime</a:t>
-            </a:r>
-          </a:p>
-          <a:p>
-            <a:r>
-              <a:rPr lang="en-US" dirty="0"/>
-              <a:t>We use the lifecycle hooks/events to customize component default behavior</a:t>
-            </a:r>
-            <a:endParaRPr lang="he-IL" dirty="0"/>
-          </a:p>
-        </p:txBody>
-      </p:sp>
-    </p:spTree>
-    <p:extLst>
-      <p:ext uri="{BB962C8B-B14F-4D97-AF65-F5344CB8AC3E}">
-        <p14:creationId xmlns:p14="http://schemas.microsoft.com/office/powerpoint/2010/main" val="4091114564"/>
-      </p:ext>
-    </p:extLst>
-  </p:cSld>
-  <p:clrMapOvr>
-    <a:masterClrMapping/>
-  </p:clrMapOvr>
-</p:sld>
-</file>
-
 <file path=ppt/slides/slide26.xml><?xml version="1.0" encoding="utf-8"?>
 <p:sld xmlns:a="http://schemas.openxmlformats.org/drawingml/2006/main" xmlns:r="http://schemas.openxmlformats.org/officeDocument/2006/relationships" xmlns:p="http://schemas.openxmlformats.org/presentationml/2006/main">
   <p:cSld>
@@ -17913,6 +18211,143 @@
               <a:rPr lang="en-US" smtClean="0"/>
               <a:pPr/>
               <a:t>26</a:t>
+            </a:fld>
+            <a:endParaRPr lang="en-US"/>
+          </a:p>
+        </p:txBody>
+      </p:sp>
+      <p:sp>
+        <p:nvSpPr>
+          <p:cNvPr id="5" name="Content Placeholder 4"/>
+          <p:cNvSpPr>
+            <a:spLocks noGrp="1"/>
+          </p:cNvSpPr>
+          <p:nvPr>
+            <p:ph sz="quarter" idx="1"/>
+          </p:nvPr>
+        </p:nvSpPr>
+        <p:spPr/>
+        <p:txBody>
+          <a:bodyPr/>
+          <a:lstStyle/>
+          <a:p>
+            <a:r>
+              <a:rPr lang="en-US" dirty="0"/>
+              <a:t>Just like ASP.NET …</a:t>
+            </a:r>
+          </a:p>
+          <a:p>
+            <a:r>
+              <a:rPr lang="en-US" dirty="0"/>
+              <a:t>Each component is notified several times by Angular during its lifetime</a:t>
+            </a:r>
+          </a:p>
+          <a:p>
+            <a:r>
+              <a:rPr lang="en-US" dirty="0"/>
+              <a:t>We use the lifecycle hooks/events to customize component default behavior</a:t>
+            </a:r>
+            <a:endParaRPr lang="he-IL" dirty="0"/>
+          </a:p>
+        </p:txBody>
+      </p:sp>
+    </p:spTree>
+    <p:extLst>
+      <p:ext uri="{BB962C8B-B14F-4D97-AF65-F5344CB8AC3E}">
+        <p14:creationId xmlns:p14="http://schemas.microsoft.com/office/powerpoint/2010/main" val="4091114564"/>
+      </p:ext>
+    </p:extLst>
+  </p:cSld>
+  <p:clrMapOvr>
+    <a:masterClrMapping/>
+  </p:clrMapOvr>
+</p:sld>
+</file>
+
+<file path=ppt/slides/slide27.xml><?xml version="1.0" encoding="utf-8"?>
+<p:sld xmlns:a="http://schemas.openxmlformats.org/drawingml/2006/main" xmlns:r="http://schemas.openxmlformats.org/officeDocument/2006/relationships" xmlns:p="http://schemas.openxmlformats.org/presentationml/2006/main">
+  <p:cSld>
+    <p:spTree>
+      <p:nvGrpSpPr>
+        <p:cNvPr id="1" name=""/>
+        <p:cNvGrpSpPr/>
+        <p:nvPr/>
+      </p:nvGrpSpPr>
+      <p:grpSpPr>
+        <a:xfrm>
+          <a:off x="0" y="0"/>
+          <a:ext cx="0" cy="0"/>
+          <a:chOff x="0" y="0"/>
+          <a:chExt cx="0" cy="0"/>
+        </a:xfrm>
+      </p:grpSpPr>
+      <p:sp>
+        <p:nvSpPr>
+          <p:cNvPr id="2" name="Title 1"/>
+          <p:cNvSpPr>
+            <a:spLocks noGrp="1"/>
+          </p:cNvSpPr>
+          <p:nvPr>
+            <p:ph type="title"/>
+          </p:nvPr>
+        </p:nvSpPr>
+        <p:spPr/>
+        <p:txBody>
+          <a:bodyPr/>
+          <a:lstStyle/>
+          <a:p>
+            <a:r>
+              <a:rPr lang="en-US" dirty="0"/>
+              <a:t>Lifecycle Hooks</a:t>
+            </a:r>
+            <a:endParaRPr lang="he-IL" dirty="0"/>
+          </a:p>
+        </p:txBody>
+      </p:sp>
+      <p:sp>
+        <p:nvSpPr>
+          <p:cNvPr id="3" name="Footer Placeholder 2"/>
+          <p:cNvSpPr>
+            <a:spLocks noGrp="1"/>
+          </p:cNvSpPr>
+          <p:nvPr>
+            <p:ph type="ftr" sz="quarter" idx="11"/>
+          </p:nvPr>
+        </p:nvSpPr>
+        <p:spPr/>
+        <p:txBody>
+          <a:bodyPr/>
+          <a:lstStyle/>
+          <a:p>
+            <a:r>
+              <a:rPr lang="en-US"/>
+              <a:t>© 2016 Ori Calvo</a:t>
+            </a:r>
+            <a:endParaRPr lang="en-US" dirty="0"/>
+          </a:p>
+        </p:txBody>
+      </p:sp>
+      <p:sp>
+        <p:nvSpPr>
+          <p:cNvPr id="4" name="Slide Number Placeholder 3"/>
+          <p:cNvSpPr>
+            <a:spLocks noGrp="1"/>
+          </p:cNvSpPr>
+          <p:nvPr>
+            <p:ph type="sldNum" sz="quarter" idx="12"/>
+          </p:nvPr>
+        </p:nvSpPr>
+        <p:spPr/>
+        <p:txBody>
+          <a:bodyPr>
+            <a:normAutofit fontScale="85000" lnSpcReduction="20000"/>
+          </a:bodyPr>
+          <a:lstStyle/>
+          <a:p>
+            <a:fld id="{6EDEC3BC-0694-4586-AE63-02B4D54ABF43}" type="slidenum">
+              <a:rPr lang="en-US" smtClean="0"/>
+              <a:pPr/>
+              <a:t>27</a:t>
             </a:fld>
             <a:endParaRPr lang="en-US"/>
           </a:p>
@@ -18375,143 +18810,6 @@
 </p:sld>
 </file>
 
-<file path=ppt/slides/slide27.xml><?xml version="1.0" encoding="utf-8"?>
-<p:sld xmlns:a="http://schemas.openxmlformats.org/drawingml/2006/main" xmlns:r="http://schemas.openxmlformats.org/officeDocument/2006/relationships" xmlns:p="http://schemas.openxmlformats.org/presentationml/2006/main">
-  <p:cSld>
-    <p:spTree>
-      <p:nvGrpSpPr>
-        <p:cNvPr id="1" name=""/>
-        <p:cNvGrpSpPr/>
-        <p:nvPr/>
-      </p:nvGrpSpPr>
-      <p:grpSpPr>
-        <a:xfrm>
-          <a:off x="0" y="0"/>
-          <a:ext cx="0" cy="0"/>
-          <a:chOff x="0" y="0"/>
-          <a:chExt cx="0" cy="0"/>
-        </a:xfrm>
-      </p:grpSpPr>
-      <p:sp>
-        <p:nvSpPr>
-          <p:cNvPr id="2" name="Title 1"/>
-          <p:cNvSpPr>
-            <a:spLocks noGrp="1"/>
-          </p:cNvSpPr>
-          <p:nvPr>
-            <p:ph type="title"/>
-          </p:nvPr>
-        </p:nvSpPr>
-        <p:spPr/>
-        <p:txBody>
-          <a:bodyPr/>
-          <a:lstStyle/>
-          <a:p>
-            <a:r>
-              <a:rPr lang="en-US" dirty="0" err="1"/>
-              <a:t>ngOnChanges</a:t>
-            </a:r>
-            <a:endParaRPr lang="he-IL" dirty="0"/>
-          </a:p>
-        </p:txBody>
-      </p:sp>
-      <p:sp>
-        <p:nvSpPr>
-          <p:cNvPr id="3" name="Footer Placeholder 2"/>
-          <p:cNvSpPr>
-            <a:spLocks noGrp="1"/>
-          </p:cNvSpPr>
-          <p:nvPr>
-            <p:ph type="ftr" sz="quarter" idx="11"/>
-          </p:nvPr>
-        </p:nvSpPr>
-        <p:spPr/>
-        <p:txBody>
-          <a:bodyPr/>
-          <a:lstStyle/>
-          <a:p>
-            <a:r>
-              <a:rPr lang="en-US"/>
-              <a:t>© 2016 Ori Calvo</a:t>
-            </a:r>
-            <a:endParaRPr lang="en-US" dirty="0"/>
-          </a:p>
-        </p:txBody>
-      </p:sp>
-      <p:sp>
-        <p:nvSpPr>
-          <p:cNvPr id="4" name="Slide Number Placeholder 3"/>
-          <p:cNvSpPr>
-            <a:spLocks noGrp="1"/>
-          </p:cNvSpPr>
-          <p:nvPr>
-            <p:ph type="sldNum" sz="quarter" idx="12"/>
-          </p:nvPr>
-        </p:nvSpPr>
-        <p:spPr/>
-        <p:txBody>
-          <a:bodyPr>
-            <a:normAutofit fontScale="85000" lnSpcReduction="20000"/>
-          </a:bodyPr>
-          <a:lstStyle/>
-          <a:p>
-            <a:fld id="{6EDEC3BC-0694-4586-AE63-02B4D54ABF43}" type="slidenum">
-              <a:rPr lang="en-US" smtClean="0"/>
-              <a:pPr/>
-              <a:t>27</a:t>
-            </a:fld>
-            <a:endParaRPr lang="en-US"/>
-          </a:p>
-        </p:txBody>
-      </p:sp>
-      <p:sp>
-        <p:nvSpPr>
-          <p:cNvPr id="5" name="Content Placeholder 4"/>
-          <p:cNvSpPr>
-            <a:spLocks noGrp="1"/>
-          </p:cNvSpPr>
-          <p:nvPr>
-            <p:ph sz="quarter" idx="1"/>
-          </p:nvPr>
-        </p:nvSpPr>
-        <p:spPr/>
-        <p:txBody>
-          <a:bodyPr/>
-          <a:lstStyle/>
-          <a:p>
-            <a:r>
-              <a:rPr lang="en-US" dirty="0"/>
-              <a:t>Angular invoke this function only when one of the component’s inputs changed</a:t>
-            </a:r>
-          </a:p>
-          <a:p>
-            <a:r>
-              <a:rPr lang="en-US" dirty="0"/>
-              <a:t>The hook is not executed per input but rather after all inputs were updated by Angular</a:t>
-            </a:r>
-          </a:p>
-          <a:p>
-            <a:r>
-              <a:rPr lang="en-US" dirty="0"/>
-              <a:t>A good place to update internal state that is derived from all inputs</a:t>
-            </a:r>
-            <a:endParaRPr lang="he-IL" dirty="0"/>
-          </a:p>
-        </p:txBody>
-      </p:sp>
-    </p:spTree>
-    <p:extLst>
-      <p:ext uri="{BB962C8B-B14F-4D97-AF65-F5344CB8AC3E}">
-        <p14:creationId xmlns:p14="http://schemas.microsoft.com/office/powerpoint/2010/main" val="3666247842"/>
-      </p:ext>
-    </p:extLst>
-  </p:cSld>
-  <p:clrMapOvr>
-    <a:masterClrMapping/>
-  </p:clrMapOvr>
-</p:sld>
-</file>
-
 <file path=ppt/slides/slide28.xml><?xml version="1.0" encoding="utf-8"?>
 <p:sld xmlns:a="http://schemas.openxmlformats.org/drawingml/2006/main" xmlns:r="http://schemas.openxmlformats.org/officeDocument/2006/relationships" xmlns:p="http://schemas.openxmlformats.org/presentationml/2006/main">
   <p:cSld>
@@ -18596,6 +18894,143 @@
               <a:rPr lang="en-US" smtClean="0"/>
               <a:pPr/>
               <a:t>28</a:t>
+            </a:fld>
+            <a:endParaRPr lang="en-US"/>
+          </a:p>
+        </p:txBody>
+      </p:sp>
+      <p:sp>
+        <p:nvSpPr>
+          <p:cNvPr id="5" name="Content Placeholder 4"/>
+          <p:cNvSpPr>
+            <a:spLocks noGrp="1"/>
+          </p:cNvSpPr>
+          <p:nvPr>
+            <p:ph sz="quarter" idx="1"/>
+          </p:nvPr>
+        </p:nvSpPr>
+        <p:spPr/>
+        <p:txBody>
+          <a:bodyPr/>
+          <a:lstStyle/>
+          <a:p>
+            <a:r>
+              <a:rPr lang="en-US" dirty="0"/>
+              <a:t>Angular invoke this function only when one of the component’s inputs changed</a:t>
+            </a:r>
+          </a:p>
+          <a:p>
+            <a:r>
+              <a:rPr lang="en-US" dirty="0"/>
+              <a:t>The hook is not executed per input but rather after all inputs were updated by Angular</a:t>
+            </a:r>
+          </a:p>
+          <a:p>
+            <a:r>
+              <a:rPr lang="en-US" dirty="0"/>
+              <a:t>A good place to update internal state that is derived from all inputs</a:t>
+            </a:r>
+            <a:endParaRPr lang="he-IL" dirty="0"/>
+          </a:p>
+        </p:txBody>
+      </p:sp>
+    </p:spTree>
+    <p:extLst>
+      <p:ext uri="{BB962C8B-B14F-4D97-AF65-F5344CB8AC3E}">
+        <p14:creationId xmlns:p14="http://schemas.microsoft.com/office/powerpoint/2010/main" val="3666247842"/>
+      </p:ext>
+    </p:extLst>
+  </p:cSld>
+  <p:clrMapOvr>
+    <a:masterClrMapping/>
+  </p:clrMapOvr>
+</p:sld>
+</file>
+
+<file path=ppt/slides/slide29.xml><?xml version="1.0" encoding="utf-8"?>
+<p:sld xmlns:a="http://schemas.openxmlformats.org/drawingml/2006/main" xmlns:r="http://schemas.openxmlformats.org/officeDocument/2006/relationships" xmlns:p="http://schemas.openxmlformats.org/presentationml/2006/main">
+  <p:cSld>
+    <p:spTree>
+      <p:nvGrpSpPr>
+        <p:cNvPr id="1" name=""/>
+        <p:cNvGrpSpPr/>
+        <p:nvPr/>
+      </p:nvGrpSpPr>
+      <p:grpSpPr>
+        <a:xfrm>
+          <a:off x="0" y="0"/>
+          <a:ext cx="0" cy="0"/>
+          <a:chOff x="0" y="0"/>
+          <a:chExt cx="0" cy="0"/>
+        </a:xfrm>
+      </p:grpSpPr>
+      <p:sp>
+        <p:nvSpPr>
+          <p:cNvPr id="2" name="Title 1"/>
+          <p:cNvSpPr>
+            <a:spLocks noGrp="1"/>
+          </p:cNvSpPr>
+          <p:nvPr>
+            <p:ph type="title"/>
+          </p:nvPr>
+        </p:nvSpPr>
+        <p:spPr/>
+        <p:txBody>
+          <a:bodyPr/>
+          <a:lstStyle/>
+          <a:p>
+            <a:r>
+              <a:rPr lang="en-US" dirty="0" err="1"/>
+              <a:t>ngOnChanges</a:t>
+            </a:r>
+            <a:endParaRPr lang="he-IL" dirty="0"/>
+          </a:p>
+        </p:txBody>
+      </p:sp>
+      <p:sp>
+        <p:nvSpPr>
+          <p:cNvPr id="3" name="Footer Placeholder 2"/>
+          <p:cNvSpPr>
+            <a:spLocks noGrp="1"/>
+          </p:cNvSpPr>
+          <p:nvPr>
+            <p:ph type="ftr" sz="quarter" idx="11"/>
+          </p:nvPr>
+        </p:nvSpPr>
+        <p:spPr/>
+        <p:txBody>
+          <a:bodyPr/>
+          <a:lstStyle/>
+          <a:p>
+            <a:r>
+              <a:rPr lang="en-US"/>
+              <a:t>© 2016 Ori Calvo</a:t>
+            </a:r>
+            <a:endParaRPr lang="en-US" dirty="0"/>
+          </a:p>
+        </p:txBody>
+      </p:sp>
+      <p:sp>
+        <p:nvSpPr>
+          <p:cNvPr id="4" name="Slide Number Placeholder 3"/>
+          <p:cNvSpPr>
+            <a:spLocks noGrp="1"/>
+          </p:cNvSpPr>
+          <p:nvPr>
+            <p:ph type="sldNum" sz="quarter" idx="12"/>
+          </p:nvPr>
+        </p:nvSpPr>
+        <p:spPr/>
+        <p:txBody>
+          <a:bodyPr>
+            <a:normAutofit fontScale="85000" lnSpcReduction="20000"/>
+          </a:bodyPr>
+          <a:lstStyle/>
+          <a:p>
+            <a:fld id="{6EDEC3BC-0694-4586-AE63-02B4D54ABF43}" type="slidenum">
+              <a:rPr lang="en-US" smtClean="0"/>
+              <a:pPr/>
+              <a:t>29</a:t>
             </a:fld>
             <a:endParaRPr lang="en-US"/>
           </a:p>
@@ -19623,169 +20058,6 @@
 </p:sld>
 </file>
 
-<file path=ppt/slides/slide29.xml><?xml version="1.0" encoding="utf-8"?>
-<p:sld xmlns:a="http://schemas.openxmlformats.org/drawingml/2006/main" xmlns:r="http://schemas.openxmlformats.org/officeDocument/2006/relationships" xmlns:p="http://schemas.openxmlformats.org/presentationml/2006/main">
-  <p:cSld>
-    <p:spTree>
-      <p:nvGrpSpPr>
-        <p:cNvPr id="1" name=""/>
-        <p:cNvGrpSpPr/>
-        <p:nvPr/>
-      </p:nvGrpSpPr>
-      <p:grpSpPr>
-        <a:xfrm>
-          <a:off x="0" y="0"/>
-          <a:ext cx="0" cy="0"/>
-          <a:chOff x="0" y="0"/>
-          <a:chExt cx="0" cy="0"/>
-        </a:xfrm>
-      </p:grpSpPr>
-      <p:sp>
-        <p:nvSpPr>
-          <p:cNvPr id="2" name="Title 1"/>
-          <p:cNvSpPr>
-            <a:spLocks noGrp="1"/>
-          </p:cNvSpPr>
-          <p:nvPr>
-            <p:ph type="title"/>
-          </p:nvPr>
-        </p:nvSpPr>
-        <p:spPr/>
-        <p:txBody>
-          <a:bodyPr/>
-          <a:lstStyle/>
-          <a:p>
-            <a:r>
-              <a:rPr lang="en-US" dirty="0" err="1"/>
-              <a:t>ngOnChanges</a:t>
-            </a:r>
-            <a:r>
-              <a:rPr lang="en-US" dirty="0"/>
-              <a:t> – Be aware</a:t>
-            </a:r>
-            <a:endParaRPr lang="he-IL" dirty="0"/>
-          </a:p>
-        </p:txBody>
-      </p:sp>
-      <p:sp>
-        <p:nvSpPr>
-          <p:cNvPr id="3" name="Footer Placeholder 2"/>
-          <p:cNvSpPr>
-            <a:spLocks noGrp="1"/>
-          </p:cNvSpPr>
-          <p:nvPr>
-            <p:ph type="ftr" sz="quarter" idx="11"/>
-          </p:nvPr>
-        </p:nvSpPr>
-        <p:spPr/>
-        <p:txBody>
-          <a:bodyPr/>
-          <a:lstStyle/>
-          <a:p>
-            <a:r>
-              <a:rPr lang="en-US"/>
-              <a:t>© 2016 Ori Calvo</a:t>
-            </a:r>
-            <a:endParaRPr lang="en-US" dirty="0"/>
-          </a:p>
-        </p:txBody>
-      </p:sp>
-      <p:sp>
-        <p:nvSpPr>
-          <p:cNvPr id="4" name="Slide Number Placeholder 3"/>
-          <p:cNvSpPr>
-            <a:spLocks noGrp="1"/>
-          </p:cNvSpPr>
-          <p:nvPr>
-            <p:ph type="sldNum" sz="quarter" idx="12"/>
-          </p:nvPr>
-        </p:nvSpPr>
-        <p:spPr/>
-        <p:txBody>
-          <a:bodyPr>
-            <a:normAutofit fontScale="85000" lnSpcReduction="20000"/>
-          </a:bodyPr>
-          <a:lstStyle/>
-          <a:p>
-            <a:fld id="{6EDEC3BC-0694-4586-AE63-02B4D54ABF43}" type="slidenum">
-              <a:rPr lang="en-US" smtClean="0"/>
-              <a:pPr/>
-              <a:t>29</a:t>
-            </a:fld>
-            <a:endParaRPr lang="en-US"/>
-          </a:p>
-        </p:txBody>
-      </p:sp>
-      <p:sp>
-        <p:nvSpPr>
-          <p:cNvPr id="5" name="Content Placeholder 4"/>
-          <p:cNvSpPr>
-            <a:spLocks noGrp="1"/>
-          </p:cNvSpPr>
-          <p:nvPr>
-            <p:ph sz="quarter" idx="1"/>
-          </p:nvPr>
-        </p:nvSpPr>
-        <p:spPr/>
-        <p:txBody>
-          <a:bodyPr/>
-          <a:lstStyle/>
-          <a:p>
-            <a:r>
-              <a:rPr lang="en-US" dirty="0" err="1"/>
-              <a:t>ngOnChanges</a:t>
-            </a:r>
-            <a:r>
-              <a:rPr lang="en-US" dirty="0"/>
-              <a:t> is invoked as part of Angular change detection</a:t>
-            </a:r>
-          </a:p>
-          <a:p>
-            <a:r>
-              <a:rPr lang="en-US" dirty="0"/>
-              <a:t>Angular executes simple change detection comparison</a:t>
-            </a:r>
-          </a:p>
-          <a:p>
-            <a:r>
-              <a:rPr lang="en-US" dirty="0"/>
-              <a:t>The input “shallow” value is compared. Whether it’s a value type or a reference type</a:t>
-            </a:r>
-          </a:p>
-          <a:p>
-            <a:r>
-              <a:rPr lang="en-US" dirty="0"/>
-              <a:t>It means that a deep change inside an input </a:t>
-            </a:r>
-            <a:r>
-              <a:rPr lang="en-US" u="sng" dirty="0"/>
-              <a:t>does not trigger</a:t>
-            </a:r>
-            <a:r>
-              <a:rPr lang="en-US" dirty="0"/>
-              <a:t> </a:t>
-            </a:r>
-            <a:r>
-              <a:rPr lang="en-US" dirty="0" err="1"/>
-              <a:t>ngOnChanges</a:t>
-            </a:r>
-            <a:endParaRPr lang="he-IL" dirty="0"/>
-          </a:p>
-        </p:txBody>
-      </p:sp>
-    </p:spTree>
-    <p:extLst>
-      <p:ext uri="{BB962C8B-B14F-4D97-AF65-F5344CB8AC3E}">
-        <p14:creationId xmlns:p14="http://schemas.microsoft.com/office/powerpoint/2010/main" val="2009766529"/>
-      </p:ext>
-    </p:extLst>
-  </p:cSld>
-  <p:clrMapOvr>
-    <a:masterClrMapping/>
-  </p:clrMapOvr>
-</p:sld>
-</file>
-
 <file path=ppt/slides/slide3.xml><?xml version="1.0" encoding="utf-8"?>
 <p:sld xmlns:a="http://schemas.openxmlformats.org/drawingml/2006/main" xmlns:r="http://schemas.openxmlformats.org/officeDocument/2006/relationships" xmlns:p="http://schemas.openxmlformats.org/presentationml/2006/main">
   <p:cSld>
@@ -20007,12 +20279,12 @@
           <a:lstStyle/>
           <a:p>
             <a:r>
+              <a:rPr lang="en-US" dirty="0" err="1"/>
+              <a:t>ngOnChanges</a:t>
+            </a:r>
+            <a:r>
               <a:rPr lang="en-US" dirty="0"/>
-              <a:t>React to deep change - </a:t>
-            </a:r>
-            <a:r>
-              <a:rPr lang="en-US" dirty="0" err="1"/>
-              <a:t>ngDoCheck</a:t>
+              <a:t> – Be aware</a:t>
             </a:r>
             <a:endParaRPr lang="he-IL" dirty="0"/>
           </a:p>
@@ -20084,755 +20356,50 @@
           <a:p>
             <a:r>
               <a:rPr lang="en-US" dirty="0" err="1"/>
-              <a:t>ngDoCheck</a:t>
+              <a:t>ngOnChanges</a:t>
             </a:r>
             <a:r>
               <a:rPr lang="en-US" dirty="0"/>
-              <a:t> is always executed</a:t>
+              <a:t> is invoked as part of Angular change detection</a:t>
             </a:r>
           </a:p>
           <a:p>
             <a:r>
               <a:rPr lang="en-US" dirty="0"/>
-              <a:t>Even if no input was changed</a:t>
+              <a:t>Angular executes simple change detection comparison</a:t>
             </a:r>
           </a:p>
           <a:p>
             <a:r>
               <a:rPr lang="en-US" dirty="0"/>
-              <a:t>Use the method to update internal state</a:t>
+              <a:t>The input “shallow” value is compared. Whether it’s a value type or a reference type</a:t>
             </a:r>
           </a:p>
           <a:p>
             <a:r>
               <a:rPr lang="en-US" dirty="0"/>
-              <a:t>Must be super efficient implementation</a:t>
-            </a:r>
-          </a:p>
-          <a:p>
-            <a:pPr lvl="1"/>
+              <a:t>It means that a deep change inside an input </a:t>
+            </a:r>
+            <a:r>
+              <a:rPr lang="en-US" u="sng" dirty="0"/>
+              <a:t>does not trigger</a:t>
+            </a:r>
             <a:r>
               <a:rPr lang="en-US" dirty="0"/>
-              <a:t>At your own risk …</a:t>
+              <a:t> </a:t>
+            </a:r>
+            <a:r>
+              <a:rPr lang="en-US" dirty="0" err="1"/>
+              <a:t>ngOnChanges</a:t>
             </a:r>
             <a:endParaRPr lang="he-IL" dirty="0"/>
-          </a:p>
-        </p:txBody>
-      </p:sp>
-      <p:sp>
-        <p:nvSpPr>
-          <p:cNvPr id="6" name="Rectangle 5"/>
-          <p:cNvSpPr/>
-          <p:nvPr/>
-        </p:nvSpPr>
-        <p:spPr>
-          <a:xfrm>
-            <a:off x="2322212" y="4365104"/>
-            <a:ext cx="4734272" cy="1815882"/>
-          </a:xfrm>
-          <a:prstGeom prst="rect">
-            <a:avLst/>
-          </a:prstGeom>
-          <a:solidFill>
-            <a:schemeClr val="accent1">
-              <a:lumMod val="40000"/>
-              <a:lumOff val="60000"/>
-            </a:schemeClr>
-          </a:solidFill>
-        </p:spPr>
-        <p:txBody>
-          <a:bodyPr wrap="square">
-            <a:spAutoFit/>
-          </a:bodyPr>
-          <a:lstStyle/>
-          <a:p>
-            <a:r>
-              <a:rPr lang="en-US" sz="1400" b="1" dirty="0">
-                <a:solidFill>
-                  <a:srgbClr val="000080"/>
-                </a:solidFill>
-                <a:latin typeface="Calibri" panose="020F0502020204030204" pitchFamily="34" charset="0"/>
-                <a:ea typeface="Calibri" panose="020F0502020204030204" pitchFamily="34" charset="0"/>
-                <a:cs typeface="Arial" panose="020B0604020202020204" pitchFamily="34" charset="0"/>
-              </a:rPr>
-              <a:t>export class </a:t>
-            </a:r>
-            <a:r>
-              <a:rPr lang="en-US" sz="1400" dirty="0" err="1">
-                <a:solidFill>
-                  <a:srgbClr val="000000"/>
-                </a:solidFill>
-                <a:latin typeface="Calibri" panose="020F0502020204030204" pitchFamily="34" charset="0"/>
-                <a:ea typeface="Calibri" panose="020F0502020204030204" pitchFamily="34" charset="0"/>
-                <a:cs typeface="Arial" panose="020B0604020202020204" pitchFamily="34" charset="0"/>
-              </a:rPr>
-              <a:t>ContactComponent</a:t>
-            </a:r>
-            <a:r>
-              <a:rPr lang="en-US" sz="1400" dirty="0">
-                <a:solidFill>
-                  <a:srgbClr val="000000"/>
-                </a:solidFill>
-                <a:latin typeface="Calibri" panose="020F0502020204030204" pitchFamily="34" charset="0"/>
-                <a:ea typeface="Calibri" panose="020F0502020204030204" pitchFamily="34" charset="0"/>
-                <a:cs typeface="Arial" panose="020B0604020202020204" pitchFamily="34" charset="0"/>
-              </a:rPr>
-              <a:t> {</a:t>
-            </a:r>
-            <a:br>
-              <a:rPr lang="en-US" sz="1400" dirty="0">
-                <a:solidFill>
-                  <a:srgbClr val="000000"/>
-                </a:solidFill>
-                <a:latin typeface="Calibri" panose="020F0502020204030204" pitchFamily="34" charset="0"/>
-                <a:ea typeface="Calibri" panose="020F0502020204030204" pitchFamily="34" charset="0"/>
-                <a:cs typeface="Arial" panose="020B0604020202020204" pitchFamily="34" charset="0"/>
-              </a:rPr>
-            </a:br>
-            <a:r>
-              <a:rPr lang="en-US" sz="1400" dirty="0">
-                <a:solidFill>
-                  <a:srgbClr val="000000"/>
-                </a:solidFill>
-                <a:latin typeface="Calibri" panose="020F0502020204030204" pitchFamily="34" charset="0"/>
-                <a:ea typeface="Calibri" panose="020F0502020204030204" pitchFamily="34" charset="0"/>
-                <a:cs typeface="Arial" panose="020B0604020202020204" pitchFamily="34" charset="0"/>
-              </a:rPr>
-              <a:t>    @Input() </a:t>
-            </a:r>
-            <a:r>
-              <a:rPr lang="en-US" sz="1400" b="1" dirty="0">
-                <a:solidFill>
-                  <a:srgbClr val="660E7A"/>
-                </a:solidFill>
-                <a:latin typeface="Calibri" panose="020F0502020204030204" pitchFamily="34" charset="0"/>
-                <a:ea typeface="Calibri" panose="020F0502020204030204" pitchFamily="34" charset="0"/>
-                <a:cs typeface="Arial" panose="020B0604020202020204" pitchFamily="34" charset="0"/>
-              </a:rPr>
-              <a:t>contact</a:t>
-            </a:r>
-            <a:r>
-              <a:rPr lang="en-US" sz="1400" dirty="0">
-                <a:solidFill>
-                  <a:srgbClr val="000000"/>
-                </a:solidFill>
-                <a:latin typeface="Calibri" panose="020F0502020204030204" pitchFamily="34" charset="0"/>
-                <a:ea typeface="Calibri" panose="020F0502020204030204" pitchFamily="34" charset="0"/>
-                <a:cs typeface="Arial" panose="020B0604020202020204" pitchFamily="34" charset="0"/>
-              </a:rPr>
-              <a:t>: Contact;</a:t>
-            </a:r>
-            <a:br>
-              <a:rPr lang="en-US" sz="1400" dirty="0">
-                <a:solidFill>
-                  <a:srgbClr val="000000"/>
-                </a:solidFill>
-                <a:latin typeface="Calibri" panose="020F0502020204030204" pitchFamily="34" charset="0"/>
-                <a:ea typeface="Calibri" panose="020F0502020204030204" pitchFamily="34" charset="0"/>
-                <a:cs typeface="Arial" panose="020B0604020202020204" pitchFamily="34" charset="0"/>
-              </a:rPr>
-            </a:br>
-            <a:r>
-              <a:rPr lang="en-US" sz="1400" dirty="0">
-                <a:solidFill>
-                  <a:srgbClr val="000000"/>
-                </a:solidFill>
-                <a:latin typeface="Calibri" panose="020F0502020204030204" pitchFamily="34" charset="0"/>
-                <a:ea typeface="Calibri" panose="020F0502020204030204" pitchFamily="34" charset="0"/>
-                <a:cs typeface="Arial" panose="020B0604020202020204" pitchFamily="34" charset="0"/>
-              </a:rPr>
-              <a:t>    </a:t>
-            </a:r>
-            <a:r>
-              <a:rPr lang="en-US" sz="1400" b="1" dirty="0" err="1">
-                <a:solidFill>
-                  <a:srgbClr val="660E7A"/>
-                </a:solidFill>
-                <a:latin typeface="Calibri" panose="020F0502020204030204" pitchFamily="34" charset="0"/>
-                <a:ea typeface="Calibri" panose="020F0502020204030204" pitchFamily="34" charset="0"/>
-                <a:cs typeface="Arial" panose="020B0604020202020204" pitchFamily="34" charset="0"/>
-              </a:rPr>
-              <a:t>fullName</a:t>
-            </a:r>
-            <a:r>
-              <a:rPr lang="en-US" sz="1400" dirty="0">
-                <a:solidFill>
-                  <a:srgbClr val="000000"/>
-                </a:solidFill>
-                <a:latin typeface="Calibri" panose="020F0502020204030204" pitchFamily="34" charset="0"/>
-                <a:ea typeface="Calibri" panose="020F0502020204030204" pitchFamily="34" charset="0"/>
-                <a:cs typeface="Arial" panose="020B0604020202020204" pitchFamily="34" charset="0"/>
-              </a:rPr>
-              <a:t>: </a:t>
-            </a:r>
-            <a:r>
-              <a:rPr lang="en-US" sz="1400" b="1" dirty="0">
-                <a:solidFill>
-                  <a:srgbClr val="000080"/>
-                </a:solidFill>
-                <a:latin typeface="Calibri" panose="020F0502020204030204" pitchFamily="34" charset="0"/>
-                <a:ea typeface="Calibri" panose="020F0502020204030204" pitchFamily="34" charset="0"/>
-                <a:cs typeface="Arial" panose="020B0604020202020204" pitchFamily="34" charset="0"/>
-              </a:rPr>
-              <a:t>string</a:t>
-            </a:r>
-            <a:r>
-              <a:rPr lang="en-US" sz="1400" dirty="0">
-                <a:solidFill>
-                  <a:srgbClr val="000000"/>
-                </a:solidFill>
-                <a:latin typeface="Calibri" panose="020F0502020204030204" pitchFamily="34" charset="0"/>
-                <a:ea typeface="Calibri" panose="020F0502020204030204" pitchFamily="34" charset="0"/>
-                <a:cs typeface="Arial" panose="020B0604020202020204" pitchFamily="34" charset="0"/>
-              </a:rPr>
-              <a:t>;</a:t>
-            </a:r>
-            <a:br>
-              <a:rPr lang="en-US" sz="1400" dirty="0">
-                <a:solidFill>
-                  <a:srgbClr val="000000"/>
-                </a:solidFill>
-                <a:latin typeface="Calibri" panose="020F0502020204030204" pitchFamily="34" charset="0"/>
-                <a:ea typeface="Calibri" panose="020F0502020204030204" pitchFamily="34" charset="0"/>
-                <a:cs typeface="Arial" panose="020B0604020202020204" pitchFamily="34" charset="0"/>
-              </a:rPr>
-            </a:br>
-            <a:r>
-              <a:rPr lang="en-US" sz="1400" dirty="0">
-                <a:solidFill>
-                  <a:srgbClr val="000000"/>
-                </a:solidFill>
-                <a:latin typeface="Calibri" panose="020F0502020204030204" pitchFamily="34" charset="0"/>
-                <a:ea typeface="Calibri" panose="020F0502020204030204" pitchFamily="34" charset="0"/>
-                <a:cs typeface="Arial" panose="020B0604020202020204" pitchFamily="34" charset="0"/>
-              </a:rPr>
-              <a:t>    </a:t>
-            </a:r>
-            <a:br>
-              <a:rPr lang="en-US" sz="1400" dirty="0">
-                <a:solidFill>
-                  <a:srgbClr val="000000"/>
-                </a:solidFill>
-                <a:latin typeface="Calibri" panose="020F0502020204030204" pitchFamily="34" charset="0"/>
-                <a:ea typeface="Calibri" panose="020F0502020204030204" pitchFamily="34" charset="0"/>
-                <a:cs typeface="Arial" panose="020B0604020202020204" pitchFamily="34" charset="0"/>
-              </a:rPr>
-            </a:br>
-            <a:r>
-              <a:rPr lang="en-US" sz="1400" dirty="0">
-                <a:solidFill>
-                  <a:srgbClr val="000000"/>
-                </a:solidFill>
-                <a:latin typeface="Calibri" panose="020F0502020204030204" pitchFamily="34" charset="0"/>
-                <a:ea typeface="Calibri" panose="020F0502020204030204" pitchFamily="34" charset="0"/>
-                <a:cs typeface="Arial" panose="020B0604020202020204" pitchFamily="34" charset="0"/>
-              </a:rPr>
-              <a:t>    </a:t>
-            </a:r>
-            <a:r>
-              <a:rPr lang="en-US" sz="1400" dirty="0" err="1">
-                <a:solidFill>
-                  <a:srgbClr val="7A7A43"/>
-                </a:solidFill>
-                <a:latin typeface="Calibri" panose="020F0502020204030204" pitchFamily="34" charset="0"/>
-                <a:ea typeface="Calibri" panose="020F0502020204030204" pitchFamily="34" charset="0"/>
-                <a:cs typeface="Arial" panose="020B0604020202020204" pitchFamily="34" charset="0"/>
-              </a:rPr>
-              <a:t>ngDoCheck</a:t>
-            </a:r>
-            <a:r>
-              <a:rPr lang="en-US" sz="1400" dirty="0">
-                <a:solidFill>
-                  <a:srgbClr val="000000"/>
-                </a:solidFill>
-                <a:latin typeface="Calibri" panose="020F0502020204030204" pitchFamily="34" charset="0"/>
-                <a:ea typeface="Calibri" panose="020F0502020204030204" pitchFamily="34" charset="0"/>
-                <a:cs typeface="Arial" panose="020B0604020202020204" pitchFamily="34" charset="0"/>
-              </a:rPr>
-              <a:t>() {</a:t>
-            </a:r>
-            <a:br>
-              <a:rPr lang="en-US" sz="1400" dirty="0">
-                <a:solidFill>
-                  <a:srgbClr val="000000"/>
-                </a:solidFill>
-                <a:latin typeface="Calibri" panose="020F0502020204030204" pitchFamily="34" charset="0"/>
-                <a:ea typeface="Calibri" panose="020F0502020204030204" pitchFamily="34" charset="0"/>
-                <a:cs typeface="Arial" panose="020B0604020202020204" pitchFamily="34" charset="0"/>
-              </a:rPr>
-            </a:br>
-            <a:r>
-              <a:rPr lang="en-US" sz="1400" dirty="0">
-                <a:solidFill>
-                  <a:srgbClr val="000000"/>
-                </a:solidFill>
-                <a:latin typeface="Calibri" panose="020F0502020204030204" pitchFamily="34" charset="0"/>
-                <a:ea typeface="Calibri" panose="020F0502020204030204" pitchFamily="34" charset="0"/>
-                <a:cs typeface="Arial" panose="020B0604020202020204" pitchFamily="34" charset="0"/>
-              </a:rPr>
-              <a:t>        </a:t>
-            </a:r>
-            <a:r>
-              <a:rPr lang="en-US" sz="1400" b="1" dirty="0" err="1">
-                <a:solidFill>
-                  <a:srgbClr val="000080"/>
-                </a:solidFill>
-                <a:latin typeface="Calibri" panose="020F0502020204030204" pitchFamily="34" charset="0"/>
-                <a:ea typeface="Calibri" panose="020F0502020204030204" pitchFamily="34" charset="0"/>
-                <a:cs typeface="Arial" panose="020B0604020202020204" pitchFamily="34" charset="0"/>
-              </a:rPr>
-              <a:t>this</a:t>
-            </a:r>
-            <a:r>
-              <a:rPr lang="en-US" sz="1400" dirty="0" err="1">
-                <a:solidFill>
-                  <a:srgbClr val="000000"/>
-                </a:solidFill>
-                <a:latin typeface="Calibri" panose="020F0502020204030204" pitchFamily="34" charset="0"/>
-                <a:ea typeface="Calibri" panose="020F0502020204030204" pitchFamily="34" charset="0"/>
-                <a:cs typeface="Arial" panose="020B0604020202020204" pitchFamily="34" charset="0"/>
-              </a:rPr>
-              <a:t>.</a:t>
-            </a:r>
-            <a:r>
-              <a:rPr lang="en-US" sz="1400" b="1" dirty="0" err="1">
-                <a:solidFill>
-                  <a:srgbClr val="660E7A"/>
-                </a:solidFill>
-                <a:latin typeface="Calibri" panose="020F0502020204030204" pitchFamily="34" charset="0"/>
-                <a:ea typeface="Calibri" panose="020F0502020204030204" pitchFamily="34" charset="0"/>
-                <a:cs typeface="Arial" panose="020B0604020202020204" pitchFamily="34" charset="0"/>
-              </a:rPr>
-              <a:t>fullName</a:t>
-            </a:r>
-            <a:r>
-              <a:rPr lang="en-US" sz="1400" b="1" dirty="0">
-                <a:solidFill>
-                  <a:srgbClr val="660E7A"/>
-                </a:solidFill>
-                <a:latin typeface="Calibri" panose="020F0502020204030204" pitchFamily="34" charset="0"/>
-                <a:ea typeface="Calibri" panose="020F0502020204030204" pitchFamily="34" charset="0"/>
-                <a:cs typeface="Arial" panose="020B0604020202020204" pitchFamily="34" charset="0"/>
-              </a:rPr>
-              <a:t> </a:t>
-            </a:r>
-            <a:r>
-              <a:rPr lang="en-US" sz="1400" dirty="0">
-                <a:solidFill>
-                  <a:srgbClr val="000000"/>
-                </a:solidFill>
-                <a:latin typeface="Calibri" panose="020F0502020204030204" pitchFamily="34" charset="0"/>
-                <a:ea typeface="Calibri" panose="020F0502020204030204" pitchFamily="34" charset="0"/>
-                <a:cs typeface="Arial" panose="020B0604020202020204" pitchFamily="34" charset="0"/>
-              </a:rPr>
-              <a:t>= </a:t>
-            </a:r>
-            <a:r>
-              <a:rPr lang="en-US" sz="1400" b="1" dirty="0">
-                <a:solidFill>
-                  <a:srgbClr val="000080"/>
-                </a:solidFill>
-                <a:latin typeface="Calibri" panose="020F0502020204030204" pitchFamily="34" charset="0"/>
-                <a:ea typeface="Calibri" panose="020F0502020204030204" pitchFamily="34" charset="0"/>
-                <a:cs typeface="Arial" panose="020B0604020202020204" pitchFamily="34" charset="0"/>
-              </a:rPr>
-              <a:t>this</a:t>
-            </a:r>
-            <a:r>
-              <a:rPr lang="en-US" sz="1400" dirty="0">
-                <a:solidFill>
-                  <a:srgbClr val="000000"/>
-                </a:solidFill>
-                <a:latin typeface="Calibri" panose="020F0502020204030204" pitchFamily="34" charset="0"/>
-                <a:ea typeface="Calibri" panose="020F0502020204030204" pitchFamily="34" charset="0"/>
-                <a:cs typeface="Arial" panose="020B0604020202020204" pitchFamily="34" charset="0"/>
-              </a:rPr>
-              <a:t>.</a:t>
-            </a:r>
-            <a:r>
-              <a:rPr lang="en-US" sz="1400" b="1" dirty="0">
-                <a:solidFill>
-                  <a:srgbClr val="660E7A"/>
-                </a:solidFill>
-                <a:latin typeface="Calibri" panose="020F0502020204030204" pitchFamily="34" charset="0"/>
-                <a:ea typeface="Calibri" panose="020F0502020204030204" pitchFamily="34" charset="0"/>
-                <a:cs typeface="Arial" panose="020B0604020202020204" pitchFamily="34" charset="0"/>
-              </a:rPr>
-              <a:t>contact</a:t>
-            </a:r>
-            <a:r>
-              <a:rPr lang="en-US" sz="1400" dirty="0">
-                <a:solidFill>
-                  <a:srgbClr val="000000"/>
-                </a:solidFill>
-                <a:latin typeface="Calibri" panose="020F0502020204030204" pitchFamily="34" charset="0"/>
-                <a:ea typeface="Calibri" panose="020F0502020204030204" pitchFamily="34" charset="0"/>
-                <a:cs typeface="Arial" panose="020B0604020202020204" pitchFamily="34" charset="0"/>
-              </a:rPr>
-              <a:t>.</a:t>
-            </a:r>
-            <a:r>
-              <a:rPr lang="en-US" sz="1400" b="1" dirty="0">
-                <a:solidFill>
-                  <a:srgbClr val="660E7A"/>
-                </a:solidFill>
-                <a:latin typeface="Calibri" panose="020F0502020204030204" pitchFamily="34" charset="0"/>
-                <a:ea typeface="Calibri" panose="020F0502020204030204" pitchFamily="34" charset="0"/>
-                <a:cs typeface="Arial" panose="020B0604020202020204" pitchFamily="34" charset="0"/>
-              </a:rPr>
-              <a:t>id </a:t>
-            </a:r>
-            <a:r>
-              <a:rPr lang="en-US" sz="1400" dirty="0">
-                <a:solidFill>
-                  <a:srgbClr val="000000"/>
-                </a:solidFill>
-                <a:latin typeface="Calibri" panose="020F0502020204030204" pitchFamily="34" charset="0"/>
-                <a:ea typeface="Calibri" panose="020F0502020204030204" pitchFamily="34" charset="0"/>
-                <a:cs typeface="Arial" panose="020B0604020202020204" pitchFamily="34" charset="0"/>
-              </a:rPr>
-              <a:t>+ </a:t>
-            </a:r>
-            <a:r>
-              <a:rPr lang="en-US" sz="1400" b="1" dirty="0">
-                <a:solidFill>
-                  <a:srgbClr val="008000"/>
-                </a:solidFill>
-                <a:latin typeface="Calibri" panose="020F0502020204030204" pitchFamily="34" charset="0"/>
-                <a:ea typeface="Calibri" panose="020F0502020204030204" pitchFamily="34" charset="0"/>
-                <a:cs typeface="Arial" panose="020B0604020202020204" pitchFamily="34" charset="0"/>
-              </a:rPr>
-              <a:t>": " </a:t>
-            </a:r>
-            <a:r>
-              <a:rPr lang="en-US" sz="1400" dirty="0">
-                <a:solidFill>
-                  <a:srgbClr val="000000"/>
-                </a:solidFill>
-                <a:latin typeface="Calibri" panose="020F0502020204030204" pitchFamily="34" charset="0"/>
-                <a:ea typeface="Calibri" panose="020F0502020204030204" pitchFamily="34" charset="0"/>
-                <a:cs typeface="Arial" panose="020B0604020202020204" pitchFamily="34" charset="0"/>
-              </a:rPr>
-              <a:t>+ </a:t>
-            </a:r>
-            <a:r>
-              <a:rPr lang="en-US" sz="1400" b="1" dirty="0">
-                <a:solidFill>
-                  <a:srgbClr val="000080"/>
-                </a:solidFill>
-                <a:latin typeface="Calibri" panose="020F0502020204030204" pitchFamily="34" charset="0"/>
-                <a:ea typeface="Calibri" panose="020F0502020204030204" pitchFamily="34" charset="0"/>
-                <a:cs typeface="Arial" panose="020B0604020202020204" pitchFamily="34" charset="0"/>
-              </a:rPr>
-              <a:t>this</a:t>
-            </a:r>
-            <a:r>
-              <a:rPr lang="en-US" sz="1400" dirty="0">
-                <a:solidFill>
-                  <a:srgbClr val="000000"/>
-                </a:solidFill>
-                <a:latin typeface="Calibri" panose="020F0502020204030204" pitchFamily="34" charset="0"/>
-                <a:ea typeface="Calibri" panose="020F0502020204030204" pitchFamily="34" charset="0"/>
-                <a:cs typeface="Arial" panose="020B0604020202020204" pitchFamily="34" charset="0"/>
-              </a:rPr>
-              <a:t>.</a:t>
-            </a:r>
-            <a:r>
-              <a:rPr lang="en-US" sz="1400" b="1" dirty="0">
-                <a:solidFill>
-                  <a:srgbClr val="660E7A"/>
-                </a:solidFill>
-                <a:latin typeface="Calibri" panose="020F0502020204030204" pitchFamily="34" charset="0"/>
-                <a:ea typeface="Calibri" panose="020F0502020204030204" pitchFamily="34" charset="0"/>
-                <a:cs typeface="Arial" panose="020B0604020202020204" pitchFamily="34" charset="0"/>
-              </a:rPr>
-              <a:t>contact</a:t>
-            </a:r>
-            <a:r>
-              <a:rPr lang="en-US" sz="1400" dirty="0">
-                <a:solidFill>
-                  <a:srgbClr val="000000"/>
-                </a:solidFill>
-                <a:latin typeface="Calibri" panose="020F0502020204030204" pitchFamily="34" charset="0"/>
-                <a:ea typeface="Calibri" panose="020F0502020204030204" pitchFamily="34" charset="0"/>
-                <a:cs typeface="Arial" panose="020B0604020202020204" pitchFamily="34" charset="0"/>
-              </a:rPr>
-              <a:t>.</a:t>
-            </a:r>
-            <a:r>
-              <a:rPr lang="en-US" sz="1400" b="1" dirty="0">
-                <a:solidFill>
-                  <a:srgbClr val="660E7A"/>
-                </a:solidFill>
-                <a:latin typeface="Calibri" panose="020F0502020204030204" pitchFamily="34" charset="0"/>
-                <a:ea typeface="Calibri" panose="020F0502020204030204" pitchFamily="34" charset="0"/>
-                <a:cs typeface="Arial" panose="020B0604020202020204" pitchFamily="34" charset="0"/>
-              </a:rPr>
-              <a:t>name</a:t>
-            </a:r>
-            <a:r>
-              <a:rPr lang="en-US" sz="1400" dirty="0">
-                <a:solidFill>
-                  <a:srgbClr val="000000"/>
-                </a:solidFill>
-                <a:latin typeface="Calibri" panose="020F0502020204030204" pitchFamily="34" charset="0"/>
-                <a:ea typeface="Calibri" panose="020F0502020204030204" pitchFamily="34" charset="0"/>
-                <a:cs typeface="Arial" panose="020B0604020202020204" pitchFamily="34" charset="0"/>
-              </a:rPr>
-              <a:t>;</a:t>
-            </a:r>
-            <a:br>
-              <a:rPr lang="en-US" sz="1400" dirty="0">
-                <a:solidFill>
-                  <a:srgbClr val="000000"/>
-                </a:solidFill>
-                <a:latin typeface="Calibri" panose="020F0502020204030204" pitchFamily="34" charset="0"/>
-                <a:ea typeface="Calibri" panose="020F0502020204030204" pitchFamily="34" charset="0"/>
-                <a:cs typeface="Arial" panose="020B0604020202020204" pitchFamily="34" charset="0"/>
-              </a:rPr>
-            </a:br>
-            <a:r>
-              <a:rPr lang="en-US" sz="1400" dirty="0">
-                <a:solidFill>
-                  <a:srgbClr val="000000"/>
-                </a:solidFill>
-                <a:latin typeface="Calibri" panose="020F0502020204030204" pitchFamily="34" charset="0"/>
-                <a:ea typeface="Calibri" panose="020F0502020204030204" pitchFamily="34" charset="0"/>
-                <a:cs typeface="Arial" panose="020B0604020202020204" pitchFamily="34" charset="0"/>
-              </a:rPr>
-              <a:t>    }</a:t>
-            </a:r>
-            <a:br>
-              <a:rPr lang="en-US" sz="1400" dirty="0">
-                <a:solidFill>
-                  <a:srgbClr val="000000"/>
-                </a:solidFill>
-                <a:latin typeface="Calibri" panose="020F0502020204030204" pitchFamily="34" charset="0"/>
-                <a:ea typeface="Calibri" panose="020F0502020204030204" pitchFamily="34" charset="0"/>
-                <a:cs typeface="Arial" panose="020B0604020202020204" pitchFamily="34" charset="0"/>
-              </a:rPr>
-            </a:br>
-            <a:r>
-              <a:rPr lang="en-US" sz="1400" dirty="0">
-                <a:solidFill>
-                  <a:srgbClr val="000000"/>
-                </a:solidFill>
-                <a:latin typeface="Calibri" panose="020F0502020204030204" pitchFamily="34" charset="0"/>
-                <a:ea typeface="Calibri" panose="020F0502020204030204" pitchFamily="34" charset="0"/>
-                <a:cs typeface="Arial" panose="020B0604020202020204" pitchFamily="34" charset="0"/>
-              </a:rPr>
-              <a:t>}</a:t>
-            </a:r>
-            <a:endParaRPr lang="he-IL" sz="1400" dirty="0"/>
-          </a:p>
-        </p:txBody>
-      </p:sp>
-      <p:sp>
-        <p:nvSpPr>
-          <p:cNvPr id="7" name="Rectangle 6"/>
-          <p:cNvSpPr/>
-          <p:nvPr/>
-        </p:nvSpPr>
-        <p:spPr>
-          <a:xfrm>
-            <a:off x="5508104" y="5953780"/>
-            <a:ext cx="2664296" cy="523220"/>
-          </a:xfrm>
-          <a:prstGeom prst="rect">
-            <a:avLst/>
-          </a:prstGeom>
-          <a:solidFill>
-            <a:schemeClr val="accent1">
-              <a:lumMod val="40000"/>
-              <a:lumOff val="60000"/>
-            </a:schemeClr>
-          </a:solidFill>
-          <a:effectLst>
-            <a:outerShdw blurRad="63500" sx="102000" sy="102000" algn="ctr" rotWithShape="0">
-              <a:prstClr val="black">
-                <a:alpha val="40000"/>
-              </a:prstClr>
-            </a:outerShdw>
-          </a:effectLst>
-        </p:spPr>
-        <p:txBody>
-          <a:bodyPr wrap="square">
-            <a:spAutoFit/>
-          </a:bodyPr>
-          <a:lstStyle/>
-          <a:p>
-            <a:r>
-              <a:rPr lang="en-US" sz="1400" dirty="0">
-                <a:solidFill>
-                  <a:srgbClr val="000000"/>
-                </a:solidFill>
-                <a:latin typeface="Calibri" panose="020F0502020204030204" pitchFamily="34" charset="0"/>
-                <a:ea typeface="Calibri" panose="020F0502020204030204" pitchFamily="34" charset="0"/>
-                <a:cs typeface="Arial" panose="020B0604020202020204" pitchFamily="34" charset="0"/>
-              </a:rPr>
-              <a:t>&lt;</a:t>
-            </a:r>
-            <a:r>
-              <a:rPr lang="en-US" sz="1400" b="1" dirty="0">
-                <a:solidFill>
-                  <a:srgbClr val="000080"/>
-                </a:solidFill>
-                <a:latin typeface="Calibri" panose="020F0502020204030204" pitchFamily="34" charset="0"/>
-                <a:ea typeface="Calibri" panose="020F0502020204030204" pitchFamily="34" charset="0"/>
-                <a:cs typeface="Arial" panose="020B0604020202020204" pitchFamily="34" charset="0"/>
-              </a:rPr>
-              <a:t>span</a:t>
-            </a:r>
-            <a:r>
-              <a:rPr lang="en-US" sz="1400" dirty="0">
-                <a:solidFill>
-                  <a:srgbClr val="000000"/>
-                </a:solidFill>
-                <a:latin typeface="Calibri" panose="020F0502020204030204" pitchFamily="34" charset="0"/>
-                <a:ea typeface="Calibri" panose="020F0502020204030204" pitchFamily="34" charset="0"/>
-                <a:cs typeface="Arial" panose="020B0604020202020204" pitchFamily="34" charset="0"/>
-              </a:rPr>
-              <a:t>&gt;{{</a:t>
-            </a:r>
-            <a:r>
-              <a:rPr lang="en-US" sz="1400" b="1" dirty="0">
-                <a:solidFill>
-                  <a:srgbClr val="660E7A"/>
-                </a:solidFill>
-                <a:latin typeface="Calibri" panose="020F0502020204030204" pitchFamily="34" charset="0"/>
-                <a:ea typeface="Calibri" panose="020F0502020204030204" pitchFamily="34" charset="0"/>
-                <a:cs typeface="Arial" panose="020B0604020202020204" pitchFamily="34" charset="0"/>
-              </a:rPr>
-              <a:t>contact</a:t>
-            </a:r>
-            <a:r>
-              <a:rPr lang="en-US" sz="1400" dirty="0">
-                <a:solidFill>
-                  <a:srgbClr val="000000"/>
-                </a:solidFill>
-                <a:latin typeface="Calibri" panose="020F0502020204030204" pitchFamily="34" charset="0"/>
-                <a:ea typeface="Calibri" panose="020F0502020204030204" pitchFamily="34" charset="0"/>
-                <a:cs typeface="Arial" panose="020B0604020202020204" pitchFamily="34" charset="0"/>
-              </a:rPr>
-              <a:t>.name}}&lt;/</a:t>
-            </a:r>
-            <a:r>
-              <a:rPr lang="en-US" sz="1400" b="1" dirty="0">
-                <a:solidFill>
-                  <a:srgbClr val="000080"/>
-                </a:solidFill>
-                <a:latin typeface="Calibri" panose="020F0502020204030204" pitchFamily="34" charset="0"/>
-                <a:ea typeface="Calibri" panose="020F0502020204030204" pitchFamily="34" charset="0"/>
-                <a:cs typeface="Arial" panose="020B0604020202020204" pitchFamily="34" charset="0"/>
-              </a:rPr>
-              <a:t>span</a:t>
-            </a:r>
-            <a:r>
-              <a:rPr lang="en-US" sz="1400" dirty="0">
-                <a:solidFill>
-                  <a:srgbClr val="000000"/>
-                </a:solidFill>
-                <a:latin typeface="Calibri" panose="020F0502020204030204" pitchFamily="34" charset="0"/>
-                <a:ea typeface="Calibri" panose="020F0502020204030204" pitchFamily="34" charset="0"/>
-                <a:cs typeface="Arial" panose="020B0604020202020204" pitchFamily="34" charset="0"/>
-              </a:rPr>
-              <a:t>&gt;</a:t>
-            </a:r>
-            <a:br>
-              <a:rPr lang="en-US" sz="1400" dirty="0">
-                <a:solidFill>
-                  <a:srgbClr val="000000"/>
-                </a:solidFill>
-                <a:latin typeface="Calibri" panose="020F0502020204030204" pitchFamily="34" charset="0"/>
-                <a:ea typeface="Calibri" panose="020F0502020204030204" pitchFamily="34" charset="0"/>
-                <a:cs typeface="Arial" panose="020B0604020202020204" pitchFamily="34" charset="0"/>
-              </a:rPr>
-            </a:br>
-            <a:r>
-              <a:rPr lang="en-US" sz="1400" dirty="0">
-                <a:solidFill>
-                  <a:srgbClr val="000000"/>
-                </a:solidFill>
-                <a:latin typeface="Calibri" panose="020F0502020204030204" pitchFamily="34" charset="0"/>
-                <a:ea typeface="Calibri" panose="020F0502020204030204" pitchFamily="34" charset="0"/>
-                <a:cs typeface="Arial" panose="020B0604020202020204" pitchFamily="34" charset="0"/>
-              </a:rPr>
-              <a:t>&lt;</a:t>
-            </a:r>
-            <a:r>
-              <a:rPr lang="en-US" sz="1400" b="1" dirty="0">
-                <a:solidFill>
-                  <a:srgbClr val="000080"/>
-                </a:solidFill>
-                <a:latin typeface="Calibri" panose="020F0502020204030204" pitchFamily="34" charset="0"/>
-                <a:ea typeface="Calibri" panose="020F0502020204030204" pitchFamily="34" charset="0"/>
-                <a:cs typeface="Arial" panose="020B0604020202020204" pitchFamily="34" charset="0"/>
-              </a:rPr>
-              <a:t>span</a:t>
-            </a:r>
-            <a:r>
-              <a:rPr lang="en-US" sz="1400" dirty="0">
-                <a:solidFill>
-                  <a:srgbClr val="000000"/>
-                </a:solidFill>
-                <a:latin typeface="Calibri" panose="020F0502020204030204" pitchFamily="34" charset="0"/>
-                <a:ea typeface="Calibri" panose="020F0502020204030204" pitchFamily="34" charset="0"/>
-                <a:cs typeface="Arial" panose="020B0604020202020204" pitchFamily="34" charset="0"/>
-              </a:rPr>
-              <a:t>&gt;{{</a:t>
-            </a:r>
-            <a:r>
-              <a:rPr lang="en-US" sz="1400" b="1" dirty="0" err="1">
-                <a:solidFill>
-                  <a:srgbClr val="660E7A"/>
-                </a:solidFill>
-                <a:latin typeface="Calibri" panose="020F0502020204030204" pitchFamily="34" charset="0"/>
-                <a:ea typeface="Calibri" panose="020F0502020204030204" pitchFamily="34" charset="0"/>
-                <a:cs typeface="Arial" panose="020B0604020202020204" pitchFamily="34" charset="0"/>
-              </a:rPr>
-              <a:t>fullName</a:t>
-            </a:r>
-            <a:r>
-              <a:rPr lang="en-US" sz="1400" dirty="0">
-                <a:solidFill>
-                  <a:srgbClr val="000000"/>
-                </a:solidFill>
-                <a:latin typeface="Calibri" panose="020F0502020204030204" pitchFamily="34" charset="0"/>
-                <a:ea typeface="Calibri" panose="020F0502020204030204" pitchFamily="34" charset="0"/>
-                <a:cs typeface="Arial" panose="020B0604020202020204" pitchFamily="34" charset="0"/>
-              </a:rPr>
-              <a:t>}}&lt;/</a:t>
-            </a:r>
-            <a:r>
-              <a:rPr lang="en-US" sz="1400" b="1" dirty="0">
-                <a:solidFill>
-                  <a:srgbClr val="000080"/>
-                </a:solidFill>
-                <a:latin typeface="Calibri" panose="020F0502020204030204" pitchFamily="34" charset="0"/>
-                <a:ea typeface="Calibri" panose="020F0502020204030204" pitchFamily="34" charset="0"/>
-                <a:cs typeface="Arial" panose="020B0604020202020204" pitchFamily="34" charset="0"/>
-              </a:rPr>
-              <a:t>span</a:t>
-            </a:r>
-            <a:r>
-              <a:rPr lang="en-US" sz="1400" dirty="0">
-                <a:solidFill>
-                  <a:srgbClr val="000000"/>
-                </a:solidFill>
-                <a:latin typeface="Calibri" panose="020F0502020204030204" pitchFamily="34" charset="0"/>
-                <a:ea typeface="Calibri" panose="020F0502020204030204" pitchFamily="34" charset="0"/>
-                <a:cs typeface="Arial" panose="020B0604020202020204" pitchFamily="34" charset="0"/>
-              </a:rPr>
-              <a:t>&gt;</a:t>
-            </a:r>
-            <a:endParaRPr lang="he-IL" sz="1400" dirty="0"/>
           </a:p>
         </p:txBody>
       </p:sp>
     </p:spTree>
     <p:extLst>
       <p:ext uri="{BB962C8B-B14F-4D97-AF65-F5344CB8AC3E}">
-        <p14:creationId xmlns:p14="http://schemas.microsoft.com/office/powerpoint/2010/main" val="3606384037"/>
+        <p14:creationId xmlns:p14="http://schemas.microsoft.com/office/powerpoint/2010/main" val="2009766529"/>
       </p:ext>
     </p:extLst>
   </p:cSld>
@@ -20876,7 +20443,11 @@
           <a:p>
             <a:r>
               <a:rPr lang="en-US" dirty="0"/>
-              <a:t>React to deep change - Getter</a:t>
+              <a:t>React to deep change - </a:t>
+            </a:r>
+            <a:r>
+              <a:rPr lang="en-US" dirty="0" err="1"/>
+              <a:t>ngDoCheck</a:t>
             </a:r>
             <a:endParaRPr lang="he-IL" dirty="0"/>
           </a:p>
@@ -20926,6 +20497,870 @@
               <a:rPr lang="en-US" smtClean="0"/>
               <a:pPr/>
               <a:t>31</a:t>
+            </a:fld>
+            <a:endParaRPr lang="en-US"/>
+          </a:p>
+        </p:txBody>
+      </p:sp>
+      <p:sp>
+        <p:nvSpPr>
+          <p:cNvPr id="5" name="Content Placeholder 4"/>
+          <p:cNvSpPr>
+            <a:spLocks noGrp="1"/>
+          </p:cNvSpPr>
+          <p:nvPr>
+            <p:ph sz="quarter" idx="1"/>
+          </p:nvPr>
+        </p:nvSpPr>
+        <p:spPr/>
+        <p:txBody>
+          <a:bodyPr/>
+          <a:lstStyle/>
+          <a:p>
+            <a:r>
+              <a:rPr lang="en-US" dirty="0" err="1"/>
+              <a:t>ngDoCheck</a:t>
+            </a:r>
+            <a:r>
+              <a:rPr lang="en-US" dirty="0"/>
+              <a:t> is always executed</a:t>
+            </a:r>
+          </a:p>
+          <a:p>
+            <a:r>
+              <a:rPr lang="en-US" dirty="0"/>
+              <a:t>Even if no input was changed</a:t>
+            </a:r>
+          </a:p>
+          <a:p>
+            <a:r>
+              <a:rPr lang="en-US" dirty="0"/>
+              <a:t>Use the method to update internal state</a:t>
+            </a:r>
+          </a:p>
+          <a:p>
+            <a:r>
+              <a:rPr lang="en-US" dirty="0"/>
+              <a:t>Must be super efficient implementation</a:t>
+            </a:r>
+          </a:p>
+          <a:p>
+            <a:pPr lvl="1"/>
+            <a:r>
+              <a:rPr lang="en-US" dirty="0"/>
+              <a:t>At your own risk …</a:t>
+            </a:r>
+            <a:endParaRPr lang="he-IL" dirty="0"/>
+          </a:p>
+        </p:txBody>
+      </p:sp>
+      <p:sp>
+        <p:nvSpPr>
+          <p:cNvPr id="6" name="Rectangle 5"/>
+          <p:cNvSpPr/>
+          <p:nvPr/>
+        </p:nvSpPr>
+        <p:spPr>
+          <a:xfrm>
+            <a:off x="2322212" y="4365104"/>
+            <a:ext cx="4734272" cy="1815882"/>
+          </a:xfrm>
+          <a:prstGeom prst="rect">
+            <a:avLst/>
+          </a:prstGeom>
+          <a:solidFill>
+            <a:schemeClr val="accent1">
+              <a:lumMod val="40000"/>
+              <a:lumOff val="60000"/>
+            </a:schemeClr>
+          </a:solidFill>
+        </p:spPr>
+        <p:txBody>
+          <a:bodyPr wrap="square">
+            <a:spAutoFit/>
+          </a:bodyPr>
+          <a:lstStyle/>
+          <a:p>
+            <a:r>
+              <a:rPr lang="en-US" sz="1400" b="1" dirty="0">
+                <a:solidFill>
+                  <a:srgbClr val="000080"/>
+                </a:solidFill>
+                <a:latin typeface="Calibri" panose="020F0502020204030204" pitchFamily="34" charset="0"/>
+                <a:ea typeface="Calibri" panose="020F0502020204030204" pitchFamily="34" charset="0"/>
+                <a:cs typeface="Arial" panose="020B0604020202020204" pitchFamily="34" charset="0"/>
+              </a:rPr>
+              <a:t>export class </a:t>
+            </a:r>
+            <a:r>
+              <a:rPr lang="en-US" sz="1400" dirty="0" err="1">
+                <a:solidFill>
+                  <a:srgbClr val="000000"/>
+                </a:solidFill>
+                <a:latin typeface="Calibri" panose="020F0502020204030204" pitchFamily="34" charset="0"/>
+                <a:ea typeface="Calibri" panose="020F0502020204030204" pitchFamily="34" charset="0"/>
+                <a:cs typeface="Arial" panose="020B0604020202020204" pitchFamily="34" charset="0"/>
+              </a:rPr>
+              <a:t>ContactComponent</a:t>
+            </a:r>
+            <a:r>
+              <a:rPr lang="en-US" sz="1400" dirty="0">
+                <a:solidFill>
+                  <a:srgbClr val="000000"/>
+                </a:solidFill>
+                <a:latin typeface="Calibri" panose="020F0502020204030204" pitchFamily="34" charset="0"/>
+                <a:ea typeface="Calibri" panose="020F0502020204030204" pitchFamily="34" charset="0"/>
+                <a:cs typeface="Arial" panose="020B0604020202020204" pitchFamily="34" charset="0"/>
+              </a:rPr>
+              <a:t> {</a:t>
+            </a:r>
+            <a:br>
+              <a:rPr lang="en-US" sz="1400" dirty="0">
+                <a:solidFill>
+                  <a:srgbClr val="000000"/>
+                </a:solidFill>
+                <a:latin typeface="Calibri" panose="020F0502020204030204" pitchFamily="34" charset="0"/>
+                <a:ea typeface="Calibri" panose="020F0502020204030204" pitchFamily="34" charset="0"/>
+                <a:cs typeface="Arial" panose="020B0604020202020204" pitchFamily="34" charset="0"/>
+              </a:rPr>
+            </a:br>
+            <a:r>
+              <a:rPr lang="en-US" sz="1400" dirty="0">
+                <a:solidFill>
+                  <a:srgbClr val="000000"/>
+                </a:solidFill>
+                <a:latin typeface="Calibri" panose="020F0502020204030204" pitchFamily="34" charset="0"/>
+                <a:ea typeface="Calibri" panose="020F0502020204030204" pitchFamily="34" charset="0"/>
+                <a:cs typeface="Arial" panose="020B0604020202020204" pitchFamily="34" charset="0"/>
+              </a:rPr>
+              <a:t>    @Input() </a:t>
+            </a:r>
+            <a:r>
+              <a:rPr lang="en-US" sz="1400" b="1" dirty="0">
+                <a:solidFill>
+                  <a:srgbClr val="660E7A"/>
+                </a:solidFill>
+                <a:latin typeface="Calibri" panose="020F0502020204030204" pitchFamily="34" charset="0"/>
+                <a:ea typeface="Calibri" panose="020F0502020204030204" pitchFamily="34" charset="0"/>
+                <a:cs typeface="Arial" panose="020B0604020202020204" pitchFamily="34" charset="0"/>
+              </a:rPr>
+              <a:t>contact</a:t>
+            </a:r>
+            <a:r>
+              <a:rPr lang="en-US" sz="1400" dirty="0">
+                <a:solidFill>
+                  <a:srgbClr val="000000"/>
+                </a:solidFill>
+                <a:latin typeface="Calibri" panose="020F0502020204030204" pitchFamily="34" charset="0"/>
+                <a:ea typeface="Calibri" panose="020F0502020204030204" pitchFamily="34" charset="0"/>
+                <a:cs typeface="Arial" panose="020B0604020202020204" pitchFamily="34" charset="0"/>
+              </a:rPr>
+              <a:t>: Contact;</a:t>
+            </a:r>
+            <a:br>
+              <a:rPr lang="en-US" sz="1400" dirty="0">
+                <a:solidFill>
+                  <a:srgbClr val="000000"/>
+                </a:solidFill>
+                <a:latin typeface="Calibri" panose="020F0502020204030204" pitchFamily="34" charset="0"/>
+                <a:ea typeface="Calibri" panose="020F0502020204030204" pitchFamily="34" charset="0"/>
+                <a:cs typeface="Arial" panose="020B0604020202020204" pitchFamily="34" charset="0"/>
+              </a:rPr>
+            </a:br>
+            <a:r>
+              <a:rPr lang="en-US" sz="1400" dirty="0">
+                <a:solidFill>
+                  <a:srgbClr val="000000"/>
+                </a:solidFill>
+                <a:latin typeface="Calibri" panose="020F0502020204030204" pitchFamily="34" charset="0"/>
+                <a:ea typeface="Calibri" panose="020F0502020204030204" pitchFamily="34" charset="0"/>
+                <a:cs typeface="Arial" panose="020B0604020202020204" pitchFamily="34" charset="0"/>
+              </a:rPr>
+              <a:t>    </a:t>
+            </a:r>
+            <a:r>
+              <a:rPr lang="en-US" sz="1400" b="1" dirty="0" err="1">
+                <a:solidFill>
+                  <a:srgbClr val="660E7A"/>
+                </a:solidFill>
+                <a:latin typeface="Calibri" panose="020F0502020204030204" pitchFamily="34" charset="0"/>
+                <a:ea typeface="Calibri" panose="020F0502020204030204" pitchFamily="34" charset="0"/>
+                <a:cs typeface="Arial" panose="020B0604020202020204" pitchFamily="34" charset="0"/>
+              </a:rPr>
+              <a:t>fullName</a:t>
+            </a:r>
+            <a:r>
+              <a:rPr lang="en-US" sz="1400" dirty="0">
+                <a:solidFill>
+                  <a:srgbClr val="000000"/>
+                </a:solidFill>
+                <a:latin typeface="Calibri" panose="020F0502020204030204" pitchFamily="34" charset="0"/>
+                <a:ea typeface="Calibri" panose="020F0502020204030204" pitchFamily="34" charset="0"/>
+                <a:cs typeface="Arial" panose="020B0604020202020204" pitchFamily="34" charset="0"/>
+              </a:rPr>
+              <a:t>: </a:t>
+            </a:r>
+            <a:r>
+              <a:rPr lang="en-US" sz="1400" b="1" dirty="0">
+                <a:solidFill>
+                  <a:srgbClr val="000080"/>
+                </a:solidFill>
+                <a:latin typeface="Calibri" panose="020F0502020204030204" pitchFamily="34" charset="0"/>
+                <a:ea typeface="Calibri" panose="020F0502020204030204" pitchFamily="34" charset="0"/>
+                <a:cs typeface="Arial" panose="020B0604020202020204" pitchFamily="34" charset="0"/>
+              </a:rPr>
+              <a:t>string</a:t>
+            </a:r>
+            <a:r>
+              <a:rPr lang="en-US" sz="1400" dirty="0">
+                <a:solidFill>
+                  <a:srgbClr val="000000"/>
+                </a:solidFill>
+                <a:latin typeface="Calibri" panose="020F0502020204030204" pitchFamily="34" charset="0"/>
+                <a:ea typeface="Calibri" panose="020F0502020204030204" pitchFamily="34" charset="0"/>
+                <a:cs typeface="Arial" panose="020B0604020202020204" pitchFamily="34" charset="0"/>
+              </a:rPr>
+              <a:t>;</a:t>
+            </a:r>
+            <a:br>
+              <a:rPr lang="en-US" sz="1400" dirty="0">
+                <a:solidFill>
+                  <a:srgbClr val="000000"/>
+                </a:solidFill>
+                <a:latin typeface="Calibri" panose="020F0502020204030204" pitchFamily="34" charset="0"/>
+                <a:ea typeface="Calibri" panose="020F0502020204030204" pitchFamily="34" charset="0"/>
+                <a:cs typeface="Arial" panose="020B0604020202020204" pitchFamily="34" charset="0"/>
+              </a:rPr>
+            </a:br>
+            <a:r>
+              <a:rPr lang="en-US" sz="1400" dirty="0">
+                <a:solidFill>
+                  <a:srgbClr val="000000"/>
+                </a:solidFill>
+                <a:latin typeface="Calibri" panose="020F0502020204030204" pitchFamily="34" charset="0"/>
+                <a:ea typeface="Calibri" panose="020F0502020204030204" pitchFamily="34" charset="0"/>
+                <a:cs typeface="Arial" panose="020B0604020202020204" pitchFamily="34" charset="0"/>
+              </a:rPr>
+              <a:t>    </a:t>
+            </a:r>
+            <a:br>
+              <a:rPr lang="en-US" sz="1400" dirty="0">
+                <a:solidFill>
+                  <a:srgbClr val="000000"/>
+                </a:solidFill>
+                <a:latin typeface="Calibri" panose="020F0502020204030204" pitchFamily="34" charset="0"/>
+                <a:ea typeface="Calibri" panose="020F0502020204030204" pitchFamily="34" charset="0"/>
+                <a:cs typeface="Arial" panose="020B0604020202020204" pitchFamily="34" charset="0"/>
+              </a:rPr>
+            </a:br>
+            <a:r>
+              <a:rPr lang="en-US" sz="1400" dirty="0">
+                <a:solidFill>
+                  <a:srgbClr val="000000"/>
+                </a:solidFill>
+                <a:latin typeface="Calibri" panose="020F0502020204030204" pitchFamily="34" charset="0"/>
+                <a:ea typeface="Calibri" panose="020F0502020204030204" pitchFamily="34" charset="0"/>
+                <a:cs typeface="Arial" panose="020B0604020202020204" pitchFamily="34" charset="0"/>
+              </a:rPr>
+              <a:t>    </a:t>
+            </a:r>
+            <a:r>
+              <a:rPr lang="en-US" sz="1400" dirty="0" err="1">
+                <a:solidFill>
+                  <a:srgbClr val="7A7A43"/>
+                </a:solidFill>
+                <a:latin typeface="Calibri" panose="020F0502020204030204" pitchFamily="34" charset="0"/>
+                <a:ea typeface="Calibri" panose="020F0502020204030204" pitchFamily="34" charset="0"/>
+                <a:cs typeface="Arial" panose="020B0604020202020204" pitchFamily="34" charset="0"/>
+              </a:rPr>
+              <a:t>ngDoCheck</a:t>
+            </a:r>
+            <a:r>
+              <a:rPr lang="en-US" sz="1400" dirty="0">
+                <a:solidFill>
+                  <a:srgbClr val="000000"/>
+                </a:solidFill>
+                <a:latin typeface="Calibri" panose="020F0502020204030204" pitchFamily="34" charset="0"/>
+                <a:ea typeface="Calibri" panose="020F0502020204030204" pitchFamily="34" charset="0"/>
+                <a:cs typeface="Arial" panose="020B0604020202020204" pitchFamily="34" charset="0"/>
+              </a:rPr>
+              <a:t>() {</a:t>
+            </a:r>
+            <a:br>
+              <a:rPr lang="en-US" sz="1400" dirty="0">
+                <a:solidFill>
+                  <a:srgbClr val="000000"/>
+                </a:solidFill>
+                <a:latin typeface="Calibri" panose="020F0502020204030204" pitchFamily="34" charset="0"/>
+                <a:ea typeface="Calibri" panose="020F0502020204030204" pitchFamily="34" charset="0"/>
+                <a:cs typeface="Arial" panose="020B0604020202020204" pitchFamily="34" charset="0"/>
+              </a:rPr>
+            </a:br>
+            <a:r>
+              <a:rPr lang="en-US" sz="1400" dirty="0">
+                <a:solidFill>
+                  <a:srgbClr val="000000"/>
+                </a:solidFill>
+                <a:latin typeface="Calibri" panose="020F0502020204030204" pitchFamily="34" charset="0"/>
+                <a:ea typeface="Calibri" panose="020F0502020204030204" pitchFamily="34" charset="0"/>
+                <a:cs typeface="Arial" panose="020B0604020202020204" pitchFamily="34" charset="0"/>
+              </a:rPr>
+              <a:t>        </a:t>
+            </a:r>
+            <a:r>
+              <a:rPr lang="en-US" sz="1400" b="1" dirty="0" err="1">
+                <a:solidFill>
+                  <a:srgbClr val="000080"/>
+                </a:solidFill>
+                <a:latin typeface="Calibri" panose="020F0502020204030204" pitchFamily="34" charset="0"/>
+                <a:ea typeface="Calibri" panose="020F0502020204030204" pitchFamily="34" charset="0"/>
+                <a:cs typeface="Arial" panose="020B0604020202020204" pitchFamily="34" charset="0"/>
+              </a:rPr>
+              <a:t>this</a:t>
+            </a:r>
+            <a:r>
+              <a:rPr lang="en-US" sz="1400" dirty="0" err="1">
+                <a:solidFill>
+                  <a:srgbClr val="000000"/>
+                </a:solidFill>
+                <a:latin typeface="Calibri" panose="020F0502020204030204" pitchFamily="34" charset="0"/>
+                <a:ea typeface="Calibri" panose="020F0502020204030204" pitchFamily="34" charset="0"/>
+                <a:cs typeface="Arial" panose="020B0604020202020204" pitchFamily="34" charset="0"/>
+              </a:rPr>
+              <a:t>.</a:t>
+            </a:r>
+            <a:r>
+              <a:rPr lang="en-US" sz="1400" b="1" dirty="0" err="1">
+                <a:solidFill>
+                  <a:srgbClr val="660E7A"/>
+                </a:solidFill>
+                <a:latin typeface="Calibri" panose="020F0502020204030204" pitchFamily="34" charset="0"/>
+                <a:ea typeface="Calibri" panose="020F0502020204030204" pitchFamily="34" charset="0"/>
+                <a:cs typeface="Arial" panose="020B0604020202020204" pitchFamily="34" charset="0"/>
+              </a:rPr>
+              <a:t>fullName</a:t>
+            </a:r>
+            <a:r>
+              <a:rPr lang="en-US" sz="1400" b="1" dirty="0">
+                <a:solidFill>
+                  <a:srgbClr val="660E7A"/>
+                </a:solidFill>
+                <a:latin typeface="Calibri" panose="020F0502020204030204" pitchFamily="34" charset="0"/>
+                <a:ea typeface="Calibri" panose="020F0502020204030204" pitchFamily="34" charset="0"/>
+                <a:cs typeface="Arial" panose="020B0604020202020204" pitchFamily="34" charset="0"/>
+              </a:rPr>
+              <a:t> </a:t>
+            </a:r>
+            <a:r>
+              <a:rPr lang="en-US" sz="1400" dirty="0">
+                <a:solidFill>
+                  <a:srgbClr val="000000"/>
+                </a:solidFill>
+                <a:latin typeface="Calibri" panose="020F0502020204030204" pitchFamily="34" charset="0"/>
+                <a:ea typeface="Calibri" panose="020F0502020204030204" pitchFamily="34" charset="0"/>
+                <a:cs typeface="Arial" panose="020B0604020202020204" pitchFamily="34" charset="0"/>
+              </a:rPr>
+              <a:t>= </a:t>
+            </a:r>
+            <a:r>
+              <a:rPr lang="en-US" sz="1400" b="1" dirty="0">
+                <a:solidFill>
+                  <a:srgbClr val="000080"/>
+                </a:solidFill>
+                <a:latin typeface="Calibri" panose="020F0502020204030204" pitchFamily="34" charset="0"/>
+                <a:ea typeface="Calibri" panose="020F0502020204030204" pitchFamily="34" charset="0"/>
+                <a:cs typeface="Arial" panose="020B0604020202020204" pitchFamily="34" charset="0"/>
+              </a:rPr>
+              <a:t>this</a:t>
+            </a:r>
+            <a:r>
+              <a:rPr lang="en-US" sz="1400" dirty="0">
+                <a:solidFill>
+                  <a:srgbClr val="000000"/>
+                </a:solidFill>
+                <a:latin typeface="Calibri" panose="020F0502020204030204" pitchFamily="34" charset="0"/>
+                <a:ea typeface="Calibri" panose="020F0502020204030204" pitchFamily="34" charset="0"/>
+                <a:cs typeface="Arial" panose="020B0604020202020204" pitchFamily="34" charset="0"/>
+              </a:rPr>
+              <a:t>.</a:t>
+            </a:r>
+            <a:r>
+              <a:rPr lang="en-US" sz="1400" b="1" dirty="0">
+                <a:solidFill>
+                  <a:srgbClr val="660E7A"/>
+                </a:solidFill>
+                <a:latin typeface="Calibri" panose="020F0502020204030204" pitchFamily="34" charset="0"/>
+                <a:ea typeface="Calibri" panose="020F0502020204030204" pitchFamily="34" charset="0"/>
+                <a:cs typeface="Arial" panose="020B0604020202020204" pitchFamily="34" charset="0"/>
+              </a:rPr>
+              <a:t>contact</a:t>
+            </a:r>
+            <a:r>
+              <a:rPr lang="en-US" sz="1400" dirty="0">
+                <a:solidFill>
+                  <a:srgbClr val="000000"/>
+                </a:solidFill>
+                <a:latin typeface="Calibri" panose="020F0502020204030204" pitchFamily="34" charset="0"/>
+                <a:ea typeface="Calibri" panose="020F0502020204030204" pitchFamily="34" charset="0"/>
+                <a:cs typeface="Arial" panose="020B0604020202020204" pitchFamily="34" charset="0"/>
+              </a:rPr>
+              <a:t>.</a:t>
+            </a:r>
+            <a:r>
+              <a:rPr lang="en-US" sz="1400" b="1" dirty="0">
+                <a:solidFill>
+                  <a:srgbClr val="660E7A"/>
+                </a:solidFill>
+                <a:latin typeface="Calibri" panose="020F0502020204030204" pitchFamily="34" charset="0"/>
+                <a:ea typeface="Calibri" panose="020F0502020204030204" pitchFamily="34" charset="0"/>
+                <a:cs typeface="Arial" panose="020B0604020202020204" pitchFamily="34" charset="0"/>
+              </a:rPr>
+              <a:t>id </a:t>
+            </a:r>
+            <a:r>
+              <a:rPr lang="en-US" sz="1400" dirty="0">
+                <a:solidFill>
+                  <a:srgbClr val="000000"/>
+                </a:solidFill>
+                <a:latin typeface="Calibri" panose="020F0502020204030204" pitchFamily="34" charset="0"/>
+                <a:ea typeface="Calibri" panose="020F0502020204030204" pitchFamily="34" charset="0"/>
+                <a:cs typeface="Arial" panose="020B0604020202020204" pitchFamily="34" charset="0"/>
+              </a:rPr>
+              <a:t>+ </a:t>
+            </a:r>
+            <a:r>
+              <a:rPr lang="en-US" sz="1400" b="1" dirty="0">
+                <a:solidFill>
+                  <a:srgbClr val="008000"/>
+                </a:solidFill>
+                <a:latin typeface="Calibri" panose="020F0502020204030204" pitchFamily="34" charset="0"/>
+                <a:ea typeface="Calibri" panose="020F0502020204030204" pitchFamily="34" charset="0"/>
+                <a:cs typeface="Arial" panose="020B0604020202020204" pitchFamily="34" charset="0"/>
+              </a:rPr>
+              <a:t>": " </a:t>
+            </a:r>
+            <a:r>
+              <a:rPr lang="en-US" sz="1400" dirty="0">
+                <a:solidFill>
+                  <a:srgbClr val="000000"/>
+                </a:solidFill>
+                <a:latin typeface="Calibri" panose="020F0502020204030204" pitchFamily="34" charset="0"/>
+                <a:ea typeface="Calibri" panose="020F0502020204030204" pitchFamily="34" charset="0"/>
+                <a:cs typeface="Arial" panose="020B0604020202020204" pitchFamily="34" charset="0"/>
+              </a:rPr>
+              <a:t>+ </a:t>
+            </a:r>
+            <a:r>
+              <a:rPr lang="en-US" sz="1400" b="1" dirty="0">
+                <a:solidFill>
+                  <a:srgbClr val="000080"/>
+                </a:solidFill>
+                <a:latin typeface="Calibri" panose="020F0502020204030204" pitchFamily="34" charset="0"/>
+                <a:ea typeface="Calibri" panose="020F0502020204030204" pitchFamily="34" charset="0"/>
+                <a:cs typeface="Arial" panose="020B0604020202020204" pitchFamily="34" charset="0"/>
+              </a:rPr>
+              <a:t>this</a:t>
+            </a:r>
+            <a:r>
+              <a:rPr lang="en-US" sz="1400" dirty="0">
+                <a:solidFill>
+                  <a:srgbClr val="000000"/>
+                </a:solidFill>
+                <a:latin typeface="Calibri" panose="020F0502020204030204" pitchFamily="34" charset="0"/>
+                <a:ea typeface="Calibri" panose="020F0502020204030204" pitchFamily="34" charset="0"/>
+                <a:cs typeface="Arial" panose="020B0604020202020204" pitchFamily="34" charset="0"/>
+              </a:rPr>
+              <a:t>.</a:t>
+            </a:r>
+            <a:r>
+              <a:rPr lang="en-US" sz="1400" b="1" dirty="0">
+                <a:solidFill>
+                  <a:srgbClr val="660E7A"/>
+                </a:solidFill>
+                <a:latin typeface="Calibri" panose="020F0502020204030204" pitchFamily="34" charset="0"/>
+                <a:ea typeface="Calibri" panose="020F0502020204030204" pitchFamily="34" charset="0"/>
+                <a:cs typeface="Arial" panose="020B0604020202020204" pitchFamily="34" charset="0"/>
+              </a:rPr>
+              <a:t>contact</a:t>
+            </a:r>
+            <a:r>
+              <a:rPr lang="en-US" sz="1400" dirty="0">
+                <a:solidFill>
+                  <a:srgbClr val="000000"/>
+                </a:solidFill>
+                <a:latin typeface="Calibri" panose="020F0502020204030204" pitchFamily="34" charset="0"/>
+                <a:ea typeface="Calibri" panose="020F0502020204030204" pitchFamily="34" charset="0"/>
+                <a:cs typeface="Arial" panose="020B0604020202020204" pitchFamily="34" charset="0"/>
+              </a:rPr>
+              <a:t>.</a:t>
+            </a:r>
+            <a:r>
+              <a:rPr lang="en-US" sz="1400" b="1" dirty="0">
+                <a:solidFill>
+                  <a:srgbClr val="660E7A"/>
+                </a:solidFill>
+                <a:latin typeface="Calibri" panose="020F0502020204030204" pitchFamily="34" charset="0"/>
+                <a:ea typeface="Calibri" panose="020F0502020204030204" pitchFamily="34" charset="0"/>
+                <a:cs typeface="Arial" panose="020B0604020202020204" pitchFamily="34" charset="0"/>
+              </a:rPr>
+              <a:t>name</a:t>
+            </a:r>
+            <a:r>
+              <a:rPr lang="en-US" sz="1400" dirty="0">
+                <a:solidFill>
+                  <a:srgbClr val="000000"/>
+                </a:solidFill>
+                <a:latin typeface="Calibri" panose="020F0502020204030204" pitchFamily="34" charset="0"/>
+                <a:ea typeface="Calibri" panose="020F0502020204030204" pitchFamily="34" charset="0"/>
+                <a:cs typeface="Arial" panose="020B0604020202020204" pitchFamily="34" charset="0"/>
+              </a:rPr>
+              <a:t>;</a:t>
+            </a:r>
+            <a:br>
+              <a:rPr lang="en-US" sz="1400" dirty="0">
+                <a:solidFill>
+                  <a:srgbClr val="000000"/>
+                </a:solidFill>
+                <a:latin typeface="Calibri" panose="020F0502020204030204" pitchFamily="34" charset="0"/>
+                <a:ea typeface="Calibri" panose="020F0502020204030204" pitchFamily="34" charset="0"/>
+                <a:cs typeface="Arial" panose="020B0604020202020204" pitchFamily="34" charset="0"/>
+              </a:rPr>
+            </a:br>
+            <a:r>
+              <a:rPr lang="en-US" sz="1400" dirty="0">
+                <a:solidFill>
+                  <a:srgbClr val="000000"/>
+                </a:solidFill>
+                <a:latin typeface="Calibri" panose="020F0502020204030204" pitchFamily="34" charset="0"/>
+                <a:ea typeface="Calibri" panose="020F0502020204030204" pitchFamily="34" charset="0"/>
+                <a:cs typeface="Arial" panose="020B0604020202020204" pitchFamily="34" charset="0"/>
+              </a:rPr>
+              <a:t>    }</a:t>
+            </a:r>
+            <a:br>
+              <a:rPr lang="en-US" sz="1400" dirty="0">
+                <a:solidFill>
+                  <a:srgbClr val="000000"/>
+                </a:solidFill>
+                <a:latin typeface="Calibri" panose="020F0502020204030204" pitchFamily="34" charset="0"/>
+                <a:ea typeface="Calibri" panose="020F0502020204030204" pitchFamily="34" charset="0"/>
+                <a:cs typeface="Arial" panose="020B0604020202020204" pitchFamily="34" charset="0"/>
+              </a:rPr>
+            </a:br>
+            <a:r>
+              <a:rPr lang="en-US" sz="1400" dirty="0">
+                <a:solidFill>
+                  <a:srgbClr val="000000"/>
+                </a:solidFill>
+                <a:latin typeface="Calibri" panose="020F0502020204030204" pitchFamily="34" charset="0"/>
+                <a:ea typeface="Calibri" panose="020F0502020204030204" pitchFamily="34" charset="0"/>
+                <a:cs typeface="Arial" panose="020B0604020202020204" pitchFamily="34" charset="0"/>
+              </a:rPr>
+              <a:t>}</a:t>
+            </a:r>
+            <a:endParaRPr lang="he-IL" sz="1400" dirty="0"/>
+          </a:p>
+        </p:txBody>
+      </p:sp>
+      <p:sp>
+        <p:nvSpPr>
+          <p:cNvPr id="7" name="Rectangle 6"/>
+          <p:cNvSpPr/>
+          <p:nvPr/>
+        </p:nvSpPr>
+        <p:spPr>
+          <a:xfrm>
+            <a:off x="5508104" y="5953780"/>
+            <a:ext cx="2664296" cy="523220"/>
+          </a:xfrm>
+          <a:prstGeom prst="rect">
+            <a:avLst/>
+          </a:prstGeom>
+          <a:solidFill>
+            <a:schemeClr val="accent1">
+              <a:lumMod val="40000"/>
+              <a:lumOff val="60000"/>
+            </a:schemeClr>
+          </a:solidFill>
+          <a:effectLst>
+            <a:outerShdw blurRad="63500" sx="102000" sy="102000" algn="ctr" rotWithShape="0">
+              <a:prstClr val="black">
+                <a:alpha val="40000"/>
+              </a:prstClr>
+            </a:outerShdw>
+          </a:effectLst>
+        </p:spPr>
+        <p:txBody>
+          <a:bodyPr wrap="square">
+            <a:spAutoFit/>
+          </a:bodyPr>
+          <a:lstStyle/>
+          <a:p>
+            <a:r>
+              <a:rPr lang="en-US" sz="1400" dirty="0">
+                <a:solidFill>
+                  <a:srgbClr val="000000"/>
+                </a:solidFill>
+                <a:latin typeface="Calibri" panose="020F0502020204030204" pitchFamily="34" charset="0"/>
+                <a:ea typeface="Calibri" panose="020F0502020204030204" pitchFamily="34" charset="0"/>
+                <a:cs typeface="Arial" panose="020B0604020202020204" pitchFamily="34" charset="0"/>
+              </a:rPr>
+              <a:t>&lt;</a:t>
+            </a:r>
+            <a:r>
+              <a:rPr lang="en-US" sz="1400" b="1" dirty="0">
+                <a:solidFill>
+                  <a:srgbClr val="000080"/>
+                </a:solidFill>
+                <a:latin typeface="Calibri" panose="020F0502020204030204" pitchFamily="34" charset="0"/>
+                <a:ea typeface="Calibri" panose="020F0502020204030204" pitchFamily="34" charset="0"/>
+                <a:cs typeface="Arial" panose="020B0604020202020204" pitchFamily="34" charset="0"/>
+              </a:rPr>
+              <a:t>span</a:t>
+            </a:r>
+            <a:r>
+              <a:rPr lang="en-US" sz="1400" dirty="0">
+                <a:solidFill>
+                  <a:srgbClr val="000000"/>
+                </a:solidFill>
+                <a:latin typeface="Calibri" panose="020F0502020204030204" pitchFamily="34" charset="0"/>
+                <a:ea typeface="Calibri" panose="020F0502020204030204" pitchFamily="34" charset="0"/>
+                <a:cs typeface="Arial" panose="020B0604020202020204" pitchFamily="34" charset="0"/>
+              </a:rPr>
+              <a:t>&gt;{{</a:t>
+            </a:r>
+            <a:r>
+              <a:rPr lang="en-US" sz="1400" b="1" dirty="0">
+                <a:solidFill>
+                  <a:srgbClr val="660E7A"/>
+                </a:solidFill>
+                <a:latin typeface="Calibri" panose="020F0502020204030204" pitchFamily="34" charset="0"/>
+                <a:ea typeface="Calibri" panose="020F0502020204030204" pitchFamily="34" charset="0"/>
+                <a:cs typeface="Arial" panose="020B0604020202020204" pitchFamily="34" charset="0"/>
+              </a:rPr>
+              <a:t>contact</a:t>
+            </a:r>
+            <a:r>
+              <a:rPr lang="en-US" sz="1400" dirty="0">
+                <a:solidFill>
+                  <a:srgbClr val="000000"/>
+                </a:solidFill>
+                <a:latin typeface="Calibri" panose="020F0502020204030204" pitchFamily="34" charset="0"/>
+                <a:ea typeface="Calibri" panose="020F0502020204030204" pitchFamily="34" charset="0"/>
+                <a:cs typeface="Arial" panose="020B0604020202020204" pitchFamily="34" charset="0"/>
+              </a:rPr>
+              <a:t>.name}}&lt;/</a:t>
+            </a:r>
+            <a:r>
+              <a:rPr lang="en-US" sz="1400" b="1" dirty="0">
+                <a:solidFill>
+                  <a:srgbClr val="000080"/>
+                </a:solidFill>
+                <a:latin typeface="Calibri" panose="020F0502020204030204" pitchFamily="34" charset="0"/>
+                <a:ea typeface="Calibri" panose="020F0502020204030204" pitchFamily="34" charset="0"/>
+                <a:cs typeface="Arial" panose="020B0604020202020204" pitchFamily="34" charset="0"/>
+              </a:rPr>
+              <a:t>span</a:t>
+            </a:r>
+            <a:r>
+              <a:rPr lang="en-US" sz="1400" dirty="0">
+                <a:solidFill>
+                  <a:srgbClr val="000000"/>
+                </a:solidFill>
+                <a:latin typeface="Calibri" panose="020F0502020204030204" pitchFamily="34" charset="0"/>
+                <a:ea typeface="Calibri" panose="020F0502020204030204" pitchFamily="34" charset="0"/>
+                <a:cs typeface="Arial" panose="020B0604020202020204" pitchFamily="34" charset="0"/>
+              </a:rPr>
+              <a:t>&gt;</a:t>
+            </a:r>
+            <a:br>
+              <a:rPr lang="en-US" sz="1400" dirty="0">
+                <a:solidFill>
+                  <a:srgbClr val="000000"/>
+                </a:solidFill>
+                <a:latin typeface="Calibri" panose="020F0502020204030204" pitchFamily="34" charset="0"/>
+                <a:ea typeface="Calibri" panose="020F0502020204030204" pitchFamily="34" charset="0"/>
+                <a:cs typeface="Arial" panose="020B0604020202020204" pitchFamily="34" charset="0"/>
+              </a:rPr>
+            </a:br>
+            <a:r>
+              <a:rPr lang="en-US" sz="1400" dirty="0">
+                <a:solidFill>
+                  <a:srgbClr val="000000"/>
+                </a:solidFill>
+                <a:latin typeface="Calibri" panose="020F0502020204030204" pitchFamily="34" charset="0"/>
+                <a:ea typeface="Calibri" panose="020F0502020204030204" pitchFamily="34" charset="0"/>
+                <a:cs typeface="Arial" panose="020B0604020202020204" pitchFamily="34" charset="0"/>
+              </a:rPr>
+              <a:t>&lt;</a:t>
+            </a:r>
+            <a:r>
+              <a:rPr lang="en-US" sz="1400" b="1" dirty="0">
+                <a:solidFill>
+                  <a:srgbClr val="000080"/>
+                </a:solidFill>
+                <a:latin typeface="Calibri" panose="020F0502020204030204" pitchFamily="34" charset="0"/>
+                <a:ea typeface="Calibri" panose="020F0502020204030204" pitchFamily="34" charset="0"/>
+                <a:cs typeface="Arial" panose="020B0604020202020204" pitchFamily="34" charset="0"/>
+              </a:rPr>
+              <a:t>span</a:t>
+            </a:r>
+            <a:r>
+              <a:rPr lang="en-US" sz="1400" dirty="0">
+                <a:solidFill>
+                  <a:srgbClr val="000000"/>
+                </a:solidFill>
+                <a:latin typeface="Calibri" panose="020F0502020204030204" pitchFamily="34" charset="0"/>
+                <a:ea typeface="Calibri" panose="020F0502020204030204" pitchFamily="34" charset="0"/>
+                <a:cs typeface="Arial" panose="020B0604020202020204" pitchFamily="34" charset="0"/>
+              </a:rPr>
+              <a:t>&gt;{{</a:t>
+            </a:r>
+            <a:r>
+              <a:rPr lang="en-US" sz="1400" b="1" dirty="0" err="1">
+                <a:solidFill>
+                  <a:srgbClr val="660E7A"/>
+                </a:solidFill>
+                <a:latin typeface="Calibri" panose="020F0502020204030204" pitchFamily="34" charset="0"/>
+                <a:ea typeface="Calibri" panose="020F0502020204030204" pitchFamily="34" charset="0"/>
+                <a:cs typeface="Arial" panose="020B0604020202020204" pitchFamily="34" charset="0"/>
+              </a:rPr>
+              <a:t>fullName</a:t>
+            </a:r>
+            <a:r>
+              <a:rPr lang="en-US" sz="1400" dirty="0">
+                <a:solidFill>
+                  <a:srgbClr val="000000"/>
+                </a:solidFill>
+                <a:latin typeface="Calibri" panose="020F0502020204030204" pitchFamily="34" charset="0"/>
+                <a:ea typeface="Calibri" panose="020F0502020204030204" pitchFamily="34" charset="0"/>
+                <a:cs typeface="Arial" panose="020B0604020202020204" pitchFamily="34" charset="0"/>
+              </a:rPr>
+              <a:t>}}&lt;/</a:t>
+            </a:r>
+            <a:r>
+              <a:rPr lang="en-US" sz="1400" b="1" dirty="0">
+                <a:solidFill>
+                  <a:srgbClr val="000080"/>
+                </a:solidFill>
+                <a:latin typeface="Calibri" panose="020F0502020204030204" pitchFamily="34" charset="0"/>
+                <a:ea typeface="Calibri" panose="020F0502020204030204" pitchFamily="34" charset="0"/>
+                <a:cs typeface="Arial" panose="020B0604020202020204" pitchFamily="34" charset="0"/>
+              </a:rPr>
+              <a:t>span</a:t>
+            </a:r>
+            <a:r>
+              <a:rPr lang="en-US" sz="1400" dirty="0">
+                <a:solidFill>
+                  <a:srgbClr val="000000"/>
+                </a:solidFill>
+                <a:latin typeface="Calibri" panose="020F0502020204030204" pitchFamily="34" charset="0"/>
+                <a:ea typeface="Calibri" panose="020F0502020204030204" pitchFamily="34" charset="0"/>
+                <a:cs typeface="Arial" panose="020B0604020202020204" pitchFamily="34" charset="0"/>
+              </a:rPr>
+              <a:t>&gt;</a:t>
+            </a:r>
+            <a:endParaRPr lang="he-IL" sz="1400" dirty="0"/>
+          </a:p>
+        </p:txBody>
+      </p:sp>
+    </p:spTree>
+    <p:extLst>
+      <p:ext uri="{BB962C8B-B14F-4D97-AF65-F5344CB8AC3E}">
+        <p14:creationId xmlns:p14="http://schemas.microsoft.com/office/powerpoint/2010/main" val="3606384037"/>
+      </p:ext>
+    </p:extLst>
+  </p:cSld>
+  <p:clrMapOvr>
+    <a:masterClrMapping/>
+  </p:clrMapOvr>
+</p:sld>
+</file>
+
+<file path=ppt/slides/slide32.xml><?xml version="1.0" encoding="utf-8"?>
+<p:sld xmlns:a="http://schemas.openxmlformats.org/drawingml/2006/main" xmlns:r="http://schemas.openxmlformats.org/officeDocument/2006/relationships" xmlns:p="http://schemas.openxmlformats.org/presentationml/2006/main">
+  <p:cSld>
+    <p:spTree>
+      <p:nvGrpSpPr>
+        <p:cNvPr id="1" name=""/>
+        <p:cNvGrpSpPr/>
+        <p:nvPr/>
+      </p:nvGrpSpPr>
+      <p:grpSpPr>
+        <a:xfrm>
+          <a:off x="0" y="0"/>
+          <a:ext cx="0" cy="0"/>
+          <a:chOff x="0" y="0"/>
+          <a:chExt cx="0" cy="0"/>
+        </a:xfrm>
+      </p:grpSpPr>
+      <p:sp>
+        <p:nvSpPr>
+          <p:cNvPr id="2" name="Title 1"/>
+          <p:cNvSpPr>
+            <a:spLocks noGrp="1"/>
+          </p:cNvSpPr>
+          <p:nvPr>
+            <p:ph type="title"/>
+          </p:nvPr>
+        </p:nvSpPr>
+        <p:spPr/>
+        <p:txBody>
+          <a:bodyPr/>
+          <a:lstStyle/>
+          <a:p>
+            <a:r>
+              <a:rPr lang="en-US" dirty="0"/>
+              <a:t>React to deep change - Getter</a:t>
+            </a:r>
+            <a:endParaRPr lang="he-IL" dirty="0"/>
+          </a:p>
+        </p:txBody>
+      </p:sp>
+      <p:sp>
+        <p:nvSpPr>
+          <p:cNvPr id="3" name="Footer Placeholder 2"/>
+          <p:cNvSpPr>
+            <a:spLocks noGrp="1"/>
+          </p:cNvSpPr>
+          <p:nvPr>
+            <p:ph type="ftr" sz="quarter" idx="11"/>
+          </p:nvPr>
+        </p:nvSpPr>
+        <p:spPr/>
+        <p:txBody>
+          <a:bodyPr/>
+          <a:lstStyle/>
+          <a:p>
+            <a:r>
+              <a:rPr lang="en-US"/>
+              <a:t>© 2016 Ori Calvo</a:t>
+            </a:r>
+            <a:endParaRPr lang="en-US" dirty="0"/>
+          </a:p>
+        </p:txBody>
+      </p:sp>
+      <p:sp>
+        <p:nvSpPr>
+          <p:cNvPr id="4" name="Slide Number Placeholder 3"/>
+          <p:cNvSpPr>
+            <a:spLocks noGrp="1"/>
+          </p:cNvSpPr>
+          <p:nvPr>
+            <p:ph type="sldNum" sz="quarter" idx="12"/>
+          </p:nvPr>
+        </p:nvSpPr>
+        <p:spPr/>
+        <p:txBody>
+          <a:bodyPr>
+            <a:normAutofit fontScale="85000" lnSpcReduction="20000"/>
+          </a:bodyPr>
+          <a:lstStyle/>
+          <a:p>
+            <a:fld id="{6EDEC3BC-0694-4586-AE63-02B4D54ABF43}" type="slidenum">
+              <a:rPr lang="en-US" smtClean="0"/>
+              <a:pPr/>
+              <a:t>32</a:t>
             </a:fld>
             <a:endParaRPr lang="en-US"/>
           </a:p>
@@ -21687,7 +22122,7 @@
 </p:sld>
 </file>
 
-<file path=ppt/slides/slide32.xml><?xml version="1.0" encoding="utf-8"?>
+<file path=ppt/slides/slide33.xml><?xml version="1.0" encoding="utf-8"?>
 <p:sld xmlns:a="http://schemas.openxmlformats.org/drawingml/2006/main" xmlns:r="http://schemas.openxmlformats.org/officeDocument/2006/relationships" xmlns:p="http://schemas.openxmlformats.org/presentationml/2006/main">
   <p:cSld>
     <p:spTree>
@@ -21772,7 +22207,7 @@
             <a:fld id="{6EDEC3BC-0694-4586-AE63-02B4D54ABF43}" type="slidenum">
               <a:rPr lang="en-US" smtClean="0"/>
               <a:pPr/>
-              <a:t>32</a:t>
+              <a:t>33</a:t>
             </a:fld>
             <a:endParaRPr lang="en-US"/>
           </a:p>
@@ -22791,165 +23226,6 @@
     <p:extLst>
       <p:ext uri="{BB962C8B-B14F-4D97-AF65-F5344CB8AC3E}">
         <p14:creationId xmlns:p14="http://schemas.microsoft.com/office/powerpoint/2010/main" val="178874026"/>
-      </p:ext>
-    </p:extLst>
-  </p:cSld>
-  <p:clrMapOvr>
-    <a:masterClrMapping/>
-  </p:clrMapOvr>
-</p:sld>
-</file>
-
-<file path=ppt/slides/slide33.xml><?xml version="1.0" encoding="utf-8"?>
-<p:sld xmlns:a="http://schemas.openxmlformats.org/drawingml/2006/main" xmlns:r="http://schemas.openxmlformats.org/officeDocument/2006/relationships" xmlns:p="http://schemas.openxmlformats.org/presentationml/2006/main">
-  <p:cSld>
-    <p:spTree>
-      <p:nvGrpSpPr>
-        <p:cNvPr id="1" name=""/>
-        <p:cNvGrpSpPr/>
-        <p:nvPr/>
-      </p:nvGrpSpPr>
-      <p:grpSpPr>
-        <a:xfrm>
-          <a:off x="0" y="0"/>
-          <a:ext cx="0" cy="0"/>
-          <a:chOff x="0" y="0"/>
-          <a:chExt cx="0" cy="0"/>
-        </a:xfrm>
-      </p:grpSpPr>
-      <p:sp>
-        <p:nvSpPr>
-          <p:cNvPr id="2" name="Title 1"/>
-          <p:cNvSpPr>
-            <a:spLocks noGrp="1"/>
-          </p:cNvSpPr>
-          <p:nvPr>
-            <p:ph type="title"/>
-          </p:nvPr>
-        </p:nvSpPr>
-        <p:spPr/>
-        <p:txBody>
-          <a:bodyPr>
-            <a:normAutofit/>
-          </a:bodyPr>
-          <a:lstStyle/>
-          <a:p>
-            <a:r>
-              <a:rPr lang="en-US" dirty="0"/>
-              <a:t>Avoid internal state</a:t>
-            </a:r>
-            <a:endParaRPr lang="he-IL" dirty="0"/>
-          </a:p>
-        </p:txBody>
-      </p:sp>
-      <p:sp>
-        <p:nvSpPr>
-          <p:cNvPr id="3" name="Footer Placeholder 2"/>
-          <p:cNvSpPr>
-            <a:spLocks noGrp="1"/>
-          </p:cNvSpPr>
-          <p:nvPr>
-            <p:ph type="ftr" sz="quarter" idx="11"/>
-          </p:nvPr>
-        </p:nvSpPr>
-        <p:spPr/>
-        <p:txBody>
-          <a:bodyPr/>
-          <a:lstStyle/>
-          <a:p>
-            <a:r>
-              <a:rPr lang="en-US"/>
-              <a:t>© 2016 Ori Calvo</a:t>
-            </a:r>
-            <a:endParaRPr lang="en-US" dirty="0"/>
-          </a:p>
-        </p:txBody>
-      </p:sp>
-      <p:sp>
-        <p:nvSpPr>
-          <p:cNvPr id="4" name="Slide Number Placeholder 3"/>
-          <p:cNvSpPr>
-            <a:spLocks noGrp="1"/>
-          </p:cNvSpPr>
-          <p:nvPr>
-            <p:ph type="sldNum" sz="quarter" idx="12"/>
-          </p:nvPr>
-        </p:nvSpPr>
-        <p:spPr/>
-        <p:txBody>
-          <a:bodyPr>
-            <a:normAutofit fontScale="85000" lnSpcReduction="20000"/>
-          </a:bodyPr>
-          <a:lstStyle/>
-          <a:p>
-            <a:fld id="{6EDEC3BC-0694-4586-AE63-02B4D54ABF43}" type="slidenum">
-              <a:rPr lang="en-US" smtClean="0"/>
-              <a:pPr/>
-              <a:t>33</a:t>
-            </a:fld>
-            <a:endParaRPr lang="en-US"/>
-          </a:p>
-        </p:txBody>
-      </p:sp>
-      <p:sp>
-        <p:nvSpPr>
-          <p:cNvPr id="5" name="Content Placeholder 4"/>
-          <p:cNvSpPr>
-            <a:spLocks noGrp="1"/>
-          </p:cNvSpPr>
-          <p:nvPr>
-            <p:ph sz="quarter" idx="1"/>
-          </p:nvPr>
-        </p:nvSpPr>
-        <p:spPr/>
-        <p:txBody>
-          <a:bodyPr>
-            <a:normAutofit lnSpcReduction="10000"/>
-          </a:bodyPr>
-          <a:lstStyle/>
-          <a:p>
-            <a:r>
-              <a:rPr lang="en-US" dirty="0"/>
-              <a:t>Component internal state can be extracted into external model that is sent as an input</a:t>
-            </a:r>
-          </a:p>
-          <a:p>
-            <a:r>
-              <a:rPr lang="en-US" dirty="0"/>
-              <a:t>Upon change, the parent component clones the model and updates it</a:t>
-            </a:r>
-          </a:p>
-          <a:p>
-            <a:r>
-              <a:rPr lang="en-US" dirty="0"/>
-              <a:t>Angular rebinds the input</a:t>
-            </a:r>
-          </a:p>
-          <a:p>
-            <a:r>
-              <a:rPr lang="en-US" dirty="0"/>
-              <a:t>Since all state is inside the input model the component does not need to react to changes</a:t>
-            </a:r>
-          </a:p>
-          <a:p>
-            <a:r>
-              <a:rPr lang="en-US" dirty="0"/>
-              <a:t>It just displays the input data</a:t>
-            </a:r>
-          </a:p>
-          <a:p>
-            <a:r>
-              <a:rPr lang="en-US" dirty="0"/>
-              <a:t>A service may encapsulate the details </a:t>
-            </a:r>
-            <a:endParaRPr lang="he-IL" dirty="0"/>
-          </a:p>
-        </p:txBody>
-      </p:sp>
-    </p:spTree>
-    <p:extLst>
-      <p:ext uri="{BB962C8B-B14F-4D97-AF65-F5344CB8AC3E}">
-        <p14:creationId xmlns:p14="http://schemas.microsoft.com/office/powerpoint/2010/main" val="721623708"/>
       </p:ext>
     </p:extLst>
   </p:cSld>
@@ -22986,19 +23262,16 @@
             <p:ph type="title"/>
           </p:nvPr>
         </p:nvSpPr>
-        <p:spPr>
-          <a:xfrm>
-            <a:off x="612648" y="228600"/>
-            <a:ext cx="8153400" cy="990600"/>
-          </a:xfrm>
-        </p:spPr>
+        <p:spPr/>
         <p:txBody>
-          <a:bodyPr/>
+          <a:bodyPr>
+            <a:normAutofit/>
+          </a:bodyPr>
           <a:lstStyle/>
           <a:p>
             <a:r>
               <a:rPr lang="en-US" dirty="0"/>
-              <a:t>Avoid Internal State</a:t>
+              <a:t>Avoid internal state</a:t>
             </a:r>
             <a:endParaRPr lang="he-IL" dirty="0"/>
           </a:p>
@@ -23048,6 +23321,168 @@
               <a:rPr lang="en-US" smtClean="0"/>
               <a:pPr/>
               <a:t>34</a:t>
+            </a:fld>
+            <a:endParaRPr lang="en-US"/>
+          </a:p>
+        </p:txBody>
+      </p:sp>
+      <p:sp>
+        <p:nvSpPr>
+          <p:cNvPr id="5" name="Content Placeholder 4"/>
+          <p:cNvSpPr>
+            <a:spLocks noGrp="1"/>
+          </p:cNvSpPr>
+          <p:nvPr>
+            <p:ph sz="quarter" idx="1"/>
+          </p:nvPr>
+        </p:nvSpPr>
+        <p:spPr/>
+        <p:txBody>
+          <a:bodyPr>
+            <a:normAutofit lnSpcReduction="10000"/>
+          </a:bodyPr>
+          <a:lstStyle/>
+          <a:p>
+            <a:r>
+              <a:rPr lang="en-US" dirty="0"/>
+              <a:t>Component internal state can be extracted into external model that is sent as an input</a:t>
+            </a:r>
+          </a:p>
+          <a:p>
+            <a:r>
+              <a:rPr lang="en-US" dirty="0"/>
+              <a:t>Upon change, the parent component clones the model and updates it</a:t>
+            </a:r>
+          </a:p>
+          <a:p>
+            <a:r>
+              <a:rPr lang="en-US" dirty="0"/>
+              <a:t>Angular rebinds the input</a:t>
+            </a:r>
+          </a:p>
+          <a:p>
+            <a:r>
+              <a:rPr lang="en-US" dirty="0"/>
+              <a:t>Since all state is inside the input model the component does not need to react to changes</a:t>
+            </a:r>
+          </a:p>
+          <a:p>
+            <a:r>
+              <a:rPr lang="en-US" dirty="0"/>
+              <a:t>It just displays the input data</a:t>
+            </a:r>
+          </a:p>
+          <a:p>
+            <a:r>
+              <a:rPr lang="en-US" dirty="0"/>
+              <a:t>A service may encapsulate the details </a:t>
+            </a:r>
+            <a:endParaRPr lang="he-IL" dirty="0"/>
+          </a:p>
+        </p:txBody>
+      </p:sp>
+    </p:spTree>
+    <p:extLst>
+      <p:ext uri="{BB962C8B-B14F-4D97-AF65-F5344CB8AC3E}">
+        <p14:creationId xmlns:p14="http://schemas.microsoft.com/office/powerpoint/2010/main" val="721623708"/>
+      </p:ext>
+    </p:extLst>
+  </p:cSld>
+  <p:clrMapOvr>
+    <a:masterClrMapping/>
+  </p:clrMapOvr>
+</p:sld>
+</file>
+
+<file path=ppt/slides/slide35.xml><?xml version="1.0" encoding="utf-8"?>
+<p:sld xmlns:a="http://schemas.openxmlformats.org/drawingml/2006/main" xmlns:r="http://schemas.openxmlformats.org/officeDocument/2006/relationships" xmlns:p="http://schemas.openxmlformats.org/presentationml/2006/main">
+  <p:cSld>
+    <p:spTree>
+      <p:nvGrpSpPr>
+        <p:cNvPr id="1" name=""/>
+        <p:cNvGrpSpPr/>
+        <p:nvPr/>
+      </p:nvGrpSpPr>
+      <p:grpSpPr>
+        <a:xfrm>
+          <a:off x="0" y="0"/>
+          <a:ext cx="0" cy="0"/>
+          <a:chOff x="0" y="0"/>
+          <a:chExt cx="0" cy="0"/>
+        </a:xfrm>
+      </p:grpSpPr>
+      <p:sp>
+        <p:nvSpPr>
+          <p:cNvPr id="2" name="Title 1"/>
+          <p:cNvSpPr>
+            <a:spLocks noGrp="1"/>
+          </p:cNvSpPr>
+          <p:nvPr>
+            <p:ph type="title"/>
+          </p:nvPr>
+        </p:nvSpPr>
+        <p:spPr>
+          <a:xfrm>
+            <a:off x="612648" y="228600"/>
+            <a:ext cx="8153400" cy="990600"/>
+          </a:xfrm>
+        </p:spPr>
+        <p:txBody>
+          <a:bodyPr/>
+          <a:lstStyle/>
+          <a:p>
+            <a:r>
+              <a:rPr lang="en-US" dirty="0"/>
+              <a:t>Avoid Internal State</a:t>
+            </a:r>
+            <a:endParaRPr lang="he-IL" dirty="0"/>
+          </a:p>
+        </p:txBody>
+      </p:sp>
+      <p:sp>
+        <p:nvSpPr>
+          <p:cNvPr id="3" name="Footer Placeholder 2"/>
+          <p:cNvSpPr>
+            <a:spLocks noGrp="1"/>
+          </p:cNvSpPr>
+          <p:nvPr>
+            <p:ph type="ftr" sz="quarter" idx="11"/>
+          </p:nvPr>
+        </p:nvSpPr>
+        <p:spPr/>
+        <p:txBody>
+          <a:bodyPr/>
+          <a:lstStyle/>
+          <a:p>
+            <a:r>
+              <a:rPr lang="en-US"/>
+              <a:t>© 2016 Ori Calvo</a:t>
+            </a:r>
+            <a:endParaRPr lang="en-US" dirty="0"/>
+          </a:p>
+        </p:txBody>
+      </p:sp>
+      <p:sp>
+        <p:nvSpPr>
+          <p:cNvPr id="4" name="Slide Number Placeholder 3"/>
+          <p:cNvSpPr>
+            <a:spLocks noGrp="1"/>
+          </p:cNvSpPr>
+          <p:nvPr>
+            <p:ph type="sldNum" sz="quarter" idx="12"/>
+          </p:nvPr>
+        </p:nvSpPr>
+        <p:spPr/>
+        <p:txBody>
+          <a:bodyPr>
+            <a:normAutofit fontScale="85000" lnSpcReduction="20000"/>
+          </a:bodyPr>
+          <a:lstStyle/>
+          <a:p>
+            <a:fld id="{6EDEC3BC-0694-4586-AE63-02B4D54ABF43}" type="slidenum">
+              <a:rPr lang="en-US" smtClean="0"/>
+              <a:pPr/>
+              <a:t>35</a:t>
             </a:fld>
             <a:endParaRPr lang="en-US"/>
           </a:p>
@@ -25395,7 +25830,7 @@
 </p:sld>
 </file>
 
-<file path=ppt/slides/slide35.xml><?xml version="1.0" encoding="utf-8"?>
+<file path=ppt/slides/slide36.xml><?xml version="1.0" encoding="utf-8"?>
 <p:sld xmlns:a="http://schemas.openxmlformats.org/drawingml/2006/main" xmlns:r="http://schemas.openxmlformats.org/officeDocument/2006/relationships" xmlns:p="http://schemas.openxmlformats.org/presentationml/2006/main">
   <p:cSld>
     <p:spTree>
@@ -25488,7 +25923,7 @@
             <a:fld id="{6EDEC3BC-0694-4586-AE63-02B4D54ABF43}" type="slidenum">
               <a:rPr lang="en-US" smtClean="0"/>
               <a:pPr/>
-              <a:t>35</a:t>
+              <a:t>36</a:t>
             </a:fld>
             <a:endParaRPr lang="en-US"/>
           </a:p>
@@ -25579,7 +26014,7 @@
 </p:sld>
 </file>
 
-<file path=ppt/slides/slide36.xml><?xml version="1.0" encoding="utf-8"?>
+<file path=ppt/slides/slide37.xml><?xml version="1.0" encoding="utf-8"?>
 <p:sld xmlns:a="http://schemas.openxmlformats.org/drawingml/2006/main" xmlns:r="http://schemas.openxmlformats.org/officeDocument/2006/relationships" xmlns:p="http://schemas.openxmlformats.org/presentationml/2006/main">
   <p:cSld>
     <p:spTree>
@@ -25661,7 +26096,7 @@
             <a:fld id="{6EDEC3BC-0694-4586-AE63-02B4D54ABF43}" type="slidenum">
               <a:rPr lang="en-US" smtClean="0"/>
               <a:pPr/>
-              <a:t>36</a:t>
+              <a:t>37</a:t>
             </a:fld>
             <a:endParaRPr lang="en-US"/>
           </a:p>
@@ -25741,7 +26176,7 @@
 </p:sld>
 </file>
 
-<file path=ppt/slides/slide37.xml><?xml version="1.0" encoding="utf-8"?>
+<file path=ppt/slides/slide38.xml><?xml version="1.0" encoding="utf-8"?>
 <p:sld xmlns:a="http://schemas.openxmlformats.org/drawingml/2006/main" xmlns:r="http://schemas.openxmlformats.org/officeDocument/2006/relationships" xmlns:p="http://schemas.openxmlformats.org/presentationml/2006/main">
   <p:cSld>
     <p:spTree>
@@ -26835,7 +27270,7 @@
             <a:fld id="{6EDEC3BC-0694-4586-AE63-02B4D54ABF43}" type="slidenum">
               <a:rPr lang="en-US" smtClean="0"/>
               <a:pPr/>
-              <a:t>37</a:t>
+              <a:t>38</a:t>
             </a:fld>
             <a:endParaRPr lang="en-US"/>
           </a:p>
@@ -27067,7 +27502,7 @@
 </p:sld>
 </file>
 
-<file path=ppt/slides/slide38.xml><?xml version="1.0" encoding="utf-8"?>
+<file path=ppt/slides/slide39.xml><?xml version="1.0" encoding="utf-8"?>
 <p:sld xmlns:a="http://schemas.openxmlformats.org/drawingml/2006/main" xmlns:r="http://schemas.openxmlformats.org/officeDocument/2006/relationships" xmlns:p="http://schemas.openxmlformats.org/presentationml/2006/main">
   <p:cSld>
     <p:spTree>
@@ -27150,7 +27585,7 @@
             <a:fld id="{6EDEC3BC-0694-4586-AE63-02B4D54ABF43}" type="slidenum">
               <a:rPr lang="en-US" smtClean="0"/>
               <a:pPr/>
-              <a:t>38</a:t>
+              <a:t>39</a:t>
             </a:fld>
             <a:endParaRPr lang="en-US"/>
           </a:p>
@@ -28115,7 +28550,151 @@
 </p:sld>
 </file>
 
-<file path=ppt/slides/slide39.xml><?xml version="1.0" encoding="utf-8"?>
+<file path=ppt/slides/slide4.xml><?xml version="1.0" encoding="utf-8"?>
+<p:sld xmlns:a="http://schemas.openxmlformats.org/drawingml/2006/main" xmlns:r="http://schemas.openxmlformats.org/officeDocument/2006/relationships" xmlns:p="http://schemas.openxmlformats.org/presentationml/2006/main">
+  <p:cSld>
+    <p:spTree>
+      <p:nvGrpSpPr>
+        <p:cNvPr id="1" name=""/>
+        <p:cNvGrpSpPr/>
+        <p:nvPr/>
+      </p:nvGrpSpPr>
+      <p:grpSpPr>
+        <a:xfrm>
+          <a:off x="0" y="0"/>
+          <a:ext cx="0" cy="0"/>
+          <a:chOff x="0" y="0"/>
+          <a:chExt cx="0" cy="0"/>
+        </a:xfrm>
+      </p:grpSpPr>
+      <p:sp>
+        <p:nvSpPr>
+          <p:cNvPr id="2" name="Title 1"/>
+          <p:cNvSpPr>
+            <a:spLocks noGrp="1"/>
+          </p:cNvSpPr>
+          <p:nvPr>
+            <p:ph type="title"/>
+          </p:nvPr>
+        </p:nvSpPr>
+        <p:spPr/>
+        <p:txBody>
+          <a:bodyPr/>
+          <a:lstStyle/>
+          <a:p>
+            <a:r>
+              <a:rPr lang="en-US" dirty="0"/>
+              <a:t>Styling Components</a:t>
+            </a:r>
+            <a:endParaRPr lang="he-IL" dirty="0"/>
+          </a:p>
+        </p:txBody>
+      </p:sp>
+      <p:sp>
+        <p:nvSpPr>
+          <p:cNvPr id="3" name="Footer Placeholder 2"/>
+          <p:cNvSpPr>
+            <a:spLocks noGrp="1"/>
+          </p:cNvSpPr>
+          <p:nvPr>
+            <p:ph type="ftr" sz="quarter" idx="11"/>
+          </p:nvPr>
+        </p:nvSpPr>
+        <p:spPr/>
+        <p:txBody>
+          <a:bodyPr/>
+          <a:lstStyle/>
+          <a:p>
+            <a:r>
+              <a:rPr lang="en-US"/>
+              <a:t>© 2016 Ori Calvo</a:t>
+            </a:r>
+            <a:endParaRPr lang="en-US" dirty="0"/>
+          </a:p>
+        </p:txBody>
+      </p:sp>
+      <p:sp>
+        <p:nvSpPr>
+          <p:cNvPr id="4" name="Slide Number Placeholder 3"/>
+          <p:cNvSpPr>
+            <a:spLocks noGrp="1"/>
+          </p:cNvSpPr>
+          <p:nvPr>
+            <p:ph type="sldNum" sz="quarter" idx="12"/>
+          </p:nvPr>
+        </p:nvSpPr>
+        <p:spPr/>
+        <p:txBody>
+          <a:bodyPr>
+            <a:normAutofit fontScale="85000" lnSpcReduction="20000"/>
+          </a:bodyPr>
+          <a:lstStyle/>
+          <a:p>
+            <a:fld id="{6EDEC3BC-0694-4586-AE63-02B4D54ABF43}" type="slidenum">
+              <a:rPr lang="en-US" smtClean="0"/>
+              <a:pPr/>
+              <a:t>4</a:t>
+            </a:fld>
+            <a:endParaRPr lang="en-US"/>
+          </a:p>
+        </p:txBody>
+      </p:sp>
+      <p:sp>
+        <p:nvSpPr>
+          <p:cNvPr id="5" name="Content Placeholder 4"/>
+          <p:cNvSpPr>
+            <a:spLocks noGrp="1"/>
+          </p:cNvSpPr>
+          <p:nvPr>
+            <p:ph sz="quarter" idx="1"/>
+          </p:nvPr>
+        </p:nvSpPr>
+        <p:spPr/>
+        <p:txBody>
+          <a:bodyPr>
+            <a:normAutofit/>
+          </a:bodyPr>
+          <a:lstStyle/>
+          <a:p>
+            <a:r>
+              <a:rPr lang="en-US" dirty="0"/>
+              <a:t>A component is an isolated unit of UI</a:t>
+            </a:r>
+          </a:p>
+          <a:p>
+            <a:r>
+              <a:rPr lang="en-US" dirty="0"/>
+              <a:t>Styling inside parent component should not break a child</a:t>
+            </a:r>
+          </a:p>
+          <a:p>
+            <a:r>
+              <a:rPr lang="en-US" dirty="0"/>
+              <a:t>On the other hand, a parent may need to customize “a bit” the appearance of a child component</a:t>
+            </a:r>
+          </a:p>
+          <a:p>
+            <a:r>
+              <a:rPr lang="en-US" dirty="0"/>
+              <a:t>However, CSS is global by nature. It usually “cascades” more than we need</a:t>
+            </a:r>
+          </a:p>
+        </p:txBody>
+      </p:sp>
+    </p:spTree>
+    <p:extLst>
+      <p:ext uri="{BB962C8B-B14F-4D97-AF65-F5344CB8AC3E}">
+        <p14:creationId xmlns:p14="http://schemas.microsoft.com/office/powerpoint/2010/main" val="3436755175"/>
+      </p:ext>
+    </p:extLst>
+  </p:cSld>
+  <p:clrMapOvr>
+    <a:masterClrMapping/>
+  </p:clrMapOvr>
+</p:sld>
+</file>
+
+<file path=ppt/slides/slide40.xml><?xml version="1.0" encoding="utf-8"?>
 <p:sld xmlns:a="http://schemas.openxmlformats.org/drawingml/2006/main" xmlns:r="http://schemas.openxmlformats.org/officeDocument/2006/relationships" xmlns:p="http://schemas.openxmlformats.org/presentationml/2006/main">
   <p:cSld>
     <p:spTree>
@@ -28199,7 +28778,7 @@
             <a:fld id="{6EDEC3BC-0694-4586-AE63-02B4D54ABF43}" type="slidenum">
               <a:rPr lang="en-US" smtClean="0"/>
               <a:pPr/>
-              <a:t>39</a:t>
+              <a:t>40</a:t>
             </a:fld>
             <a:endParaRPr lang="en-US"/>
           </a:p>
@@ -28984,7 +29563,7 @@
 </p:sld>
 </file>
 
-<file path=ppt/slides/slide4.xml><?xml version="1.0" encoding="utf-8"?>
+<file path=ppt/slides/slide41.xml><?xml version="1.0" encoding="utf-8"?>
 <p:sld xmlns:a="http://schemas.openxmlformats.org/drawingml/2006/main" xmlns:r="http://schemas.openxmlformats.org/officeDocument/2006/relationships" xmlns:p="http://schemas.openxmlformats.org/presentationml/2006/main">
   <p:cSld>
     <p:spTree>
@@ -29018,9 +29597,8 @@
           <a:p>
             <a:r>
               <a:rPr lang="en-US" dirty="0"/>
-              <a:t>Styling Components</a:t>
-            </a:r>
-            <a:endParaRPr lang="he-IL" dirty="0"/>
+              <a:t>Accessing the DOM</a:t>
+            </a:r>
           </a:p>
         </p:txBody>
       </p:sp>
@@ -29067,150 +29645,7 @@
             <a:fld id="{6EDEC3BC-0694-4586-AE63-02B4D54ABF43}" type="slidenum">
               <a:rPr lang="en-US" smtClean="0"/>
               <a:pPr/>
-              <a:t>4</a:t>
-            </a:fld>
-            <a:endParaRPr lang="en-US"/>
-          </a:p>
-        </p:txBody>
-      </p:sp>
-      <p:sp>
-        <p:nvSpPr>
-          <p:cNvPr id="5" name="Content Placeholder 4"/>
-          <p:cNvSpPr>
-            <a:spLocks noGrp="1"/>
-          </p:cNvSpPr>
-          <p:nvPr>
-            <p:ph sz="quarter" idx="1"/>
-          </p:nvPr>
-        </p:nvSpPr>
-        <p:spPr/>
-        <p:txBody>
-          <a:bodyPr>
-            <a:normAutofit/>
-          </a:bodyPr>
-          <a:lstStyle/>
-          <a:p>
-            <a:r>
-              <a:rPr lang="en-US" dirty="0"/>
-              <a:t>A component is an isolated unit of UI</a:t>
-            </a:r>
-          </a:p>
-          <a:p>
-            <a:r>
-              <a:rPr lang="en-US" dirty="0"/>
-              <a:t>Styling inside parent component should not break a child</a:t>
-            </a:r>
-          </a:p>
-          <a:p>
-            <a:r>
-              <a:rPr lang="en-US" dirty="0"/>
-              <a:t>On the other hand, a parent may need to customize “a bit” the appearance of a child component</a:t>
-            </a:r>
-          </a:p>
-          <a:p>
-            <a:r>
-              <a:rPr lang="en-US" dirty="0"/>
-              <a:t>However, CSS is global by nature. It usually “cascades” more than we need</a:t>
-            </a:r>
-          </a:p>
-        </p:txBody>
-      </p:sp>
-    </p:spTree>
-    <p:extLst>
-      <p:ext uri="{BB962C8B-B14F-4D97-AF65-F5344CB8AC3E}">
-        <p14:creationId xmlns:p14="http://schemas.microsoft.com/office/powerpoint/2010/main" val="3436755175"/>
-      </p:ext>
-    </p:extLst>
-  </p:cSld>
-  <p:clrMapOvr>
-    <a:masterClrMapping/>
-  </p:clrMapOvr>
-</p:sld>
-</file>
-
-<file path=ppt/slides/slide40.xml><?xml version="1.0" encoding="utf-8"?>
-<p:sld xmlns:a="http://schemas.openxmlformats.org/drawingml/2006/main" xmlns:r="http://schemas.openxmlformats.org/officeDocument/2006/relationships" xmlns:p="http://schemas.openxmlformats.org/presentationml/2006/main">
-  <p:cSld>
-    <p:spTree>
-      <p:nvGrpSpPr>
-        <p:cNvPr id="1" name=""/>
-        <p:cNvGrpSpPr/>
-        <p:nvPr/>
-      </p:nvGrpSpPr>
-      <p:grpSpPr>
-        <a:xfrm>
-          <a:off x="0" y="0"/>
-          <a:ext cx="0" cy="0"/>
-          <a:chOff x="0" y="0"/>
-          <a:chExt cx="0" cy="0"/>
-        </a:xfrm>
-      </p:grpSpPr>
-      <p:sp>
-        <p:nvSpPr>
-          <p:cNvPr id="2" name="Title 1"/>
-          <p:cNvSpPr>
-            <a:spLocks noGrp="1"/>
-          </p:cNvSpPr>
-          <p:nvPr>
-            <p:ph type="title"/>
-          </p:nvPr>
-        </p:nvSpPr>
-        <p:spPr/>
-        <p:txBody>
-          <a:bodyPr/>
-          <a:lstStyle/>
-          <a:p>
-            <a:r>
-              <a:rPr lang="en-US" dirty="0"/>
-              <a:t>Accessing the DOM</a:t>
-            </a:r>
-          </a:p>
-        </p:txBody>
-      </p:sp>
-      <p:sp>
-        <p:nvSpPr>
-          <p:cNvPr id="3" name="Footer Placeholder 2"/>
-          <p:cNvSpPr>
-            <a:spLocks noGrp="1"/>
-          </p:cNvSpPr>
-          <p:nvPr>
-            <p:ph type="ftr" sz="quarter" idx="11"/>
-          </p:nvPr>
-        </p:nvSpPr>
-        <p:spPr/>
-        <p:txBody>
-          <a:bodyPr/>
-          <a:lstStyle/>
-          <a:p>
-            <a:r>
-              <a:rPr lang="en-US"/>
-              <a:t>© 2016 Ori Calvo</a:t>
-            </a:r>
-            <a:endParaRPr lang="en-US" dirty="0"/>
-          </a:p>
-        </p:txBody>
-      </p:sp>
-      <p:sp>
-        <p:nvSpPr>
-          <p:cNvPr id="4" name="Slide Number Placeholder 3"/>
-          <p:cNvSpPr>
-            <a:spLocks noGrp="1"/>
-          </p:cNvSpPr>
-          <p:nvPr>
-            <p:ph type="sldNum" sz="quarter" idx="12"/>
-          </p:nvPr>
-        </p:nvSpPr>
-        <p:spPr/>
-        <p:txBody>
-          <a:bodyPr>
-            <a:normAutofit fontScale="85000" lnSpcReduction="20000"/>
-          </a:bodyPr>
-          <a:lstStyle/>
-          <a:p>
-            <a:fld id="{6EDEC3BC-0694-4586-AE63-02B4D54ABF43}" type="slidenum">
-              <a:rPr lang="en-US" smtClean="0"/>
-              <a:pPr/>
-              <a:t>40</a:t>
+              <a:t>41</a:t>
             </a:fld>
             <a:endParaRPr lang="en-US"/>
           </a:p>
@@ -30244,528 +30679,6 @@
 </p:sld>
 </file>
 
-<file path=ppt/slides/slide41.xml><?xml version="1.0" encoding="utf-8"?>
-<p:sld xmlns:a="http://schemas.openxmlformats.org/drawingml/2006/main" xmlns:r="http://schemas.openxmlformats.org/officeDocument/2006/relationships" xmlns:p="http://schemas.openxmlformats.org/presentationml/2006/main">
-  <p:cSld>
-    <p:spTree>
-      <p:nvGrpSpPr>
-        <p:cNvPr id="1" name=""/>
-        <p:cNvGrpSpPr/>
-        <p:nvPr/>
-      </p:nvGrpSpPr>
-      <p:grpSpPr>
-        <a:xfrm>
-          <a:off x="0" y="0"/>
-          <a:ext cx="0" cy="0"/>
-          <a:chOff x="0" y="0"/>
-          <a:chExt cx="0" cy="0"/>
-        </a:xfrm>
-      </p:grpSpPr>
-      <p:sp>
-        <p:nvSpPr>
-          <p:cNvPr id="2" name="Title 1"/>
-          <p:cNvSpPr>
-            <a:spLocks noGrp="1"/>
-          </p:cNvSpPr>
-          <p:nvPr>
-            <p:ph type="title"/>
-          </p:nvPr>
-        </p:nvSpPr>
-        <p:spPr/>
-        <p:txBody>
-          <a:bodyPr/>
-          <a:lstStyle/>
-          <a:p>
-            <a:r>
-              <a:rPr lang="en-US" dirty="0"/>
-              <a:t>Accessing the DOM</a:t>
-            </a:r>
-          </a:p>
-        </p:txBody>
-      </p:sp>
-      <p:sp>
-        <p:nvSpPr>
-          <p:cNvPr id="3" name="Footer Placeholder 2"/>
-          <p:cNvSpPr>
-            <a:spLocks noGrp="1"/>
-          </p:cNvSpPr>
-          <p:nvPr>
-            <p:ph type="ftr" sz="quarter" idx="11"/>
-          </p:nvPr>
-        </p:nvSpPr>
-        <p:spPr/>
-        <p:txBody>
-          <a:bodyPr/>
-          <a:lstStyle/>
-          <a:p>
-            <a:r>
-              <a:rPr lang="en-US"/>
-              <a:t>© 2016 Ori Calvo</a:t>
-            </a:r>
-            <a:endParaRPr lang="en-US" dirty="0"/>
-          </a:p>
-        </p:txBody>
-      </p:sp>
-      <p:sp>
-        <p:nvSpPr>
-          <p:cNvPr id="4" name="Slide Number Placeholder 3"/>
-          <p:cNvSpPr>
-            <a:spLocks noGrp="1"/>
-          </p:cNvSpPr>
-          <p:nvPr>
-            <p:ph type="sldNum" sz="quarter" idx="12"/>
-          </p:nvPr>
-        </p:nvSpPr>
-        <p:spPr/>
-        <p:txBody>
-          <a:bodyPr>
-            <a:normAutofit fontScale="85000" lnSpcReduction="20000"/>
-          </a:bodyPr>
-          <a:lstStyle/>
-          <a:p>
-            <a:fld id="{6EDEC3BC-0694-4586-AE63-02B4D54ABF43}" type="slidenum">
-              <a:rPr lang="en-US" smtClean="0"/>
-              <a:pPr/>
-              <a:t>41</a:t>
-            </a:fld>
-            <a:endParaRPr lang="en-US"/>
-          </a:p>
-        </p:txBody>
-      </p:sp>
-      <p:sp>
-        <p:nvSpPr>
-          <p:cNvPr id="5" name="Content Placeholder 4"/>
-          <p:cNvSpPr>
-            <a:spLocks noGrp="1"/>
-          </p:cNvSpPr>
-          <p:nvPr>
-            <p:ph sz="quarter" idx="1"/>
-          </p:nvPr>
-        </p:nvSpPr>
-        <p:spPr/>
-        <p:txBody>
-          <a:bodyPr/>
-          <a:lstStyle/>
-          <a:p>
-            <a:r>
-              <a:rPr lang="en-US" dirty="0"/>
-              <a:t>Angular can be executed under NodeJS or under web worker</a:t>
-            </a:r>
-          </a:p>
-          <a:p>
-            <a:r>
-              <a:rPr lang="en-US" dirty="0"/>
-              <a:t>In that case </a:t>
-            </a:r>
-            <a:r>
-              <a:rPr lang="en-US" dirty="0" err="1">
-                <a:solidFill>
-                  <a:srgbClr val="FF0000"/>
-                </a:solidFill>
-              </a:rPr>
-              <a:t>ElementRef.nativeElement</a:t>
-            </a:r>
-            <a:r>
-              <a:rPr lang="en-US" dirty="0"/>
-              <a:t> is undefined</a:t>
-            </a:r>
-          </a:p>
-          <a:p>
-            <a:r>
-              <a:rPr lang="en-US" dirty="0"/>
-              <a:t>You should write your code with special care and guard against non browser platforms</a:t>
-            </a:r>
-          </a:p>
-        </p:txBody>
-      </p:sp>
-      <p:sp>
-        <p:nvSpPr>
-          <p:cNvPr id="6" name="Rectangle 5"/>
-          <p:cNvSpPr/>
-          <p:nvPr/>
-        </p:nvSpPr>
-        <p:spPr>
-          <a:xfrm>
-            <a:off x="1507998" y="4495562"/>
-            <a:ext cx="6362700" cy="1600438"/>
-          </a:xfrm>
-          <a:prstGeom prst="rect">
-            <a:avLst/>
-          </a:prstGeom>
-          <a:solidFill>
-            <a:schemeClr val="accent1">
-              <a:lumMod val="40000"/>
-              <a:lumOff val="60000"/>
-            </a:schemeClr>
-          </a:solidFill>
-        </p:spPr>
-        <p:txBody>
-          <a:bodyPr wrap="square">
-            <a:spAutoFit/>
-          </a:bodyPr>
-          <a:lstStyle/>
-          <a:p>
-            <a:r>
-              <a:rPr lang="en-US" sz="1400" b="1" dirty="0">
-                <a:solidFill>
-                  <a:srgbClr val="000080"/>
-                </a:solidFill>
-                <a:latin typeface="Courier New" panose="02070309020205020404" pitchFamily="49" charset="0"/>
-                <a:ea typeface="Times New Roman" panose="02020603050405020304" pitchFamily="18" charset="0"/>
-              </a:rPr>
-              <a:t>export class </a:t>
-            </a:r>
-            <a:r>
-              <a:rPr lang="en-US" sz="1400" dirty="0" err="1">
-                <a:solidFill>
-                  <a:srgbClr val="000000"/>
-                </a:solidFill>
-                <a:latin typeface="Courier New" panose="02070309020205020404" pitchFamily="49" charset="0"/>
-                <a:ea typeface="Times New Roman" panose="02020603050405020304" pitchFamily="18" charset="0"/>
-              </a:rPr>
-              <a:t>AppComponent</a:t>
-            </a:r>
-            <a:r>
-              <a:rPr lang="en-US" sz="1400" dirty="0">
-                <a:solidFill>
-                  <a:srgbClr val="000000"/>
-                </a:solidFill>
-                <a:latin typeface="Courier New" panose="02070309020205020404" pitchFamily="49" charset="0"/>
-                <a:ea typeface="Times New Roman" panose="02020603050405020304" pitchFamily="18" charset="0"/>
-              </a:rPr>
-              <a:t> {</a:t>
-            </a:r>
-            <a:br>
-              <a:rPr lang="en-US" sz="1400" dirty="0">
-                <a:solidFill>
-                  <a:srgbClr val="000000"/>
-                </a:solidFill>
-                <a:latin typeface="Courier New" panose="02070309020205020404" pitchFamily="49" charset="0"/>
-                <a:ea typeface="Times New Roman" panose="02020603050405020304" pitchFamily="18" charset="0"/>
-              </a:rPr>
-            </a:br>
-            <a:r>
-              <a:rPr lang="en-US" sz="1400" dirty="0">
-                <a:solidFill>
-                  <a:srgbClr val="000000"/>
-                </a:solidFill>
-                <a:latin typeface="Courier New" panose="02070309020205020404" pitchFamily="49" charset="0"/>
-                <a:ea typeface="Times New Roman" panose="02020603050405020304" pitchFamily="18" charset="0"/>
-              </a:rPr>
-              <a:t>    </a:t>
-            </a:r>
-            <a:r>
-              <a:rPr lang="en-US" sz="1400" b="1" dirty="0">
-                <a:solidFill>
-                  <a:srgbClr val="000080"/>
-                </a:solidFill>
-                <a:latin typeface="Courier New" panose="02070309020205020404" pitchFamily="49" charset="0"/>
-                <a:ea typeface="Times New Roman" panose="02020603050405020304" pitchFamily="18" charset="0"/>
-              </a:rPr>
-              <a:t>constructor</a:t>
-            </a:r>
-            <a:r>
-              <a:rPr lang="en-US" sz="1400" dirty="0">
-                <a:solidFill>
-                  <a:srgbClr val="000000"/>
-                </a:solidFill>
-                <a:latin typeface="Courier New" panose="02070309020205020404" pitchFamily="49" charset="0"/>
-                <a:ea typeface="Times New Roman" panose="02020603050405020304" pitchFamily="18" charset="0"/>
-              </a:rPr>
-              <a:t>(@Inject(</a:t>
-            </a:r>
-            <a:r>
-              <a:rPr lang="en-US" sz="1400" dirty="0">
-                <a:solidFill>
-                  <a:srgbClr val="458383"/>
-                </a:solidFill>
-                <a:latin typeface="Courier New" panose="02070309020205020404" pitchFamily="49" charset="0"/>
-                <a:ea typeface="Times New Roman" panose="02020603050405020304" pitchFamily="18" charset="0"/>
-              </a:rPr>
-              <a:t>PLATFORM_ID</a:t>
-            </a:r>
-            <a:r>
-              <a:rPr lang="en-US" sz="1400" dirty="0">
-                <a:solidFill>
-                  <a:srgbClr val="000000"/>
-                </a:solidFill>
-                <a:latin typeface="Courier New" panose="02070309020205020404" pitchFamily="49" charset="0"/>
-                <a:ea typeface="Times New Roman" panose="02020603050405020304" pitchFamily="18" charset="0"/>
-              </a:rPr>
-              <a:t>) </a:t>
-            </a:r>
-            <a:r>
-              <a:rPr lang="en-US" sz="1400" b="1" dirty="0">
-                <a:solidFill>
-                  <a:srgbClr val="000080"/>
-                </a:solidFill>
-                <a:latin typeface="Courier New" panose="02070309020205020404" pitchFamily="49" charset="0"/>
-                <a:ea typeface="Times New Roman" panose="02020603050405020304" pitchFamily="18" charset="0"/>
-              </a:rPr>
-              <a:t>private </a:t>
-            </a:r>
-            <a:r>
-              <a:rPr lang="en-US" sz="1400" dirty="0" err="1">
-                <a:solidFill>
-                  <a:srgbClr val="000000"/>
-                </a:solidFill>
-                <a:latin typeface="Courier New" panose="02070309020205020404" pitchFamily="49" charset="0"/>
-                <a:ea typeface="Times New Roman" panose="02020603050405020304" pitchFamily="18" charset="0"/>
-              </a:rPr>
-              <a:t>platformId</a:t>
-            </a:r>
-            <a:r>
-              <a:rPr lang="en-US" sz="1400" dirty="0">
-                <a:solidFill>
-                  <a:srgbClr val="000000"/>
-                </a:solidFill>
-                <a:latin typeface="Courier New" panose="02070309020205020404" pitchFamily="49" charset="0"/>
-                <a:ea typeface="Times New Roman" panose="02020603050405020304" pitchFamily="18" charset="0"/>
-              </a:rPr>
-              <a:t>) {</a:t>
-            </a:r>
-            <a:br>
-              <a:rPr lang="en-US" sz="1400" dirty="0">
-                <a:solidFill>
-                  <a:srgbClr val="000000"/>
-                </a:solidFill>
-                <a:latin typeface="Courier New" panose="02070309020205020404" pitchFamily="49" charset="0"/>
-                <a:ea typeface="Times New Roman" panose="02020603050405020304" pitchFamily="18" charset="0"/>
-              </a:rPr>
-            </a:br>
-            <a:r>
-              <a:rPr lang="en-US" sz="1400" dirty="0">
-                <a:solidFill>
-                  <a:srgbClr val="000000"/>
-                </a:solidFill>
-                <a:latin typeface="Courier New" panose="02070309020205020404" pitchFamily="49" charset="0"/>
-                <a:ea typeface="Times New Roman" panose="02020603050405020304" pitchFamily="18" charset="0"/>
-              </a:rPr>
-              <a:t>        </a:t>
-            </a:r>
-            <a:r>
-              <a:rPr lang="en-US" sz="1400" b="1" dirty="0">
-                <a:solidFill>
-                  <a:srgbClr val="000080"/>
-                </a:solidFill>
-                <a:latin typeface="Courier New" panose="02070309020205020404" pitchFamily="49" charset="0"/>
-                <a:ea typeface="Times New Roman" panose="02020603050405020304" pitchFamily="18" charset="0"/>
-              </a:rPr>
-              <a:t>if</a:t>
-            </a:r>
-            <a:r>
-              <a:rPr lang="en-US" sz="1400" dirty="0">
-                <a:solidFill>
-                  <a:srgbClr val="000000"/>
-                </a:solidFill>
-                <a:latin typeface="Courier New" panose="02070309020205020404" pitchFamily="49" charset="0"/>
-                <a:ea typeface="Times New Roman" panose="02020603050405020304" pitchFamily="18" charset="0"/>
-              </a:rPr>
-              <a:t>(</a:t>
-            </a:r>
-            <a:r>
-              <a:rPr lang="en-US" sz="1400" i="1" dirty="0" err="1">
-                <a:solidFill>
-                  <a:srgbClr val="000000"/>
-                </a:solidFill>
-                <a:latin typeface="Courier New" panose="02070309020205020404" pitchFamily="49" charset="0"/>
-                <a:ea typeface="Times New Roman" panose="02020603050405020304" pitchFamily="18" charset="0"/>
-              </a:rPr>
-              <a:t>isPlatformBrowser</a:t>
-            </a:r>
-            <a:r>
-              <a:rPr lang="en-US" sz="1400" dirty="0">
-                <a:solidFill>
-                  <a:srgbClr val="000000"/>
-                </a:solidFill>
-                <a:latin typeface="Courier New" panose="02070309020205020404" pitchFamily="49" charset="0"/>
-                <a:ea typeface="Times New Roman" panose="02020603050405020304" pitchFamily="18" charset="0"/>
-              </a:rPr>
-              <a:t>(</a:t>
-            </a:r>
-            <a:r>
-              <a:rPr lang="en-US" sz="1400" b="1" dirty="0" err="1">
-                <a:solidFill>
-                  <a:srgbClr val="000080"/>
-                </a:solidFill>
-                <a:latin typeface="Courier New" panose="02070309020205020404" pitchFamily="49" charset="0"/>
-                <a:ea typeface="Times New Roman" panose="02020603050405020304" pitchFamily="18" charset="0"/>
-              </a:rPr>
-              <a:t>this</a:t>
-            </a:r>
-            <a:r>
-              <a:rPr lang="en-US" sz="1400" dirty="0" err="1">
-                <a:solidFill>
-                  <a:srgbClr val="000000"/>
-                </a:solidFill>
-                <a:latin typeface="Courier New" panose="02070309020205020404" pitchFamily="49" charset="0"/>
-                <a:ea typeface="Times New Roman" panose="02020603050405020304" pitchFamily="18" charset="0"/>
-              </a:rPr>
-              <a:t>.platformId</a:t>
-            </a:r>
-            <a:r>
-              <a:rPr lang="en-US" sz="1400" dirty="0">
-                <a:solidFill>
-                  <a:srgbClr val="000000"/>
-                </a:solidFill>
-                <a:latin typeface="Courier New" panose="02070309020205020404" pitchFamily="49" charset="0"/>
-                <a:ea typeface="Times New Roman" panose="02020603050405020304" pitchFamily="18" charset="0"/>
-              </a:rPr>
-              <a:t>)) {</a:t>
-            </a:r>
-            <a:br>
-              <a:rPr lang="en-US" sz="1400" dirty="0">
-                <a:solidFill>
-                  <a:srgbClr val="000000"/>
-                </a:solidFill>
-                <a:latin typeface="Courier New" panose="02070309020205020404" pitchFamily="49" charset="0"/>
-                <a:ea typeface="Times New Roman" panose="02020603050405020304" pitchFamily="18" charset="0"/>
-              </a:rPr>
-            </a:br>
-            <a:r>
-              <a:rPr lang="en-US" sz="1400" dirty="0">
-                <a:solidFill>
-                  <a:srgbClr val="000000"/>
-                </a:solidFill>
-                <a:latin typeface="Courier New" panose="02070309020205020404" pitchFamily="49" charset="0"/>
-                <a:ea typeface="Times New Roman" panose="02020603050405020304" pitchFamily="18" charset="0"/>
-              </a:rPr>
-              <a:t>            </a:t>
-            </a:r>
-            <a:r>
-              <a:rPr lang="en-US" sz="1400" b="1" i="1" dirty="0">
-                <a:solidFill>
-                  <a:srgbClr val="660E7A"/>
-                </a:solidFill>
-                <a:latin typeface="Courier New" panose="02070309020205020404" pitchFamily="49" charset="0"/>
-                <a:ea typeface="Times New Roman" panose="02020603050405020304" pitchFamily="18" charset="0"/>
-              </a:rPr>
-              <a:t>console</a:t>
-            </a:r>
-            <a:r>
-              <a:rPr lang="en-US" sz="1400" dirty="0">
-                <a:solidFill>
-                  <a:srgbClr val="000000"/>
-                </a:solidFill>
-                <a:latin typeface="Courier New" panose="02070309020205020404" pitchFamily="49" charset="0"/>
-                <a:ea typeface="Times New Roman" panose="02020603050405020304" pitchFamily="18" charset="0"/>
-              </a:rPr>
-              <a:t>.</a:t>
-            </a:r>
-            <a:r>
-              <a:rPr lang="en-US" sz="1400" dirty="0">
-                <a:solidFill>
-                  <a:srgbClr val="7A7A43"/>
-                </a:solidFill>
-                <a:latin typeface="Courier New" panose="02070309020205020404" pitchFamily="49" charset="0"/>
-                <a:ea typeface="Times New Roman" panose="02020603050405020304" pitchFamily="18" charset="0"/>
-              </a:rPr>
-              <a:t>log</a:t>
-            </a:r>
-            <a:r>
-              <a:rPr lang="en-US" sz="1400" dirty="0">
-                <a:solidFill>
-                  <a:srgbClr val="000000"/>
-                </a:solidFill>
-                <a:latin typeface="Courier New" panose="02070309020205020404" pitchFamily="49" charset="0"/>
-                <a:ea typeface="Times New Roman" panose="02020603050405020304" pitchFamily="18" charset="0"/>
-              </a:rPr>
-              <a:t>(</a:t>
-            </a:r>
-            <a:r>
-              <a:rPr lang="en-US" sz="1400" b="1" dirty="0">
-                <a:solidFill>
-                  <a:srgbClr val="008000"/>
-                </a:solidFill>
-                <a:latin typeface="Courier New" panose="02070309020205020404" pitchFamily="49" charset="0"/>
-                <a:ea typeface="Times New Roman" panose="02020603050405020304" pitchFamily="18" charset="0"/>
-              </a:rPr>
-              <a:t>"Running under browser"</a:t>
-            </a:r>
-            <a:r>
-              <a:rPr lang="en-US" sz="1400" dirty="0">
-                <a:solidFill>
-                  <a:srgbClr val="000000"/>
-                </a:solidFill>
-                <a:latin typeface="Courier New" panose="02070309020205020404" pitchFamily="49" charset="0"/>
-                <a:ea typeface="Times New Roman" panose="02020603050405020304" pitchFamily="18" charset="0"/>
-              </a:rPr>
-              <a:t>);</a:t>
-            </a:r>
-            <a:br>
-              <a:rPr lang="en-US" sz="1400" dirty="0">
-                <a:solidFill>
-                  <a:srgbClr val="000000"/>
-                </a:solidFill>
-                <a:latin typeface="Courier New" panose="02070309020205020404" pitchFamily="49" charset="0"/>
-                <a:ea typeface="Times New Roman" panose="02020603050405020304" pitchFamily="18" charset="0"/>
-              </a:rPr>
-            </a:br>
-            <a:r>
-              <a:rPr lang="en-US" sz="1400" dirty="0">
-                <a:solidFill>
-                  <a:srgbClr val="000000"/>
-                </a:solidFill>
-                <a:latin typeface="Courier New" panose="02070309020205020404" pitchFamily="49" charset="0"/>
-                <a:ea typeface="Times New Roman" panose="02020603050405020304" pitchFamily="18" charset="0"/>
-              </a:rPr>
-              <a:t>        }</a:t>
-            </a:r>
-            <a:br>
-              <a:rPr lang="en-US" sz="1400" dirty="0">
-                <a:solidFill>
-                  <a:srgbClr val="000000"/>
-                </a:solidFill>
-                <a:latin typeface="Courier New" panose="02070309020205020404" pitchFamily="49" charset="0"/>
-                <a:ea typeface="Times New Roman" panose="02020603050405020304" pitchFamily="18" charset="0"/>
-              </a:rPr>
-            </a:br>
-            <a:r>
-              <a:rPr lang="en-US" sz="1400" dirty="0">
-                <a:solidFill>
-                  <a:srgbClr val="000000"/>
-                </a:solidFill>
-                <a:latin typeface="Courier New" panose="02070309020205020404" pitchFamily="49" charset="0"/>
-                <a:ea typeface="Times New Roman" panose="02020603050405020304" pitchFamily="18" charset="0"/>
-              </a:rPr>
-              <a:t>    }</a:t>
-            </a:r>
-            <a:br>
-              <a:rPr lang="en-US" sz="1400" dirty="0">
-                <a:solidFill>
-                  <a:srgbClr val="000000"/>
-                </a:solidFill>
-                <a:latin typeface="Courier New" panose="02070309020205020404" pitchFamily="49" charset="0"/>
-                <a:ea typeface="Times New Roman" panose="02020603050405020304" pitchFamily="18" charset="0"/>
-              </a:rPr>
-            </a:br>
-            <a:r>
-              <a:rPr lang="en-US" sz="1400" dirty="0">
-                <a:solidFill>
-                  <a:srgbClr val="000000"/>
-                </a:solidFill>
-                <a:latin typeface="Courier New" panose="02070309020205020404" pitchFamily="49" charset="0"/>
-                <a:ea typeface="Times New Roman" panose="02020603050405020304" pitchFamily="18" charset="0"/>
-              </a:rPr>
-              <a:t>}</a:t>
-            </a:r>
-            <a:endParaRPr lang="he-IL" sz="1400" dirty="0"/>
-          </a:p>
-        </p:txBody>
-      </p:sp>
-    </p:spTree>
-    <p:extLst>
-      <p:ext uri="{BB962C8B-B14F-4D97-AF65-F5344CB8AC3E}">
-        <p14:creationId xmlns:p14="http://schemas.microsoft.com/office/powerpoint/2010/main" val="32415677"/>
-      </p:ext>
-    </p:extLst>
-  </p:cSld>
-  <p:clrMapOvr>
-    <a:masterClrMapping/>
-  </p:clrMapOvr>
-</p:sld>
-</file>
-
 <file path=ppt/slides/slide42.xml><?xml version="1.0" encoding="utf-8"?>
 <p:sld xmlns:a="http://schemas.openxmlformats.org/drawingml/2006/main" xmlns:r="http://schemas.openxmlformats.org/officeDocument/2006/relationships" xmlns:p="http://schemas.openxmlformats.org/presentationml/2006/main">
   <p:cSld>
@@ -30800,9 +30713,8 @@
           <a:p>
             <a:r>
               <a:rPr lang="en-US" dirty="0"/>
-              <a:t>Accessing Child Component</a:t>
-            </a:r>
-            <a:endParaRPr lang="he-IL" dirty="0"/>
+              <a:t>Accessing the DOM</a:t>
+            </a:r>
           </a:p>
         </p:txBody>
       </p:sp>
@@ -30850,6 +30762,529 @@
               <a:rPr lang="en-US" smtClean="0"/>
               <a:pPr/>
               <a:t>42</a:t>
+            </a:fld>
+            <a:endParaRPr lang="en-US"/>
+          </a:p>
+        </p:txBody>
+      </p:sp>
+      <p:sp>
+        <p:nvSpPr>
+          <p:cNvPr id="5" name="Content Placeholder 4"/>
+          <p:cNvSpPr>
+            <a:spLocks noGrp="1"/>
+          </p:cNvSpPr>
+          <p:nvPr>
+            <p:ph sz="quarter" idx="1"/>
+          </p:nvPr>
+        </p:nvSpPr>
+        <p:spPr/>
+        <p:txBody>
+          <a:bodyPr/>
+          <a:lstStyle/>
+          <a:p>
+            <a:r>
+              <a:rPr lang="en-US" dirty="0"/>
+              <a:t>Angular can be executed under NodeJS or under web worker</a:t>
+            </a:r>
+          </a:p>
+          <a:p>
+            <a:r>
+              <a:rPr lang="en-US" dirty="0"/>
+              <a:t>In that case </a:t>
+            </a:r>
+            <a:r>
+              <a:rPr lang="en-US" dirty="0" err="1">
+                <a:solidFill>
+                  <a:srgbClr val="FF0000"/>
+                </a:solidFill>
+              </a:rPr>
+              <a:t>ElementRef.nativeElement</a:t>
+            </a:r>
+            <a:r>
+              <a:rPr lang="en-US" dirty="0"/>
+              <a:t> is undefined</a:t>
+            </a:r>
+          </a:p>
+          <a:p>
+            <a:r>
+              <a:rPr lang="en-US" dirty="0"/>
+              <a:t>You should write your code with special care and guard against non browser platforms</a:t>
+            </a:r>
+          </a:p>
+        </p:txBody>
+      </p:sp>
+      <p:sp>
+        <p:nvSpPr>
+          <p:cNvPr id="6" name="Rectangle 5"/>
+          <p:cNvSpPr/>
+          <p:nvPr/>
+        </p:nvSpPr>
+        <p:spPr>
+          <a:xfrm>
+            <a:off x="1507998" y="4495562"/>
+            <a:ext cx="6362700" cy="1600438"/>
+          </a:xfrm>
+          <a:prstGeom prst="rect">
+            <a:avLst/>
+          </a:prstGeom>
+          <a:solidFill>
+            <a:schemeClr val="accent1">
+              <a:lumMod val="40000"/>
+              <a:lumOff val="60000"/>
+            </a:schemeClr>
+          </a:solidFill>
+        </p:spPr>
+        <p:txBody>
+          <a:bodyPr wrap="square">
+            <a:spAutoFit/>
+          </a:bodyPr>
+          <a:lstStyle/>
+          <a:p>
+            <a:r>
+              <a:rPr lang="en-US" sz="1400" b="1" dirty="0">
+                <a:solidFill>
+                  <a:srgbClr val="000080"/>
+                </a:solidFill>
+                <a:latin typeface="Courier New" panose="02070309020205020404" pitchFamily="49" charset="0"/>
+                <a:ea typeface="Times New Roman" panose="02020603050405020304" pitchFamily="18" charset="0"/>
+              </a:rPr>
+              <a:t>export class </a:t>
+            </a:r>
+            <a:r>
+              <a:rPr lang="en-US" sz="1400" dirty="0" err="1">
+                <a:solidFill>
+                  <a:srgbClr val="000000"/>
+                </a:solidFill>
+                <a:latin typeface="Courier New" panose="02070309020205020404" pitchFamily="49" charset="0"/>
+                <a:ea typeface="Times New Roman" panose="02020603050405020304" pitchFamily="18" charset="0"/>
+              </a:rPr>
+              <a:t>AppComponent</a:t>
+            </a:r>
+            <a:r>
+              <a:rPr lang="en-US" sz="1400" dirty="0">
+                <a:solidFill>
+                  <a:srgbClr val="000000"/>
+                </a:solidFill>
+                <a:latin typeface="Courier New" panose="02070309020205020404" pitchFamily="49" charset="0"/>
+                <a:ea typeface="Times New Roman" panose="02020603050405020304" pitchFamily="18" charset="0"/>
+              </a:rPr>
+              <a:t> {</a:t>
+            </a:r>
+            <a:br>
+              <a:rPr lang="en-US" sz="1400" dirty="0">
+                <a:solidFill>
+                  <a:srgbClr val="000000"/>
+                </a:solidFill>
+                <a:latin typeface="Courier New" panose="02070309020205020404" pitchFamily="49" charset="0"/>
+                <a:ea typeface="Times New Roman" panose="02020603050405020304" pitchFamily="18" charset="0"/>
+              </a:rPr>
+            </a:br>
+            <a:r>
+              <a:rPr lang="en-US" sz="1400" dirty="0">
+                <a:solidFill>
+                  <a:srgbClr val="000000"/>
+                </a:solidFill>
+                <a:latin typeface="Courier New" panose="02070309020205020404" pitchFamily="49" charset="0"/>
+                <a:ea typeface="Times New Roman" panose="02020603050405020304" pitchFamily="18" charset="0"/>
+              </a:rPr>
+              <a:t>    </a:t>
+            </a:r>
+            <a:r>
+              <a:rPr lang="en-US" sz="1400" b="1" dirty="0">
+                <a:solidFill>
+                  <a:srgbClr val="000080"/>
+                </a:solidFill>
+                <a:latin typeface="Courier New" panose="02070309020205020404" pitchFamily="49" charset="0"/>
+                <a:ea typeface="Times New Roman" panose="02020603050405020304" pitchFamily="18" charset="0"/>
+              </a:rPr>
+              <a:t>constructor</a:t>
+            </a:r>
+            <a:r>
+              <a:rPr lang="en-US" sz="1400" dirty="0">
+                <a:solidFill>
+                  <a:srgbClr val="000000"/>
+                </a:solidFill>
+                <a:latin typeface="Courier New" panose="02070309020205020404" pitchFamily="49" charset="0"/>
+                <a:ea typeface="Times New Roman" panose="02020603050405020304" pitchFamily="18" charset="0"/>
+              </a:rPr>
+              <a:t>(@Inject(</a:t>
+            </a:r>
+            <a:r>
+              <a:rPr lang="en-US" sz="1400" dirty="0">
+                <a:solidFill>
+                  <a:srgbClr val="458383"/>
+                </a:solidFill>
+                <a:latin typeface="Courier New" panose="02070309020205020404" pitchFamily="49" charset="0"/>
+                <a:ea typeface="Times New Roman" panose="02020603050405020304" pitchFamily="18" charset="0"/>
+              </a:rPr>
+              <a:t>PLATFORM_ID</a:t>
+            </a:r>
+            <a:r>
+              <a:rPr lang="en-US" sz="1400" dirty="0">
+                <a:solidFill>
+                  <a:srgbClr val="000000"/>
+                </a:solidFill>
+                <a:latin typeface="Courier New" panose="02070309020205020404" pitchFamily="49" charset="0"/>
+                <a:ea typeface="Times New Roman" panose="02020603050405020304" pitchFamily="18" charset="0"/>
+              </a:rPr>
+              <a:t>) </a:t>
+            </a:r>
+            <a:r>
+              <a:rPr lang="en-US" sz="1400" b="1" dirty="0">
+                <a:solidFill>
+                  <a:srgbClr val="000080"/>
+                </a:solidFill>
+                <a:latin typeface="Courier New" panose="02070309020205020404" pitchFamily="49" charset="0"/>
+                <a:ea typeface="Times New Roman" panose="02020603050405020304" pitchFamily="18" charset="0"/>
+              </a:rPr>
+              <a:t>private </a:t>
+            </a:r>
+            <a:r>
+              <a:rPr lang="en-US" sz="1400" dirty="0" err="1">
+                <a:solidFill>
+                  <a:srgbClr val="000000"/>
+                </a:solidFill>
+                <a:latin typeface="Courier New" panose="02070309020205020404" pitchFamily="49" charset="0"/>
+                <a:ea typeface="Times New Roman" panose="02020603050405020304" pitchFamily="18" charset="0"/>
+              </a:rPr>
+              <a:t>platformId</a:t>
+            </a:r>
+            <a:r>
+              <a:rPr lang="en-US" sz="1400" dirty="0">
+                <a:solidFill>
+                  <a:srgbClr val="000000"/>
+                </a:solidFill>
+                <a:latin typeface="Courier New" panose="02070309020205020404" pitchFamily="49" charset="0"/>
+                <a:ea typeface="Times New Roman" panose="02020603050405020304" pitchFamily="18" charset="0"/>
+              </a:rPr>
+              <a:t>) {</a:t>
+            </a:r>
+            <a:br>
+              <a:rPr lang="en-US" sz="1400" dirty="0">
+                <a:solidFill>
+                  <a:srgbClr val="000000"/>
+                </a:solidFill>
+                <a:latin typeface="Courier New" panose="02070309020205020404" pitchFamily="49" charset="0"/>
+                <a:ea typeface="Times New Roman" panose="02020603050405020304" pitchFamily="18" charset="0"/>
+              </a:rPr>
+            </a:br>
+            <a:r>
+              <a:rPr lang="en-US" sz="1400" dirty="0">
+                <a:solidFill>
+                  <a:srgbClr val="000000"/>
+                </a:solidFill>
+                <a:latin typeface="Courier New" panose="02070309020205020404" pitchFamily="49" charset="0"/>
+                <a:ea typeface="Times New Roman" panose="02020603050405020304" pitchFamily="18" charset="0"/>
+              </a:rPr>
+              <a:t>        </a:t>
+            </a:r>
+            <a:r>
+              <a:rPr lang="en-US" sz="1400" b="1" dirty="0">
+                <a:solidFill>
+                  <a:srgbClr val="000080"/>
+                </a:solidFill>
+                <a:latin typeface="Courier New" panose="02070309020205020404" pitchFamily="49" charset="0"/>
+                <a:ea typeface="Times New Roman" panose="02020603050405020304" pitchFamily="18" charset="0"/>
+              </a:rPr>
+              <a:t>if</a:t>
+            </a:r>
+            <a:r>
+              <a:rPr lang="en-US" sz="1400" dirty="0">
+                <a:solidFill>
+                  <a:srgbClr val="000000"/>
+                </a:solidFill>
+                <a:latin typeface="Courier New" panose="02070309020205020404" pitchFamily="49" charset="0"/>
+                <a:ea typeface="Times New Roman" panose="02020603050405020304" pitchFamily="18" charset="0"/>
+              </a:rPr>
+              <a:t>(</a:t>
+            </a:r>
+            <a:r>
+              <a:rPr lang="en-US" sz="1400" i="1" dirty="0" err="1">
+                <a:solidFill>
+                  <a:srgbClr val="000000"/>
+                </a:solidFill>
+                <a:latin typeface="Courier New" panose="02070309020205020404" pitchFamily="49" charset="0"/>
+                <a:ea typeface="Times New Roman" panose="02020603050405020304" pitchFamily="18" charset="0"/>
+              </a:rPr>
+              <a:t>isPlatformBrowser</a:t>
+            </a:r>
+            <a:r>
+              <a:rPr lang="en-US" sz="1400" dirty="0">
+                <a:solidFill>
+                  <a:srgbClr val="000000"/>
+                </a:solidFill>
+                <a:latin typeface="Courier New" panose="02070309020205020404" pitchFamily="49" charset="0"/>
+                <a:ea typeface="Times New Roman" panose="02020603050405020304" pitchFamily="18" charset="0"/>
+              </a:rPr>
+              <a:t>(</a:t>
+            </a:r>
+            <a:r>
+              <a:rPr lang="en-US" sz="1400" b="1" dirty="0" err="1">
+                <a:solidFill>
+                  <a:srgbClr val="000080"/>
+                </a:solidFill>
+                <a:latin typeface="Courier New" panose="02070309020205020404" pitchFamily="49" charset="0"/>
+                <a:ea typeface="Times New Roman" panose="02020603050405020304" pitchFamily="18" charset="0"/>
+              </a:rPr>
+              <a:t>this</a:t>
+            </a:r>
+            <a:r>
+              <a:rPr lang="en-US" sz="1400" dirty="0" err="1">
+                <a:solidFill>
+                  <a:srgbClr val="000000"/>
+                </a:solidFill>
+                <a:latin typeface="Courier New" panose="02070309020205020404" pitchFamily="49" charset="0"/>
+                <a:ea typeface="Times New Roman" panose="02020603050405020304" pitchFamily="18" charset="0"/>
+              </a:rPr>
+              <a:t>.platformId</a:t>
+            </a:r>
+            <a:r>
+              <a:rPr lang="en-US" sz="1400" dirty="0">
+                <a:solidFill>
+                  <a:srgbClr val="000000"/>
+                </a:solidFill>
+                <a:latin typeface="Courier New" panose="02070309020205020404" pitchFamily="49" charset="0"/>
+                <a:ea typeface="Times New Roman" panose="02020603050405020304" pitchFamily="18" charset="0"/>
+              </a:rPr>
+              <a:t>)) {</a:t>
+            </a:r>
+            <a:br>
+              <a:rPr lang="en-US" sz="1400" dirty="0">
+                <a:solidFill>
+                  <a:srgbClr val="000000"/>
+                </a:solidFill>
+                <a:latin typeface="Courier New" panose="02070309020205020404" pitchFamily="49" charset="0"/>
+                <a:ea typeface="Times New Roman" panose="02020603050405020304" pitchFamily="18" charset="0"/>
+              </a:rPr>
+            </a:br>
+            <a:r>
+              <a:rPr lang="en-US" sz="1400" dirty="0">
+                <a:solidFill>
+                  <a:srgbClr val="000000"/>
+                </a:solidFill>
+                <a:latin typeface="Courier New" panose="02070309020205020404" pitchFamily="49" charset="0"/>
+                <a:ea typeface="Times New Roman" panose="02020603050405020304" pitchFamily="18" charset="0"/>
+              </a:rPr>
+              <a:t>            </a:t>
+            </a:r>
+            <a:r>
+              <a:rPr lang="en-US" sz="1400" b="1" i="1" dirty="0">
+                <a:solidFill>
+                  <a:srgbClr val="660E7A"/>
+                </a:solidFill>
+                <a:latin typeface="Courier New" panose="02070309020205020404" pitchFamily="49" charset="0"/>
+                <a:ea typeface="Times New Roman" panose="02020603050405020304" pitchFamily="18" charset="0"/>
+              </a:rPr>
+              <a:t>console</a:t>
+            </a:r>
+            <a:r>
+              <a:rPr lang="en-US" sz="1400" dirty="0">
+                <a:solidFill>
+                  <a:srgbClr val="000000"/>
+                </a:solidFill>
+                <a:latin typeface="Courier New" panose="02070309020205020404" pitchFamily="49" charset="0"/>
+                <a:ea typeface="Times New Roman" panose="02020603050405020304" pitchFamily="18" charset="0"/>
+              </a:rPr>
+              <a:t>.</a:t>
+            </a:r>
+            <a:r>
+              <a:rPr lang="en-US" sz="1400" dirty="0">
+                <a:solidFill>
+                  <a:srgbClr val="7A7A43"/>
+                </a:solidFill>
+                <a:latin typeface="Courier New" panose="02070309020205020404" pitchFamily="49" charset="0"/>
+                <a:ea typeface="Times New Roman" panose="02020603050405020304" pitchFamily="18" charset="0"/>
+              </a:rPr>
+              <a:t>log</a:t>
+            </a:r>
+            <a:r>
+              <a:rPr lang="en-US" sz="1400" dirty="0">
+                <a:solidFill>
+                  <a:srgbClr val="000000"/>
+                </a:solidFill>
+                <a:latin typeface="Courier New" panose="02070309020205020404" pitchFamily="49" charset="0"/>
+                <a:ea typeface="Times New Roman" panose="02020603050405020304" pitchFamily="18" charset="0"/>
+              </a:rPr>
+              <a:t>(</a:t>
+            </a:r>
+            <a:r>
+              <a:rPr lang="en-US" sz="1400" b="1" dirty="0">
+                <a:solidFill>
+                  <a:srgbClr val="008000"/>
+                </a:solidFill>
+                <a:latin typeface="Courier New" panose="02070309020205020404" pitchFamily="49" charset="0"/>
+                <a:ea typeface="Times New Roman" panose="02020603050405020304" pitchFamily="18" charset="0"/>
+              </a:rPr>
+              <a:t>"Running under browser"</a:t>
+            </a:r>
+            <a:r>
+              <a:rPr lang="en-US" sz="1400" dirty="0">
+                <a:solidFill>
+                  <a:srgbClr val="000000"/>
+                </a:solidFill>
+                <a:latin typeface="Courier New" panose="02070309020205020404" pitchFamily="49" charset="0"/>
+                <a:ea typeface="Times New Roman" panose="02020603050405020304" pitchFamily="18" charset="0"/>
+              </a:rPr>
+              <a:t>);</a:t>
+            </a:r>
+            <a:br>
+              <a:rPr lang="en-US" sz="1400" dirty="0">
+                <a:solidFill>
+                  <a:srgbClr val="000000"/>
+                </a:solidFill>
+                <a:latin typeface="Courier New" panose="02070309020205020404" pitchFamily="49" charset="0"/>
+                <a:ea typeface="Times New Roman" panose="02020603050405020304" pitchFamily="18" charset="0"/>
+              </a:rPr>
+            </a:br>
+            <a:r>
+              <a:rPr lang="en-US" sz="1400" dirty="0">
+                <a:solidFill>
+                  <a:srgbClr val="000000"/>
+                </a:solidFill>
+                <a:latin typeface="Courier New" panose="02070309020205020404" pitchFamily="49" charset="0"/>
+                <a:ea typeface="Times New Roman" panose="02020603050405020304" pitchFamily="18" charset="0"/>
+              </a:rPr>
+              <a:t>        }</a:t>
+            </a:r>
+            <a:br>
+              <a:rPr lang="en-US" sz="1400" dirty="0">
+                <a:solidFill>
+                  <a:srgbClr val="000000"/>
+                </a:solidFill>
+                <a:latin typeface="Courier New" panose="02070309020205020404" pitchFamily="49" charset="0"/>
+                <a:ea typeface="Times New Roman" panose="02020603050405020304" pitchFamily="18" charset="0"/>
+              </a:rPr>
+            </a:br>
+            <a:r>
+              <a:rPr lang="en-US" sz="1400" dirty="0">
+                <a:solidFill>
+                  <a:srgbClr val="000000"/>
+                </a:solidFill>
+                <a:latin typeface="Courier New" panose="02070309020205020404" pitchFamily="49" charset="0"/>
+                <a:ea typeface="Times New Roman" panose="02020603050405020304" pitchFamily="18" charset="0"/>
+              </a:rPr>
+              <a:t>    }</a:t>
+            </a:r>
+            <a:br>
+              <a:rPr lang="en-US" sz="1400" dirty="0">
+                <a:solidFill>
+                  <a:srgbClr val="000000"/>
+                </a:solidFill>
+                <a:latin typeface="Courier New" panose="02070309020205020404" pitchFamily="49" charset="0"/>
+                <a:ea typeface="Times New Roman" panose="02020603050405020304" pitchFamily="18" charset="0"/>
+              </a:rPr>
+            </a:br>
+            <a:r>
+              <a:rPr lang="en-US" sz="1400" dirty="0">
+                <a:solidFill>
+                  <a:srgbClr val="000000"/>
+                </a:solidFill>
+                <a:latin typeface="Courier New" panose="02070309020205020404" pitchFamily="49" charset="0"/>
+                <a:ea typeface="Times New Roman" panose="02020603050405020304" pitchFamily="18" charset="0"/>
+              </a:rPr>
+              <a:t>}</a:t>
+            </a:r>
+            <a:endParaRPr lang="he-IL" sz="1400" dirty="0"/>
+          </a:p>
+        </p:txBody>
+      </p:sp>
+    </p:spTree>
+    <p:extLst>
+      <p:ext uri="{BB962C8B-B14F-4D97-AF65-F5344CB8AC3E}">
+        <p14:creationId xmlns:p14="http://schemas.microsoft.com/office/powerpoint/2010/main" val="32415677"/>
+      </p:ext>
+    </p:extLst>
+  </p:cSld>
+  <p:clrMapOvr>
+    <a:masterClrMapping/>
+  </p:clrMapOvr>
+</p:sld>
+</file>
+
+<file path=ppt/slides/slide43.xml><?xml version="1.0" encoding="utf-8"?>
+<p:sld xmlns:a="http://schemas.openxmlformats.org/drawingml/2006/main" xmlns:r="http://schemas.openxmlformats.org/officeDocument/2006/relationships" xmlns:p="http://schemas.openxmlformats.org/presentationml/2006/main">
+  <p:cSld>
+    <p:spTree>
+      <p:nvGrpSpPr>
+        <p:cNvPr id="1" name=""/>
+        <p:cNvGrpSpPr/>
+        <p:nvPr/>
+      </p:nvGrpSpPr>
+      <p:grpSpPr>
+        <a:xfrm>
+          <a:off x="0" y="0"/>
+          <a:ext cx="0" cy="0"/>
+          <a:chOff x="0" y="0"/>
+          <a:chExt cx="0" cy="0"/>
+        </a:xfrm>
+      </p:grpSpPr>
+      <p:sp>
+        <p:nvSpPr>
+          <p:cNvPr id="2" name="Title 1"/>
+          <p:cNvSpPr>
+            <a:spLocks noGrp="1"/>
+          </p:cNvSpPr>
+          <p:nvPr>
+            <p:ph type="title"/>
+          </p:nvPr>
+        </p:nvSpPr>
+        <p:spPr/>
+        <p:txBody>
+          <a:bodyPr/>
+          <a:lstStyle/>
+          <a:p>
+            <a:r>
+              <a:rPr lang="en-US" dirty="0"/>
+              <a:t>Accessing Child Component</a:t>
+            </a:r>
+            <a:endParaRPr lang="he-IL" dirty="0"/>
+          </a:p>
+        </p:txBody>
+      </p:sp>
+      <p:sp>
+        <p:nvSpPr>
+          <p:cNvPr id="3" name="Footer Placeholder 2"/>
+          <p:cNvSpPr>
+            <a:spLocks noGrp="1"/>
+          </p:cNvSpPr>
+          <p:nvPr>
+            <p:ph type="ftr" sz="quarter" idx="11"/>
+          </p:nvPr>
+        </p:nvSpPr>
+        <p:spPr/>
+        <p:txBody>
+          <a:bodyPr/>
+          <a:lstStyle/>
+          <a:p>
+            <a:r>
+              <a:rPr lang="en-US"/>
+              <a:t>© 2016 Ori Calvo</a:t>
+            </a:r>
+            <a:endParaRPr lang="en-US" dirty="0"/>
+          </a:p>
+        </p:txBody>
+      </p:sp>
+      <p:sp>
+        <p:nvSpPr>
+          <p:cNvPr id="4" name="Slide Number Placeholder 3"/>
+          <p:cNvSpPr>
+            <a:spLocks noGrp="1"/>
+          </p:cNvSpPr>
+          <p:nvPr>
+            <p:ph type="sldNum" sz="quarter" idx="12"/>
+          </p:nvPr>
+        </p:nvSpPr>
+        <p:spPr/>
+        <p:txBody>
+          <a:bodyPr>
+            <a:normAutofit fontScale="85000" lnSpcReduction="20000"/>
+          </a:bodyPr>
+          <a:lstStyle/>
+          <a:p>
+            <a:fld id="{6EDEC3BC-0694-4586-AE63-02B4D54ABF43}" type="slidenum">
+              <a:rPr lang="en-US" smtClean="0"/>
+              <a:pPr/>
+              <a:t>43</a:t>
             </a:fld>
             <a:endParaRPr lang="en-US"/>
           </a:p>
@@ -32054,932 +32489,6 @@
 </p:sld>
 </file>
 
-<file path=ppt/slides/slide43.xml><?xml version="1.0" encoding="utf-8"?>
-<p:sld xmlns:a="http://schemas.openxmlformats.org/drawingml/2006/main" xmlns:r="http://schemas.openxmlformats.org/officeDocument/2006/relationships" xmlns:p="http://schemas.openxmlformats.org/presentationml/2006/main">
-  <p:cSld>
-    <p:spTree>
-      <p:nvGrpSpPr>
-        <p:cNvPr id="1" name=""/>
-        <p:cNvGrpSpPr/>
-        <p:nvPr/>
-      </p:nvGrpSpPr>
-      <p:grpSpPr>
-        <a:xfrm>
-          <a:off x="0" y="0"/>
-          <a:ext cx="0" cy="0"/>
-          <a:chOff x="0" y="0"/>
-          <a:chExt cx="0" cy="0"/>
-        </a:xfrm>
-      </p:grpSpPr>
-      <p:sp>
-        <p:nvSpPr>
-          <p:cNvPr id="2" name="Title 1"/>
-          <p:cNvSpPr>
-            <a:spLocks noGrp="1"/>
-          </p:cNvSpPr>
-          <p:nvPr>
-            <p:ph type="title"/>
-          </p:nvPr>
-        </p:nvSpPr>
-        <p:spPr/>
-        <p:txBody>
-          <a:bodyPr/>
-          <a:lstStyle/>
-          <a:p>
-            <a:r>
-              <a:rPr lang="en-US" dirty="0"/>
-              <a:t>Accessing Child Component</a:t>
-            </a:r>
-            <a:endParaRPr lang="he-IL" dirty="0"/>
-          </a:p>
-        </p:txBody>
-      </p:sp>
-      <p:sp>
-        <p:nvSpPr>
-          <p:cNvPr id="3" name="Footer Placeholder 2"/>
-          <p:cNvSpPr>
-            <a:spLocks noGrp="1"/>
-          </p:cNvSpPr>
-          <p:nvPr>
-            <p:ph type="ftr" sz="quarter" idx="11"/>
-          </p:nvPr>
-        </p:nvSpPr>
-        <p:spPr/>
-        <p:txBody>
-          <a:bodyPr/>
-          <a:lstStyle/>
-          <a:p>
-            <a:r>
-              <a:rPr lang="en-US"/>
-              <a:t>© 2016 Ori Calvo</a:t>
-            </a:r>
-            <a:endParaRPr lang="en-US" dirty="0"/>
-          </a:p>
-        </p:txBody>
-      </p:sp>
-      <p:sp>
-        <p:nvSpPr>
-          <p:cNvPr id="4" name="Slide Number Placeholder 3"/>
-          <p:cNvSpPr>
-            <a:spLocks noGrp="1"/>
-          </p:cNvSpPr>
-          <p:nvPr>
-            <p:ph type="sldNum" sz="quarter" idx="12"/>
-          </p:nvPr>
-        </p:nvSpPr>
-        <p:spPr/>
-        <p:txBody>
-          <a:bodyPr>
-            <a:normAutofit fontScale="85000" lnSpcReduction="20000"/>
-          </a:bodyPr>
-          <a:lstStyle/>
-          <a:p>
-            <a:fld id="{6EDEC3BC-0694-4586-AE63-02B4D54ABF43}" type="slidenum">
-              <a:rPr lang="en-US" smtClean="0"/>
-              <a:pPr/>
-              <a:t>43</a:t>
-            </a:fld>
-            <a:endParaRPr lang="en-US"/>
-          </a:p>
-        </p:txBody>
-      </p:sp>
-      <p:sp>
-        <p:nvSpPr>
-          <p:cNvPr id="5" name="Content Placeholder 4"/>
-          <p:cNvSpPr>
-            <a:spLocks noGrp="1"/>
-          </p:cNvSpPr>
-          <p:nvPr>
-            <p:ph sz="quarter" idx="1"/>
-          </p:nvPr>
-        </p:nvSpPr>
-        <p:spPr/>
-        <p:txBody>
-          <a:bodyPr>
-            <a:normAutofit lnSpcReduction="10000"/>
-          </a:bodyPr>
-          <a:lstStyle/>
-          <a:p>
-            <a:r>
-              <a:rPr lang="en-US" dirty="0"/>
-              <a:t>You may access child component according to its Type</a:t>
-            </a:r>
-          </a:p>
-          <a:p>
-            <a:endParaRPr lang="en-US" dirty="0"/>
-          </a:p>
-          <a:p>
-            <a:endParaRPr lang="en-US" dirty="0"/>
-          </a:p>
-          <a:p>
-            <a:endParaRPr lang="en-US" dirty="0"/>
-          </a:p>
-          <a:p>
-            <a:endParaRPr lang="en-US" dirty="0"/>
-          </a:p>
-          <a:p>
-            <a:endParaRPr lang="en-US" dirty="0"/>
-          </a:p>
-          <a:p>
-            <a:endParaRPr lang="en-US" dirty="0"/>
-          </a:p>
-          <a:p>
-            <a:r>
-              <a:rPr lang="en-US" dirty="0"/>
-              <a:t>Angular also supports </a:t>
-            </a:r>
-            <a:r>
-              <a:rPr lang="en-US" dirty="0">
-                <a:solidFill>
-                  <a:srgbClr val="FF0000"/>
-                </a:solidFill>
-              </a:rPr>
-              <a:t>@</a:t>
-            </a:r>
-            <a:r>
-              <a:rPr lang="en-US" dirty="0" err="1">
-                <a:solidFill>
-                  <a:srgbClr val="FF0000"/>
-                </a:solidFill>
-              </a:rPr>
-              <a:t>ContentChild</a:t>
-            </a:r>
-            <a:endParaRPr lang="he-IL" dirty="0">
-              <a:solidFill>
-                <a:srgbClr val="FF0000"/>
-              </a:solidFill>
-            </a:endParaRPr>
-          </a:p>
-        </p:txBody>
-      </p:sp>
-      <p:sp>
-        <p:nvSpPr>
-          <p:cNvPr id="7" name="Rectangle 6"/>
-          <p:cNvSpPr/>
-          <p:nvPr/>
-        </p:nvSpPr>
-        <p:spPr>
-          <a:xfrm>
-            <a:off x="2403348" y="2420888"/>
-            <a:ext cx="4572000" cy="2677656"/>
-          </a:xfrm>
-          <a:prstGeom prst="rect">
-            <a:avLst/>
-          </a:prstGeom>
-          <a:solidFill>
-            <a:schemeClr val="accent1">
-              <a:lumMod val="40000"/>
-              <a:lumOff val="60000"/>
-            </a:schemeClr>
-          </a:solidFill>
-        </p:spPr>
-        <p:txBody>
-          <a:bodyPr>
-            <a:spAutoFit/>
-          </a:bodyPr>
-          <a:lstStyle/>
-          <a:p>
-            <a:r>
-              <a:rPr lang="en-US" sz="1200" b="1" dirty="0">
-                <a:solidFill>
-                  <a:srgbClr val="000080"/>
-                </a:solidFill>
-                <a:latin typeface="Calibri" panose="020F0502020204030204" pitchFamily="34" charset="0"/>
-                <a:ea typeface="Calibri" panose="020F0502020204030204" pitchFamily="34" charset="0"/>
-                <a:cs typeface="Arial" panose="020B0604020202020204" pitchFamily="34" charset="0"/>
-              </a:rPr>
-              <a:t>export class </a:t>
-            </a:r>
-            <a:r>
-              <a:rPr lang="en-US" sz="1200" dirty="0" err="1">
-                <a:solidFill>
-                  <a:srgbClr val="000000"/>
-                </a:solidFill>
-                <a:latin typeface="Calibri" panose="020F0502020204030204" pitchFamily="34" charset="0"/>
-                <a:ea typeface="Calibri" panose="020F0502020204030204" pitchFamily="34" charset="0"/>
-                <a:cs typeface="Arial" panose="020B0604020202020204" pitchFamily="34" charset="0"/>
-              </a:rPr>
-              <a:t>AppComponent</a:t>
-            </a:r>
-            <a:r>
-              <a:rPr lang="en-US" sz="1200" dirty="0">
-                <a:solidFill>
-                  <a:srgbClr val="000000"/>
-                </a:solidFill>
-                <a:latin typeface="Calibri" panose="020F0502020204030204" pitchFamily="34" charset="0"/>
-                <a:ea typeface="Calibri" panose="020F0502020204030204" pitchFamily="34" charset="0"/>
-                <a:cs typeface="Arial" panose="020B0604020202020204" pitchFamily="34" charset="0"/>
-              </a:rPr>
-              <a:t> {</a:t>
-            </a:r>
-            <a:br>
-              <a:rPr lang="en-US" sz="1200" dirty="0">
-                <a:solidFill>
-                  <a:srgbClr val="000000"/>
-                </a:solidFill>
-                <a:latin typeface="Calibri" panose="020F0502020204030204" pitchFamily="34" charset="0"/>
-                <a:ea typeface="Calibri" panose="020F0502020204030204" pitchFamily="34" charset="0"/>
-                <a:cs typeface="Arial" panose="020B0604020202020204" pitchFamily="34" charset="0"/>
-              </a:rPr>
-            </a:br>
-            <a:r>
-              <a:rPr lang="en-US" sz="1200" dirty="0">
-                <a:solidFill>
-                  <a:srgbClr val="000000"/>
-                </a:solidFill>
-                <a:latin typeface="Calibri" panose="020F0502020204030204" pitchFamily="34" charset="0"/>
-                <a:ea typeface="Calibri" panose="020F0502020204030204" pitchFamily="34" charset="0"/>
-                <a:cs typeface="Arial" panose="020B0604020202020204" pitchFamily="34" charset="0"/>
-              </a:rPr>
-              <a:t>    @</a:t>
-            </a:r>
-            <a:r>
-              <a:rPr lang="en-US" sz="1200" dirty="0" err="1">
-                <a:solidFill>
-                  <a:srgbClr val="000000"/>
-                </a:solidFill>
-                <a:latin typeface="Calibri" panose="020F0502020204030204" pitchFamily="34" charset="0"/>
-                <a:ea typeface="Calibri" panose="020F0502020204030204" pitchFamily="34" charset="0"/>
-                <a:cs typeface="Arial" panose="020B0604020202020204" pitchFamily="34" charset="0"/>
-              </a:rPr>
-              <a:t>ViewChild</a:t>
-            </a:r>
-            <a:r>
-              <a:rPr lang="en-US" sz="1200" dirty="0">
-                <a:solidFill>
-                  <a:srgbClr val="000000"/>
-                </a:solidFill>
-                <a:latin typeface="Calibri" panose="020F0502020204030204" pitchFamily="34" charset="0"/>
-                <a:ea typeface="Calibri" panose="020F0502020204030204" pitchFamily="34" charset="0"/>
-                <a:cs typeface="Arial" panose="020B0604020202020204" pitchFamily="34" charset="0"/>
-              </a:rPr>
-              <a:t>(</a:t>
-            </a:r>
-            <a:r>
-              <a:rPr lang="en-US" sz="1200" dirty="0" err="1">
-                <a:solidFill>
-                  <a:srgbClr val="000000"/>
-                </a:solidFill>
-                <a:latin typeface="Calibri" panose="020F0502020204030204" pitchFamily="34" charset="0"/>
-                <a:ea typeface="Calibri" panose="020F0502020204030204" pitchFamily="34" charset="0"/>
-                <a:cs typeface="Arial" panose="020B0604020202020204" pitchFamily="34" charset="0"/>
-              </a:rPr>
-              <a:t>ClockComponent</a:t>
-            </a:r>
-            <a:r>
-              <a:rPr lang="en-US" sz="1200" dirty="0">
-                <a:solidFill>
-                  <a:srgbClr val="000000"/>
-                </a:solidFill>
-                <a:latin typeface="Calibri" panose="020F0502020204030204" pitchFamily="34" charset="0"/>
-                <a:ea typeface="Calibri" panose="020F0502020204030204" pitchFamily="34" charset="0"/>
-                <a:cs typeface="Arial" panose="020B0604020202020204" pitchFamily="34" charset="0"/>
-              </a:rPr>
-              <a:t>) </a:t>
-            </a:r>
-            <a:r>
-              <a:rPr lang="en-US" sz="1200" b="1" dirty="0">
-                <a:solidFill>
-                  <a:srgbClr val="660E7A"/>
-                </a:solidFill>
-                <a:latin typeface="Calibri" panose="020F0502020204030204" pitchFamily="34" charset="0"/>
-                <a:ea typeface="Calibri" panose="020F0502020204030204" pitchFamily="34" charset="0"/>
-                <a:cs typeface="Arial" panose="020B0604020202020204" pitchFamily="34" charset="0"/>
-              </a:rPr>
-              <a:t>clock</a:t>
-            </a:r>
-            <a:r>
-              <a:rPr lang="en-US" sz="1200" dirty="0">
-                <a:solidFill>
-                  <a:srgbClr val="000000"/>
-                </a:solidFill>
-                <a:latin typeface="Calibri" panose="020F0502020204030204" pitchFamily="34" charset="0"/>
-                <a:ea typeface="Calibri" panose="020F0502020204030204" pitchFamily="34" charset="0"/>
-                <a:cs typeface="Arial" panose="020B0604020202020204" pitchFamily="34" charset="0"/>
-              </a:rPr>
-              <a:t>: </a:t>
-            </a:r>
-            <a:r>
-              <a:rPr lang="en-US" sz="1200" dirty="0" err="1">
-                <a:solidFill>
-                  <a:srgbClr val="000000"/>
-                </a:solidFill>
-                <a:latin typeface="Calibri" panose="020F0502020204030204" pitchFamily="34" charset="0"/>
-                <a:ea typeface="Calibri" panose="020F0502020204030204" pitchFamily="34" charset="0"/>
-                <a:cs typeface="Arial" panose="020B0604020202020204" pitchFamily="34" charset="0"/>
-              </a:rPr>
-              <a:t>ClockComponent</a:t>
-            </a:r>
-            <a:r>
-              <a:rPr lang="en-US" sz="1200" dirty="0">
-                <a:solidFill>
-                  <a:srgbClr val="000000"/>
-                </a:solidFill>
-                <a:latin typeface="Calibri" panose="020F0502020204030204" pitchFamily="34" charset="0"/>
-                <a:ea typeface="Calibri" panose="020F0502020204030204" pitchFamily="34" charset="0"/>
-                <a:cs typeface="Arial" panose="020B0604020202020204" pitchFamily="34" charset="0"/>
-              </a:rPr>
-              <a:t>;</a:t>
-            </a:r>
-            <a:br>
-              <a:rPr lang="en-US" sz="1200" dirty="0">
-                <a:solidFill>
-                  <a:srgbClr val="000000"/>
-                </a:solidFill>
-                <a:latin typeface="Calibri" panose="020F0502020204030204" pitchFamily="34" charset="0"/>
-                <a:ea typeface="Calibri" panose="020F0502020204030204" pitchFamily="34" charset="0"/>
-                <a:cs typeface="Arial" panose="020B0604020202020204" pitchFamily="34" charset="0"/>
-              </a:rPr>
-            </a:br>
-            <a:r>
-              <a:rPr lang="en-US" sz="1200" dirty="0">
-                <a:solidFill>
-                  <a:srgbClr val="000000"/>
-                </a:solidFill>
-                <a:latin typeface="Calibri" panose="020F0502020204030204" pitchFamily="34" charset="0"/>
-                <a:ea typeface="Calibri" panose="020F0502020204030204" pitchFamily="34" charset="0"/>
-                <a:cs typeface="Arial" panose="020B0604020202020204" pitchFamily="34" charset="0"/>
-              </a:rPr>
-              <a:t>    </a:t>
-            </a:r>
-            <a:r>
-              <a:rPr lang="en-US" sz="1200" b="1" dirty="0" err="1">
-                <a:solidFill>
-                  <a:srgbClr val="660E7A"/>
-                </a:solidFill>
-                <a:latin typeface="Calibri" panose="020F0502020204030204" pitchFamily="34" charset="0"/>
-                <a:ea typeface="Calibri" panose="020F0502020204030204" pitchFamily="34" charset="0"/>
-                <a:cs typeface="Arial" panose="020B0604020202020204" pitchFamily="34" charset="0"/>
-              </a:rPr>
-              <a:t>showClock</a:t>
-            </a:r>
-            <a:r>
-              <a:rPr lang="en-US" sz="1200" dirty="0">
-                <a:solidFill>
-                  <a:srgbClr val="000000"/>
-                </a:solidFill>
-                <a:latin typeface="Calibri" panose="020F0502020204030204" pitchFamily="34" charset="0"/>
-                <a:ea typeface="Calibri" panose="020F0502020204030204" pitchFamily="34" charset="0"/>
-                <a:cs typeface="Arial" panose="020B0604020202020204" pitchFamily="34" charset="0"/>
-              </a:rPr>
-              <a:t>: </a:t>
-            </a:r>
-            <a:r>
-              <a:rPr lang="en-US" sz="1200" b="1" dirty="0" err="1">
-                <a:solidFill>
-                  <a:srgbClr val="000080"/>
-                </a:solidFill>
-                <a:latin typeface="Calibri" panose="020F0502020204030204" pitchFamily="34" charset="0"/>
-                <a:ea typeface="Calibri" panose="020F0502020204030204" pitchFamily="34" charset="0"/>
-                <a:cs typeface="Arial" panose="020B0604020202020204" pitchFamily="34" charset="0"/>
-              </a:rPr>
-              <a:t>boolean</a:t>
-            </a:r>
-            <a:r>
-              <a:rPr lang="en-US" sz="1200" dirty="0">
-                <a:solidFill>
-                  <a:srgbClr val="000000"/>
-                </a:solidFill>
-                <a:latin typeface="Calibri" panose="020F0502020204030204" pitchFamily="34" charset="0"/>
-                <a:ea typeface="Calibri" panose="020F0502020204030204" pitchFamily="34" charset="0"/>
-                <a:cs typeface="Arial" panose="020B0604020202020204" pitchFamily="34" charset="0"/>
-              </a:rPr>
-              <a:t>;</a:t>
-            </a:r>
-            <a:br>
-              <a:rPr lang="en-US" sz="1200" dirty="0">
-                <a:solidFill>
-                  <a:srgbClr val="000000"/>
-                </a:solidFill>
-                <a:latin typeface="Calibri" panose="020F0502020204030204" pitchFamily="34" charset="0"/>
-                <a:ea typeface="Calibri" panose="020F0502020204030204" pitchFamily="34" charset="0"/>
-                <a:cs typeface="Arial" panose="020B0604020202020204" pitchFamily="34" charset="0"/>
-              </a:rPr>
-            </a:br>
-            <a:br>
-              <a:rPr lang="en-US" sz="1200" dirty="0">
-                <a:solidFill>
-                  <a:srgbClr val="000000"/>
-                </a:solidFill>
-                <a:latin typeface="Calibri" panose="020F0502020204030204" pitchFamily="34" charset="0"/>
-                <a:ea typeface="Calibri" panose="020F0502020204030204" pitchFamily="34" charset="0"/>
-                <a:cs typeface="Arial" panose="020B0604020202020204" pitchFamily="34" charset="0"/>
-              </a:rPr>
-            </a:br>
-            <a:r>
-              <a:rPr lang="en-US" sz="1200" dirty="0">
-                <a:solidFill>
-                  <a:srgbClr val="000000"/>
-                </a:solidFill>
-                <a:latin typeface="Calibri" panose="020F0502020204030204" pitchFamily="34" charset="0"/>
-                <a:ea typeface="Calibri" panose="020F0502020204030204" pitchFamily="34" charset="0"/>
-                <a:cs typeface="Arial" panose="020B0604020202020204" pitchFamily="34" charset="0"/>
-              </a:rPr>
-              <a:t>    </a:t>
-            </a:r>
-            <a:r>
-              <a:rPr lang="en-US" sz="1200" dirty="0">
-                <a:solidFill>
-                  <a:srgbClr val="7A7A43"/>
-                </a:solidFill>
-                <a:latin typeface="Calibri" panose="020F0502020204030204" pitchFamily="34" charset="0"/>
-                <a:ea typeface="Calibri" panose="020F0502020204030204" pitchFamily="34" charset="0"/>
-                <a:cs typeface="Arial" panose="020B0604020202020204" pitchFamily="34" charset="0"/>
-              </a:rPr>
-              <a:t>toggle</a:t>
-            </a:r>
-            <a:r>
-              <a:rPr lang="en-US" sz="1200" dirty="0">
-                <a:solidFill>
-                  <a:srgbClr val="000000"/>
-                </a:solidFill>
-                <a:latin typeface="Calibri" panose="020F0502020204030204" pitchFamily="34" charset="0"/>
-                <a:ea typeface="Calibri" panose="020F0502020204030204" pitchFamily="34" charset="0"/>
-                <a:cs typeface="Arial" panose="020B0604020202020204" pitchFamily="34" charset="0"/>
-              </a:rPr>
-              <a:t>() {</a:t>
-            </a:r>
-            <a:br>
-              <a:rPr lang="en-US" sz="1200" dirty="0">
-                <a:solidFill>
-                  <a:srgbClr val="000000"/>
-                </a:solidFill>
-                <a:latin typeface="Calibri" panose="020F0502020204030204" pitchFamily="34" charset="0"/>
-                <a:ea typeface="Calibri" panose="020F0502020204030204" pitchFamily="34" charset="0"/>
-                <a:cs typeface="Arial" panose="020B0604020202020204" pitchFamily="34" charset="0"/>
-              </a:rPr>
-            </a:br>
-            <a:r>
-              <a:rPr lang="en-US" sz="1200" dirty="0">
-                <a:solidFill>
-                  <a:srgbClr val="000000"/>
-                </a:solidFill>
-                <a:latin typeface="Calibri" panose="020F0502020204030204" pitchFamily="34" charset="0"/>
-                <a:ea typeface="Calibri" panose="020F0502020204030204" pitchFamily="34" charset="0"/>
-                <a:cs typeface="Arial" panose="020B0604020202020204" pitchFamily="34" charset="0"/>
-              </a:rPr>
-              <a:t>        </a:t>
-            </a:r>
-            <a:r>
-              <a:rPr lang="en-US" sz="1200" b="1" dirty="0" err="1">
-                <a:solidFill>
-                  <a:srgbClr val="000080"/>
-                </a:solidFill>
-                <a:latin typeface="Calibri" panose="020F0502020204030204" pitchFamily="34" charset="0"/>
-                <a:ea typeface="Calibri" panose="020F0502020204030204" pitchFamily="34" charset="0"/>
-                <a:cs typeface="Arial" panose="020B0604020202020204" pitchFamily="34" charset="0"/>
-              </a:rPr>
-              <a:t>this</a:t>
-            </a:r>
-            <a:r>
-              <a:rPr lang="en-US" sz="1200" dirty="0" err="1">
-                <a:solidFill>
-                  <a:srgbClr val="000000"/>
-                </a:solidFill>
-                <a:latin typeface="Calibri" panose="020F0502020204030204" pitchFamily="34" charset="0"/>
-                <a:ea typeface="Calibri" panose="020F0502020204030204" pitchFamily="34" charset="0"/>
-                <a:cs typeface="Arial" panose="020B0604020202020204" pitchFamily="34" charset="0"/>
-              </a:rPr>
-              <a:t>.</a:t>
-            </a:r>
-            <a:r>
-              <a:rPr lang="en-US" sz="1200" b="1" dirty="0" err="1">
-                <a:solidFill>
-                  <a:srgbClr val="660E7A"/>
-                </a:solidFill>
-                <a:latin typeface="Calibri" panose="020F0502020204030204" pitchFamily="34" charset="0"/>
-                <a:ea typeface="Calibri" panose="020F0502020204030204" pitchFamily="34" charset="0"/>
-                <a:cs typeface="Arial" panose="020B0604020202020204" pitchFamily="34" charset="0"/>
-              </a:rPr>
-              <a:t>showClock</a:t>
-            </a:r>
-            <a:r>
-              <a:rPr lang="en-US" sz="1200" b="1" dirty="0">
-                <a:solidFill>
-                  <a:srgbClr val="660E7A"/>
-                </a:solidFill>
-                <a:latin typeface="Calibri" panose="020F0502020204030204" pitchFamily="34" charset="0"/>
-                <a:ea typeface="Calibri" panose="020F0502020204030204" pitchFamily="34" charset="0"/>
-                <a:cs typeface="Arial" panose="020B0604020202020204" pitchFamily="34" charset="0"/>
-              </a:rPr>
-              <a:t> </a:t>
-            </a:r>
-            <a:r>
-              <a:rPr lang="en-US" sz="1200" dirty="0">
-                <a:solidFill>
-                  <a:srgbClr val="000000"/>
-                </a:solidFill>
-                <a:latin typeface="Calibri" panose="020F0502020204030204" pitchFamily="34" charset="0"/>
-                <a:ea typeface="Calibri" panose="020F0502020204030204" pitchFamily="34" charset="0"/>
-                <a:cs typeface="Arial" panose="020B0604020202020204" pitchFamily="34" charset="0"/>
-              </a:rPr>
-              <a:t>= !</a:t>
-            </a:r>
-            <a:r>
-              <a:rPr lang="en-US" sz="1200" b="1" dirty="0" err="1">
-                <a:solidFill>
-                  <a:srgbClr val="000080"/>
-                </a:solidFill>
-                <a:latin typeface="Calibri" panose="020F0502020204030204" pitchFamily="34" charset="0"/>
-                <a:ea typeface="Calibri" panose="020F0502020204030204" pitchFamily="34" charset="0"/>
-                <a:cs typeface="Arial" panose="020B0604020202020204" pitchFamily="34" charset="0"/>
-              </a:rPr>
-              <a:t>this</a:t>
-            </a:r>
-            <a:r>
-              <a:rPr lang="en-US" sz="1200" dirty="0" err="1">
-                <a:solidFill>
-                  <a:srgbClr val="000000"/>
-                </a:solidFill>
-                <a:latin typeface="Calibri" panose="020F0502020204030204" pitchFamily="34" charset="0"/>
-                <a:ea typeface="Calibri" panose="020F0502020204030204" pitchFamily="34" charset="0"/>
-                <a:cs typeface="Arial" panose="020B0604020202020204" pitchFamily="34" charset="0"/>
-              </a:rPr>
-              <a:t>.</a:t>
-            </a:r>
-            <a:r>
-              <a:rPr lang="en-US" sz="1200" b="1" dirty="0" err="1">
-                <a:solidFill>
-                  <a:srgbClr val="660E7A"/>
-                </a:solidFill>
-                <a:latin typeface="Calibri" panose="020F0502020204030204" pitchFamily="34" charset="0"/>
-                <a:ea typeface="Calibri" panose="020F0502020204030204" pitchFamily="34" charset="0"/>
-                <a:cs typeface="Arial" panose="020B0604020202020204" pitchFamily="34" charset="0"/>
-              </a:rPr>
-              <a:t>showClock</a:t>
-            </a:r>
-            <a:r>
-              <a:rPr lang="en-US" sz="1200" dirty="0">
-                <a:solidFill>
-                  <a:srgbClr val="000000"/>
-                </a:solidFill>
-                <a:latin typeface="Calibri" panose="020F0502020204030204" pitchFamily="34" charset="0"/>
-                <a:ea typeface="Calibri" panose="020F0502020204030204" pitchFamily="34" charset="0"/>
-                <a:cs typeface="Arial" panose="020B0604020202020204" pitchFamily="34" charset="0"/>
-              </a:rPr>
-              <a:t>;</a:t>
-            </a:r>
-            <a:br>
-              <a:rPr lang="en-US" sz="1200" dirty="0">
-                <a:solidFill>
-                  <a:srgbClr val="000000"/>
-                </a:solidFill>
-                <a:latin typeface="Calibri" panose="020F0502020204030204" pitchFamily="34" charset="0"/>
-                <a:ea typeface="Calibri" panose="020F0502020204030204" pitchFamily="34" charset="0"/>
-                <a:cs typeface="Arial" panose="020B0604020202020204" pitchFamily="34" charset="0"/>
-              </a:rPr>
-            </a:br>
-            <a:r>
-              <a:rPr lang="en-US" sz="1200" dirty="0">
-                <a:solidFill>
-                  <a:srgbClr val="000000"/>
-                </a:solidFill>
-                <a:latin typeface="Calibri" panose="020F0502020204030204" pitchFamily="34" charset="0"/>
-                <a:ea typeface="Calibri" panose="020F0502020204030204" pitchFamily="34" charset="0"/>
-                <a:cs typeface="Arial" panose="020B0604020202020204" pitchFamily="34" charset="0"/>
-              </a:rPr>
-              <a:t>    }</a:t>
-            </a:r>
-            <a:br>
-              <a:rPr lang="en-US" sz="1200" dirty="0">
-                <a:solidFill>
-                  <a:srgbClr val="000000"/>
-                </a:solidFill>
-                <a:latin typeface="Calibri" panose="020F0502020204030204" pitchFamily="34" charset="0"/>
-                <a:ea typeface="Calibri" panose="020F0502020204030204" pitchFamily="34" charset="0"/>
-                <a:cs typeface="Arial" panose="020B0604020202020204" pitchFamily="34" charset="0"/>
-              </a:rPr>
-            </a:br>
-            <a:br>
-              <a:rPr lang="en-US" sz="1200" dirty="0">
-                <a:solidFill>
-                  <a:srgbClr val="000000"/>
-                </a:solidFill>
-                <a:latin typeface="Calibri" panose="020F0502020204030204" pitchFamily="34" charset="0"/>
-                <a:ea typeface="Calibri" panose="020F0502020204030204" pitchFamily="34" charset="0"/>
-                <a:cs typeface="Arial" panose="020B0604020202020204" pitchFamily="34" charset="0"/>
-              </a:rPr>
-            </a:br>
-            <a:r>
-              <a:rPr lang="en-US" sz="1200" dirty="0">
-                <a:solidFill>
-                  <a:srgbClr val="000000"/>
-                </a:solidFill>
-                <a:latin typeface="Calibri" panose="020F0502020204030204" pitchFamily="34" charset="0"/>
-                <a:ea typeface="Calibri" panose="020F0502020204030204" pitchFamily="34" charset="0"/>
-                <a:cs typeface="Arial" panose="020B0604020202020204" pitchFamily="34" charset="0"/>
-              </a:rPr>
-              <a:t>    </a:t>
-            </a:r>
-            <a:r>
-              <a:rPr lang="en-US" sz="1200" dirty="0" err="1">
-                <a:solidFill>
-                  <a:srgbClr val="7A7A43"/>
-                </a:solidFill>
-                <a:latin typeface="Calibri" panose="020F0502020204030204" pitchFamily="34" charset="0"/>
-                <a:ea typeface="Calibri" panose="020F0502020204030204" pitchFamily="34" charset="0"/>
-                <a:cs typeface="Arial" panose="020B0604020202020204" pitchFamily="34" charset="0"/>
-              </a:rPr>
-              <a:t>ngAfterViewChecked</a:t>
-            </a:r>
-            <a:r>
-              <a:rPr lang="en-US" sz="1200" dirty="0">
-                <a:solidFill>
-                  <a:srgbClr val="000000"/>
-                </a:solidFill>
-                <a:latin typeface="Calibri" panose="020F0502020204030204" pitchFamily="34" charset="0"/>
-                <a:ea typeface="Calibri" panose="020F0502020204030204" pitchFamily="34" charset="0"/>
-                <a:cs typeface="Arial" panose="020B0604020202020204" pitchFamily="34" charset="0"/>
-              </a:rPr>
-              <a:t>() {</a:t>
-            </a:r>
-            <a:br>
-              <a:rPr lang="en-US" sz="1200" dirty="0">
-                <a:solidFill>
-                  <a:srgbClr val="000000"/>
-                </a:solidFill>
-                <a:latin typeface="Calibri" panose="020F0502020204030204" pitchFamily="34" charset="0"/>
-                <a:ea typeface="Calibri" panose="020F0502020204030204" pitchFamily="34" charset="0"/>
-                <a:cs typeface="Arial" panose="020B0604020202020204" pitchFamily="34" charset="0"/>
-              </a:rPr>
-            </a:br>
-            <a:r>
-              <a:rPr lang="en-US" sz="1200" dirty="0">
-                <a:solidFill>
-                  <a:srgbClr val="000000"/>
-                </a:solidFill>
-                <a:latin typeface="Calibri" panose="020F0502020204030204" pitchFamily="34" charset="0"/>
-                <a:ea typeface="Calibri" panose="020F0502020204030204" pitchFamily="34" charset="0"/>
-                <a:cs typeface="Arial" panose="020B0604020202020204" pitchFamily="34" charset="0"/>
-              </a:rPr>
-              <a:t>        </a:t>
-            </a:r>
-            <a:r>
-              <a:rPr lang="en-US" sz="1200" b="1" i="1" dirty="0">
-                <a:solidFill>
-                  <a:srgbClr val="660E7A"/>
-                </a:solidFill>
-                <a:latin typeface="Calibri" panose="020F0502020204030204" pitchFamily="34" charset="0"/>
-                <a:ea typeface="Calibri" panose="020F0502020204030204" pitchFamily="34" charset="0"/>
-                <a:cs typeface="Arial" panose="020B0604020202020204" pitchFamily="34" charset="0"/>
-              </a:rPr>
-              <a:t>console</a:t>
-            </a:r>
-            <a:r>
-              <a:rPr lang="en-US" sz="1200" dirty="0">
-                <a:solidFill>
-                  <a:srgbClr val="000000"/>
-                </a:solidFill>
-                <a:latin typeface="Calibri" panose="020F0502020204030204" pitchFamily="34" charset="0"/>
-                <a:ea typeface="Calibri" panose="020F0502020204030204" pitchFamily="34" charset="0"/>
-                <a:cs typeface="Arial" panose="020B0604020202020204" pitchFamily="34" charset="0"/>
-              </a:rPr>
-              <a:t>.</a:t>
-            </a:r>
-            <a:r>
-              <a:rPr lang="en-US" sz="1200" dirty="0">
-                <a:solidFill>
-                  <a:srgbClr val="7A7A43"/>
-                </a:solidFill>
-                <a:latin typeface="Calibri" panose="020F0502020204030204" pitchFamily="34" charset="0"/>
-                <a:ea typeface="Calibri" panose="020F0502020204030204" pitchFamily="34" charset="0"/>
-                <a:cs typeface="Arial" panose="020B0604020202020204" pitchFamily="34" charset="0"/>
-              </a:rPr>
-              <a:t>log</a:t>
-            </a:r>
-            <a:r>
-              <a:rPr lang="en-US" sz="1200" dirty="0">
-                <a:solidFill>
-                  <a:srgbClr val="000000"/>
-                </a:solidFill>
-                <a:latin typeface="Calibri" panose="020F0502020204030204" pitchFamily="34" charset="0"/>
-                <a:ea typeface="Calibri" panose="020F0502020204030204" pitchFamily="34" charset="0"/>
-                <a:cs typeface="Arial" panose="020B0604020202020204" pitchFamily="34" charset="0"/>
-              </a:rPr>
-              <a:t>(</a:t>
-            </a:r>
-            <a:r>
-              <a:rPr lang="en-US" sz="1200" b="1" dirty="0">
-                <a:solidFill>
-                  <a:srgbClr val="008000"/>
-                </a:solidFill>
-                <a:latin typeface="Calibri" panose="020F0502020204030204" pitchFamily="34" charset="0"/>
-                <a:ea typeface="Calibri" panose="020F0502020204030204" pitchFamily="34" charset="0"/>
-                <a:cs typeface="Arial" panose="020B0604020202020204" pitchFamily="34" charset="0"/>
-              </a:rPr>
-              <a:t>"</a:t>
-            </a:r>
-            <a:r>
-              <a:rPr lang="en-US" sz="1200" b="1" dirty="0" err="1">
-                <a:solidFill>
-                  <a:srgbClr val="008000"/>
-                </a:solidFill>
-                <a:latin typeface="Calibri" panose="020F0502020204030204" pitchFamily="34" charset="0"/>
-                <a:ea typeface="Calibri" panose="020F0502020204030204" pitchFamily="34" charset="0"/>
-                <a:cs typeface="Arial" panose="020B0604020202020204" pitchFamily="34" charset="0"/>
-              </a:rPr>
-              <a:t>ngAfterViewChecked</a:t>
-            </a:r>
-            <a:r>
-              <a:rPr lang="en-US" sz="1200" b="1" dirty="0">
-                <a:solidFill>
-                  <a:srgbClr val="008000"/>
-                </a:solidFill>
-                <a:latin typeface="Calibri" panose="020F0502020204030204" pitchFamily="34" charset="0"/>
-                <a:ea typeface="Calibri" panose="020F0502020204030204" pitchFamily="34" charset="0"/>
-                <a:cs typeface="Arial" panose="020B0604020202020204" pitchFamily="34" charset="0"/>
-              </a:rPr>
-              <a:t>"</a:t>
-            </a:r>
-            <a:r>
-              <a:rPr lang="en-US" sz="1200" dirty="0">
-                <a:solidFill>
-                  <a:srgbClr val="000000"/>
-                </a:solidFill>
-                <a:latin typeface="Calibri" panose="020F0502020204030204" pitchFamily="34" charset="0"/>
-                <a:ea typeface="Calibri" panose="020F0502020204030204" pitchFamily="34" charset="0"/>
-                <a:cs typeface="Arial" panose="020B0604020202020204" pitchFamily="34" charset="0"/>
-              </a:rPr>
-              <a:t>);</a:t>
-            </a:r>
-            <a:br>
-              <a:rPr lang="en-US" sz="1200" dirty="0">
-                <a:solidFill>
-                  <a:srgbClr val="000000"/>
-                </a:solidFill>
-                <a:latin typeface="Calibri" panose="020F0502020204030204" pitchFamily="34" charset="0"/>
-                <a:ea typeface="Calibri" panose="020F0502020204030204" pitchFamily="34" charset="0"/>
-                <a:cs typeface="Arial" panose="020B0604020202020204" pitchFamily="34" charset="0"/>
-              </a:rPr>
-            </a:br>
-            <a:br>
-              <a:rPr lang="en-US" sz="1200" dirty="0">
-                <a:solidFill>
-                  <a:srgbClr val="000000"/>
-                </a:solidFill>
-                <a:latin typeface="Calibri" panose="020F0502020204030204" pitchFamily="34" charset="0"/>
-                <a:ea typeface="Calibri" panose="020F0502020204030204" pitchFamily="34" charset="0"/>
-                <a:cs typeface="Arial" panose="020B0604020202020204" pitchFamily="34" charset="0"/>
-              </a:rPr>
-            </a:br>
-            <a:r>
-              <a:rPr lang="en-US" sz="1200" dirty="0">
-                <a:solidFill>
-                  <a:srgbClr val="000000"/>
-                </a:solidFill>
-                <a:latin typeface="Calibri" panose="020F0502020204030204" pitchFamily="34" charset="0"/>
-                <a:ea typeface="Calibri" panose="020F0502020204030204" pitchFamily="34" charset="0"/>
-                <a:cs typeface="Arial" panose="020B0604020202020204" pitchFamily="34" charset="0"/>
-              </a:rPr>
-              <a:t>        </a:t>
-            </a:r>
-            <a:r>
-              <a:rPr lang="en-US" sz="1200" b="1" i="1" dirty="0">
-                <a:solidFill>
-                  <a:srgbClr val="660E7A"/>
-                </a:solidFill>
-                <a:latin typeface="Calibri" panose="020F0502020204030204" pitchFamily="34" charset="0"/>
-                <a:ea typeface="Calibri" panose="020F0502020204030204" pitchFamily="34" charset="0"/>
-                <a:cs typeface="Arial" panose="020B0604020202020204" pitchFamily="34" charset="0"/>
-              </a:rPr>
-              <a:t>console</a:t>
-            </a:r>
-            <a:r>
-              <a:rPr lang="en-US" sz="1200" dirty="0">
-                <a:solidFill>
-                  <a:srgbClr val="000000"/>
-                </a:solidFill>
-                <a:latin typeface="Calibri" panose="020F0502020204030204" pitchFamily="34" charset="0"/>
-                <a:ea typeface="Calibri" panose="020F0502020204030204" pitchFamily="34" charset="0"/>
-                <a:cs typeface="Arial" panose="020B0604020202020204" pitchFamily="34" charset="0"/>
-              </a:rPr>
-              <a:t>.</a:t>
-            </a:r>
-            <a:r>
-              <a:rPr lang="en-US" sz="1200" dirty="0">
-                <a:solidFill>
-                  <a:srgbClr val="7A7A43"/>
-                </a:solidFill>
-                <a:latin typeface="Calibri" panose="020F0502020204030204" pitchFamily="34" charset="0"/>
-                <a:ea typeface="Calibri" panose="020F0502020204030204" pitchFamily="34" charset="0"/>
-                <a:cs typeface="Arial" panose="020B0604020202020204" pitchFamily="34" charset="0"/>
-              </a:rPr>
-              <a:t>log</a:t>
-            </a:r>
-            <a:r>
-              <a:rPr lang="en-US" sz="1200" dirty="0">
-                <a:solidFill>
-                  <a:srgbClr val="000000"/>
-                </a:solidFill>
-                <a:latin typeface="Calibri" panose="020F0502020204030204" pitchFamily="34" charset="0"/>
-                <a:ea typeface="Calibri" panose="020F0502020204030204" pitchFamily="34" charset="0"/>
-                <a:cs typeface="Arial" panose="020B0604020202020204" pitchFamily="34" charset="0"/>
-              </a:rPr>
-              <a:t>(</a:t>
-            </a:r>
-            <a:r>
-              <a:rPr lang="en-US" sz="1200" b="1" dirty="0" err="1">
-                <a:solidFill>
-                  <a:srgbClr val="000080"/>
-                </a:solidFill>
-                <a:latin typeface="Calibri" panose="020F0502020204030204" pitchFamily="34" charset="0"/>
-                <a:ea typeface="Calibri" panose="020F0502020204030204" pitchFamily="34" charset="0"/>
-                <a:cs typeface="Arial" panose="020B0604020202020204" pitchFamily="34" charset="0"/>
-              </a:rPr>
-              <a:t>this</a:t>
-            </a:r>
-            <a:r>
-              <a:rPr lang="en-US" sz="1200" dirty="0" err="1">
-                <a:solidFill>
-                  <a:srgbClr val="000000"/>
-                </a:solidFill>
-                <a:latin typeface="Calibri" panose="020F0502020204030204" pitchFamily="34" charset="0"/>
-                <a:ea typeface="Calibri" panose="020F0502020204030204" pitchFamily="34" charset="0"/>
-                <a:cs typeface="Arial" panose="020B0604020202020204" pitchFamily="34" charset="0"/>
-              </a:rPr>
-              <a:t>.</a:t>
-            </a:r>
-            <a:r>
-              <a:rPr lang="en-US" sz="1200" b="1" dirty="0" err="1">
-                <a:solidFill>
-                  <a:srgbClr val="660E7A"/>
-                </a:solidFill>
-                <a:latin typeface="Calibri" panose="020F0502020204030204" pitchFamily="34" charset="0"/>
-                <a:ea typeface="Calibri" panose="020F0502020204030204" pitchFamily="34" charset="0"/>
-                <a:cs typeface="Arial" panose="020B0604020202020204" pitchFamily="34" charset="0"/>
-              </a:rPr>
-              <a:t>clock</a:t>
-            </a:r>
-            <a:r>
-              <a:rPr lang="en-US" sz="1200" dirty="0">
-                <a:solidFill>
-                  <a:srgbClr val="000000"/>
-                </a:solidFill>
-                <a:latin typeface="Calibri" panose="020F0502020204030204" pitchFamily="34" charset="0"/>
-                <a:ea typeface="Calibri" panose="020F0502020204030204" pitchFamily="34" charset="0"/>
-                <a:cs typeface="Arial" panose="020B0604020202020204" pitchFamily="34" charset="0"/>
-              </a:rPr>
-              <a:t>);</a:t>
-            </a:r>
-            <a:br>
-              <a:rPr lang="en-US" sz="1200" dirty="0">
-                <a:solidFill>
-                  <a:srgbClr val="000000"/>
-                </a:solidFill>
-                <a:latin typeface="Calibri" panose="020F0502020204030204" pitchFamily="34" charset="0"/>
-                <a:ea typeface="Calibri" panose="020F0502020204030204" pitchFamily="34" charset="0"/>
-                <a:cs typeface="Arial" panose="020B0604020202020204" pitchFamily="34" charset="0"/>
-              </a:rPr>
-            </a:br>
-            <a:r>
-              <a:rPr lang="en-US" sz="1200" dirty="0">
-                <a:solidFill>
-                  <a:srgbClr val="000000"/>
-                </a:solidFill>
-                <a:latin typeface="Calibri" panose="020F0502020204030204" pitchFamily="34" charset="0"/>
-                <a:ea typeface="Calibri" panose="020F0502020204030204" pitchFamily="34" charset="0"/>
-                <a:cs typeface="Arial" panose="020B0604020202020204" pitchFamily="34" charset="0"/>
-              </a:rPr>
-              <a:t>    }</a:t>
-            </a:r>
-            <a:br>
-              <a:rPr lang="en-US" sz="1200" dirty="0">
-                <a:solidFill>
-                  <a:srgbClr val="000000"/>
-                </a:solidFill>
-                <a:latin typeface="Calibri" panose="020F0502020204030204" pitchFamily="34" charset="0"/>
-                <a:ea typeface="Calibri" panose="020F0502020204030204" pitchFamily="34" charset="0"/>
-                <a:cs typeface="Arial" panose="020B0604020202020204" pitchFamily="34" charset="0"/>
-              </a:rPr>
-            </a:br>
-            <a:r>
-              <a:rPr lang="en-US" sz="1200" dirty="0">
-                <a:solidFill>
-                  <a:srgbClr val="000000"/>
-                </a:solidFill>
-                <a:latin typeface="Calibri" panose="020F0502020204030204" pitchFamily="34" charset="0"/>
-                <a:ea typeface="Calibri" panose="020F0502020204030204" pitchFamily="34" charset="0"/>
-                <a:cs typeface="Arial" panose="020B0604020202020204" pitchFamily="34" charset="0"/>
-              </a:rPr>
-              <a:t>}</a:t>
-            </a:r>
-            <a:endParaRPr lang="he-IL" sz="1200" dirty="0"/>
-          </a:p>
-        </p:txBody>
-      </p:sp>
-    </p:spTree>
-    <p:extLst>
-      <p:ext uri="{BB962C8B-B14F-4D97-AF65-F5344CB8AC3E}">
-        <p14:creationId xmlns:p14="http://schemas.microsoft.com/office/powerpoint/2010/main" val="3455501149"/>
-      </p:ext>
-    </p:extLst>
-  </p:cSld>
-  <p:clrMapOvr>
-    <a:masterClrMapping/>
-  </p:clrMapOvr>
-</p:sld>
-</file>
-
 <file path=ppt/slides/slide44.xml><?xml version="1.0" encoding="utf-8"?>
 <p:sld xmlns:a="http://schemas.openxmlformats.org/drawingml/2006/main" xmlns:r="http://schemas.openxmlformats.org/officeDocument/2006/relationships" xmlns:p="http://schemas.openxmlformats.org/presentationml/2006/main">
   <p:cSld>
@@ -33014,7 +32523,7 @@
           <a:p>
             <a:r>
               <a:rPr lang="en-US" dirty="0"/>
-              <a:t>Accessing a List of child components</a:t>
+              <a:t>Accessing Child Component</a:t>
             </a:r>
             <a:endParaRPr lang="he-IL" dirty="0"/>
           </a:p>
@@ -33064,6 +32573,932 @@
               <a:rPr lang="en-US" smtClean="0"/>
               <a:pPr/>
               <a:t>44</a:t>
+            </a:fld>
+            <a:endParaRPr lang="en-US"/>
+          </a:p>
+        </p:txBody>
+      </p:sp>
+      <p:sp>
+        <p:nvSpPr>
+          <p:cNvPr id="5" name="Content Placeholder 4"/>
+          <p:cNvSpPr>
+            <a:spLocks noGrp="1"/>
+          </p:cNvSpPr>
+          <p:nvPr>
+            <p:ph sz="quarter" idx="1"/>
+          </p:nvPr>
+        </p:nvSpPr>
+        <p:spPr/>
+        <p:txBody>
+          <a:bodyPr>
+            <a:normAutofit lnSpcReduction="10000"/>
+          </a:bodyPr>
+          <a:lstStyle/>
+          <a:p>
+            <a:r>
+              <a:rPr lang="en-US" dirty="0"/>
+              <a:t>You may access child component according to its Type</a:t>
+            </a:r>
+          </a:p>
+          <a:p>
+            <a:endParaRPr lang="en-US" dirty="0"/>
+          </a:p>
+          <a:p>
+            <a:endParaRPr lang="en-US" dirty="0"/>
+          </a:p>
+          <a:p>
+            <a:endParaRPr lang="en-US" dirty="0"/>
+          </a:p>
+          <a:p>
+            <a:endParaRPr lang="en-US" dirty="0"/>
+          </a:p>
+          <a:p>
+            <a:endParaRPr lang="en-US" dirty="0"/>
+          </a:p>
+          <a:p>
+            <a:endParaRPr lang="en-US" dirty="0"/>
+          </a:p>
+          <a:p>
+            <a:r>
+              <a:rPr lang="en-US" dirty="0"/>
+              <a:t>Angular also supports </a:t>
+            </a:r>
+            <a:r>
+              <a:rPr lang="en-US" dirty="0">
+                <a:solidFill>
+                  <a:srgbClr val="FF0000"/>
+                </a:solidFill>
+              </a:rPr>
+              <a:t>@</a:t>
+            </a:r>
+            <a:r>
+              <a:rPr lang="en-US" dirty="0" err="1">
+                <a:solidFill>
+                  <a:srgbClr val="FF0000"/>
+                </a:solidFill>
+              </a:rPr>
+              <a:t>ContentChild</a:t>
+            </a:r>
+            <a:endParaRPr lang="he-IL" dirty="0">
+              <a:solidFill>
+                <a:srgbClr val="FF0000"/>
+              </a:solidFill>
+            </a:endParaRPr>
+          </a:p>
+        </p:txBody>
+      </p:sp>
+      <p:sp>
+        <p:nvSpPr>
+          <p:cNvPr id="7" name="Rectangle 6"/>
+          <p:cNvSpPr/>
+          <p:nvPr/>
+        </p:nvSpPr>
+        <p:spPr>
+          <a:xfrm>
+            <a:off x="2403348" y="2420888"/>
+            <a:ext cx="4572000" cy="2677656"/>
+          </a:xfrm>
+          <a:prstGeom prst="rect">
+            <a:avLst/>
+          </a:prstGeom>
+          <a:solidFill>
+            <a:schemeClr val="accent1">
+              <a:lumMod val="40000"/>
+              <a:lumOff val="60000"/>
+            </a:schemeClr>
+          </a:solidFill>
+        </p:spPr>
+        <p:txBody>
+          <a:bodyPr>
+            <a:spAutoFit/>
+          </a:bodyPr>
+          <a:lstStyle/>
+          <a:p>
+            <a:r>
+              <a:rPr lang="en-US" sz="1200" b="1" dirty="0">
+                <a:solidFill>
+                  <a:srgbClr val="000080"/>
+                </a:solidFill>
+                <a:latin typeface="Calibri" panose="020F0502020204030204" pitchFamily="34" charset="0"/>
+                <a:ea typeface="Calibri" panose="020F0502020204030204" pitchFamily="34" charset="0"/>
+                <a:cs typeface="Arial" panose="020B0604020202020204" pitchFamily="34" charset="0"/>
+              </a:rPr>
+              <a:t>export class </a:t>
+            </a:r>
+            <a:r>
+              <a:rPr lang="en-US" sz="1200" dirty="0" err="1">
+                <a:solidFill>
+                  <a:srgbClr val="000000"/>
+                </a:solidFill>
+                <a:latin typeface="Calibri" panose="020F0502020204030204" pitchFamily="34" charset="0"/>
+                <a:ea typeface="Calibri" panose="020F0502020204030204" pitchFamily="34" charset="0"/>
+                <a:cs typeface="Arial" panose="020B0604020202020204" pitchFamily="34" charset="0"/>
+              </a:rPr>
+              <a:t>AppComponent</a:t>
+            </a:r>
+            <a:r>
+              <a:rPr lang="en-US" sz="1200" dirty="0">
+                <a:solidFill>
+                  <a:srgbClr val="000000"/>
+                </a:solidFill>
+                <a:latin typeface="Calibri" panose="020F0502020204030204" pitchFamily="34" charset="0"/>
+                <a:ea typeface="Calibri" panose="020F0502020204030204" pitchFamily="34" charset="0"/>
+                <a:cs typeface="Arial" panose="020B0604020202020204" pitchFamily="34" charset="0"/>
+              </a:rPr>
+              <a:t> {</a:t>
+            </a:r>
+            <a:br>
+              <a:rPr lang="en-US" sz="1200" dirty="0">
+                <a:solidFill>
+                  <a:srgbClr val="000000"/>
+                </a:solidFill>
+                <a:latin typeface="Calibri" panose="020F0502020204030204" pitchFamily="34" charset="0"/>
+                <a:ea typeface="Calibri" panose="020F0502020204030204" pitchFamily="34" charset="0"/>
+                <a:cs typeface="Arial" panose="020B0604020202020204" pitchFamily="34" charset="0"/>
+              </a:rPr>
+            </a:br>
+            <a:r>
+              <a:rPr lang="en-US" sz="1200" dirty="0">
+                <a:solidFill>
+                  <a:srgbClr val="000000"/>
+                </a:solidFill>
+                <a:latin typeface="Calibri" panose="020F0502020204030204" pitchFamily="34" charset="0"/>
+                <a:ea typeface="Calibri" panose="020F0502020204030204" pitchFamily="34" charset="0"/>
+                <a:cs typeface="Arial" panose="020B0604020202020204" pitchFamily="34" charset="0"/>
+              </a:rPr>
+              <a:t>    @</a:t>
+            </a:r>
+            <a:r>
+              <a:rPr lang="en-US" sz="1200" dirty="0" err="1">
+                <a:solidFill>
+                  <a:srgbClr val="000000"/>
+                </a:solidFill>
+                <a:latin typeface="Calibri" panose="020F0502020204030204" pitchFamily="34" charset="0"/>
+                <a:ea typeface="Calibri" panose="020F0502020204030204" pitchFamily="34" charset="0"/>
+                <a:cs typeface="Arial" panose="020B0604020202020204" pitchFamily="34" charset="0"/>
+              </a:rPr>
+              <a:t>ViewChild</a:t>
+            </a:r>
+            <a:r>
+              <a:rPr lang="en-US" sz="1200" dirty="0">
+                <a:solidFill>
+                  <a:srgbClr val="000000"/>
+                </a:solidFill>
+                <a:latin typeface="Calibri" panose="020F0502020204030204" pitchFamily="34" charset="0"/>
+                <a:ea typeface="Calibri" panose="020F0502020204030204" pitchFamily="34" charset="0"/>
+                <a:cs typeface="Arial" panose="020B0604020202020204" pitchFamily="34" charset="0"/>
+              </a:rPr>
+              <a:t>(</a:t>
+            </a:r>
+            <a:r>
+              <a:rPr lang="en-US" sz="1200" dirty="0" err="1">
+                <a:solidFill>
+                  <a:srgbClr val="000000"/>
+                </a:solidFill>
+                <a:latin typeface="Calibri" panose="020F0502020204030204" pitchFamily="34" charset="0"/>
+                <a:ea typeface="Calibri" panose="020F0502020204030204" pitchFamily="34" charset="0"/>
+                <a:cs typeface="Arial" panose="020B0604020202020204" pitchFamily="34" charset="0"/>
+              </a:rPr>
+              <a:t>ClockComponent</a:t>
+            </a:r>
+            <a:r>
+              <a:rPr lang="en-US" sz="1200" dirty="0">
+                <a:solidFill>
+                  <a:srgbClr val="000000"/>
+                </a:solidFill>
+                <a:latin typeface="Calibri" panose="020F0502020204030204" pitchFamily="34" charset="0"/>
+                <a:ea typeface="Calibri" panose="020F0502020204030204" pitchFamily="34" charset="0"/>
+                <a:cs typeface="Arial" panose="020B0604020202020204" pitchFamily="34" charset="0"/>
+              </a:rPr>
+              <a:t>) </a:t>
+            </a:r>
+            <a:r>
+              <a:rPr lang="en-US" sz="1200" b="1" dirty="0">
+                <a:solidFill>
+                  <a:srgbClr val="660E7A"/>
+                </a:solidFill>
+                <a:latin typeface="Calibri" panose="020F0502020204030204" pitchFamily="34" charset="0"/>
+                <a:ea typeface="Calibri" panose="020F0502020204030204" pitchFamily="34" charset="0"/>
+                <a:cs typeface="Arial" panose="020B0604020202020204" pitchFamily="34" charset="0"/>
+              </a:rPr>
+              <a:t>clock</a:t>
+            </a:r>
+            <a:r>
+              <a:rPr lang="en-US" sz="1200" dirty="0">
+                <a:solidFill>
+                  <a:srgbClr val="000000"/>
+                </a:solidFill>
+                <a:latin typeface="Calibri" panose="020F0502020204030204" pitchFamily="34" charset="0"/>
+                <a:ea typeface="Calibri" panose="020F0502020204030204" pitchFamily="34" charset="0"/>
+                <a:cs typeface="Arial" panose="020B0604020202020204" pitchFamily="34" charset="0"/>
+              </a:rPr>
+              <a:t>: </a:t>
+            </a:r>
+            <a:r>
+              <a:rPr lang="en-US" sz="1200" dirty="0" err="1">
+                <a:solidFill>
+                  <a:srgbClr val="000000"/>
+                </a:solidFill>
+                <a:latin typeface="Calibri" panose="020F0502020204030204" pitchFamily="34" charset="0"/>
+                <a:ea typeface="Calibri" panose="020F0502020204030204" pitchFamily="34" charset="0"/>
+                <a:cs typeface="Arial" panose="020B0604020202020204" pitchFamily="34" charset="0"/>
+              </a:rPr>
+              <a:t>ClockComponent</a:t>
+            </a:r>
+            <a:r>
+              <a:rPr lang="en-US" sz="1200" dirty="0">
+                <a:solidFill>
+                  <a:srgbClr val="000000"/>
+                </a:solidFill>
+                <a:latin typeface="Calibri" panose="020F0502020204030204" pitchFamily="34" charset="0"/>
+                <a:ea typeface="Calibri" panose="020F0502020204030204" pitchFamily="34" charset="0"/>
+                <a:cs typeface="Arial" panose="020B0604020202020204" pitchFamily="34" charset="0"/>
+              </a:rPr>
+              <a:t>;</a:t>
+            </a:r>
+            <a:br>
+              <a:rPr lang="en-US" sz="1200" dirty="0">
+                <a:solidFill>
+                  <a:srgbClr val="000000"/>
+                </a:solidFill>
+                <a:latin typeface="Calibri" panose="020F0502020204030204" pitchFamily="34" charset="0"/>
+                <a:ea typeface="Calibri" panose="020F0502020204030204" pitchFamily="34" charset="0"/>
+                <a:cs typeface="Arial" panose="020B0604020202020204" pitchFamily="34" charset="0"/>
+              </a:rPr>
+            </a:br>
+            <a:r>
+              <a:rPr lang="en-US" sz="1200" dirty="0">
+                <a:solidFill>
+                  <a:srgbClr val="000000"/>
+                </a:solidFill>
+                <a:latin typeface="Calibri" panose="020F0502020204030204" pitchFamily="34" charset="0"/>
+                <a:ea typeface="Calibri" panose="020F0502020204030204" pitchFamily="34" charset="0"/>
+                <a:cs typeface="Arial" panose="020B0604020202020204" pitchFamily="34" charset="0"/>
+              </a:rPr>
+              <a:t>    </a:t>
+            </a:r>
+            <a:r>
+              <a:rPr lang="en-US" sz="1200" b="1" dirty="0" err="1">
+                <a:solidFill>
+                  <a:srgbClr val="660E7A"/>
+                </a:solidFill>
+                <a:latin typeface="Calibri" panose="020F0502020204030204" pitchFamily="34" charset="0"/>
+                <a:ea typeface="Calibri" panose="020F0502020204030204" pitchFamily="34" charset="0"/>
+                <a:cs typeface="Arial" panose="020B0604020202020204" pitchFamily="34" charset="0"/>
+              </a:rPr>
+              <a:t>showClock</a:t>
+            </a:r>
+            <a:r>
+              <a:rPr lang="en-US" sz="1200" dirty="0">
+                <a:solidFill>
+                  <a:srgbClr val="000000"/>
+                </a:solidFill>
+                <a:latin typeface="Calibri" panose="020F0502020204030204" pitchFamily="34" charset="0"/>
+                <a:ea typeface="Calibri" panose="020F0502020204030204" pitchFamily="34" charset="0"/>
+                <a:cs typeface="Arial" panose="020B0604020202020204" pitchFamily="34" charset="0"/>
+              </a:rPr>
+              <a:t>: </a:t>
+            </a:r>
+            <a:r>
+              <a:rPr lang="en-US" sz="1200" b="1" dirty="0" err="1">
+                <a:solidFill>
+                  <a:srgbClr val="000080"/>
+                </a:solidFill>
+                <a:latin typeface="Calibri" panose="020F0502020204030204" pitchFamily="34" charset="0"/>
+                <a:ea typeface="Calibri" panose="020F0502020204030204" pitchFamily="34" charset="0"/>
+                <a:cs typeface="Arial" panose="020B0604020202020204" pitchFamily="34" charset="0"/>
+              </a:rPr>
+              <a:t>boolean</a:t>
+            </a:r>
+            <a:r>
+              <a:rPr lang="en-US" sz="1200" dirty="0">
+                <a:solidFill>
+                  <a:srgbClr val="000000"/>
+                </a:solidFill>
+                <a:latin typeface="Calibri" panose="020F0502020204030204" pitchFamily="34" charset="0"/>
+                <a:ea typeface="Calibri" panose="020F0502020204030204" pitchFamily="34" charset="0"/>
+                <a:cs typeface="Arial" panose="020B0604020202020204" pitchFamily="34" charset="0"/>
+              </a:rPr>
+              <a:t>;</a:t>
+            </a:r>
+            <a:br>
+              <a:rPr lang="en-US" sz="1200" dirty="0">
+                <a:solidFill>
+                  <a:srgbClr val="000000"/>
+                </a:solidFill>
+                <a:latin typeface="Calibri" panose="020F0502020204030204" pitchFamily="34" charset="0"/>
+                <a:ea typeface="Calibri" panose="020F0502020204030204" pitchFamily="34" charset="0"/>
+                <a:cs typeface="Arial" panose="020B0604020202020204" pitchFamily="34" charset="0"/>
+              </a:rPr>
+            </a:br>
+            <a:br>
+              <a:rPr lang="en-US" sz="1200" dirty="0">
+                <a:solidFill>
+                  <a:srgbClr val="000000"/>
+                </a:solidFill>
+                <a:latin typeface="Calibri" panose="020F0502020204030204" pitchFamily="34" charset="0"/>
+                <a:ea typeface="Calibri" panose="020F0502020204030204" pitchFamily="34" charset="0"/>
+                <a:cs typeface="Arial" panose="020B0604020202020204" pitchFamily="34" charset="0"/>
+              </a:rPr>
+            </a:br>
+            <a:r>
+              <a:rPr lang="en-US" sz="1200" dirty="0">
+                <a:solidFill>
+                  <a:srgbClr val="000000"/>
+                </a:solidFill>
+                <a:latin typeface="Calibri" panose="020F0502020204030204" pitchFamily="34" charset="0"/>
+                <a:ea typeface="Calibri" panose="020F0502020204030204" pitchFamily="34" charset="0"/>
+                <a:cs typeface="Arial" panose="020B0604020202020204" pitchFamily="34" charset="0"/>
+              </a:rPr>
+              <a:t>    </a:t>
+            </a:r>
+            <a:r>
+              <a:rPr lang="en-US" sz="1200" dirty="0">
+                <a:solidFill>
+                  <a:srgbClr val="7A7A43"/>
+                </a:solidFill>
+                <a:latin typeface="Calibri" panose="020F0502020204030204" pitchFamily="34" charset="0"/>
+                <a:ea typeface="Calibri" panose="020F0502020204030204" pitchFamily="34" charset="0"/>
+                <a:cs typeface="Arial" panose="020B0604020202020204" pitchFamily="34" charset="0"/>
+              </a:rPr>
+              <a:t>toggle</a:t>
+            </a:r>
+            <a:r>
+              <a:rPr lang="en-US" sz="1200" dirty="0">
+                <a:solidFill>
+                  <a:srgbClr val="000000"/>
+                </a:solidFill>
+                <a:latin typeface="Calibri" panose="020F0502020204030204" pitchFamily="34" charset="0"/>
+                <a:ea typeface="Calibri" panose="020F0502020204030204" pitchFamily="34" charset="0"/>
+                <a:cs typeface="Arial" panose="020B0604020202020204" pitchFamily="34" charset="0"/>
+              </a:rPr>
+              <a:t>() {</a:t>
+            </a:r>
+            <a:br>
+              <a:rPr lang="en-US" sz="1200" dirty="0">
+                <a:solidFill>
+                  <a:srgbClr val="000000"/>
+                </a:solidFill>
+                <a:latin typeface="Calibri" panose="020F0502020204030204" pitchFamily="34" charset="0"/>
+                <a:ea typeface="Calibri" panose="020F0502020204030204" pitchFamily="34" charset="0"/>
+                <a:cs typeface="Arial" panose="020B0604020202020204" pitchFamily="34" charset="0"/>
+              </a:rPr>
+            </a:br>
+            <a:r>
+              <a:rPr lang="en-US" sz="1200" dirty="0">
+                <a:solidFill>
+                  <a:srgbClr val="000000"/>
+                </a:solidFill>
+                <a:latin typeface="Calibri" panose="020F0502020204030204" pitchFamily="34" charset="0"/>
+                <a:ea typeface="Calibri" panose="020F0502020204030204" pitchFamily="34" charset="0"/>
+                <a:cs typeface="Arial" panose="020B0604020202020204" pitchFamily="34" charset="0"/>
+              </a:rPr>
+              <a:t>        </a:t>
+            </a:r>
+            <a:r>
+              <a:rPr lang="en-US" sz="1200" b="1" dirty="0" err="1">
+                <a:solidFill>
+                  <a:srgbClr val="000080"/>
+                </a:solidFill>
+                <a:latin typeface="Calibri" panose="020F0502020204030204" pitchFamily="34" charset="0"/>
+                <a:ea typeface="Calibri" panose="020F0502020204030204" pitchFamily="34" charset="0"/>
+                <a:cs typeface="Arial" panose="020B0604020202020204" pitchFamily="34" charset="0"/>
+              </a:rPr>
+              <a:t>this</a:t>
+            </a:r>
+            <a:r>
+              <a:rPr lang="en-US" sz="1200" dirty="0" err="1">
+                <a:solidFill>
+                  <a:srgbClr val="000000"/>
+                </a:solidFill>
+                <a:latin typeface="Calibri" panose="020F0502020204030204" pitchFamily="34" charset="0"/>
+                <a:ea typeface="Calibri" panose="020F0502020204030204" pitchFamily="34" charset="0"/>
+                <a:cs typeface="Arial" panose="020B0604020202020204" pitchFamily="34" charset="0"/>
+              </a:rPr>
+              <a:t>.</a:t>
+            </a:r>
+            <a:r>
+              <a:rPr lang="en-US" sz="1200" b="1" dirty="0" err="1">
+                <a:solidFill>
+                  <a:srgbClr val="660E7A"/>
+                </a:solidFill>
+                <a:latin typeface="Calibri" panose="020F0502020204030204" pitchFamily="34" charset="0"/>
+                <a:ea typeface="Calibri" panose="020F0502020204030204" pitchFamily="34" charset="0"/>
+                <a:cs typeface="Arial" panose="020B0604020202020204" pitchFamily="34" charset="0"/>
+              </a:rPr>
+              <a:t>showClock</a:t>
+            </a:r>
+            <a:r>
+              <a:rPr lang="en-US" sz="1200" b="1" dirty="0">
+                <a:solidFill>
+                  <a:srgbClr val="660E7A"/>
+                </a:solidFill>
+                <a:latin typeface="Calibri" panose="020F0502020204030204" pitchFamily="34" charset="0"/>
+                <a:ea typeface="Calibri" panose="020F0502020204030204" pitchFamily="34" charset="0"/>
+                <a:cs typeface="Arial" panose="020B0604020202020204" pitchFamily="34" charset="0"/>
+              </a:rPr>
+              <a:t> </a:t>
+            </a:r>
+            <a:r>
+              <a:rPr lang="en-US" sz="1200" dirty="0">
+                <a:solidFill>
+                  <a:srgbClr val="000000"/>
+                </a:solidFill>
+                <a:latin typeface="Calibri" panose="020F0502020204030204" pitchFamily="34" charset="0"/>
+                <a:ea typeface="Calibri" panose="020F0502020204030204" pitchFamily="34" charset="0"/>
+                <a:cs typeface="Arial" panose="020B0604020202020204" pitchFamily="34" charset="0"/>
+              </a:rPr>
+              <a:t>= !</a:t>
+            </a:r>
+            <a:r>
+              <a:rPr lang="en-US" sz="1200" b="1" dirty="0" err="1">
+                <a:solidFill>
+                  <a:srgbClr val="000080"/>
+                </a:solidFill>
+                <a:latin typeface="Calibri" panose="020F0502020204030204" pitchFamily="34" charset="0"/>
+                <a:ea typeface="Calibri" panose="020F0502020204030204" pitchFamily="34" charset="0"/>
+                <a:cs typeface="Arial" panose="020B0604020202020204" pitchFamily="34" charset="0"/>
+              </a:rPr>
+              <a:t>this</a:t>
+            </a:r>
+            <a:r>
+              <a:rPr lang="en-US" sz="1200" dirty="0" err="1">
+                <a:solidFill>
+                  <a:srgbClr val="000000"/>
+                </a:solidFill>
+                <a:latin typeface="Calibri" panose="020F0502020204030204" pitchFamily="34" charset="0"/>
+                <a:ea typeface="Calibri" panose="020F0502020204030204" pitchFamily="34" charset="0"/>
+                <a:cs typeface="Arial" panose="020B0604020202020204" pitchFamily="34" charset="0"/>
+              </a:rPr>
+              <a:t>.</a:t>
+            </a:r>
+            <a:r>
+              <a:rPr lang="en-US" sz="1200" b="1" dirty="0" err="1">
+                <a:solidFill>
+                  <a:srgbClr val="660E7A"/>
+                </a:solidFill>
+                <a:latin typeface="Calibri" panose="020F0502020204030204" pitchFamily="34" charset="0"/>
+                <a:ea typeface="Calibri" panose="020F0502020204030204" pitchFamily="34" charset="0"/>
+                <a:cs typeface="Arial" panose="020B0604020202020204" pitchFamily="34" charset="0"/>
+              </a:rPr>
+              <a:t>showClock</a:t>
+            </a:r>
+            <a:r>
+              <a:rPr lang="en-US" sz="1200" dirty="0">
+                <a:solidFill>
+                  <a:srgbClr val="000000"/>
+                </a:solidFill>
+                <a:latin typeface="Calibri" panose="020F0502020204030204" pitchFamily="34" charset="0"/>
+                <a:ea typeface="Calibri" panose="020F0502020204030204" pitchFamily="34" charset="0"/>
+                <a:cs typeface="Arial" panose="020B0604020202020204" pitchFamily="34" charset="0"/>
+              </a:rPr>
+              <a:t>;</a:t>
+            </a:r>
+            <a:br>
+              <a:rPr lang="en-US" sz="1200" dirty="0">
+                <a:solidFill>
+                  <a:srgbClr val="000000"/>
+                </a:solidFill>
+                <a:latin typeface="Calibri" panose="020F0502020204030204" pitchFamily="34" charset="0"/>
+                <a:ea typeface="Calibri" panose="020F0502020204030204" pitchFamily="34" charset="0"/>
+                <a:cs typeface="Arial" panose="020B0604020202020204" pitchFamily="34" charset="0"/>
+              </a:rPr>
+            </a:br>
+            <a:r>
+              <a:rPr lang="en-US" sz="1200" dirty="0">
+                <a:solidFill>
+                  <a:srgbClr val="000000"/>
+                </a:solidFill>
+                <a:latin typeface="Calibri" panose="020F0502020204030204" pitchFamily="34" charset="0"/>
+                <a:ea typeface="Calibri" panose="020F0502020204030204" pitchFamily="34" charset="0"/>
+                <a:cs typeface="Arial" panose="020B0604020202020204" pitchFamily="34" charset="0"/>
+              </a:rPr>
+              <a:t>    }</a:t>
+            </a:r>
+            <a:br>
+              <a:rPr lang="en-US" sz="1200" dirty="0">
+                <a:solidFill>
+                  <a:srgbClr val="000000"/>
+                </a:solidFill>
+                <a:latin typeface="Calibri" panose="020F0502020204030204" pitchFamily="34" charset="0"/>
+                <a:ea typeface="Calibri" panose="020F0502020204030204" pitchFamily="34" charset="0"/>
+                <a:cs typeface="Arial" panose="020B0604020202020204" pitchFamily="34" charset="0"/>
+              </a:rPr>
+            </a:br>
+            <a:br>
+              <a:rPr lang="en-US" sz="1200" dirty="0">
+                <a:solidFill>
+                  <a:srgbClr val="000000"/>
+                </a:solidFill>
+                <a:latin typeface="Calibri" panose="020F0502020204030204" pitchFamily="34" charset="0"/>
+                <a:ea typeface="Calibri" panose="020F0502020204030204" pitchFamily="34" charset="0"/>
+                <a:cs typeface="Arial" panose="020B0604020202020204" pitchFamily="34" charset="0"/>
+              </a:rPr>
+            </a:br>
+            <a:r>
+              <a:rPr lang="en-US" sz="1200" dirty="0">
+                <a:solidFill>
+                  <a:srgbClr val="000000"/>
+                </a:solidFill>
+                <a:latin typeface="Calibri" panose="020F0502020204030204" pitchFamily="34" charset="0"/>
+                <a:ea typeface="Calibri" panose="020F0502020204030204" pitchFamily="34" charset="0"/>
+                <a:cs typeface="Arial" panose="020B0604020202020204" pitchFamily="34" charset="0"/>
+              </a:rPr>
+              <a:t>    </a:t>
+            </a:r>
+            <a:r>
+              <a:rPr lang="en-US" sz="1200" dirty="0" err="1">
+                <a:solidFill>
+                  <a:srgbClr val="7A7A43"/>
+                </a:solidFill>
+                <a:latin typeface="Calibri" panose="020F0502020204030204" pitchFamily="34" charset="0"/>
+                <a:ea typeface="Calibri" panose="020F0502020204030204" pitchFamily="34" charset="0"/>
+                <a:cs typeface="Arial" panose="020B0604020202020204" pitchFamily="34" charset="0"/>
+              </a:rPr>
+              <a:t>ngAfterViewChecked</a:t>
+            </a:r>
+            <a:r>
+              <a:rPr lang="en-US" sz="1200" dirty="0">
+                <a:solidFill>
+                  <a:srgbClr val="000000"/>
+                </a:solidFill>
+                <a:latin typeface="Calibri" panose="020F0502020204030204" pitchFamily="34" charset="0"/>
+                <a:ea typeface="Calibri" panose="020F0502020204030204" pitchFamily="34" charset="0"/>
+                <a:cs typeface="Arial" panose="020B0604020202020204" pitchFamily="34" charset="0"/>
+              </a:rPr>
+              <a:t>() {</a:t>
+            </a:r>
+            <a:br>
+              <a:rPr lang="en-US" sz="1200" dirty="0">
+                <a:solidFill>
+                  <a:srgbClr val="000000"/>
+                </a:solidFill>
+                <a:latin typeface="Calibri" panose="020F0502020204030204" pitchFamily="34" charset="0"/>
+                <a:ea typeface="Calibri" panose="020F0502020204030204" pitchFamily="34" charset="0"/>
+                <a:cs typeface="Arial" panose="020B0604020202020204" pitchFamily="34" charset="0"/>
+              </a:rPr>
+            </a:br>
+            <a:r>
+              <a:rPr lang="en-US" sz="1200" dirty="0">
+                <a:solidFill>
+                  <a:srgbClr val="000000"/>
+                </a:solidFill>
+                <a:latin typeface="Calibri" panose="020F0502020204030204" pitchFamily="34" charset="0"/>
+                <a:ea typeface="Calibri" panose="020F0502020204030204" pitchFamily="34" charset="0"/>
+                <a:cs typeface="Arial" panose="020B0604020202020204" pitchFamily="34" charset="0"/>
+              </a:rPr>
+              <a:t>        </a:t>
+            </a:r>
+            <a:r>
+              <a:rPr lang="en-US" sz="1200" b="1" i="1" dirty="0">
+                <a:solidFill>
+                  <a:srgbClr val="660E7A"/>
+                </a:solidFill>
+                <a:latin typeface="Calibri" panose="020F0502020204030204" pitchFamily="34" charset="0"/>
+                <a:ea typeface="Calibri" panose="020F0502020204030204" pitchFamily="34" charset="0"/>
+                <a:cs typeface="Arial" panose="020B0604020202020204" pitchFamily="34" charset="0"/>
+              </a:rPr>
+              <a:t>console</a:t>
+            </a:r>
+            <a:r>
+              <a:rPr lang="en-US" sz="1200" dirty="0">
+                <a:solidFill>
+                  <a:srgbClr val="000000"/>
+                </a:solidFill>
+                <a:latin typeface="Calibri" panose="020F0502020204030204" pitchFamily="34" charset="0"/>
+                <a:ea typeface="Calibri" panose="020F0502020204030204" pitchFamily="34" charset="0"/>
+                <a:cs typeface="Arial" panose="020B0604020202020204" pitchFamily="34" charset="0"/>
+              </a:rPr>
+              <a:t>.</a:t>
+            </a:r>
+            <a:r>
+              <a:rPr lang="en-US" sz="1200" dirty="0">
+                <a:solidFill>
+                  <a:srgbClr val="7A7A43"/>
+                </a:solidFill>
+                <a:latin typeface="Calibri" panose="020F0502020204030204" pitchFamily="34" charset="0"/>
+                <a:ea typeface="Calibri" panose="020F0502020204030204" pitchFamily="34" charset="0"/>
+                <a:cs typeface="Arial" panose="020B0604020202020204" pitchFamily="34" charset="0"/>
+              </a:rPr>
+              <a:t>log</a:t>
+            </a:r>
+            <a:r>
+              <a:rPr lang="en-US" sz="1200" dirty="0">
+                <a:solidFill>
+                  <a:srgbClr val="000000"/>
+                </a:solidFill>
+                <a:latin typeface="Calibri" panose="020F0502020204030204" pitchFamily="34" charset="0"/>
+                <a:ea typeface="Calibri" panose="020F0502020204030204" pitchFamily="34" charset="0"/>
+                <a:cs typeface="Arial" panose="020B0604020202020204" pitchFamily="34" charset="0"/>
+              </a:rPr>
+              <a:t>(</a:t>
+            </a:r>
+            <a:r>
+              <a:rPr lang="en-US" sz="1200" b="1" dirty="0">
+                <a:solidFill>
+                  <a:srgbClr val="008000"/>
+                </a:solidFill>
+                <a:latin typeface="Calibri" panose="020F0502020204030204" pitchFamily="34" charset="0"/>
+                <a:ea typeface="Calibri" panose="020F0502020204030204" pitchFamily="34" charset="0"/>
+                <a:cs typeface="Arial" panose="020B0604020202020204" pitchFamily="34" charset="0"/>
+              </a:rPr>
+              <a:t>"</a:t>
+            </a:r>
+            <a:r>
+              <a:rPr lang="en-US" sz="1200" b="1" dirty="0" err="1">
+                <a:solidFill>
+                  <a:srgbClr val="008000"/>
+                </a:solidFill>
+                <a:latin typeface="Calibri" panose="020F0502020204030204" pitchFamily="34" charset="0"/>
+                <a:ea typeface="Calibri" panose="020F0502020204030204" pitchFamily="34" charset="0"/>
+                <a:cs typeface="Arial" panose="020B0604020202020204" pitchFamily="34" charset="0"/>
+              </a:rPr>
+              <a:t>ngAfterViewChecked</a:t>
+            </a:r>
+            <a:r>
+              <a:rPr lang="en-US" sz="1200" b="1" dirty="0">
+                <a:solidFill>
+                  <a:srgbClr val="008000"/>
+                </a:solidFill>
+                <a:latin typeface="Calibri" panose="020F0502020204030204" pitchFamily="34" charset="0"/>
+                <a:ea typeface="Calibri" panose="020F0502020204030204" pitchFamily="34" charset="0"/>
+                <a:cs typeface="Arial" panose="020B0604020202020204" pitchFamily="34" charset="0"/>
+              </a:rPr>
+              <a:t>"</a:t>
+            </a:r>
+            <a:r>
+              <a:rPr lang="en-US" sz="1200" dirty="0">
+                <a:solidFill>
+                  <a:srgbClr val="000000"/>
+                </a:solidFill>
+                <a:latin typeface="Calibri" panose="020F0502020204030204" pitchFamily="34" charset="0"/>
+                <a:ea typeface="Calibri" panose="020F0502020204030204" pitchFamily="34" charset="0"/>
+                <a:cs typeface="Arial" panose="020B0604020202020204" pitchFamily="34" charset="0"/>
+              </a:rPr>
+              <a:t>);</a:t>
+            </a:r>
+            <a:br>
+              <a:rPr lang="en-US" sz="1200" dirty="0">
+                <a:solidFill>
+                  <a:srgbClr val="000000"/>
+                </a:solidFill>
+                <a:latin typeface="Calibri" panose="020F0502020204030204" pitchFamily="34" charset="0"/>
+                <a:ea typeface="Calibri" panose="020F0502020204030204" pitchFamily="34" charset="0"/>
+                <a:cs typeface="Arial" panose="020B0604020202020204" pitchFamily="34" charset="0"/>
+              </a:rPr>
+            </a:br>
+            <a:br>
+              <a:rPr lang="en-US" sz="1200" dirty="0">
+                <a:solidFill>
+                  <a:srgbClr val="000000"/>
+                </a:solidFill>
+                <a:latin typeface="Calibri" panose="020F0502020204030204" pitchFamily="34" charset="0"/>
+                <a:ea typeface="Calibri" panose="020F0502020204030204" pitchFamily="34" charset="0"/>
+                <a:cs typeface="Arial" panose="020B0604020202020204" pitchFamily="34" charset="0"/>
+              </a:rPr>
+            </a:br>
+            <a:r>
+              <a:rPr lang="en-US" sz="1200" dirty="0">
+                <a:solidFill>
+                  <a:srgbClr val="000000"/>
+                </a:solidFill>
+                <a:latin typeface="Calibri" panose="020F0502020204030204" pitchFamily="34" charset="0"/>
+                <a:ea typeface="Calibri" panose="020F0502020204030204" pitchFamily="34" charset="0"/>
+                <a:cs typeface="Arial" panose="020B0604020202020204" pitchFamily="34" charset="0"/>
+              </a:rPr>
+              <a:t>        </a:t>
+            </a:r>
+            <a:r>
+              <a:rPr lang="en-US" sz="1200" b="1" i="1" dirty="0">
+                <a:solidFill>
+                  <a:srgbClr val="660E7A"/>
+                </a:solidFill>
+                <a:latin typeface="Calibri" panose="020F0502020204030204" pitchFamily="34" charset="0"/>
+                <a:ea typeface="Calibri" panose="020F0502020204030204" pitchFamily="34" charset="0"/>
+                <a:cs typeface="Arial" panose="020B0604020202020204" pitchFamily="34" charset="0"/>
+              </a:rPr>
+              <a:t>console</a:t>
+            </a:r>
+            <a:r>
+              <a:rPr lang="en-US" sz="1200" dirty="0">
+                <a:solidFill>
+                  <a:srgbClr val="000000"/>
+                </a:solidFill>
+                <a:latin typeface="Calibri" panose="020F0502020204030204" pitchFamily="34" charset="0"/>
+                <a:ea typeface="Calibri" panose="020F0502020204030204" pitchFamily="34" charset="0"/>
+                <a:cs typeface="Arial" panose="020B0604020202020204" pitchFamily="34" charset="0"/>
+              </a:rPr>
+              <a:t>.</a:t>
+            </a:r>
+            <a:r>
+              <a:rPr lang="en-US" sz="1200" dirty="0">
+                <a:solidFill>
+                  <a:srgbClr val="7A7A43"/>
+                </a:solidFill>
+                <a:latin typeface="Calibri" panose="020F0502020204030204" pitchFamily="34" charset="0"/>
+                <a:ea typeface="Calibri" panose="020F0502020204030204" pitchFamily="34" charset="0"/>
+                <a:cs typeface="Arial" panose="020B0604020202020204" pitchFamily="34" charset="0"/>
+              </a:rPr>
+              <a:t>log</a:t>
+            </a:r>
+            <a:r>
+              <a:rPr lang="en-US" sz="1200" dirty="0">
+                <a:solidFill>
+                  <a:srgbClr val="000000"/>
+                </a:solidFill>
+                <a:latin typeface="Calibri" panose="020F0502020204030204" pitchFamily="34" charset="0"/>
+                <a:ea typeface="Calibri" panose="020F0502020204030204" pitchFamily="34" charset="0"/>
+                <a:cs typeface="Arial" panose="020B0604020202020204" pitchFamily="34" charset="0"/>
+              </a:rPr>
+              <a:t>(</a:t>
+            </a:r>
+            <a:r>
+              <a:rPr lang="en-US" sz="1200" b="1" dirty="0" err="1">
+                <a:solidFill>
+                  <a:srgbClr val="000080"/>
+                </a:solidFill>
+                <a:latin typeface="Calibri" panose="020F0502020204030204" pitchFamily="34" charset="0"/>
+                <a:ea typeface="Calibri" panose="020F0502020204030204" pitchFamily="34" charset="0"/>
+                <a:cs typeface="Arial" panose="020B0604020202020204" pitchFamily="34" charset="0"/>
+              </a:rPr>
+              <a:t>this</a:t>
+            </a:r>
+            <a:r>
+              <a:rPr lang="en-US" sz="1200" dirty="0" err="1">
+                <a:solidFill>
+                  <a:srgbClr val="000000"/>
+                </a:solidFill>
+                <a:latin typeface="Calibri" panose="020F0502020204030204" pitchFamily="34" charset="0"/>
+                <a:ea typeface="Calibri" panose="020F0502020204030204" pitchFamily="34" charset="0"/>
+                <a:cs typeface="Arial" panose="020B0604020202020204" pitchFamily="34" charset="0"/>
+              </a:rPr>
+              <a:t>.</a:t>
+            </a:r>
+            <a:r>
+              <a:rPr lang="en-US" sz="1200" b="1" dirty="0" err="1">
+                <a:solidFill>
+                  <a:srgbClr val="660E7A"/>
+                </a:solidFill>
+                <a:latin typeface="Calibri" panose="020F0502020204030204" pitchFamily="34" charset="0"/>
+                <a:ea typeface="Calibri" panose="020F0502020204030204" pitchFamily="34" charset="0"/>
+                <a:cs typeface="Arial" panose="020B0604020202020204" pitchFamily="34" charset="0"/>
+              </a:rPr>
+              <a:t>clock</a:t>
+            </a:r>
+            <a:r>
+              <a:rPr lang="en-US" sz="1200" dirty="0">
+                <a:solidFill>
+                  <a:srgbClr val="000000"/>
+                </a:solidFill>
+                <a:latin typeface="Calibri" panose="020F0502020204030204" pitchFamily="34" charset="0"/>
+                <a:ea typeface="Calibri" panose="020F0502020204030204" pitchFamily="34" charset="0"/>
+                <a:cs typeface="Arial" panose="020B0604020202020204" pitchFamily="34" charset="0"/>
+              </a:rPr>
+              <a:t>);</a:t>
+            </a:r>
+            <a:br>
+              <a:rPr lang="en-US" sz="1200" dirty="0">
+                <a:solidFill>
+                  <a:srgbClr val="000000"/>
+                </a:solidFill>
+                <a:latin typeface="Calibri" panose="020F0502020204030204" pitchFamily="34" charset="0"/>
+                <a:ea typeface="Calibri" panose="020F0502020204030204" pitchFamily="34" charset="0"/>
+                <a:cs typeface="Arial" panose="020B0604020202020204" pitchFamily="34" charset="0"/>
+              </a:rPr>
+            </a:br>
+            <a:r>
+              <a:rPr lang="en-US" sz="1200" dirty="0">
+                <a:solidFill>
+                  <a:srgbClr val="000000"/>
+                </a:solidFill>
+                <a:latin typeface="Calibri" panose="020F0502020204030204" pitchFamily="34" charset="0"/>
+                <a:ea typeface="Calibri" panose="020F0502020204030204" pitchFamily="34" charset="0"/>
+                <a:cs typeface="Arial" panose="020B0604020202020204" pitchFamily="34" charset="0"/>
+              </a:rPr>
+              <a:t>    }</a:t>
+            </a:r>
+            <a:br>
+              <a:rPr lang="en-US" sz="1200" dirty="0">
+                <a:solidFill>
+                  <a:srgbClr val="000000"/>
+                </a:solidFill>
+                <a:latin typeface="Calibri" panose="020F0502020204030204" pitchFamily="34" charset="0"/>
+                <a:ea typeface="Calibri" panose="020F0502020204030204" pitchFamily="34" charset="0"/>
+                <a:cs typeface="Arial" panose="020B0604020202020204" pitchFamily="34" charset="0"/>
+              </a:rPr>
+            </a:br>
+            <a:r>
+              <a:rPr lang="en-US" sz="1200" dirty="0">
+                <a:solidFill>
+                  <a:srgbClr val="000000"/>
+                </a:solidFill>
+                <a:latin typeface="Calibri" panose="020F0502020204030204" pitchFamily="34" charset="0"/>
+                <a:ea typeface="Calibri" panose="020F0502020204030204" pitchFamily="34" charset="0"/>
+                <a:cs typeface="Arial" panose="020B0604020202020204" pitchFamily="34" charset="0"/>
+              </a:rPr>
+              <a:t>}</a:t>
+            </a:r>
+            <a:endParaRPr lang="he-IL" sz="1200" dirty="0"/>
+          </a:p>
+        </p:txBody>
+      </p:sp>
+    </p:spTree>
+    <p:extLst>
+      <p:ext uri="{BB962C8B-B14F-4D97-AF65-F5344CB8AC3E}">
+        <p14:creationId xmlns:p14="http://schemas.microsoft.com/office/powerpoint/2010/main" val="3455501149"/>
+      </p:ext>
+    </p:extLst>
+  </p:cSld>
+  <p:clrMapOvr>
+    <a:masterClrMapping/>
+  </p:clrMapOvr>
+</p:sld>
+</file>
+
+<file path=ppt/slides/slide45.xml><?xml version="1.0" encoding="utf-8"?>
+<p:sld xmlns:a="http://schemas.openxmlformats.org/drawingml/2006/main" xmlns:r="http://schemas.openxmlformats.org/officeDocument/2006/relationships" xmlns:p="http://schemas.openxmlformats.org/presentationml/2006/main">
+  <p:cSld>
+    <p:spTree>
+      <p:nvGrpSpPr>
+        <p:cNvPr id="1" name=""/>
+        <p:cNvGrpSpPr/>
+        <p:nvPr/>
+      </p:nvGrpSpPr>
+      <p:grpSpPr>
+        <a:xfrm>
+          <a:off x="0" y="0"/>
+          <a:ext cx="0" cy="0"/>
+          <a:chOff x="0" y="0"/>
+          <a:chExt cx="0" cy="0"/>
+        </a:xfrm>
+      </p:grpSpPr>
+      <p:sp>
+        <p:nvSpPr>
+          <p:cNvPr id="2" name="Title 1"/>
+          <p:cNvSpPr>
+            <a:spLocks noGrp="1"/>
+          </p:cNvSpPr>
+          <p:nvPr>
+            <p:ph type="title"/>
+          </p:nvPr>
+        </p:nvSpPr>
+        <p:spPr/>
+        <p:txBody>
+          <a:bodyPr/>
+          <a:lstStyle/>
+          <a:p>
+            <a:r>
+              <a:rPr lang="en-US" dirty="0"/>
+              <a:t>Accessing a List of child components</a:t>
+            </a:r>
+            <a:endParaRPr lang="he-IL" dirty="0"/>
+          </a:p>
+        </p:txBody>
+      </p:sp>
+      <p:sp>
+        <p:nvSpPr>
+          <p:cNvPr id="3" name="Footer Placeholder 2"/>
+          <p:cNvSpPr>
+            <a:spLocks noGrp="1"/>
+          </p:cNvSpPr>
+          <p:nvPr>
+            <p:ph type="ftr" sz="quarter" idx="11"/>
+          </p:nvPr>
+        </p:nvSpPr>
+        <p:spPr/>
+        <p:txBody>
+          <a:bodyPr/>
+          <a:lstStyle/>
+          <a:p>
+            <a:r>
+              <a:rPr lang="en-US"/>
+              <a:t>© 2016 Ori Calvo</a:t>
+            </a:r>
+            <a:endParaRPr lang="en-US" dirty="0"/>
+          </a:p>
+        </p:txBody>
+      </p:sp>
+      <p:sp>
+        <p:nvSpPr>
+          <p:cNvPr id="4" name="Slide Number Placeholder 3"/>
+          <p:cNvSpPr>
+            <a:spLocks noGrp="1"/>
+          </p:cNvSpPr>
+          <p:nvPr>
+            <p:ph type="sldNum" sz="quarter" idx="12"/>
+          </p:nvPr>
+        </p:nvSpPr>
+        <p:spPr/>
+        <p:txBody>
+          <a:bodyPr>
+            <a:normAutofit fontScale="85000" lnSpcReduction="20000"/>
+          </a:bodyPr>
+          <a:lstStyle/>
+          <a:p>
+            <a:fld id="{6EDEC3BC-0694-4586-AE63-02B4D54ABF43}" type="slidenum">
+              <a:rPr lang="en-US" smtClean="0"/>
+              <a:pPr/>
+              <a:t>45</a:t>
             </a:fld>
             <a:endParaRPr lang="en-US"/>
           </a:p>
@@ -34498,173 +34933,6 @@
 </p:sld>
 </file>
 
-<file path=ppt/slides/slide45.xml><?xml version="1.0" encoding="utf-8"?>
-<p:sld xmlns:a="http://schemas.openxmlformats.org/drawingml/2006/main" xmlns:r="http://schemas.openxmlformats.org/officeDocument/2006/relationships" xmlns:p="http://schemas.openxmlformats.org/presentationml/2006/main">
-  <p:cSld>
-    <p:spTree>
-      <p:nvGrpSpPr>
-        <p:cNvPr id="1" name=""/>
-        <p:cNvGrpSpPr/>
-        <p:nvPr/>
-      </p:nvGrpSpPr>
-      <p:grpSpPr>
-        <a:xfrm>
-          <a:off x="0" y="0"/>
-          <a:ext cx="0" cy="0"/>
-          <a:chOff x="0" y="0"/>
-          <a:chExt cx="0" cy="0"/>
-        </a:xfrm>
-      </p:grpSpPr>
-      <p:sp>
-        <p:nvSpPr>
-          <p:cNvPr id="2" name="Title 1"/>
-          <p:cNvSpPr>
-            <a:spLocks noGrp="1"/>
-          </p:cNvSpPr>
-          <p:nvPr>
-            <p:ph type="title"/>
-          </p:nvPr>
-        </p:nvSpPr>
-        <p:spPr/>
-        <p:txBody>
-          <a:bodyPr/>
-          <a:lstStyle/>
-          <a:p>
-            <a:r>
-              <a:rPr lang="en-US" dirty="0" err="1"/>
-              <a:t>ngFor</a:t>
-            </a:r>
-            <a:r>
-              <a:rPr lang="en-US" dirty="0"/>
-              <a:t> Analysis</a:t>
-            </a:r>
-            <a:endParaRPr lang="he-IL" dirty="0"/>
-          </a:p>
-        </p:txBody>
-      </p:sp>
-      <p:sp>
-        <p:nvSpPr>
-          <p:cNvPr id="3" name="Footer Placeholder 2"/>
-          <p:cNvSpPr>
-            <a:spLocks noGrp="1"/>
-          </p:cNvSpPr>
-          <p:nvPr>
-            <p:ph type="ftr" sz="quarter" idx="11"/>
-          </p:nvPr>
-        </p:nvSpPr>
-        <p:spPr/>
-        <p:txBody>
-          <a:bodyPr/>
-          <a:lstStyle/>
-          <a:p>
-            <a:r>
-              <a:rPr lang="en-US"/>
-              <a:t>© 2016 Ori Calvo</a:t>
-            </a:r>
-            <a:endParaRPr lang="en-US" dirty="0"/>
-          </a:p>
-        </p:txBody>
-      </p:sp>
-      <p:sp>
-        <p:nvSpPr>
-          <p:cNvPr id="4" name="Slide Number Placeholder 3"/>
-          <p:cNvSpPr>
-            <a:spLocks noGrp="1"/>
-          </p:cNvSpPr>
-          <p:nvPr>
-            <p:ph type="sldNum" sz="quarter" idx="12"/>
-          </p:nvPr>
-        </p:nvSpPr>
-        <p:spPr/>
-        <p:txBody>
-          <a:bodyPr>
-            <a:normAutofit fontScale="85000" lnSpcReduction="20000"/>
-          </a:bodyPr>
-          <a:lstStyle/>
-          <a:p>
-            <a:fld id="{6EDEC3BC-0694-4586-AE63-02B4D54ABF43}" type="slidenum">
-              <a:rPr lang="en-US" smtClean="0"/>
-              <a:pPr/>
-              <a:t>45</a:t>
-            </a:fld>
-            <a:endParaRPr lang="en-US"/>
-          </a:p>
-        </p:txBody>
-      </p:sp>
-      <p:sp>
-        <p:nvSpPr>
-          <p:cNvPr id="5" name="Content Placeholder 4"/>
-          <p:cNvSpPr>
-            <a:spLocks noGrp="1"/>
-          </p:cNvSpPr>
-          <p:nvPr>
-            <p:ph sz="quarter" idx="1"/>
-          </p:nvPr>
-        </p:nvSpPr>
-        <p:spPr/>
-        <p:txBody>
-          <a:bodyPr/>
-          <a:lstStyle/>
-          <a:p>
-            <a:r>
-              <a:rPr lang="en-US" dirty="0"/>
-              <a:t>In some cases </a:t>
-            </a:r>
-            <a:r>
-              <a:rPr lang="en-US" dirty="0" err="1">
-                <a:solidFill>
-                  <a:srgbClr val="FF0000"/>
-                </a:solidFill>
-              </a:rPr>
-              <a:t>ngFor</a:t>
-            </a:r>
-            <a:r>
-              <a:rPr lang="en-US" dirty="0"/>
-              <a:t> is the root cause for performance issue</a:t>
-            </a:r>
-          </a:p>
-          <a:p>
-            <a:r>
-              <a:rPr lang="en-US" dirty="0"/>
-              <a:t>Since </a:t>
-            </a:r>
-            <a:r>
-              <a:rPr lang="en-US" dirty="0" err="1"/>
-              <a:t>ngFor</a:t>
-            </a:r>
-            <a:r>
-              <a:rPr lang="en-US" dirty="0"/>
-              <a:t> produces significant amount of DOM Angular puts much effort trying to optimize it</a:t>
-            </a:r>
-          </a:p>
-          <a:p>
-            <a:r>
-              <a:rPr lang="en-US" dirty="0"/>
-              <a:t>However, the developer is still responsible for keeping it truly optimized</a:t>
-            </a:r>
-          </a:p>
-          <a:p>
-            <a:r>
-              <a:rPr lang="en-US" dirty="0"/>
-              <a:t>Lets see …</a:t>
-            </a:r>
-            <a:endParaRPr lang="he-IL" dirty="0"/>
-          </a:p>
-        </p:txBody>
-      </p:sp>
-    </p:spTree>
-    <p:extLst>
-      <p:ext uri="{BB962C8B-B14F-4D97-AF65-F5344CB8AC3E}">
-        <p14:creationId xmlns:p14="http://schemas.microsoft.com/office/powerpoint/2010/main" val="2163240363"/>
-      </p:ext>
-    </p:extLst>
-  </p:cSld>
-  <p:clrMapOvr>
-    <a:masterClrMapping/>
-  </p:clrMapOvr>
-</p:sld>
-</file>
-
 <file path=ppt/slides/slide46.xml><?xml version="1.0" encoding="utf-8"?>
 <p:sld xmlns:a="http://schemas.openxmlformats.org/drawingml/2006/main" xmlns:r="http://schemas.openxmlformats.org/officeDocument/2006/relationships" xmlns:p="http://schemas.openxmlformats.org/presentationml/2006/main">
   <p:cSld>
@@ -34698,8 +34966,12 @@
           <a:lstStyle/>
           <a:p>
             <a:r>
+              <a:rPr lang="en-US" dirty="0" err="1"/>
+              <a:t>ngFor</a:t>
+            </a:r>
+            <a:r>
               <a:rPr lang="en-US" dirty="0"/>
-              <a:t>Swapping Items</a:t>
+              <a:t> Analysis</a:t>
             </a:r>
             <a:endParaRPr lang="he-IL" dirty="0"/>
           </a:p>
@@ -34749,6 +35021,169 @@
               <a:rPr lang="en-US" smtClean="0"/>
               <a:pPr/>
               <a:t>46</a:t>
+            </a:fld>
+            <a:endParaRPr lang="en-US"/>
+          </a:p>
+        </p:txBody>
+      </p:sp>
+      <p:sp>
+        <p:nvSpPr>
+          <p:cNvPr id="5" name="Content Placeholder 4"/>
+          <p:cNvSpPr>
+            <a:spLocks noGrp="1"/>
+          </p:cNvSpPr>
+          <p:nvPr>
+            <p:ph sz="quarter" idx="1"/>
+          </p:nvPr>
+        </p:nvSpPr>
+        <p:spPr/>
+        <p:txBody>
+          <a:bodyPr/>
+          <a:lstStyle/>
+          <a:p>
+            <a:r>
+              <a:rPr lang="en-US" dirty="0"/>
+              <a:t>In some cases </a:t>
+            </a:r>
+            <a:r>
+              <a:rPr lang="en-US" dirty="0" err="1">
+                <a:solidFill>
+                  <a:srgbClr val="FF0000"/>
+                </a:solidFill>
+              </a:rPr>
+              <a:t>ngFor</a:t>
+            </a:r>
+            <a:r>
+              <a:rPr lang="en-US" dirty="0"/>
+              <a:t> is the root cause for performance issue</a:t>
+            </a:r>
+          </a:p>
+          <a:p>
+            <a:r>
+              <a:rPr lang="en-US" dirty="0"/>
+              <a:t>Since </a:t>
+            </a:r>
+            <a:r>
+              <a:rPr lang="en-US" dirty="0" err="1"/>
+              <a:t>ngFor</a:t>
+            </a:r>
+            <a:r>
+              <a:rPr lang="en-US" dirty="0"/>
+              <a:t> produces significant amount of DOM Angular puts much effort trying to optimize it</a:t>
+            </a:r>
+          </a:p>
+          <a:p>
+            <a:r>
+              <a:rPr lang="en-US" dirty="0"/>
+              <a:t>However, the developer is still responsible for keeping it truly optimized</a:t>
+            </a:r>
+          </a:p>
+          <a:p>
+            <a:r>
+              <a:rPr lang="en-US" dirty="0"/>
+              <a:t>Lets see …</a:t>
+            </a:r>
+            <a:endParaRPr lang="he-IL" dirty="0"/>
+          </a:p>
+        </p:txBody>
+      </p:sp>
+    </p:spTree>
+    <p:extLst>
+      <p:ext uri="{BB962C8B-B14F-4D97-AF65-F5344CB8AC3E}">
+        <p14:creationId xmlns:p14="http://schemas.microsoft.com/office/powerpoint/2010/main" val="2163240363"/>
+      </p:ext>
+    </p:extLst>
+  </p:cSld>
+  <p:clrMapOvr>
+    <a:masterClrMapping/>
+  </p:clrMapOvr>
+</p:sld>
+</file>
+
+<file path=ppt/slides/slide47.xml><?xml version="1.0" encoding="utf-8"?>
+<p:sld xmlns:a="http://schemas.openxmlformats.org/drawingml/2006/main" xmlns:r="http://schemas.openxmlformats.org/officeDocument/2006/relationships" xmlns:p="http://schemas.openxmlformats.org/presentationml/2006/main">
+  <p:cSld>
+    <p:spTree>
+      <p:nvGrpSpPr>
+        <p:cNvPr id="1" name=""/>
+        <p:cNvGrpSpPr/>
+        <p:nvPr/>
+      </p:nvGrpSpPr>
+      <p:grpSpPr>
+        <a:xfrm>
+          <a:off x="0" y="0"/>
+          <a:ext cx="0" cy="0"/>
+          <a:chOff x="0" y="0"/>
+          <a:chExt cx="0" cy="0"/>
+        </a:xfrm>
+      </p:grpSpPr>
+      <p:sp>
+        <p:nvSpPr>
+          <p:cNvPr id="2" name="Title 1"/>
+          <p:cNvSpPr>
+            <a:spLocks noGrp="1"/>
+          </p:cNvSpPr>
+          <p:nvPr>
+            <p:ph type="title"/>
+          </p:nvPr>
+        </p:nvSpPr>
+        <p:spPr/>
+        <p:txBody>
+          <a:bodyPr/>
+          <a:lstStyle/>
+          <a:p>
+            <a:r>
+              <a:rPr lang="en-US" dirty="0"/>
+              <a:t>Swapping Items</a:t>
+            </a:r>
+            <a:endParaRPr lang="he-IL" dirty="0"/>
+          </a:p>
+        </p:txBody>
+      </p:sp>
+      <p:sp>
+        <p:nvSpPr>
+          <p:cNvPr id="3" name="Footer Placeholder 2"/>
+          <p:cNvSpPr>
+            <a:spLocks noGrp="1"/>
+          </p:cNvSpPr>
+          <p:nvPr>
+            <p:ph type="ftr" sz="quarter" idx="11"/>
+          </p:nvPr>
+        </p:nvSpPr>
+        <p:spPr/>
+        <p:txBody>
+          <a:bodyPr/>
+          <a:lstStyle/>
+          <a:p>
+            <a:r>
+              <a:rPr lang="en-US"/>
+              <a:t>© 2016 Ori Calvo</a:t>
+            </a:r>
+            <a:endParaRPr lang="en-US" dirty="0"/>
+          </a:p>
+        </p:txBody>
+      </p:sp>
+      <p:sp>
+        <p:nvSpPr>
+          <p:cNvPr id="4" name="Slide Number Placeholder 3"/>
+          <p:cNvSpPr>
+            <a:spLocks noGrp="1"/>
+          </p:cNvSpPr>
+          <p:nvPr>
+            <p:ph type="sldNum" sz="quarter" idx="12"/>
+          </p:nvPr>
+        </p:nvSpPr>
+        <p:spPr/>
+        <p:txBody>
+          <a:bodyPr>
+            <a:normAutofit fontScale="85000" lnSpcReduction="20000"/>
+          </a:bodyPr>
+          <a:lstStyle/>
+          <a:p>
+            <a:fld id="{6EDEC3BC-0694-4586-AE63-02B4D54ABF43}" type="slidenum">
+              <a:rPr lang="en-US" smtClean="0"/>
+              <a:pPr/>
+              <a:t>47</a:t>
             </a:fld>
             <a:endParaRPr lang="en-US"/>
           </a:p>
@@ -35846,7 +36281,7 @@
 </p:sld>
 </file>
 
-<file path=ppt/slides/slide47.xml><?xml version="1.0" encoding="utf-8"?>
+<file path=ppt/slides/slide48.xml><?xml version="1.0" encoding="utf-8"?>
 <p:sld xmlns:a="http://schemas.openxmlformats.org/drawingml/2006/main" xmlns:r="http://schemas.openxmlformats.org/officeDocument/2006/relationships" xmlns:p="http://schemas.openxmlformats.org/presentationml/2006/main">
   <p:cSld>
     <p:spTree>
@@ -35929,7 +36364,7 @@
             <a:fld id="{6EDEC3BC-0694-4586-AE63-02B4D54ABF43}" type="slidenum">
               <a:rPr lang="en-US" smtClean="0"/>
               <a:pPr/>
-              <a:t>47</a:t>
+              <a:t>48</a:t>
             </a:fld>
             <a:endParaRPr lang="en-US"/>
           </a:p>
@@ -36801,7 +37236,7 @@
 </p:sld>
 </file>
 
-<file path=ppt/slides/slide48.xml><?xml version="1.0" encoding="utf-8"?>
+<file path=ppt/slides/slide49.xml><?xml version="1.0" encoding="utf-8"?>
 <p:sld xmlns:a="http://schemas.openxmlformats.org/drawingml/2006/main" xmlns:r="http://schemas.openxmlformats.org/officeDocument/2006/relationships" xmlns:p="http://schemas.openxmlformats.org/presentationml/2006/main">
   <p:cSld>
     <p:spTree>
@@ -36884,7 +37319,7 @@
             <a:fld id="{6EDEC3BC-0694-4586-AE63-02B4D54ABF43}" type="slidenum">
               <a:rPr lang="en-US" smtClean="0"/>
               <a:pPr/>
-              <a:t>48</a:t>
+              <a:t>49</a:t>
             </a:fld>
             <a:endParaRPr lang="en-US"/>
           </a:p>
@@ -37787,159 +38222,6 @@
 </p:sld>
 </file>
 
-<file path=ppt/slides/slide49.xml><?xml version="1.0" encoding="utf-8"?>
-<p:sld xmlns:a="http://schemas.openxmlformats.org/drawingml/2006/main" xmlns:r="http://schemas.openxmlformats.org/officeDocument/2006/relationships" xmlns:p="http://schemas.openxmlformats.org/presentationml/2006/main">
-  <p:cSld>
-    <p:spTree>
-      <p:nvGrpSpPr>
-        <p:cNvPr id="1" name=""/>
-        <p:cNvGrpSpPr/>
-        <p:nvPr/>
-      </p:nvGrpSpPr>
-      <p:grpSpPr>
-        <a:xfrm>
-          <a:off x="0" y="0"/>
-          <a:ext cx="0" cy="0"/>
-          <a:chOff x="0" y="0"/>
-          <a:chExt cx="0" cy="0"/>
-        </a:xfrm>
-      </p:grpSpPr>
-      <p:sp>
-        <p:nvSpPr>
-          <p:cNvPr id="2" name="Title 1"/>
-          <p:cNvSpPr>
-            <a:spLocks noGrp="1"/>
-          </p:cNvSpPr>
-          <p:nvPr>
-            <p:ph type="title"/>
-          </p:nvPr>
-        </p:nvSpPr>
-        <p:spPr/>
-        <p:txBody>
-          <a:bodyPr/>
-          <a:lstStyle/>
-          <a:p>
-            <a:r>
-              <a:rPr lang="en-US" dirty="0"/>
-              <a:t>Heterogeneous </a:t>
-            </a:r>
-            <a:r>
-              <a:rPr lang="en-US" dirty="0" err="1"/>
-              <a:t>ngFor</a:t>
-            </a:r>
-            <a:endParaRPr lang="he-IL" dirty="0"/>
-          </a:p>
-        </p:txBody>
-      </p:sp>
-      <p:sp>
-        <p:nvSpPr>
-          <p:cNvPr id="3" name="Footer Placeholder 2"/>
-          <p:cNvSpPr>
-            <a:spLocks noGrp="1"/>
-          </p:cNvSpPr>
-          <p:nvPr>
-            <p:ph type="ftr" sz="quarter" idx="11"/>
-          </p:nvPr>
-        </p:nvSpPr>
-        <p:spPr/>
-        <p:txBody>
-          <a:bodyPr/>
-          <a:lstStyle/>
-          <a:p>
-            <a:r>
-              <a:rPr lang="en-US"/>
-              <a:t>© 2016 Ori Calvo</a:t>
-            </a:r>
-            <a:endParaRPr lang="en-US" dirty="0"/>
-          </a:p>
-        </p:txBody>
-      </p:sp>
-      <p:sp>
-        <p:nvSpPr>
-          <p:cNvPr id="4" name="Slide Number Placeholder 3"/>
-          <p:cNvSpPr>
-            <a:spLocks noGrp="1"/>
-          </p:cNvSpPr>
-          <p:nvPr>
-            <p:ph type="sldNum" sz="quarter" idx="12"/>
-          </p:nvPr>
-        </p:nvSpPr>
-        <p:spPr/>
-        <p:txBody>
-          <a:bodyPr>
-            <a:normAutofit fontScale="85000" lnSpcReduction="20000"/>
-          </a:bodyPr>
-          <a:lstStyle/>
-          <a:p>
-            <a:fld id="{6EDEC3BC-0694-4586-AE63-02B4D54ABF43}" type="slidenum">
-              <a:rPr lang="en-US" smtClean="0"/>
-              <a:pPr/>
-              <a:t>49</a:t>
-            </a:fld>
-            <a:endParaRPr lang="en-US"/>
-          </a:p>
-        </p:txBody>
-      </p:sp>
-      <p:sp>
-        <p:nvSpPr>
-          <p:cNvPr id="5" name="Content Placeholder 4"/>
-          <p:cNvSpPr>
-            <a:spLocks noGrp="1"/>
-          </p:cNvSpPr>
-          <p:nvPr>
-            <p:ph sz="quarter" idx="1"/>
-          </p:nvPr>
-        </p:nvSpPr>
-        <p:spPr/>
-        <p:txBody>
-          <a:bodyPr/>
-          <a:lstStyle/>
-          <a:p>
-            <a:r>
-              <a:rPr lang="en-US" dirty="0"/>
-              <a:t>Assume a polymorphic collection of items</a:t>
-            </a:r>
-          </a:p>
-          <a:p>
-            <a:r>
-              <a:rPr lang="en-US" dirty="0"/>
-              <a:t>For each type of item we want to display different view</a:t>
-            </a:r>
-          </a:p>
-          <a:p>
-            <a:r>
-              <a:rPr lang="en-US" dirty="0"/>
-              <a:t>According to OCP we don’t want to maintain an if/else</a:t>
-            </a:r>
-          </a:p>
-          <a:p>
-            <a:r>
-              <a:rPr lang="en-US" dirty="0"/>
-              <a:t>Instead we hold a map between items types and views</a:t>
-            </a:r>
-          </a:p>
-          <a:p>
-            <a:r>
-              <a:rPr lang="en-US" dirty="0"/>
-              <a:t>How can we handle injection of different view depends on the item type ?</a:t>
-            </a:r>
-            <a:endParaRPr lang="he-IL" dirty="0"/>
-          </a:p>
-        </p:txBody>
-      </p:sp>
-    </p:spTree>
-    <p:extLst>
-      <p:ext uri="{BB962C8B-B14F-4D97-AF65-F5344CB8AC3E}">
-        <p14:creationId xmlns:p14="http://schemas.microsoft.com/office/powerpoint/2010/main" val="123722408"/>
-      </p:ext>
-    </p:extLst>
-  </p:cSld>
-  <p:clrMapOvr>
-    <a:masterClrMapping/>
-  </p:clrMapOvr>
-</p:sld>
-</file>
-
 <file path=ppt/slides/slide5.xml><?xml version="1.0" encoding="utf-8"?>
 <p:sld xmlns:a="http://schemas.openxmlformats.org/drawingml/2006/main" xmlns:r="http://schemas.openxmlformats.org/officeDocument/2006/relationships" xmlns:p="http://schemas.openxmlformats.org/presentationml/2006/main">
   <p:cSld>
@@ -38922,8 +39204,12 @@
           <a:lstStyle/>
           <a:p>
             <a:r>
+              <a:rPr lang="en-US" dirty="0"/>
+              <a:t>Heterogeneous </a:t>
+            </a:r>
+            <a:r>
               <a:rPr lang="en-US" dirty="0" err="1"/>
-              <a:t>ComponentFactoryResolver</a:t>
+              <a:t>ngFor</a:t>
             </a:r>
             <a:endParaRPr lang="he-IL" dirty="0"/>
           </a:p>
@@ -38995,38 +39281,31 @@
           <a:p>
             <a:r>
               <a:rPr lang="en-US" dirty="0"/>
-              <a:t>A built-in provider that returns a component factory for a component type</a:t>
+              <a:t>Assume a polymorphic collection of items</a:t>
             </a:r>
           </a:p>
           <a:p>
             <a:r>
               <a:rPr lang="en-US" dirty="0"/>
-              <a:t>Use it to dynamically inject a component to an existing parent</a:t>
+              <a:t>For each type of item we want to display different view</a:t>
             </a:r>
           </a:p>
           <a:p>
             <a:r>
               <a:rPr lang="en-US" dirty="0"/>
-              <a:t>Usually you will set a marker inside the parent’s view and inject the component using </a:t>
-            </a:r>
-            <a:r>
-              <a:rPr lang="en-US" dirty="0" err="1">
-                <a:solidFill>
-                  <a:srgbClr val="FF0000"/>
-                </a:solidFill>
-              </a:rPr>
-              <a:t>ViewContainerRef</a:t>
-            </a:r>
-            <a:endParaRPr lang="en-US" dirty="0">
-              <a:solidFill>
-                <a:srgbClr val="FF0000"/>
-              </a:solidFill>
-            </a:endParaRPr>
+              <a:t>According to OCP we don’t want to maintain an if/else</a:t>
+            </a:r>
           </a:p>
           <a:p>
             <a:r>
               <a:rPr lang="en-US" dirty="0"/>
-              <a:t>See next slide</a:t>
+              <a:t>Instead we hold a map between items types and views</a:t>
+            </a:r>
+          </a:p>
+          <a:p>
+            <a:r>
+              <a:rPr lang="en-US" dirty="0"/>
+              <a:t>How can we handle injection of different view depends on the item type ?</a:t>
             </a:r>
             <a:endParaRPr lang="he-IL" dirty="0"/>
           </a:p>
@@ -39035,7 +39314,7 @@
     </p:spTree>
     <p:extLst>
       <p:ext uri="{BB962C8B-B14F-4D97-AF65-F5344CB8AC3E}">
-        <p14:creationId xmlns:p14="http://schemas.microsoft.com/office/powerpoint/2010/main" val="3306213059"/>
+        <p14:creationId xmlns:p14="http://schemas.microsoft.com/office/powerpoint/2010/main" val="123722408"/>
       </p:ext>
     </p:extLst>
   </p:cSld>
@@ -39078,12 +39357,8 @@
           <a:lstStyle/>
           <a:p>
             <a:r>
-              <a:rPr lang="en-US" dirty="0"/>
-              <a:t>Heterogeneous </a:t>
-            </a:r>
-            <a:r>
               <a:rPr lang="en-US" dirty="0" err="1"/>
-              <a:t>ngFor</a:t>
+              <a:t>ComponentFactoryResolver</a:t>
             </a:r>
             <a:endParaRPr lang="he-IL" dirty="0"/>
           </a:p>
@@ -39133,6 +39408,166 @@
               <a:rPr lang="en-US" smtClean="0"/>
               <a:pPr/>
               <a:t>51</a:t>
+            </a:fld>
+            <a:endParaRPr lang="en-US"/>
+          </a:p>
+        </p:txBody>
+      </p:sp>
+      <p:sp>
+        <p:nvSpPr>
+          <p:cNvPr id="5" name="Content Placeholder 4"/>
+          <p:cNvSpPr>
+            <a:spLocks noGrp="1"/>
+          </p:cNvSpPr>
+          <p:nvPr>
+            <p:ph sz="quarter" idx="1"/>
+          </p:nvPr>
+        </p:nvSpPr>
+        <p:spPr/>
+        <p:txBody>
+          <a:bodyPr/>
+          <a:lstStyle/>
+          <a:p>
+            <a:r>
+              <a:rPr lang="en-US" dirty="0"/>
+              <a:t>A built-in provider that returns a component factory for a component type</a:t>
+            </a:r>
+          </a:p>
+          <a:p>
+            <a:r>
+              <a:rPr lang="en-US" dirty="0"/>
+              <a:t>Use it to dynamically inject a component to an existing parent</a:t>
+            </a:r>
+          </a:p>
+          <a:p>
+            <a:r>
+              <a:rPr lang="en-US" dirty="0"/>
+              <a:t>Usually you will set a marker inside the parent’s view and inject the component using </a:t>
+            </a:r>
+            <a:r>
+              <a:rPr lang="en-US" dirty="0" err="1">
+                <a:solidFill>
+                  <a:srgbClr val="FF0000"/>
+                </a:solidFill>
+              </a:rPr>
+              <a:t>ViewContainerRef</a:t>
+            </a:r>
+            <a:endParaRPr lang="en-US" dirty="0">
+              <a:solidFill>
+                <a:srgbClr val="FF0000"/>
+              </a:solidFill>
+            </a:endParaRPr>
+          </a:p>
+          <a:p>
+            <a:r>
+              <a:rPr lang="en-US" dirty="0"/>
+              <a:t>See next slide</a:t>
+            </a:r>
+            <a:endParaRPr lang="he-IL" dirty="0"/>
+          </a:p>
+        </p:txBody>
+      </p:sp>
+    </p:spTree>
+    <p:extLst>
+      <p:ext uri="{BB962C8B-B14F-4D97-AF65-F5344CB8AC3E}">
+        <p14:creationId xmlns:p14="http://schemas.microsoft.com/office/powerpoint/2010/main" val="3306213059"/>
+      </p:ext>
+    </p:extLst>
+  </p:cSld>
+  <p:clrMapOvr>
+    <a:masterClrMapping/>
+  </p:clrMapOvr>
+</p:sld>
+</file>
+
+<file path=ppt/slides/slide52.xml><?xml version="1.0" encoding="utf-8"?>
+<p:sld xmlns:a="http://schemas.openxmlformats.org/drawingml/2006/main" xmlns:r="http://schemas.openxmlformats.org/officeDocument/2006/relationships" xmlns:p="http://schemas.openxmlformats.org/presentationml/2006/main">
+  <p:cSld>
+    <p:spTree>
+      <p:nvGrpSpPr>
+        <p:cNvPr id="1" name=""/>
+        <p:cNvGrpSpPr/>
+        <p:nvPr/>
+      </p:nvGrpSpPr>
+      <p:grpSpPr>
+        <a:xfrm>
+          <a:off x="0" y="0"/>
+          <a:ext cx="0" cy="0"/>
+          <a:chOff x="0" y="0"/>
+          <a:chExt cx="0" cy="0"/>
+        </a:xfrm>
+      </p:grpSpPr>
+      <p:sp>
+        <p:nvSpPr>
+          <p:cNvPr id="2" name="Title 1"/>
+          <p:cNvSpPr>
+            <a:spLocks noGrp="1"/>
+          </p:cNvSpPr>
+          <p:nvPr>
+            <p:ph type="title"/>
+          </p:nvPr>
+        </p:nvSpPr>
+        <p:spPr/>
+        <p:txBody>
+          <a:bodyPr/>
+          <a:lstStyle/>
+          <a:p>
+            <a:r>
+              <a:rPr lang="en-US" dirty="0"/>
+              <a:t>Heterogeneous </a:t>
+            </a:r>
+            <a:r>
+              <a:rPr lang="en-US" dirty="0" err="1"/>
+              <a:t>ngFor</a:t>
+            </a:r>
+            <a:endParaRPr lang="he-IL" dirty="0"/>
+          </a:p>
+        </p:txBody>
+      </p:sp>
+      <p:sp>
+        <p:nvSpPr>
+          <p:cNvPr id="3" name="Footer Placeholder 2"/>
+          <p:cNvSpPr>
+            <a:spLocks noGrp="1"/>
+          </p:cNvSpPr>
+          <p:nvPr>
+            <p:ph type="ftr" sz="quarter" idx="11"/>
+          </p:nvPr>
+        </p:nvSpPr>
+        <p:spPr/>
+        <p:txBody>
+          <a:bodyPr/>
+          <a:lstStyle/>
+          <a:p>
+            <a:r>
+              <a:rPr lang="en-US"/>
+              <a:t>© 2016 Ori Calvo</a:t>
+            </a:r>
+            <a:endParaRPr lang="en-US" dirty="0"/>
+          </a:p>
+        </p:txBody>
+      </p:sp>
+      <p:sp>
+        <p:nvSpPr>
+          <p:cNvPr id="4" name="Slide Number Placeholder 3"/>
+          <p:cNvSpPr>
+            <a:spLocks noGrp="1"/>
+          </p:cNvSpPr>
+          <p:nvPr>
+            <p:ph type="sldNum" sz="quarter" idx="12"/>
+          </p:nvPr>
+        </p:nvSpPr>
+        <p:spPr/>
+        <p:txBody>
+          <a:bodyPr>
+            <a:normAutofit fontScale="85000" lnSpcReduction="20000"/>
+          </a:bodyPr>
+          <a:lstStyle/>
+          <a:p>
+            <a:fld id="{6EDEC3BC-0694-4586-AE63-02B4D54ABF43}" type="slidenum">
+              <a:rPr lang="en-US" smtClean="0"/>
+              <a:pPr/>
+              <a:t>52</a:t>
             </a:fld>
             <a:endParaRPr lang="en-US"/>
           </a:p>
@@ -41620,454 +42055,6 @@
 </p:sld>
 </file>
 
-<file path=ppt/slides/slide52.xml><?xml version="1.0" encoding="utf-8"?>
-<p:sld xmlns:a="http://schemas.openxmlformats.org/drawingml/2006/main" xmlns:r="http://schemas.openxmlformats.org/officeDocument/2006/relationships" xmlns:p="http://schemas.openxmlformats.org/presentationml/2006/main">
-  <p:cSld>
-    <p:spTree>
-      <p:nvGrpSpPr>
-        <p:cNvPr id="1" name=""/>
-        <p:cNvGrpSpPr/>
-        <p:nvPr/>
-      </p:nvGrpSpPr>
-      <p:grpSpPr>
-        <a:xfrm>
-          <a:off x="0" y="0"/>
-          <a:ext cx="0" cy="0"/>
-          <a:chOff x="0" y="0"/>
-          <a:chExt cx="0" cy="0"/>
-        </a:xfrm>
-      </p:grpSpPr>
-      <p:sp>
-        <p:nvSpPr>
-          <p:cNvPr id="2" name="Title 1"/>
-          <p:cNvSpPr>
-            <a:spLocks noGrp="1"/>
-          </p:cNvSpPr>
-          <p:nvPr>
-            <p:ph type="title"/>
-          </p:nvPr>
-        </p:nvSpPr>
-        <p:spPr/>
-        <p:txBody>
-          <a:bodyPr/>
-          <a:lstStyle/>
-          <a:p>
-            <a:r>
-              <a:rPr lang="en-US" dirty="0" err="1"/>
-              <a:t>entryComponents</a:t>
-            </a:r>
-            <a:endParaRPr lang="he-IL" dirty="0"/>
-          </a:p>
-        </p:txBody>
-      </p:sp>
-      <p:sp>
-        <p:nvSpPr>
-          <p:cNvPr id="3" name="Footer Placeholder 2"/>
-          <p:cNvSpPr>
-            <a:spLocks noGrp="1"/>
-          </p:cNvSpPr>
-          <p:nvPr>
-            <p:ph type="ftr" sz="quarter" idx="11"/>
-          </p:nvPr>
-        </p:nvSpPr>
-        <p:spPr/>
-        <p:txBody>
-          <a:bodyPr/>
-          <a:lstStyle/>
-          <a:p>
-            <a:r>
-              <a:rPr lang="en-US"/>
-              <a:t>© 2016 Ori Calvo</a:t>
-            </a:r>
-            <a:endParaRPr lang="en-US" dirty="0"/>
-          </a:p>
-        </p:txBody>
-      </p:sp>
-      <p:sp>
-        <p:nvSpPr>
-          <p:cNvPr id="4" name="Slide Number Placeholder 3"/>
-          <p:cNvSpPr>
-            <a:spLocks noGrp="1"/>
-          </p:cNvSpPr>
-          <p:nvPr>
-            <p:ph type="sldNum" sz="quarter" idx="12"/>
-          </p:nvPr>
-        </p:nvSpPr>
-        <p:spPr/>
-        <p:txBody>
-          <a:bodyPr>
-            <a:normAutofit fontScale="85000" lnSpcReduction="20000"/>
-          </a:bodyPr>
-          <a:lstStyle/>
-          <a:p>
-            <a:fld id="{6EDEC3BC-0694-4586-AE63-02B4D54ABF43}" type="slidenum">
-              <a:rPr lang="en-US" smtClean="0"/>
-              <a:pPr/>
-              <a:t>52</a:t>
-            </a:fld>
-            <a:endParaRPr lang="en-US"/>
-          </a:p>
-        </p:txBody>
-      </p:sp>
-      <p:sp>
-        <p:nvSpPr>
-          <p:cNvPr id="5" name="Content Placeholder 4"/>
-          <p:cNvSpPr>
-            <a:spLocks noGrp="1"/>
-          </p:cNvSpPr>
-          <p:nvPr>
-            <p:ph sz="quarter" idx="1"/>
-          </p:nvPr>
-        </p:nvSpPr>
-        <p:spPr/>
-        <p:txBody>
-          <a:bodyPr/>
-          <a:lstStyle/>
-          <a:p>
-            <a:r>
-              <a:rPr lang="en-US" dirty="0"/>
-              <a:t>By default a component does not have a factory</a:t>
-            </a:r>
-          </a:p>
-          <a:p>
-            <a:pPr lvl="1"/>
-            <a:r>
-              <a:rPr lang="en-US" dirty="0"/>
-              <a:t>Less CPU and code</a:t>
-            </a:r>
-          </a:p>
-          <a:p>
-            <a:r>
-              <a:rPr lang="en-US" dirty="0"/>
-              <a:t>You need to manually ask Angular to create a factory by specifying the component under the </a:t>
-            </a:r>
-            <a:r>
-              <a:rPr lang="en-US" dirty="0" err="1">
-                <a:solidFill>
-                  <a:srgbClr val="FF0000"/>
-                </a:solidFill>
-              </a:rPr>
-              <a:t>entryComponents</a:t>
-            </a:r>
-            <a:r>
-              <a:rPr lang="en-US" dirty="0"/>
-              <a:t> section</a:t>
-            </a:r>
-          </a:p>
-        </p:txBody>
-      </p:sp>
-      <p:sp>
-        <p:nvSpPr>
-          <p:cNvPr id="6" name="Rectangle 5"/>
-          <p:cNvSpPr/>
-          <p:nvPr/>
-        </p:nvSpPr>
-        <p:spPr>
-          <a:xfrm>
-            <a:off x="3465212" y="4437112"/>
-            <a:ext cx="2448272" cy="1815882"/>
-          </a:xfrm>
-          <a:prstGeom prst="rect">
-            <a:avLst/>
-          </a:prstGeom>
-          <a:solidFill>
-            <a:schemeClr val="accent1">
-              <a:lumMod val="40000"/>
-              <a:lumOff val="60000"/>
-            </a:schemeClr>
-          </a:solidFill>
-        </p:spPr>
-        <p:txBody>
-          <a:bodyPr wrap="square">
-            <a:spAutoFit/>
-          </a:bodyPr>
-          <a:lstStyle/>
-          <a:p>
-            <a:r>
-              <a:rPr lang="en-US" sz="1400" dirty="0">
-                <a:solidFill>
-                  <a:srgbClr val="000000"/>
-                </a:solidFill>
-                <a:latin typeface="Calibri" panose="020F0502020204030204" pitchFamily="34" charset="0"/>
-                <a:ea typeface="Calibri" panose="020F0502020204030204" pitchFamily="34" charset="0"/>
-                <a:cs typeface="Arial" panose="020B0604020202020204" pitchFamily="34" charset="0"/>
-              </a:rPr>
-              <a:t>@</a:t>
-            </a:r>
-            <a:r>
-              <a:rPr lang="en-US" sz="1400" dirty="0" err="1">
-                <a:solidFill>
-                  <a:srgbClr val="000000"/>
-                </a:solidFill>
-                <a:latin typeface="Calibri" panose="020F0502020204030204" pitchFamily="34" charset="0"/>
-                <a:ea typeface="Calibri" panose="020F0502020204030204" pitchFamily="34" charset="0"/>
-                <a:cs typeface="Arial" panose="020B0604020202020204" pitchFamily="34" charset="0"/>
-              </a:rPr>
-              <a:t>NgModule</a:t>
-            </a:r>
-            <a:r>
-              <a:rPr lang="en-US" sz="1400" dirty="0">
-                <a:solidFill>
-                  <a:srgbClr val="000000"/>
-                </a:solidFill>
-                <a:latin typeface="Calibri" panose="020F0502020204030204" pitchFamily="34" charset="0"/>
-                <a:ea typeface="Calibri" panose="020F0502020204030204" pitchFamily="34" charset="0"/>
-                <a:cs typeface="Arial" panose="020B0604020202020204" pitchFamily="34" charset="0"/>
-              </a:rPr>
-              <a:t>({</a:t>
-            </a:r>
-            <a:br>
-              <a:rPr lang="en-US" sz="1400" dirty="0">
-                <a:solidFill>
-                  <a:srgbClr val="000000"/>
-                </a:solidFill>
-                <a:latin typeface="Calibri" panose="020F0502020204030204" pitchFamily="34" charset="0"/>
-                <a:ea typeface="Calibri" panose="020F0502020204030204" pitchFamily="34" charset="0"/>
-                <a:cs typeface="Arial" panose="020B0604020202020204" pitchFamily="34" charset="0"/>
-              </a:rPr>
-            </a:br>
-            <a:r>
-              <a:rPr lang="en-US" sz="1400" dirty="0">
-                <a:solidFill>
-                  <a:srgbClr val="000000"/>
-                </a:solidFill>
-                <a:latin typeface="Calibri" panose="020F0502020204030204" pitchFamily="34" charset="0"/>
-                <a:ea typeface="Calibri" panose="020F0502020204030204" pitchFamily="34" charset="0"/>
-                <a:cs typeface="Arial" panose="020B0604020202020204" pitchFamily="34" charset="0"/>
-              </a:rPr>
-              <a:t>    </a:t>
-            </a:r>
-            <a:r>
-              <a:rPr lang="en-US" sz="1400" dirty="0" err="1">
-                <a:solidFill>
-                  <a:srgbClr val="000000"/>
-                </a:solidFill>
-                <a:latin typeface="Calibri" panose="020F0502020204030204" pitchFamily="34" charset="0"/>
-                <a:ea typeface="Calibri" panose="020F0502020204030204" pitchFamily="34" charset="0"/>
-                <a:cs typeface="Arial" panose="020B0604020202020204" pitchFamily="34" charset="0"/>
-              </a:rPr>
-              <a:t>entryComponents</a:t>
-            </a:r>
-            <a:r>
-              <a:rPr lang="en-US" sz="1400" dirty="0">
-                <a:solidFill>
-                  <a:srgbClr val="000000"/>
-                </a:solidFill>
-                <a:latin typeface="Calibri" panose="020F0502020204030204" pitchFamily="34" charset="0"/>
-                <a:ea typeface="Calibri" panose="020F0502020204030204" pitchFamily="34" charset="0"/>
-                <a:cs typeface="Arial" panose="020B0604020202020204" pitchFamily="34" charset="0"/>
-              </a:rPr>
-              <a:t>: [</a:t>
-            </a:r>
-            <a:br>
-              <a:rPr lang="en-US" sz="1400" dirty="0">
-                <a:solidFill>
-                  <a:srgbClr val="000000"/>
-                </a:solidFill>
-                <a:latin typeface="Calibri" panose="020F0502020204030204" pitchFamily="34" charset="0"/>
-                <a:ea typeface="Calibri" panose="020F0502020204030204" pitchFamily="34" charset="0"/>
-                <a:cs typeface="Arial" panose="020B0604020202020204" pitchFamily="34" charset="0"/>
-              </a:rPr>
-            </a:br>
-            <a:r>
-              <a:rPr lang="en-US" sz="1400" dirty="0">
-                <a:solidFill>
-                  <a:srgbClr val="000000"/>
-                </a:solidFill>
-                <a:latin typeface="Calibri" panose="020F0502020204030204" pitchFamily="34" charset="0"/>
-                <a:ea typeface="Calibri" panose="020F0502020204030204" pitchFamily="34" charset="0"/>
-                <a:cs typeface="Arial" panose="020B0604020202020204" pitchFamily="34" charset="0"/>
-              </a:rPr>
-              <a:t>        </a:t>
-            </a:r>
-            <a:r>
-              <a:rPr lang="en-US" sz="1400" dirty="0" err="1">
-                <a:solidFill>
-                  <a:srgbClr val="000000"/>
-                </a:solidFill>
-                <a:latin typeface="Calibri" panose="020F0502020204030204" pitchFamily="34" charset="0"/>
-                <a:ea typeface="Calibri" panose="020F0502020204030204" pitchFamily="34" charset="0"/>
-                <a:cs typeface="Arial" panose="020B0604020202020204" pitchFamily="34" charset="0"/>
-              </a:rPr>
-              <a:t>ContactComponent</a:t>
-            </a:r>
-            <a:r>
-              <a:rPr lang="en-US" sz="1400" dirty="0">
-                <a:solidFill>
-                  <a:srgbClr val="000000"/>
-                </a:solidFill>
-                <a:latin typeface="Calibri" panose="020F0502020204030204" pitchFamily="34" charset="0"/>
-                <a:ea typeface="Calibri" panose="020F0502020204030204" pitchFamily="34" charset="0"/>
-                <a:cs typeface="Arial" panose="020B0604020202020204" pitchFamily="34" charset="0"/>
-              </a:rPr>
-              <a:t>,</a:t>
-            </a:r>
-            <a:br>
-              <a:rPr lang="en-US" sz="1400" dirty="0">
-                <a:solidFill>
-                  <a:srgbClr val="000000"/>
-                </a:solidFill>
-                <a:latin typeface="Calibri" panose="020F0502020204030204" pitchFamily="34" charset="0"/>
-                <a:ea typeface="Calibri" panose="020F0502020204030204" pitchFamily="34" charset="0"/>
-                <a:cs typeface="Arial" panose="020B0604020202020204" pitchFamily="34" charset="0"/>
-              </a:rPr>
-            </a:br>
-            <a:r>
-              <a:rPr lang="en-US" sz="1400" dirty="0">
-                <a:solidFill>
-                  <a:srgbClr val="000000"/>
-                </a:solidFill>
-                <a:latin typeface="Calibri" panose="020F0502020204030204" pitchFamily="34" charset="0"/>
-                <a:ea typeface="Calibri" panose="020F0502020204030204" pitchFamily="34" charset="0"/>
-                <a:cs typeface="Arial" panose="020B0604020202020204" pitchFamily="34" charset="0"/>
-              </a:rPr>
-              <a:t>        </a:t>
-            </a:r>
-            <a:r>
-              <a:rPr lang="en-US" sz="1400" dirty="0" err="1">
-                <a:solidFill>
-                  <a:srgbClr val="000000"/>
-                </a:solidFill>
-                <a:latin typeface="Calibri" panose="020F0502020204030204" pitchFamily="34" charset="0"/>
-                <a:ea typeface="Calibri" panose="020F0502020204030204" pitchFamily="34" charset="0"/>
-                <a:cs typeface="Arial" panose="020B0604020202020204" pitchFamily="34" charset="0"/>
-              </a:rPr>
-              <a:t>GroupComponent</a:t>
-            </a:r>
-            <a:r>
-              <a:rPr lang="en-US" sz="1400" dirty="0">
-                <a:solidFill>
-                  <a:srgbClr val="000000"/>
-                </a:solidFill>
-                <a:latin typeface="Calibri" panose="020F0502020204030204" pitchFamily="34" charset="0"/>
-                <a:ea typeface="Calibri" panose="020F0502020204030204" pitchFamily="34" charset="0"/>
-                <a:cs typeface="Arial" panose="020B0604020202020204" pitchFamily="34" charset="0"/>
-              </a:rPr>
-              <a:t>,</a:t>
-            </a:r>
-            <a:br>
-              <a:rPr lang="en-US" sz="1400" dirty="0">
-                <a:solidFill>
-                  <a:srgbClr val="000000"/>
-                </a:solidFill>
-                <a:latin typeface="Calibri" panose="020F0502020204030204" pitchFamily="34" charset="0"/>
-                <a:ea typeface="Calibri" panose="020F0502020204030204" pitchFamily="34" charset="0"/>
-                <a:cs typeface="Arial" panose="020B0604020202020204" pitchFamily="34" charset="0"/>
-              </a:rPr>
-            </a:br>
-            <a:r>
-              <a:rPr lang="en-US" sz="1400" dirty="0">
-                <a:solidFill>
-                  <a:srgbClr val="000000"/>
-                </a:solidFill>
-                <a:latin typeface="Calibri" panose="020F0502020204030204" pitchFamily="34" charset="0"/>
-                <a:ea typeface="Calibri" panose="020F0502020204030204" pitchFamily="34" charset="0"/>
-                <a:cs typeface="Arial" panose="020B0604020202020204" pitchFamily="34" charset="0"/>
-              </a:rPr>
-              <a:t>    ]</a:t>
-            </a:r>
-            <a:br>
-              <a:rPr lang="en-US" sz="1400" dirty="0">
-                <a:solidFill>
-                  <a:srgbClr val="000000"/>
-                </a:solidFill>
-                <a:latin typeface="Calibri" panose="020F0502020204030204" pitchFamily="34" charset="0"/>
-                <a:ea typeface="Calibri" panose="020F0502020204030204" pitchFamily="34" charset="0"/>
-                <a:cs typeface="Arial" panose="020B0604020202020204" pitchFamily="34" charset="0"/>
-              </a:rPr>
-            </a:br>
-            <a:r>
-              <a:rPr lang="en-US" sz="1400" dirty="0">
-                <a:solidFill>
-                  <a:srgbClr val="000000"/>
-                </a:solidFill>
-                <a:latin typeface="Calibri" panose="020F0502020204030204" pitchFamily="34" charset="0"/>
-                <a:ea typeface="Calibri" panose="020F0502020204030204" pitchFamily="34" charset="0"/>
-                <a:cs typeface="Arial" panose="020B0604020202020204" pitchFamily="34" charset="0"/>
-              </a:rPr>
-              <a:t>})</a:t>
-            </a:r>
-            <a:br>
-              <a:rPr lang="en-US" sz="1400" dirty="0">
-                <a:solidFill>
-                  <a:srgbClr val="000000"/>
-                </a:solidFill>
-                <a:latin typeface="Calibri" panose="020F0502020204030204" pitchFamily="34" charset="0"/>
-                <a:ea typeface="Calibri" panose="020F0502020204030204" pitchFamily="34" charset="0"/>
-                <a:cs typeface="Arial" panose="020B0604020202020204" pitchFamily="34" charset="0"/>
-              </a:rPr>
-            </a:br>
-            <a:r>
-              <a:rPr lang="en-US" sz="1400" b="1" dirty="0">
-                <a:solidFill>
-                  <a:srgbClr val="000080"/>
-                </a:solidFill>
-                <a:latin typeface="Calibri" panose="020F0502020204030204" pitchFamily="34" charset="0"/>
-                <a:ea typeface="Calibri" panose="020F0502020204030204" pitchFamily="34" charset="0"/>
-                <a:cs typeface="Arial" panose="020B0604020202020204" pitchFamily="34" charset="0"/>
-              </a:rPr>
-              <a:t>export class </a:t>
-            </a:r>
-            <a:r>
-              <a:rPr lang="en-US" sz="1400" dirty="0" err="1">
-                <a:solidFill>
-                  <a:srgbClr val="000000"/>
-                </a:solidFill>
-                <a:latin typeface="Calibri" panose="020F0502020204030204" pitchFamily="34" charset="0"/>
-                <a:ea typeface="Calibri" panose="020F0502020204030204" pitchFamily="34" charset="0"/>
-                <a:cs typeface="Arial" panose="020B0604020202020204" pitchFamily="34" charset="0"/>
-              </a:rPr>
-              <a:t>AppModule</a:t>
-            </a:r>
-            <a:r>
-              <a:rPr lang="en-US" sz="1400" dirty="0">
-                <a:solidFill>
-                  <a:srgbClr val="000000"/>
-                </a:solidFill>
-                <a:latin typeface="Calibri" panose="020F0502020204030204" pitchFamily="34" charset="0"/>
-                <a:ea typeface="Calibri" panose="020F0502020204030204" pitchFamily="34" charset="0"/>
-                <a:cs typeface="Arial" panose="020B0604020202020204" pitchFamily="34" charset="0"/>
-              </a:rPr>
-              <a:t> {</a:t>
-            </a:r>
-            <a:br>
-              <a:rPr lang="en-US" sz="1400" dirty="0">
-                <a:solidFill>
-                  <a:srgbClr val="000000"/>
-                </a:solidFill>
-                <a:latin typeface="Calibri" panose="020F0502020204030204" pitchFamily="34" charset="0"/>
-                <a:ea typeface="Calibri" panose="020F0502020204030204" pitchFamily="34" charset="0"/>
-                <a:cs typeface="Arial" panose="020B0604020202020204" pitchFamily="34" charset="0"/>
-              </a:rPr>
-            </a:br>
-            <a:r>
-              <a:rPr lang="en-US" sz="1400" dirty="0">
-                <a:solidFill>
-                  <a:srgbClr val="000000"/>
-                </a:solidFill>
-                <a:latin typeface="Calibri" panose="020F0502020204030204" pitchFamily="34" charset="0"/>
-                <a:ea typeface="Calibri" panose="020F0502020204030204" pitchFamily="34" charset="0"/>
-                <a:cs typeface="Arial" panose="020B0604020202020204" pitchFamily="34" charset="0"/>
-              </a:rPr>
-              <a:t>}</a:t>
-            </a:r>
-            <a:endParaRPr lang="he-IL" sz="1400" dirty="0"/>
-          </a:p>
-        </p:txBody>
-      </p:sp>
-    </p:spTree>
-    <p:extLst>
-      <p:ext uri="{BB962C8B-B14F-4D97-AF65-F5344CB8AC3E}">
-        <p14:creationId xmlns:p14="http://schemas.microsoft.com/office/powerpoint/2010/main" val="521299681"/>
-      </p:ext>
-    </p:extLst>
-  </p:cSld>
-  <p:clrMapOvr>
-    <a:masterClrMapping/>
-  </p:clrMapOvr>
-</p:sld>
-</file>
-
 <file path=ppt/slides/slide53.xml><?xml version="1.0" encoding="utf-8"?>
 <p:sld xmlns:a="http://schemas.openxmlformats.org/drawingml/2006/main" xmlns:r="http://schemas.openxmlformats.org/officeDocument/2006/relationships" xmlns:p="http://schemas.openxmlformats.org/presentationml/2006/main">
   <p:cSld>
@@ -42101,12 +42088,8 @@
           <a:lstStyle/>
           <a:p>
             <a:r>
-              <a:rPr lang="en-US" dirty="0"/>
-              <a:t>Filtering </a:t>
-            </a:r>
-            <a:r>
               <a:rPr lang="en-US" dirty="0" err="1"/>
-              <a:t>ngFor</a:t>
+              <a:t>entryComponents</a:t>
             </a:r>
             <a:endParaRPr lang="he-IL" dirty="0"/>
           </a:p>
@@ -42178,41 +42161,339 @@
           <a:p>
             <a:r>
               <a:rPr lang="en-US" dirty="0"/>
-              <a:t>Angular by design does not offer a pipe for filtering/sorting the collection</a:t>
+              <a:t>By default a component does not have a factory</a:t>
             </a:r>
           </a:p>
           <a:p>
             <a:pPr lvl="1"/>
             <a:r>
               <a:rPr lang="en-US" dirty="0"/>
-              <a:t>AngularJS did</a:t>
+              <a:t>Less CPU and code</a:t>
             </a:r>
           </a:p>
           <a:p>
             <a:r>
               <a:rPr lang="en-US" dirty="0"/>
-              <a:t>Performance is the main reason</a:t>
-            </a:r>
-          </a:p>
-          <a:p>
+              <a:t>You need to manually ask Angular to create a factory by specifying the component under the </a:t>
+            </a:r>
+            <a:r>
+              <a:rPr lang="en-US" dirty="0" err="1">
+                <a:solidFill>
+                  <a:srgbClr val="FF0000"/>
+                </a:solidFill>
+              </a:rPr>
+              <a:t>entryComponents</a:t>
+            </a:r>
             <a:r>
               <a:rPr lang="en-US" dirty="0"/>
-              <a:t>Past experience showed that developers do not use that capability in efficient way</a:t>
-            </a:r>
-          </a:p>
-          <a:p>
-            <a:r>
-              <a:rPr lang="en-US" dirty="0"/>
-              <a:t>You can still define your own</a:t>
-            </a:r>
-            <a:endParaRPr lang="he-IL" dirty="0"/>
+              <a:t> section</a:t>
+            </a:r>
+          </a:p>
+        </p:txBody>
+      </p:sp>
+      <p:sp>
+        <p:nvSpPr>
+          <p:cNvPr id="6" name="Rectangle 5"/>
+          <p:cNvSpPr/>
+          <p:nvPr/>
+        </p:nvSpPr>
+        <p:spPr>
+          <a:xfrm>
+            <a:off x="3465212" y="4437112"/>
+            <a:ext cx="2448272" cy="1815882"/>
+          </a:xfrm>
+          <a:prstGeom prst="rect">
+            <a:avLst/>
+          </a:prstGeom>
+          <a:solidFill>
+            <a:schemeClr val="accent1">
+              <a:lumMod val="40000"/>
+              <a:lumOff val="60000"/>
+            </a:schemeClr>
+          </a:solidFill>
+        </p:spPr>
+        <p:txBody>
+          <a:bodyPr wrap="square">
+            <a:spAutoFit/>
+          </a:bodyPr>
+          <a:lstStyle/>
+          <a:p>
+            <a:r>
+              <a:rPr lang="en-US" sz="1400" dirty="0">
+                <a:solidFill>
+                  <a:srgbClr val="000000"/>
+                </a:solidFill>
+                <a:latin typeface="Calibri" panose="020F0502020204030204" pitchFamily="34" charset="0"/>
+                <a:ea typeface="Calibri" panose="020F0502020204030204" pitchFamily="34" charset="0"/>
+                <a:cs typeface="Arial" panose="020B0604020202020204" pitchFamily="34" charset="0"/>
+              </a:rPr>
+              <a:t>@</a:t>
+            </a:r>
+            <a:r>
+              <a:rPr lang="en-US" sz="1400" dirty="0" err="1">
+                <a:solidFill>
+                  <a:srgbClr val="000000"/>
+                </a:solidFill>
+                <a:latin typeface="Calibri" panose="020F0502020204030204" pitchFamily="34" charset="0"/>
+                <a:ea typeface="Calibri" panose="020F0502020204030204" pitchFamily="34" charset="0"/>
+                <a:cs typeface="Arial" panose="020B0604020202020204" pitchFamily="34" charset="0"/>
+              </a:rPr>
+              <a:t>NgModule</a:t>
+            </a:r>
+            <a:r>
+              <a:rPr lang="en-US" sz="1400" dirty="0">
+                <a:solidFill>
+                  <a:srgbClr val="000000"/>
+                </a:solidFill>
+                <a:latin typeface="Calibri" panose="020F0502020204030204" pitchFamily="34" charset="0"/>
+                <a:ea typeface="Calibri" panose="020F0502020204030204" pitchFamily="34" charset="0"/>
+                <a:cs typeface="Arial" panose="020B0604020202020204" pitchFamily="34" charset="0"/>
+              </a:rPr>
+              <a:t>({</a:t>
+            </a:r>
+            <a:br>
+              <a:rPr lang="en-US" sz="1400" dirty="0">
+                <a:solidFill>
+                  <a:srgbClr val="000000"/>
+                </a:solidFill>
+                <a:latin typeface="Calibri" panose="020F0502020204030204" pitchFamily="34" charset="0"/>
+                <a:ea typeface="Calibri" panose="020F0502020204030204" pitchFamily="34" charset="0"/>
+                <a:cs typeface="Arial" panose="020B0604020202020204" pitchFamily="34" charset="0"/>
+              </a:rPr>
+            </a:br>
+            <a:r>
+              <a:rPr lang="en-US" sz="1400" dirty="0">
+                <a:solidFill>
+                  <a:srgbClr val="000000"/>
+                </a:solidFill>
+                <a:latin typeface="Calibri" panose="020F0502020204030204" pitchFamily="34" charset="0"/>
+                <a:ea typeface="Calibri" panose="020F0502020204030204" pitchFamily="34" charset="0"/>
+                <a:cs typeface="Arial" panose="020B0604020202020204" pitchFamily="34" charset="0"/>
+              </a:rPr>
+              <a:t>    </a:t>
+            </a:r>
+            <a:r>
+              <a:rPr lang="en-US" sz="1400" dirty="0" err="1">
+                <a:solidFill>
+                  <a:srgbClr val="000000"/>
+                </a:solidFill>
+                <a:latin typeface="Calibri" panose="020F0502020204030204" pitchFamily="34" charset="0"/>
+                <a:ea typeface="Calibri" panose="020F0502020204030204" pitchFamily="34" charset="0"/>
+                <a:cs typeface="Arial" panose="020B0604020202020204" pitchFamily="34" charset="0"/>
+              </a:rPr>
+              <a:t>entryComponents</a:t>
+            </a:r>
+            <a:r>
+              <a:rPr lang="en-US" sz="1400" dirty="0">
+                <a:solidFill>
+                  <a:srgbClr val="000000"/>
+                </a:solidFill>
+                <a:latin typeface="Calibri" panose="020F0502020204030204" pitchFamily="34" charset="0"/>
+                <a:ea typeface="Calibri" panose="020F0502020204030204" pitchFamily="34" charset="0"/>
+                <a:cs typeface="Arial" panose="020B0604020202020204" pitchFamily="34" charset="0"/>
+              </a:rPr>
+              <a:t>: [</a:t>
+            </a:r>
+            <a:br>
+              <a:rPr lang="en-US" sz="1400" dirty="0">
+                <a:solidFill>
+                  <a:srgbClr val="000000"/>
+                </a:solidFill>
+                <a:latin typeface="Calibri" panose="020F0502020204030204" pitchFamily="34" charset="0"/>
+                <a:ea typeface="Calibri" panose="020F0502020204030204" pitchFamily="34" charset="0"/>
+                <a:cs typeface="Arial" panose="020B0604020202020204" pitchFamily="34" charset="0"/>
+              </a:rPr>
+            </a:br>
+            <a:r>
+              <a:rPr lang="en-US" sz="1400" dirty="0">
+                <a:solidFill>
+                  <a:srgbClr val="000000"/>
+                </a:solidFill>
+                <a:latin typeface="Calibri" panose="020F0502020204030204" pitchFamily="34" charset="0"/>
+                <a:ea typeface="Calibri" panose="020F0502020204030204" pitchFamily="34" charset="0"/>
+                <a:cs typeface="Arial" panose="020B0604020202020204" pitchFamily="34" charset="0"/>
+              </a:rPr>
+              <a:t>        </a:t>
+            </a:r>
+            <a:r>
+              <a:rPr lang="en-US" sz="1400" dirty="0" err="1">
+                <a:solidFill>
+                  <a:srgbClr val="000000"/>
+                </a:solidFill>
+                <a:latin typeface="Calibri" panose="020F0502020204030204" pitchFamily="34" charset="0"/>
+                <a:ea typeface="Calibri" panose="020F0502020204030204" pitchFamily="34" charset="0"/>
+                <a:cs typeface="Arial" panose="020B0604020202020204" pitchFamily="34" charset="0"/>
+              </a:rPr>
+              <a:t>ContactComponent</a:t>
+            </a:r>
+            <a:r>
+              <a:rPr lang="en-US" sz="1400" dirty="0">
+                <a:solidFill>
+                  <a:srgbClr val="000000"/>
+                </a:solidFill>
+                <a:latin typeface="Calibri" panose="020F0502020204030204" pitchFamily="34" charset="0"/>
+                <a:ea typeface="Calibri" panose="020F0502020204030204" pitchFamily="34" charset="0"/>
+                <a:cs typeface="Arial" panose="020B0604020202020204" pitchFamily="34" charset="0"/>
+              </a:rPr>
+              <a:t>,</a:t>
+            </a:r>
+            <a:br>
+              <a:rPr lang="en-US" sz="1400" dirty="0">
+                <a:solidFill>
+                  <a:srgbClr val="000000"/>
+                </a:solidFill>
+                <a:latin typeface="Calibri" panose="020F0502020204030204" pitchFamily="34" charset="0"/>
+                <a:ea typeface="Calibri" panose="020F0502020204030204" pitchFamily="34" charset="0"/>
+                <a:cs typeface="Arial" panose="020B0604020202020204" pitchFamily="34" charset="0"/>
+              </a:rPr>
+            </a:br>
+            <a:r>
+              <a:rPr lang="en-US" sz="1400" dirty="0">
+                <a:solidFill>
+                  <a:srgbClr val="000000"/>
+                </a:solidFill>
+                <a:latin typeface="Calibri" panose="020F0502020204030204" pitchFamily="34" charset="0"/>
+                <a:ea typeface="Calibri" panose="020F0502020204030204" pitchFamily="34" charset="0"/>
+                <a:cs typeface="Arial" panose="020B0604020202020204" pitchFamily="34" charset="0"/>
+              </a:rPr>
+              <a:t>        </a:t>
+            </a:r>
+            <a:r>
+              <a:rPr lang="en-US" sz="1400" dirty="0" err="1">
+                <a:solidFill>
+                  <a:srgbClr val="000000"/>
+                </a:solidFill>
+                <a:latin typeface="Calibri" panose="020F0502020204030204" pitchFamily="34" charset="0"/>
+                <a:ea typeface="Calibri" panose="020F0502020204030204" pitchFamily="34" charset="0"/>
+                <a:cs typeface="Arial" panose="020B0604020202020204" pitchFamily="34" charset="0"/>
+              </a:rPr>
+              <a:t>GroupComponent</a:t>
+            </a:r>
+            <a:r>
+              <a:rPr lang="en-US" sz="1400" dirty="0">
+                <a:solidFill>
+                  <a:srgbClr val="000000"/>
+                </a:solidFill>
+                <a:latin typeface="Calibri" panose="020F0502020204030204" pitchFamily="34" charset="0"/>
+                <a:ea typeface="Calibri" panose="020F0502020204030204" pitchFamily="34" charset="0"/>
+                <a:cs typeface="Arial" panose="020B0604020202020204" pitchFamily="34" charset="0"/>
+              </a:rPr>
+              <a:t>,</a:t>
+            </a:r>
+            <a:br>
+              <a:rPr lang="en-US" sz="1400" dirty="0">
+                <a:solidFill>
+                  <a:srgbClr val="000000"/>
+                </a:solidFill>
+                <a:latin typeface="Calibri" panose="020F0502020204030204" pitchFamily="34" charset="0"/>
+                <a:ea typeface="Calibri" panose="020F0502020204030204" pitchFamily="34" charset="0"/>
+                <a:cs typeface="Arial" panose="020B0604020202020204" pitchFamily="34" charset="0"/>
+              </a:rPr>
+            </a:br>
+            <a:r>
+              <a:rPr lang="en-US" sz="1400" dirty="0">
+                <a:solidFill>
+                  <a:srgbClr val="000000"/>
+                </a:solidFill>
+                <a:latin typeface="Calibri" panose="020F0502020204030204" pitchFamily="34" charset="0"/>
+                <a:ea typeface="Calibri" panose="020F0502020204030204" pitchFamily="34" charset="0"/>
+                <a:cs typeface="Arial" panose="020B0604020202020204" pitchFamily="34" charset="0"/>
+              </a:rPr>
+              <a:t>    ]</a:t>
+            </a:r>
+            <a:br>
+              <a:rPr lang="en-US" sz="1400" dirty="0">
+                <a:solidFill>
+                  <a:srgbClr val="000000"/>
+                </a:solidFill>
+                <a:latin typeface="Calibri" panose="020F0502020204030204" pitchFamily="34" charset="0"/>
+                <a:ea typeface="Calibri" panose="020F0502020204030204" pitchFamily="34" charset="0"/>
+                <a:cs typeface="Arial" panose="020B0604020202020204" pitchFamily="34" charset="0"/>
+              </a:rPr>
+            </a:br>
+            <a:r>
+              <a:rPr lang="en-US" sz="1400" dirty="0">
+                <a:solidFill>
+                  <a:srgbClr val="000000"/>
+                </a:solidFill>
+                <a:latin typeface="Calibri" panose="020F0502020204030204" pitchFamily="34" charset="0"/>
+                <a:ea typeface="Calibri" panose="020F0502020204030204" pitchFamily="34" charset="0"/>
+                <a:cs typeface="Arial" panose="020B0604020202020204" pitchFamily="34" charset="0"/>
+              </a:rPr>
+              <a:t>})</a:t>
+            </a:r>
+            <a:br>
+              <a:rPr lang="en-US" sz="1400" dirty="0">
+                <a:solidFill>
+                  <a:srgbClr val="000000"/>
+                </a:solidFill>
+                <a:latin typeface="Calibri" panose="020F0502020204030204" pitchFamily="34" charset="0"/>
+                <a:ea typeface="Calibri" panose="020F0502020204030204" pitchFamily="34" charset="0"/>
+                <a:cs typeface="Arial" panose="020B0604020202020204" pitchFamily="34" charset="0"/>
+              </a:rPr>
+            </a:br>
+            <a:r>
+              <a:rPr lang="en-US" sz="1400" b="1" dirty="0">
+                <a:solidFill>
+                  <a:srgbClr val="000080"/>
+                </a:solidFill>
+                <a:latin typeface="Calibri" panose="020F0502020204030204" pitchFamily="34" charset="0"/>
+                <a:ea typeface="Calibri" panose="020F0502020204030204" pitchFamily="34" charset="0"/>
+                <a:cs typeface="Arial" panose="020B0604020202020204" pitchFamily="34" charset="0"/>
+              </a:rPr>
+              <a:t>export class </a:t>
+            </a:r>
+            <a:r>
+              <a:rPr lang="en-US" sz="1400" dirty="0" err="1">
+                <a:solidFill>
+                  <a:srgbClr val="000000"/>
+                </a:solidFill>
+                <a:latin typeface="Calibri" panose="020F0502020204030204" pitchFamily="34" charset="0"/>
+                <a:ea typeface="Calibri" panose="020F0502020204030204" pitchFamily="34" charset="0"/>
+                <a:cs typeface="Arial" panose="020B0604020202020204" pitchFamily="34" charset="0"/>
+              </a:rPr>
+              <a:t>AppModule</a:t>
+            </a:r>
+            <a:r>
+              <a:rPr lang="en-US" sz="1400" dirty="0">
+                <a:solidFill>
+                  <a:srgbClr val="000000"/>
+                </a:solidFill>
+                <a:latin typeface="Calibri" panose="020F0502020204030204" pitchFamily="34" charset="0"/>
+                <a:ea typeface="Calibri" panose="020F0502020204030204" pitchFamily="34" charset="0"/>
+                <a:cs typeface="Arial" panose="020B0604020202020204" pitchFamily="34" charset="0"/>
+              </a:rPr>
+              <a:t> {</a:t>
+            </a:r>
+            <a:br>
+              <a:rPr lang="en-US" sz="1400" dirty="0">
+                <a:solidFill>
+                  <a:srgbClr val="000000"/>
+                </a:solidFill>
+                <a:latin typeface="Calibri" panose="020F0502020204030204" pitchFamily="34" charset="0"/>
+                <a:ea typeface="Calibri" panose="020F0502020204030204" pitchFamily="34" charset="0"/>
+                <a:cs typeface="Arial" panose="020B0604020202020204" pitchFamily="34" charset="0"/>
+              </a:rPr>
+            </a:br>
+            <a:r>
+              <a:rPr lang="en-US" sz="1400" dirty="0">
+                <a:solidFill>
+                  <a:srgbClr val="000000"/>
+                </a:solidFill>
+                <a:latin typeface="Calibri" panose="020F0502020204030204" pitchFamily="34" charset="0"/>
+                <a:ea typeface="Calibri" panose="020F0502020204030204" pitchFamily="34" charset="0"/>
+                <a:cs typeface="Arial" panose="020B0604020202020204" pitchFamily="34" charset="0"/>
+              </a:rPr>
+              <a:t>}</a:t>
+            </a:r>
+            <a:endParaRPr lang="he-IL" sz="1400" dirty="0"/>
           </a:p>
         </p:txBody>
       </p:sp>
     </p:spTree>
     <p:extLst>
       <p:ext uri="{BB962C8B-B14F-4D97-AF65-F5344CB8AC3E}">
-        <p14:creationId xmlns:p14="http://schemas.microsoft.com/office/powerpoint/2010/main" val="3889626235"/>
+        <p14:creationId xmlns:p14="http://schemas.microsoft.com/office/powerpoint/2010/main" val="521299681"/>
       </p:ext>
     </p:extLst>
   </p:cSld>
@@ -42256,7 +42537,11 @@
           <a:p>
             <a:r>
               <a:rPr lang="en-US" dirty="0"/>
-              <a:t>Custom Pipe</a:t>
+              <a:t>Filtering </a:t>
+            </a:r>
+            <a:r>
+              <a:rPr lang="en-US" dirty="0" err="1"/>
+              <a:t>ngFor</a:t>
             </a:r>
             <a:endParaRPr lang="he-IL" dirty="0"/>
           </a:p>
@@ -42306,6 +42591,156 @@
               <a:rPr lang="en-US" smtClean="0"/>
               <a:pPr/>
               <a:t>54</a:t>
+            </a:fld>
+            <a:endParaRPr lang="en-US"/>
+          </a:p>
+        </p:txBody>
+      </p:sp>
+      <p:sp>
+        <p:nvSpPr>
+          <p:cNvPr id="5" name="Content Placeholder 4"/>
+          <p:cNvSpPr>
+            <a:spLocks noGrp="1"/>
+          </p:cNvSpPr>
+          <p:nvPr>
+            <p:ph sz="quarter" idx="1"/>
+          </p:nvPr>
+        </p:nvSpPr>
+        <p:spPr/>
+        <p:txBody>
+          <a:bodyPr/>
+          <a:lstStyle/>
+          <a:p>
+            <a:r>
+              <a:rPr lang="en-US" dirty="0"/>
+              <a:t>Angular by design does not offer a pipe for filtering/sorting the collection</a:t>
+            </a:r>
+          </a:p>
+          <a:p>
+            <a:pPr lvl="1"/>
+            <a:r>
+              <a:rPr lang="en-US" dirty="0"/>
+              <a:t>AngularJS did</a:t>
+            </a:r>
+          </a:p>
+          <a:p>
+            <a:r>
+              <a:rPr lang="en-US" dirty="0"/>
+              <a:t>Performance is the main reason</a:t>
+            </a:r>
+          </a:p>
+          <a:p>
+            <a:r>
+              <a:rPr lang="en-US" dirty="0"/>
+              <a:t>Past experience showed that developers do not use that capability in efficient way</a:t>
+            </a:r>
+          </a:p>
+          <a:p>
+            <a:r>
+              <a:rPr lang="en-US" dirty="0"/>
+              <a:t>You can still define your own</a:t>
+            </a:r>
+            <a:endParaRPr lang="he-IL" dirty="0"/>
+          </a:p>
+        </p:txBody>
+      </p:sp>
+    </p:spTree>
+    <p:extLst>
+      <p:ext uri="{BB962C8B-B14F-4D97-AF65-F5344CB8AC3E}">
+        <p14:creationId xmlns:p14="http://schemas.microsoft.com/office/powerpoint/2010/main" val="3889626235"/>
+      </p:ext>
+    </p:extLst>
+  </p:cSld>
+  <p:clrMapOvr>
+    <a:masterClrMapping/>
+  </p:clrMapOvr>
+</p:sld>
+</file>
+
+<file path=ppt/slides/slide55.xml><?xml version="1.0" encoding="utf-8"?>
+<p:sld xmlns:a="http://schemas.openxmlformats.org/drawingml/2006/main" xmlns:r="http://schemas.openxmlformats.org/officeDocument/2006/relationships" xmlns:p="http://schemas.openxmlformats.org/presentationml/2006/main">
+  <p:cSld>
+    <p:spTree>
+      <p:nvGrpSpPr>
+        <p:cNvPr id="1" name=""/>
+        <p:cNvGrpSpPr/>
+        <p:nvPr/>
+      </p:nvGrpSpPr>
+      <p:grpSpPr>
+        <a:xfrm>
+          <a:off x="0" y="0"/>
+          <a:ext cx="0" cy="0"/>
+          <a:chOff x="0" y="0"/>
+          <a:chExt cx="0" cy="0"/>
+        </a:xfrm>
+      </p:grpSpPr>
+      <p:sp>
+        <p:nvSpPr>
+          <p:cNvPr id="2" name="Title 1"/>
+          <p:cNvSpPr>
+            <a:spLocks noGrp="1"/>
+          </p:cNvSpPr>
+          <p:nvPr>
+            <p:ph type="title"/>
+          </p:nvPr>
+        </p:nvSpPr>
+        <p:spPr/>
+        <p:txBody>
+          <a:bodyPr/>
+          <a:lstStyle/>
+          <a:p>
+            <a:r>
+              <a:rPr lang="en-US" dirty="0"/>
+              <a:t>Custom Pipe</a:t>
+            </a:r>
+            <a:endParaRPr lang="he-IL" dirty="0"/>
+          </a:p>
+        </p:txBody>
+      </p:sp>
+      <p:sp>
+        <p:nvSpPr>
+          <p:cNvPr id="3" name="Footer Placeholder 2"/>
+          <p:cNvSpPr>
+            <a:spLocks noGrp="1"/>
+          </p:cNvSpPr>
+          <p:nvPr>
+            <p:ph type="ftr" sz="quarter" idx="11"/>
+          </p:nvPr>
+        </p:nvSpPr>
+        <p:spPr/>
+        <p:txBody>
+          <a:bodyPr/>
+          <a:lstStyle/>
+          <a:p>
+            <a:r>
+              <a:rPr lang="en-US"/>
+              <a:t>© 2016 Ori Calvo</a:t>
+            </a:r>
+            <a:endParaRPr lang="en-US" dirty="0"/>
+          </a:p>
+        </p:txBody>
+      </p:sp>
+      <p:sp>
+        <p:nvSpPr>
+          <p:cNvPr id="4" name="Slide Number Placeholder 3"/>
+          <p:cNvSpPr>
+            <a:spLocks noGrp="1"/>
+          </p:cNvSpPr>
+          <p:nvPr>
+            <p:ph type="sldNum" sz="quarter" idx="12"/>
+          </p:nvPr>
+        </p:nvSpPr>
+        <p:spPr/>
+        <p:txBody>
+          <a:bodyPr>
+            <a:normAutofit fontScale="85000" lnSpcReduction="20000"/>
+          </a:bodyPr>
+          <a:lstStyle/>
+          <a:p>
+            <a:fld id="{6EDEC3BC-0694-4586-AE63-02B4D54ABF43}" type="slidenum">
+              <a:rPr lang="en-US" smtClean="0"/>
+              <a:pPr/>
+              <a:t>55</a:t>
             </a:fld>
             <a:endParaRPr lang="en-US"/>
           </a:p>
@@ -43500,180 +43935,6 @@
 </p:sld>
 </file>
 
-<file path=ppt/slides/slide55.xml><?xml version="1.0" encoding="utf-8"?>
-<p:sld xmlns:a="http://schemas.openxmlformats.org/drawingml/2006/main" xmlns:r="http://schemas.openxmlformats.org/officeDocument/2006/relationships" xmlns:p="http://schemas.openxmlformats.org/presentationml/2006/main">
-  <p:cSld>
-    <p:spTree>
-      <p:nvGrpSpPr>
-        <p:cNvPr id="1" name=""/>
-        <p:cNvGrpSpPr/>
-        <p:nvPr/>
-      </p:nvGrpSpPr>
-      <p:grpSpPr>
-        <a:xfrm>
-          <a:off x="0" y="0"/>
-          <a:ext cx="0" cy="0"/>
-          <a:chOff x="0" y="0"/>
-          <a:chExt cx="0" cy="0"/>
-        </a:xfrm>
-      </p:grpSpPr>
-      <p:sp>
-        <p:nvSpPr>
-          <p:cNvPr id="2" name="Title 1"/>
-          <p:cNvSpPr>
-            <a:spLocks noGrp="1"/>
-          </p:cNvSpPr>
-          <p:nvPr>
-            <p:ph type="title"/>
-          </p:nvPr>
-        </p:nvSpPr>
-        <p:spPr/>
-        <p:txBody>
-          <a:bodyPr/>
-          <a:lstStyle/>
-          <a:p>
-            <a:r>
-              <a:rPr lang="en-US" dirty="0"/>
-              <a:t>Pipe Optimization</a:t>
-            </a:r>
-            <a:endParaRPr lang="he-IL" dirty="0"/>
-          </a:p>
-        </p:txBody>
-      </p:sp>
-      <p:sp>
-        <p:nvSpPr>
-          <p:cNvPr id="3" name="Footer Placeholder 2"/>
-          <p:cNvSpPr>
-            <a:spLocks noGrp="1"/>
-          </p:cNvSpPr>
-          <p:nvPr>
-            <p:ph type="ftr" sz="quarter" idx="11"/>
-          </p:nvPr>
-        </p:nvSpPr>
-        <p:spPr/>
-        <p:txBody>
-          <a:bodyPr/>
-          <a:lstStyle/>
-          <a:p>
-            <a:r>
-              <a:rPr lang="en-US"/>
-              <a:t>© 2016 Ori Calvo</a:t>
-            </a:r>
-            <a:endParaRPr lang="en-US" dirty="0"/>
-          </a:p>
-        </p:txBody>
-      </p:sp>
-      <p:sp>
-        <p:nvSpPr>
-          <p:cNvPr id="4" name="Slide Number Placeholder 3"/>
-          <p:cNvSpPr>
-            <a:spLocks noGrp="1"/>
-          </p:cNvSpPr>
-          <p:nvPr>
-            <p:ph type="sldNum" sz="quarter" idx="12"/>
-          </p:nvPr>
-        </p:nvSpPr>
-        <p:spPr/>
-        <p:txBody>
-          <a:bodyPr>
-            <a:normAutofit fontScale="85000" lnSpcReduction="20000"/>
-          </a:bodyPr>
-          <a:lstStyle/>
-          <a:p>
-            <a:fld id="{6EDEC3BC-0694-4586-AE63-02B4D54ABF43}" type="slidenum">
-              <a:rPr lang="en-US" smtClean="0"/>
-              <a:pPr/>
-              <a:t>55</a:t>
-            </a:fld>
-            <a:endParaRPr lang="en-US"/>
-          </a:p>
-        </p:txBody>
-      </p:sp>
-      <p:sp>
-        <p:nvSpPr>
-          <p:cNvPr id="5" name="Content Placeholder 4"/>
-          <p:cNvSpPr>
-            <a:spLocks noGrp="1"/>
-          </p:cNvSpPr>
-          <p:nvPr>
-            <p:ph sz="quarter" idx="1"/>
-          </p:nvPr>
-        </p:nvSpPr>
-        <p:spPr/>
-        <p:txBody>
-          <a:bodyPr>
-            <a:normAutofit lnSpcReduction="10000"/>
-          </a:bodyPr>
-          <a:lstStyle/>
-          <a:p>
-            <a:r>
-              <a:rPr lang="en-US" dirty="0"/>
-              <a:t>Angular is smart enough to run the pipe only if one of its input changes</a:t>
-            </a:r>
-          </a:p>
-          <a:p>
-            <a:r>
-              <a:rPr lang="en-US" dirty="0"/>
-              <a:t>Angular assume the pipe is a pure function</a:t>
-            </a:r>
-          </a:p>
-          <a:p>
-            <a:pPr lvl="1"/>
-            <a:r>
-              <a:rPr lang="en-US" dirty="0"/>
-              <a:t>The output is derived only from the input</a:t>
-            </a:r>
-          </a:p>
-          <a:p>
-            <a:r>
-              <a:rPr lang="en-US" dirty="0"/>
-              <a:t>However, for a collection this assumption is problematic. For example,</a:t>
-            </a:r>
-          </a:p>
-          <a:p>
-            <a:pPr lvl="1"/>
-            <a:r>
-              <a:rPr lang="en-US" dirty="0"/>
-              <a:t>Collection value at index 5 changes</a:t>
-            </a:r>
-          </a:p>
-          <a:p>
-            <a:pPr lvl="1"/>
-            <a:r>
-              <a:rPr lang="en-US" dirty="0"/>
-              <a:t>The collection reference remains the same</a:t>
-            </a:r>
-          </a:p>
-          <a:p>
-            <a:pPr lvl="1"/>
-            <a:r>
-              <a:rPr lang="en-US" dirty="0"/>
-              <a:t>Angular does not run the filter</a:t>
-            </a:r>
-          </a:p>
-          <a:p>
-            <a:pPr lvl="1"/>
-            <a:r>
-              <a:rPr lang="en-US" dirty="0"/>
-              <a:t>DOM is not updated</a:t>
-            </a:r>
-            <a:endParaRPr lang="he-IL" dirty="0"/>
-          </a:p>
-        </p:txBody>
-      </p:sp>
-    </p:spTree>
-    <p:extLst>
-      <p:ext uri="{BB962C8B-B14F-4D97-AF65-F5344CB8AC3E}">
-        <p14:creationId xmlns:p14="http://schemas.microsoft.com/office/powerpoint/2010/main" val="761804192"/>
-      </p:ext>
-    </p:extLst>
-  </p:cSld>
-  <p:clrMapOvr>
-    <a:masterClrMapping/>
-  </p:clrMapOvr>
-</p:sld>
-</file>
-
 <file path=ppt/slides/slide56.xml><?xml version="1.0" encoding="utf-8"?>
 <p:sld xmlns:a="http://schemas.openxmlformats.org/drawingml/2006/main" xmlns:r="http://schemas.openxmlformats.org/officeDocument/2006/relationships" xmlns:p="http://schemas.openxmlformats.org/presentationml/2006/main">
   <p:cSld>
@@ -43708,7 +43969,7 @@
           <a:p>
             <a:r>
               <a:rPr lang="en-US" dirty="0"/>
-              <a:t>Impure Pipe</a:t>
+              <a:t>Pipe Optimization</a:t>
             </a:r>
             <a:endParaRPr lang="he-IL" dirty="0"/>
           </a:p>
@@ -43758,6 +44019,180 @@
               <a:rPr lang="en-US" smtClean="0"/>
               <a:pPr/>
               <a:t>56</a:t>
+            </a:fld>
+            <a:endParaRPr lang="en-US"/>
+          </a:p>
+        </p:txBody>
+      </p:sp>
+      <p:sp>
+        <p:nvSpPr>
+          <p:cNvPr id="5" name="Content Placeholder 4"/>
+          <p:cNvSpPr>
+            <a:spLocks noGrp="1"/>
+          </p:cNvSpPr>
+          <p:nvPr>
+            <p:ph sz="quarter" idx="1"/>
+          </p:nvPr>
+        </p:nvSpPr>
+        <p:spPr/>
+        <p:txBody>
+          <a:bodyPr>
+            <a:normAutofit lnSpcReduction="10000"/>
+          </a:bodyPr>
+          <a:lstStyle/>
+          <a:p>
+            <a:r>
+              <a:rPr lang="en-US" dirty="0"/>
+              <a:t>Angular is smart enough to run the pipe only if one of its input changes</a:t>
+            </a:r>
+          </a:p>
+          <a:p>
+            <a:r>
+              <a:rPr lang="en-US" dirty="0"/>
+              <a:t>Angular assume the pipe is a pure function</a:t>
+            </a:r>
+          </a:p>
+          <a:p>
+            <a:pPr lvl="1"/>
+            <a:r>
+              <a:rPr lang="en-US" dirty="0"/>
+              <a:t>The output is derived only from the input</a:t>
+            </a:r>
+          </a:p>
+          <a:p>
+            <a:r>
+              <a:rPr lang="en-US" dirty="0"/>
+              <a:t>However, for a collection this assumption is problematic. For example,</a:t>
+            </a:r>
+          </a:p>
+          <a:p>
+            <a:pPr lvl="1"/>
+            <a:r>
+              <a:rPr lang="en-US" dirty="0"/>
+              <a:t>Collection value at index 5 changes</a:t>
+            </a:r>
+          </a:p>
+          <a:p>
+            <a:pPr lvl="1"/>
+            <a:r>
+              <a:rPr lang="en-US" dirty="0"/>
+              <a:t>The collection reference remains the same</a:t>
+            </a:r>
+          </a:p>
+          <a:p>
+            <a:pPr lvl="1"/>
+            <a:r>
+              <a:rPr lang="en-US" dirty="0"/>
+              <a:t>Angular does not run the filter</a:t>
+            </a:r>
+          </a:p>
+          <a:p>
+            <a:pPr lvl="1"/>
+            <a:r>
+              <a:rPr lang="en-US" dirty="0"/>
+              <a:t>DOM is not updated</a:t>
+            </a:r>
+            <a:endParaRPr lang="he-IL" dirty="0"/>
+          </a:p>
+        </p:txBody>
+      </p:sp>
+    </p:spTree>
+    <p:extLst>
+      <p:ext uri="{BB962C8B-B14F-4D97-AF65-F5344CB8AC3E}">
+        <p14:creationId xmlns:p14="http://schemas.microsoft.com/office/powerpoint/2010/main" val="761804192"/>
+      </p:ext>
+    </p:extLst>
+  </p:cSld>
+  <p:clrMapOvr>
+    <a:masterClrMapping/>
+  </p:clrMapOvr>
+</p:sld>
+</file>
+
+<file path=ppt/slides/slide57.xml><?xml version="1.0" encoding="utf-8"?>
+<p:sld xmlns:a="http://schemas.openxmlformats.org/drawingml/2006/main" xmlns:r="http://schemas.openxmlformats.org/officeDocument/2006/relationships" xmlns:p="http://schemas.openxmlformats.org/presentationml/2006/main">
+  <p:cSld>
+    <p:spTree>
+      <p:nvGrpSpPr>
+        <p:cNvPr id="1" name=""/>
+        <p:cNvGrpSpPr/>
+        <p:nvPr/>
+      </p:nvGrpSpPr>
+      <p:grpSpPr>
+        <a:xfrm>
+          <a:off x="0" y="0"/>
+          <a:ext cx="0" cy="0"/>
+          <a:chOff x="0" y="0"/>
+          <a:chExt cx="0" cy="0"/>
+        </a:xfrm>
+      </p:grpSpPr>
+      <p:sp>
+        <p:nvSpPr>
+          <p:cNvPr id="2" name="Title 1"/>
+          <p:cNvSpPr>
+            <a:spLocks noGrp="1"/>
+          </p:cNvSpPr>
+          <p:nvPr>
+            <p:ph type="title"/>
+          </p:nvPr>
+        </p:nvSpPr>
+        <p:spPr/>
+        <p:txBody>
+          <a:bodyPr/>
+          <a:lstStyle/>
+          <a:p>
+            <a:r>
+              <a:rPr lang="en-US" dirty="0"/>
+              <a:t>Impure Pipe</a:t>
+            </a:r>
+            <a:endParaRPr lang="he-IL" dirty="0"/>
+          </a:p>
+        </p:txBody>
+      </p:sp>
+      <p:sp>
+        <p:nvSpPr>
+          <p:cNvPr id="3" name="Footer Placeholder 2"/>
+          <p:cNvSpPr>
+            <a:spLocks noGrp="1"/>
+          </p:cNvSpPr>
+          <p:nvPr>
+            <p:ph type="ftr" sz="quarter" idx="11"/>
+          </p:nvPr>
+        </p:nvSpPr>
+        <p:spPr/>
+        <p:txBody>
+          <a:bodyPr/>
+          <a:lstStyle/>
+          <a:p>
+            <a:r>
+              <a:rPr lang="en-US"/>
+              <a:t>© 2016 Ori Calvo</a:t>
+            </a:r>
+            <a:endParaRPr lang="en-US" dirty="0"/>
+          </a:p>
+        </p:txBody>
+      </p:sp>
+      <p:sp>
+        <p:nvSpPr>
+          <p:cNvPr id="4" name="Slide Number Placeholder 3"/>
+          <p:cNvSpPr>
+            <a:spLocks noGrp="1"/>
+          </p:cNvSpPr>
+          <p:nvPr>
+            <p:ph type="sldNum" sz="quarter" idx="12"/>
+          </p:nvPr>
+        </p:nvSpPr>
+        <p:spPr/>
+        <p:txBody>
+          <a:bodyPr>
+            <a:normAutofit fontScale="85000" lnSpcReduction="20000"/>
+          </a:bodyPr>
+          <a:lstStyle/>
+          <a:p>
+            <a:fld id="{6EDEC3BC-0694-4586-AE63-02B4D54ABF43}" type="slidenum">
+              <a:rPr lang="en-US" smtClean="0"/>
+              <a:pPr/>
+              <a:t>57</a:t>
             </a:fld>
             <a:endParaRPr lang="en-US"/>
           </a:p>
@@ -44729,143 +45164,6 @@
 </p:sld>
 </file>
 
-<file path=ppt/slides/slide57.xml><?xml version="1.0" encoding="utf-8"?>
-<p:sld xmlns:a="http://schemas.openxmlformats.org/drawingml/2006/main" xmlns:r="http://schemas.openxmlformats.org/officeDocument/2006/relationships" xmlns:p="http://schemas.openxmlformats.org/presentationml/2006/main">
-  <p:cSld>
-    <p:spTree>
-      <p:nvGrpSpPr>
-        <p:cNvPr id="1" name=""/>
-        <p:cNvGrpSpPr/>
-        <p:nvPr/>
-      </p:nvGrpSpPr>
-      <p:grpSpPr>
-        <a:xfrm>
-          <a:off x="0" y="0"/>
-          <a:ext cx="0" cy="0"/>
-          <a:chOff x="0" y="0"/>
-          <a:chExt cx="0" cy="0"/>
-        </a:xfrm>
-      </p:grpSpPr>
-      <p:sp>
-        <p:nvSpPr>
-          <p:cNvPr id="2" name="Title 1"/>
-          <p:cNvSpPr>
-            <a:spLocks noGrp="1"/>
-          </p:cNvSpPr>
-          <p:nvPr>
-            <p:ph type="title"/>
-          </p:nvPr>
-        </p:nvSpPr>
-        <p:spPr/>
-        <p:txBody>
-          <a:bodyPr/>
-          <a:lstStyle/>
-          <a:p>
-            <a:r>
-              <a:rPr lang="en-US" dirty="0"/>
-              <a:t>Be Aware</a:t>
-            </a:r>
-            <a:endParaRPr lang="he-IL" dirty="0"/>
-          </a:p>
-        </p:txBody>
-      </p:sp>
-      <p:sp>
-        <p:nvSpPr>
-          <p:cNvPr id="3" name="Footer Placeholder 2"/>
-          <p:cNvSpPr>
-            <a:spLocks noGrp="1"/>
-          </p:cNvSpPr>
-          <p:nvPr>
-            <p:ph type="ftr" sz="quarter" idx="11"/>
-          </p:nvPr>
-        </p:nvSpPr>
-        <p:spPr/>
-        <p:txBody>
-          <a:bodyPr/>
-          <a:lstStyle/>
-          <a:p>
-            <a:r>
-              <a:rPr lang="en-US"/>
-              <a:t>© 2016 Ori Calvo</a:t>
-            </a:r>
-            <a:endParaRPr lang="en-US" dirty="0"/>
-          </a:p>
-        </p:txBody>
-      </p:sp>
-      <p:sp>
-        <p:nvSpPr>
-          <p:cNvPr id="4" name="Slide Number Placeholder 3"/>
-          <p:cNvSpPr>
-            <a:spLocks noGrp="1"/>
-          </p:cNvSpPr>
-          <p:nvPr>
-            <p:ph type="sldNum" sz="quarter" idx="12"/>
-          </p:nvPr>
-        </p:nvSpPr>
-        <p:spPr/>
-        <p:txBody>
-          <a:bodyPr>
-            <a:normAutofit fontScale="85000" lnSpcReduction="20000"/>
-          </a:bodyPr>
-          <a:lstStyle/>
-          <a:p>
-            <a:fld id="{6EDEC3BC-0694-4586-AE63-02B4D54ABF43}" type="slidenum">
-              <a:rPr lang="en-US" smtClean="0"/>
-              <a:pPr/>
-              <a:t>57</a:t>
-            </a:fld>
-            <a:endParaRPr lang="en-US"/>
-          </a:p>
-        </p:txBody>
-      </p:sp>
-      <p:sp>
-        <p:nvSpPr>
-          <p:cNvPr id="5" name="Content Placeholder 4"/>
-          <p:cNvSpPr>
-            <a:spLocks noGrp="1"/>
-          </p:cNvSpPr>
-          <p:nvPr>
-            <p:ph sz="quarter" idx="1"/>
-          </p:nvPr>
-        </p:nvSpPr>
-        <p:spPr/>
-        <p:txBody>
-          <a:bodyPr/>
-          <a:lstStyle/>
-          <a:p>
-            <a:r>
-              <a:rPr lang="en-US" dirty="0"/>
-              <a:t>Running filtering during every change detection is expensive</a:t>
-            </a:r>
-          </a:p>
-          <a:p>
-            <a:r>
-              <a:rPr lang="en-US" dirty="0"/>
-              <a:t>This is the main reason Angular does not offer a filter pipe</a:t>
-            </a:r>
-          </a:p>
-          <a:p>
-            <a:r>
-              <a:rPr lang="en-US" dirty="0"/>
-              <a:t>It is better to react to change events and only then filter the data</a:t>
-            </a:r>
-            <a:endParaRPr lang="he-IL" dirty="0"/>
-          </a:p>
-        </p:txBody>
-      </p:sp>
-    </p:spTree>
-    <p:extLst>
-      <p:ext uri="{BB962C8B-B14F-4D97-AF65-F5344CB8AC3E}">
-        <p14:creationId xmlns:p14="http://schemas.microsoft.com/office/powerpoint/2010/main" val="2695302297"/>
-      </p:ext>
-    </p:extLst>
-  </p:cSld>
-  <p:clrMapOvr>
-    <a:masterClrMapping/>
-  </p:clrMapOvr>
-</p:sld>
-</file>
-
 <file path=ppt/slides/slide58.xml><?xml version="1.0" encoding="utf-8"?>
 <p:sld xmlns:a="http://schemas.openxmlformats.org/drawingml/2006/main" xmlns:r="http://schemas.openxmlformats.org/officeDocument/2006/relationships" xmlns:p="http://schemas.openxmlformats.org/presentationml/2006/main">
   <p:cSld>
@@ -44900,7 +45198,7 @@
           <a:p>
             <a:r>
               <a:rPr lang="en-US" dirty="0"/>
-              <a:t>Summary</a:t>
+              <a:t>Be Aware</a:t>
             </a:r>
             <a:endParaRPr lang="he-IL" dirty="0"/>
           </a:p>
@@ -44950,6 +45248,143 @@
               <a:rPr lang="en-US" smtClean="0"/>
               <a:pPr/>
               <a:t>58</a:t>
+            </a:fld>
+            <a:endParaRPr lang="en-US"/>
+          </a:p>
+        </p:txBody>
+      </p:sp>
+      <p:sp>
+        <p:nvSpPr>
+          <p:cNvPr id="5" name="Content Placeholder 4"/>
+          <p:cNvSpPr>
+            <a:spLocks noGrp="1"/>
+          </p:cNvSpPr>
+          <p:nvPr>
+            <p:ph sz="quarter" idx="1"/>
+          </p:nvPr>
+        </p:nvSpPr>
+        <p:spPr/>
+        <p:txBody>
+          <a:bodyPr/>
+          <a:lstStyle/>
+          <a:p>
+            <a:r>
+              <a:rPr lang="en-US" dirty="0"/>
+              <a:t>Running filtering during every change detection is expensive</a:t>
+            </a:r>
+          </a:p>
+          <a:p>
+            <a:r>
+              <a:rPr lang="en-US" dirty="0"/>
+              <a:t>This is the main reason Angular does not offer a filter pipe</a:t>
+            </a:r>
+          </a:p>
+          <a:p>
+            <a:r>
+              <a:rPr lang="en-US" dirty="0"/>
+              <a:t>It is better to react to change events and only then filter the data</a:t>
+            </a:r>
+            <a:endParaRPr lang="he-IL" dirty="0"/>
+          </a:p>
+        </p:txBody>
+      </p:sp>
+    </p:spTree>
+    <p:extLst>
+      <p:ext uri="{BB962C8B-B14F-4D97-AF65-F5344CB8AC3E}">
+        <p14:creationId xmlns:p14="http://schemas.microsoft.com/office/powerpoint/2010/main" val="2695302297"/>
+      </p:ext>
+    </p:extLst>
+  </p:cSld>
+  <p:clrMapOvr>
+    <a:masterClrMapping/>
+  </p:clrMapOvr>
+</p:sld>
+</file>
+
+<file path=ppt/slides/slide59.xml><?xml version="1.0" encoding="utf-8"?>
+<p:sld xmlns:a="http://schemas.openxmlformats.org/drawingml/2006/main" xmlns:r="http://schemas.openxmlformats.org/officeDocument/2006/relationships" xmlns:p="http://schemas.openxmlformats.org/presentationml/2006/main">
+  <p:cSld>
+    <p:spTree>
+      <p:nvGrpSpPr>
+        <p:cNvPr id="1" name=""/>
+        <p:cNvGrpSpPr/>
+        <p:nvPr/>
+      </p:nvGrpSpPr>
+      <p:grpSpPr>
+        <a:xfrm>
+          <a:off x="0" y="0"/>
+          <a:ext cx="0" cy="0"/>
+          <a:chOff x="0" y="0"/>
+          <a:chExt cx="0" cy="0"/>
+        </a:xfrm>
+      </p:grpSpPr>
+      <p:sp>
+        <p:nvSpPr>
+          <p:cNvPr id="2" name="Title 1"/>
+          <p:cNvSpPr>
+            <a:spLocks noGrp="1"/>
+          </p:cNvSpPr>
+          <p:nvPr>
+            <p:ph type="title"/>
+          </p:nvPr>
+        </p:nvSpPr>
+        <p:spPr/>
+        <p:txBody>
+          <a:bodyPr/>
+          <a:lstStyle/>
+          <a:p>
+            <a:r>
+              <a:rPr lang="en-US" dirty="0"/>
+              <a:t>Summary</a:t>
+            </a:r>
+            <a:endParaRPr lang="he-IL" dirty="0"/>
+          </a:p>
+        </p:txBody>
+      </p:sp>
+      <p:sp>
+        <p:nvSpPr>
+          <p:cNvPr id="3" name="Footer Placeholder 2"/>
+          <p:cNvSpPr>
+            <a:spLocks noGrp="1"/>
+          </p:cNvSpPr>
+          <p:nvPr>
+            <p:ph type="ftr" sz="quarter" idx="11"/>
+          </p:nvPr>
+        </p:nvSpPr>
+        <p:spPr/>
+        <p:txBody>
+          <a:bodyPr/>
+          <a:lstStyle/>
+          <a:p>
+            <a:r>
+              <a:rPr lang="en-US"/>
+              <a:t>© 2016 Ori Calvo</a:t>
+            </a:r>
+            <a:endParaRPr lang="en-US" dirty="0"/>
+          </a:p>
+        </p:txBody>
+      </p:sp>
+      <p:sp>
+        <p:nvSpPr>
+          <p:cNvPr id="4" name="Slide Number Placeholder 3"/>
+          <p:cNvSpPr>
+            <a:spLocks noGrp="1"/>
+          </p:cNvSpPr>
+          <p:nvPr>
+            <p:ph type="sldNum" sz="quarter" idx="12"/>
+          </p:nvPr>
+        </p:nvSpPr>
+        <p:spPr/>
+        <p:txBody>
+          <a:bodyPr>
+            <a:normAutofit fontScale="85000" lnSpcReduction="20000"/>
+          </a:bodyPr>
+          <a:lstStyle/>
+          <a:p>
+            <a:fld id="{6EDEC3BC-0694-4586-AE63-02B4D54ABF43}" type="slidenum">
+              <a:rPr lang="en-US" smtClean="0"/>
+              <a:pPr/>
+              <a:t>59</a:t>
             </a:fld>
             <a:endParaRPr lang="en-US"/>
           </a:p>

--- a/PPTs/04 Advanced Components.pptx
+++ b/PPTs/04 Advanced Components.pptx
@@ -4252,7 +4252,7 @@
             <a:fld id="{4991502B-FFA8-47B9-B4E5-980CA415BAFF}" type="datetimeFigureOut">
               <a:rPr lang="en-US" smtClean="0"/>
               <a:pPr/>
-              <a:t>2/15/2018</a:t>
+              <a:t>5/9/2018</a:t>
             </a:fld>
             <a:endParaRPr lang="en-US"/>
           </a:p>
@@ -10051,7 +10051,7 @@
           <a:p>
             <a:r>
               <a:rPr lang="en-US" dirty="0"/>
-              <a:t>my-app is considered a child element not the host element itself</a:t>
+              <a:t>my-app is considered a child element, not the host element itself</a:t>
             </a:r>
           </a:p>
         </p:txBody>
@@ -11639,7 +11639,7 @@
         <p:spPr>
           <a:xfrm>
             <a:off x="2403348" y="3510677"/>
-            <a:ext cx="4572000" cy="2585323"/>
+            <a:ext cx="4572000" cy="2308324"/>
           </a:xfrm>
           <a:prstGeom prst="rect">
             <a:avLst/>
@@ -11862,93 +11862,6 @@
                 <a:cs typeface="Arial" panose="020B0604020202020204" pitchFamily="34" charset="0"/>
               </a:rPr>
               <a:t>],</a:t>
-            </a:r>
-            <a:br>
-              <a:rPr lang="en-US" dirty="0">
-                <a:solidFill>
-                  <a:srgbClr val="000000"/>
-                </a:solidFill>
-                <a:latin typeface="Calibri" panose="020F0502020204030204" pitchFamily="34" charset="0"/>
-                <a:ea typeface="Calibri" panose="020F0502020204030204" pitchFamily="34" charset="0"/>
-                <a:cs typeface="Arial" panose="020B0604020202020204" pitchFamily="34" charset="0"/>
-              </a:rPr>
-            </a:br>
-            <a:r>
-              <a:rPr lang="en-US" dirty="0">
-                <a:solidFill>
-                  <a:srgbClr val="000000"/>
-                </a:solidFill>
-                <a:latin typeface="Calibri" panose="020F0502020204030204" pitchFamily="34" charset="0"/>
-                <a:ea typeface="Calibri" panose="020F0502020204030204" pitchFamily="34" charset="0"/>
-                <a:cs typeface="Arial" panose="020B0604020202020204" pitchFamily="34" charset="0"/>
-              </a:rPr>
-              <a:t>    </a:t>
-            </a:r>
-            <a:r>
-              <a:rPr lang="en-US" b="1" dirty="0" err="1">
-                <a:solidFill>
-                  <a:srgbClr val="660E7A"/>
-                </a:solidFill>
-                <a:latin typeface="Calibri" panose="020F0502020204030204" pitchFamily="34" charset="0"/>
-                <a:ea typeface="Calibri" panose="020F0502020204030204" pitchFamily="34" charset="0"/>
-                <a:cs typeface="Arial" panose="020B0604020202020204" pitchFamily="34" charset="0"/>
-              </a:rPr>
-              <a:t>moduleId</a:t>
-            </a:r>
-            <a:r>
-              <a:rPr lang="en-US" dirty="0">
-                <a:solidFill>
-                  <a:srgbClr val="000000"/>
-                </a:solidFill>
-                <a:latin typeface="Calibri" panose="020F0502020204030204" pitchFamily="34" charset="0"/>
-                <a:ea typeface="Calibri" panose="020F0502020204030204" pitchFamily="34" charset="0"/>
-                <a:cs typeface="Arial" panose="020B0604020202020204" pitchFamily="34" charset="0"/>
-              </a:rPr>
-              <a:t>: </a:t>
-            </a:r>
-            <a:r>
-              <a:rPr lang="en-US" b="1" i="1" dirty="0">
-                <a:solidFill>
-                  <a:srgbClr val="660E7A"/>
-                </a:solidFill>
-                <a:latin typeface="Calibri" panose="020F0502020204030204" pitchFamily="34" charset="0"/>
-                <a:ea typeface="Calibri" panose="020F0502020204030204" pitchFamily="34" charset="0"/>
-                <a:cs typeface="Arial" panose="020B0604020202020204" pitchFamily="34" charset="0"/>
-              </a:rPr>
-              <a:t>module</a:t>
-            </a:r>
-            <a:r>
-              <a:rPr lang="en-US" dirty="0">
-                <a:solidFill>
-                  <a:srgbClr val="000000"/>
-                </a:solidFill>
-                <a:latin typeface="Calibri" panose="020F0502020204030204" pitchFamily="34" charset="0"/>
-                <a:ea typeface="Calibri" panose="020F0502020204030204" pitchFamily="34" charset="0"/>
-                <a:cs typeface="Arial" panose="020B0604020202020204" pitchFamily="34" charset="0"/>
-              </a:rPr>
-              <a:t>.</a:t>
-            </a:r>
-            <a:r>
-              <a:rPr lang="en-US" b="1" dirty="0">
-                <a:solidFill>
-                  <a:srgbClr val="660E7A"/>
-                </a:solidFill>
-                <a:latin typeface="Calibri" panose="020F0502020204030204" pitchFamily="34" charset="0"/>
-                <a:ea typeface="Calibri" panose="020F0502020204030204" pitchFamily="34" charset="0"/>
-                <a:cs typeface="Arial" panose="020B0604020202020204" pitchFamily="34" charset="0"/>
-              </a:rPr>
-              <a:t>id</a:t>
-            </a:r>
-            <a:r>
-              <a:rPr lang="en-US" dirty="0">
-                <a:solidFill>
-                  <a:srgbClr val="000000"/>
-                </a:solidFill>
-                <a:latin typeface="Calibri" panose="020F0502020204030204" pitchFamily="34" charset="0"/>
-                <a:ea typeface="Calibri" panose="020F0502020204030204" pitchFamily="34" charset="0"/>
-                <a:cs typeface="Arial" panose="020B0604020202020204" pitchFamily="34" charset="0"/>
-              </a:rPr>
-              <a:t>,</a:t>
             </a:r>
             <a:br>
               <a:rPr lang="en-US" dirty="0">
@@ -13616,13 +13529,7 @@
           <a:ln>
             <a:noFill/>
           </a:ln>
-          <a:effectLst>
-            <a:outerShdw blurRad="63500" sx="102000" sy="102000" algn="ctr" rotWithShape="0">
-              <a:prstClr val="black">
-                <a:alpha val="40000"/>
-              </a:prstClr>
-            </a:outerShdw>
-          </a:effectLst>
+          <a:effectLst/>
         </p:spPr>
         <p:txBody>
           <a:bodyPr wrap="square">
